--- a/hyundai_230807.pptx
+++ b/hyundai_230807.pptx
@@ -11,6 +11,14 @@
     <p:sldId id="259" r:id="rId5"/>
     <p:sldId id="260" r:id="rId6"/>
     <p:sldId id="261" r:id="rId7"/>
+    <p:sldId id="262" r:id="rId8"/>
+    <p:sldId id="263" r:id="rId9"/>
+    <p:sldId id="264" r:id="rId10"/>
+    <p:sldId id="265" r:id="rId11"/>
+    <p:sldId id="266" r:id="rId12"/>
+    <p:sldId id="267" r:id="rId13"/>
+    <p:sldId id="268" r:id="rId14"/>
+    <p:sldId id="269" r:id="rId15"/>
   </p:sldIdLst>
   <p:sldSz cx="12192000" cy="6858000"/>
   <p:notesSz cx="6858000" cy="9144000"/>
@@ -3594,6 +3602,2889 @@
 </p:sld>
 </file>
 
+<file path=ppt/slides/slide10.xml><?xml version="1.0" encoding="utf-8"?>
+<p:sld xmlns:a="http://schemas.openxmlformats.org/drawingml/2006/main" xmlns:r="http://schemas.openxmlformats.org/officeDocument/2006/relationships" xmlns:p="http://schemas.openxmlformats.org/presentationml/2006/main">
+  <p:cSld>
+    <p:spTree>
+      <p:nvGrpSpPr>
+        <p:cNvPr id="1" name=""/>
+        <p:cNvGrpSpPr/>
+        <p:nvPr/>
+      </p:nvGrpSpPr>
+      <p:grpSpPr>
+        <a:xfrm>
+          <a:off x="0" y="0"/>
+          <a:ext cx="0" cy="0"/>
+          <a:chOff x="0" y="0"/>
+          <a:chExt cx="0" cy="0"/>
+        </a:xfrm>
+      </p:grpSpPr>
+      <p:sp>
+        <p:nvSpPr>
+          <p:cNvPr id="8" name="직사각형 7">
+            <a:extLst>
+              <a:ext uri="{FF2B5EF4-FFF2-40B4-BE49-F238E27FC236}">
+                <a16:creationId xmlns:a16="http://schemas.microsoft.com/office/drawing/2014/main" id="{6AC51066-E12F-F837-76D4-31AAED4926C4}"/>
+              </a:ext>
+            </a:extLst>
+          </p:cNvPr>
+          <p:cNvSpPr/>
+          <p:nvPr/>
+        </p:nvSpPr>
+        <p:spPr>
+          <a:xfrm>
+            <a:off x="2946400" y="4076700"/>
+            <a:ext cx="3644900" cy="2374900"/>
+          </a:xfrm>
+          <a:prstGeom prst="rect">
+            <a:avLst/>
+          </a:prstGeom>
+          <a:solidFill>
+            <a:schemeClr val="bg1"/>
+          </a:solidFill>
+        </p:spPr>
+        <p:style>
+          <a:lnRef idx="2">
+            <a:schemeClr val="accent1">
+              <a:shade val="15000"/>
+            </a:schemeClr>
+          </a:lnRef>
+          <a:fillRef idx="1">
+            <a:schemeClr val="accent1"/>
+          </a:fillRef>
+          <a:effectRef idx="0">
+            <a:schemeClr val="accent1"/>
+          </a:effectRef>
+          <a:fontRef idx="minor">
+            <a:schemeClr val="lt1"/>
+          </a:fontRef>
+        </p:style>
+        <p:txBody>
+          <a:bodyPr rtlCol="0" anchor="ctr"/>
+          <a:lstStyle/>
+          <a:p>
+            <a:pPr algn="ctr"/>
+            <a:endParaRPr kumimoji="1" lang="ko-Kore-KR" altLang="en-US" dirty="0">
+              <a:solidFill>
+                <a:schemeClr val="tx1"/>
+              </a:solidFill>
+              <a:latin typeface="DM Mono" panose="020B0509040201040103" pitchFamily="49" charset="0"/>
+            </a:endParaRPr>
+          </a:p>
+        </p:txBody>
+      </p:sp>
+      <p:sp>
+        <p:nvSpPr>
+          <p:cNvPr id="5" name="TextBox 4">
+            <a:extLst>
+              <a:ext uri="{FF2B5EF4-FFF2-40B4-BE49-F238E27FC236}">
+                <a16:creationId xmlns:a16="http://schemas.microsoft.com/office/drawing/2014/main" id="{E1698812-92B1-CC4B-4DF6-F41BD8849545}"/>
+              </a:ext>
+            </a:extLst>
+          </p:cNvPr>
+          <p:cNvSpPr txBox="1"/>
+          <p:nvPr/>
+        </p:nvSpPr>
+        <p:spPr>
+          <a:xfrm>
+            <a:off x="431800" y="196840"/>
+            <a:ext cx="6096000" cy="2677656"/>
+          </a:xfrm>
+          <a:prstGeom prst="rect">
+            <a:avLst/>
+          </a:prstGeom>
+          <a:noFill/>
+        </p:spPr>
+        <p:txBody>
+          <a:bodyPr wrap="square">
+            <a:spAutoFit/>
+          </a:bodyPr>
+          <a:lstStyle/>
+          <a:p>
+            <a:r>
+              <a:rPr lang="ko-Kore-KR" altLang="en-US" sz="1400" dirty="0">
+                <a:latin typeface="DM Mono" panose="020B0509040201040103" pitchFamily="49" charset="0"/>
+              </a:rPr>
+              <a:t>void inc(int x)</a:t>
+            </a:r>
+          </a:p>
+          <a:p>
+            <a:r>
+              <a:rPr lang="ko-Kore-KR" altLang="en-US" sz="1400" dirty="0">
+                <a:latin typeface="DM Mono" panose="020B0509040201040103" pitchFamily="49" charset="0"/>
+              </a:rPr>
+              <a:t>{</a:t>
+            </a:r>
+          </a:p>
+          <a:p>
+            <a:r>
+              <a:rPr lang="ko-Kore-KR" altLang="en-US" sz="1400" dirty="0">
+                <a:latin typeface="DM Mono" panose="020B0509040201040103" pitchFamily="49" charset="0"/>
+              </a:rPr>
+              <a:t>    ++x;</a:t>
+            </a:r>
+          </a:p>
+          <a:p>
+            <a:r>
+              <a:rPr lang="ko-Kore-KR" altLang="en-US" sz="1400" dirty="0">
+                <a:latin typeface="DM Mono" panose="020B0509040201040103" pitchFamily="49" charset="0"/>
+              </a:rPr>
+              <a:t>}</a:t>
+            </a:r>
+          </a:p>
+          <a:p>
+            <a:endParaRPr lang="ko-Kore-KR" altLang="en-US" sz="1400" dirty="0">
+              <a:latin typeface="DM Mono" panose="020B0509040201040103" pitchFamily="49" charset="0"/>
+            </a:endParaRPr>
+          </a:p>
+          <a:p>
+            <a:r>
+              <a:rPr lang="ko-Kore-KR" altLang="en-US" sz="1400" dirty="0">
+                <a:latin typeface="DM Mono" panose="020B0509040201040103" pitchFamily="49" charset="0"/>
+              </a:rPr>
+              <a:t>int main()</a:t>
+            </a:r>
+          </a:p>
+          <a:p>
+            <a:r>
+              <a:rPr lang="ko-Kore-KR" altLang="en-US" sz="1400" dirty="0">
+                <a:latin typeface="DM Mono" panose="020B0509040201040103" pitchFamily="49" charset="0"/>
+              </a:rPr>
+              <a:t>{</a:t>
+            </a:r>
+          </a:p>
+          <a:p>
+            <a:r>
+              <a:rPr lang="ko-Kore-KR" altLang="en-US" sz="1400" dirty="0">
+                <a:latin typeface="DM Mono" panose="020B0509040201040103" pitchFamily="49" charset="0"/>
+              </a:rPr>
+              <a:t>    int x = 10;</a:t>
+            </a:r>
+          </a:p>
+          <a:p>
+            <a:r>
+              <a:rPr lang="ko-Kore-KR" altLang="en-US" sz="1400" dirty="0">
+                <a:latin typeface="DM Mono" panose="020B0509040201040103" pitchFamily="49" charset="0"/>
+              </a:rPr>
+              <a:t>    inc(x);</a:t>
+            </a:r>
+          </a:p>
+          <a:p>
+            <a:endParaRPr lang="ko-Kore-KR" altLang="en-US" sz="1400" dirty="0">
+              <a:latin typeface="DM Mono" panose="020B0509040201040103" pitchFamily="49" charset="0"/>
+            </a:endParaRPr>
+          </a:p>
+          <a:p>
+            <a:r>
+              <a:rPr lang="ko-Kore-KR" altLang="en-US" sz="1400" dirty="0">
+                <a:latin typeface="DM Mono" panose="020B0509040201040103" pitchFamily="49" charset="0"/>
+              </a:rPr>
+              <a:t>    cout &lt;&lt; x &lt;&lt; endl;</a:t>
+            </a:r>
+          </a:p>
+          <a:p>
+            <a:r>
+              <a:rPr lang="ko-Kore-KR" altLang="en-US" sz="1400" dirty="0">
+                <a:latin typeface="DM Mono" panose="020B0509040201040103" pitchFamily="49" charset="0"/>
+              </a:rPr>
+              <a:t>}</a:t>
+            </a:r>
+          </a:p>
+        </p:txBody>
+      </p:sp>
+      <p:sp>
+        <p:nvSpPr>
+          <p:cNvPr id="6" name="직사각형 5">
+            <a:extLst>
+              <a:ext uri="{FF2B5EF4-FFF2-40B4-BE49-F238E27FC236}">
+                <a16:creationId xmlns:a16="http://schemas.microsoft.com/office/drawing/2014/main" id="{12AE9555-AE2E-E037-07D5-267BBB7BF260}"/>
+              </a:ext>
+            </a:extLst>
+          </p:cNvPr>
+          <p:cNvSpPr/>
+          <p:nvPr/>
+        </p:nvSpPr>
+        <p:spPr>
+          <a:xfrm>
+            <a:off x="4184650" y="4851400"/>
+            <a:ext cx="1054100" cy="546100"/>
+          </a:xfrm>
+          <a:prstGeom prst="rect">
+            <a:avLst/>
+          </a:prstGeom>
+          <a:solidFill>
+            <a:srgbClr val="FFFF00"/>
+          </a:solidFill>
+        </p:spPr>
+        <p:style>
+          <a:lnRef idx="2">
+            <a:schemeClr val="accent1">
+              <a:shade val="15000"/>
+            </a:schemeClr>
+          </a:lnRef>
+          <a:fillRef idx="1">
+            <a:schemeClr val="accent1"/>
+          </a:fillRef>
+          <a:effectRef idx="0">
+            <a:schemeClr val="accent1"/>
+          </a:effectRef>
+          <a:fontRef idx="minor">
+            <a:schemeClr val="lt1"/>
+          </a:fontRef>
+        </p:style>
+        <p:txBody>
+          <a:bodyPr rtlCol="0" anchor="ctr"/>
+          <a:lstStyle/>
+          <a:p>
+            <a:pPr algn="ctr"/>
+            <a:r>
+              <a:rPr kumimoji="1" lang="en-US" altLang="ko-Kore-KR" dirty="0">
+                <a:solidFill>
+                  <a:schemeClr val="tx1"/>
+                </a:solidFill>
+                <a:latin typeface="DM Mono" panose="020B0509040201040103" pitchFamily="49" charset="0"/>
+              </a:rPr>
+              <a:t>10</a:t>
+            </a:r>
+            <a:endParaRPr kumimoji="1" lang="ko-Kore-KR" altLang="en-US" dirty="0">
+              <a:solidFill>
+                <a:schemeClr val="tx1"/>
+              </a:solidFill>
+              <a:latin typeface="DM Mono" panose="020B0509040201040103" pitchFamily="49" charset="0"/>
+            </a:endParaRPr>
+          </a:p>
+        </p:txBody>
+      </p:sp>
+      <p:sp>
+        <p:nvSpPr>
+          <p:cNvPr id="7" name="TextBox 6">
+            <a:extLst>
+              <a:ext uri="{FF2B5EF4-FFF2-40B4-BE49-F238E27FC236}">
+                <a16:creationId xmlns:a16="http://schemas.microsoft.com/office/drawing/2014/main" id="{255C507C-46FE-837C-0674-1433255B1F02}"/>
+              </a:ext>
+            </a:extLst>
+          </p:cNvPr>
+          <p:cNvSpPr txBox="1"/>
+          <p:nvPr/>
+        </p:nvSpPr>
+        <p:spPr>
+          <a:xfrm>
+            <a:off x="3721100" y="4800084"/>
+            <a:ext cx="463550" cy="369332"/>
+          </a:xfrm>
+          <a:prstGeom prst="rect">
+            <a:avLst/>
+          </a:prstGeom>
+          <a:noFill/>
+        </p:spPr>
+        <p:txBody>
+          <a:bodyPr wrap="square">
+            <a:spAutoFit/>
+          </a:bodyPr>
+          <a:lstStyle/>
+          <a:p>
+            <a:pPr algn="r"/>
+            <a:r>
+              <a:rPr lang="en-US" altLang="ko-Kore-KR" sz="1800" dirty="0">
+                <a:latin typeface="DM Mono" panose="020B0509040201040103" pitchFamily="49" charset="0"/>
+              </a:rPr>
+              <a:t>x</a:t>
+            </a:r>
+            <a:endParaRPr lang="ko-Kore-KR" altLang="en-US" dirty="0"/>
+          </a:p>
+        </p:txBody>
+      </p:sp>
+      <p:sp>
+        <p:nvSpPr>
+          <p:cNvPr id="10" name="TextBox 9">
+            <a:extLst>
+              <a:ext uri="{FF2B5EF4-FFF2-40B4-BE49-F238E27FC236}">
+                <a16:creationId xmlns:a16="http://schemas.microsoft.com/office/drawing/2014/main" id="{8EA97F5A-477D-0C94-8EEC-5A47D93E9154}"/>
+              </a:ext>
+            </a:extLst>
+          </p:cNvPr>
+          <p:cNvSpPr txBox="1"/>
+          <p:nvPr/>
+        </p:nvSpPr>
+        <p:spPr>
+          <a:xfrm>
+            <a:off x="4108450" y="3707368"/>
+            <a:ext cx="1035050" cy="369332"/>
+          </a:xfrm>
+          <a:prstGeom prst="rect">
+            <a:avLst/>
+          </a:prstGeom>
+          <a:noFill/>
+        </p:spPr>
+        <p:txBody>
+          <a:bodyPr wrap="square">
+            <a:spAutoFit/>
+          </a:bodyPr>
+          <a:lstStyle/>
+          <a:p>
+            <a:pPr algn="ctr"/>
+            <a:r>
+              <a:rPr lang="ko-Kore-KR" altLang="en-US" sz="1800" dirty="0">
+                <a:latin typeface="DM Mono" panose="020B0509040201040103" pitchFamily="49" charset="0"/>
+              </a:rPr>
+              <a:t>main</a:t>
+            </a:r>
+            <a:endParaRPr lang="ko-Kore-KR" altLang="en-US" dirty="0">
+              <a:latin typeface="DM Mono" panose="020B0509040201040103" pitchFamily="49" charset="0"/>
+            </a:endParaRPr>
+          </a:p>
+        </p:txBody>
+      </p:sp>
+    </p:spTree>
+    <p:extLst>
+      <p:ext uri="{BB962C8B-B14F-4D97-AF65-F5344CB8AC3E}">
+        <p14:creationId xmlns:p14="http://schemas.microsoft.com/office/powerpoint/2010/main" val="633128236"/>
+      </p:ext>
+    </p:extLst>
+  </p:cSld>
+  <p:clrMapOvr>
+    <a:masterClrMapping/>
+  </p:clrMapOvr>
+</p:sld>
+</file>
+
+<file path=ppt/slides/slide11.xml><?xml version="1.0" encoding="utf-8"?>
+<p:sld xmlns:a="http://schemas.openxmlformats.org/drawingml/2006/main" xmlns:r="http://schemas.openxmlformats.org/officeDocument/2006/relationships" xmlns:p="http://schemas.openxmlformats.org/presentationml/2006/main">
+  <p:cSld>
+    <p:spTree>
+      <p:nvGrpSpPr>
+        <p:cNvPr id="1" name=""/>
+        <p:cNvGrpSpPr/>
+        <p:nvPr/>
+      </p:nvGrpSpPr>
+      <p:grpSpPr>
+        <a:xfrm>
+          <a:off x="0" y="0"/>
+          <a:ext cx="0" cy="0"/>
+          <a:chOff x="0" y="0"/>
+          <a:chExt cx="0" cy="0"/>
+        </a:xfrm>
+      </p:grpSpPr>
+      <p:sp>
+        <p:nvSpPr>
+          <p:cNvPr id="8" name="직사각형 7">
+            <a:extLst>
+              <a:ext uri="{FF2B5EF4-FFF2-40B4-BE49-F238E27FC236}">
+                <a16:creationId xmlns:a16="http://schemas.microsoft.com/office/drawing/2014/main" id="{6AC51066-E12F-F837-76D4-31AAED4926C4}"/>
+              </a:ext>
+            </a:extLst>
+          </p:cNvPr>
+          <p:cNvSpPr/>
+          <p:nvPr/>
+        </p:nvSpPr>
+        <p:spPr>
+          <a:xfrm>
+            <a:off x="2946400" y="4076700"/>
+            <a:ext cx="3644900" cy="2374900"/>
+          </a:xfrm>
+          <a:prstGeom prst="rect">
+            <a:avLst/>
+          </a:prstGeom>
+          <a:solidFill>
+            <a:schemeClr val="bg1"/>
+          </a:solidFill>
+        </p:spPr>
+        <p:style>
+          <a:lnRef idx="2">
+            <a:schemeClr val="accent1">
+              <a:shade val="15000"/>
+            </a:schemeClr>
+          </a:lnRef>
+          <a:fillRef idx="1">
+            <a:schemeClr val="accent1"/>
+          </a:fillRef>
+          <a:effectRef idx="0">
+            <a:schemeClr val="accent1"/>
+          </a:effectRef>
+          <a:fontRef idx="minor">
+            <a:schemeClr val="lt1"/>
+          </a:fontRef>
+        </p:style>
+        <p:txBody>
+          <a:bodyPr rtlCol="0" anchor="ctr"/>
+          <a:lstStyle/>
+          <a:p>
+            <a:pPr algn="ctr"/>
+            <a:endParaRPr kumimoji="1" lang="ko-Kore-KR" altLang="en-US" dirty="0">
+              <a:solidFill>
+                <a:schemeClr val="tx1"/>
+              </a:solidFill>
+              <a:latin typeface="DM Mono" panose="020B0509040201040103" pitchFamily="49" charset="0"/>
+            </a:endParaRPr>
+          </a:p>
+        </p:txBody>
+      </p:sp>
+      <p:sp>
+        <p:nvSpPr>
+          <p:cNvPr id="5" name="TextBox 4">
+            <a:extLst>
+              <a:ext uri="{FF2B5EF4-FFF2-40B4-BE49-F238E27FC236}">
+                <a16:creationId xmlns:a16="http://schemas.microsoft.com/office/drawing/2014/main" id="{E1698812-92B1-CC4B-4DF6-F41BD8849545}"/>
+              </a:ext>
+            </a:extLst>
+          </p:cNvPr>
+          <p:cNvSpPr txBox="1"/>
+          <p:nvPr/>
+        </p:nvSpPr>
+        <p:spPr>
+          <a:xfrm>
+            <a:off x="431800" y="196840"/>
+            <a:ext cx="6096000" cy="2677656"/>
+          </a:xfrm>
+          <a:prstGeom prst="rect">
+            <a:avLst/>
+          </a:prstGeom>
+          <a:noFill/>
+        </p:spPr>
+        <p:txBody>
+          <a:bodyPr wrap="square">
+            <a:spAutoFit/>
+          </a:bodyPr>
+          <a:lstStyle/>
+          <a:p>
+            <a:r>
+              <a:rPr lang="en" altLang="ko-Kore-KR" sz="1400" dirty="0">
+                <a:latin typeface="DM Mono" panose="020B0509040201040103" pitchFamily="49" charset="0"/>
+              </a:rPr>
+              <a:t>void inc2(int* </a:t>
+            </a:r>
+            <a:r>
+              <a:rPr lang="en" altLang="ko-Kore-KR" sz="1400" dirty="0" err="1">
+                <a:latin typeface="DM Mono" panose="020B0509040201040103" pitchFamily="49" charset="0"/>
+              </a:rPr>
+              <a:t>px</a:t>
+            </a:r>
+            <a:r>
+              <a:rPr lang="en" altLang="ko-Kore-KR" sz="1400" dirty="0">
+                <a:latin typeface="DM Mono" panose="020B0509040201040103" pitchFamily="49" charset="0"/>
+              </a:rPr>
+              <a:t>)</a:t>
+            </a:r>
+          </a:p>
+          <a:p>
+            <a:r>
+              <a:rPr lang="en" altLang="ko-Kore-KR" sz="1400" dirty="0">
+                <a:latin typeface="DM Mono" panose="020B0509040201040103" pitchFamily="49" charset="0"/>
+              </a:rPr>
+              <a:t>{</a:t>
+            </a:r>
+          </a:p>
+          <a:p>
+            <a:r>
+              <a:rPr lang="en" altLang="ko-Kore-KR" sz="1400" dirty="0">
+                <a:latin typeface="DM Mono" panose="020B0509040201040103" pitchFamily="49" charset="0"/>
+              </a:rPr>
+              <a:t>    ++(*</a:t>
+            </a:r>
+            <a:r>
+              <a:rPr lang="en" altLang="ko-Kore-KR" sz="1400" dirty="0" err="1">
+                <a:latin typeface="DM Mono" panose="020B0509040201040103" pitchFamily="49" charset="0"/>
+              </a:rPr>
+              <a:t>px</a:t>
+            </a:r>
+            <a:r>
+              <a:rPr lang="en" altLang="ko-Kore-KR" sz="1400" dirty="0">
+                <a:latin typeface="DM Mono" panose="020B0509040201040103" pitchFamily="49" charset="0"/>
+              </a:rPr>
+              <a:t>);</a:t>
+            </a:r>
+          </a:p>
+          <a:p>
+            <a:r>
+              <a:rPr lang="en" altLang="ko-Kore-KR" sz="1400" dirty="0">
+                <a:latin typeface="DM Mono" panose="020B0509040201040103" pitchFamily="49" charset="0"/>
+              </a:rPr>
+              <a:t>}</a:t>
+            </a:r>
+          </a:p>
+          <a:p>
+            <a:endParaRPr lang="en" altLang="ko-Kore-KR" sz="1400" dirty="0">
+              <a:latin typeface="DM Mono" panose="020B0509040201040103" pitchFamily="49" charset="0"/>
+            </a:endParaRPr>
+          </a:p>
+          <a:p>
+            <a:r>
+              <a:rPr lang="en" altLang="ko-Kore-KR" sz="1400" dirty="0">
+                <a:latin typeface="DM Mono" panose="020B0509040201040103" pitchFamily="49" charset="0"/>
+              </a:rPr>
+              <a:t>int main()</a:t>
+            </a:r>
+          </a:p>
+          <a:p>
+            <a:r>
+              <a:rPr lang="en" altLang="ko-Kore-KR" sz="1400" dirty="0">
+                <a:latin typeface="DM Mono" panose="020B0509040201040103" pitchFamily="49" charset="0"/>
+              </a:rPr>
+              <a:t>{</a:t>
+            </a:r>
+          </a:p>
+          <a:p>
+            <a:r>
+              <a:rPr lang="en" altLang="ko-Kore-KR" sz="1400" dirty="0">
+                <a:latin typeface="DM Mono" panose="020B0509040201040103" pitchFamily="49" charset="0"/>
+              </a:rPr>
+              <a:t>    int x = 10;</a:t>
+            </a:r>
+          </a:p>
+          <a:p>
+            <a:r>
+              <a:rPr lang="en" altLang="ko-Kore-KR" sz="1400" dirty="0">
+                <a:solidFill>
+                  <a:srgbClr val="FF0000"/>
+                </a:solidFill>
+                <a:latin typeface="DM Mono" panose="020B0509040201040103" pitchFamily="49" charset="0"/>
+              </a:rPr>
+              <a:t>    inc2(&amp;x);</a:t>
+            </a:r>
+          </a:p>
+          <a:p>
+            <a:endParaRPr lang="en" altLang="ko-Kore-KR" sz="1400" dirty="0">
+              <a:latin typeface="DM Mono" panose="020B0509040201040103" pitchFamily="49" charset="0"/>
+            </a:endParaRPr>
+          </a:p>
+          <a:p>
+            <a:r>
+              <a:rPr lang="en" altLang="ko-Kore-KR" sz="1400" dirty="0">
+                <a:latin typeface="DM Mono" panose="020B0509040201040103" pitchFamily="49" charset="0"/>
+              </a:rPr>
+              <a:t>    </a:t>
+            </a:r>
+            <a:r>
+              <a:rPr lang="en" altLang="ko-Kore-KR" sz="1400" dirty="0" err="1">
+                <a:latin typeface="DM Mono" panose="020B0509040201040103" pitchFamily="49" charset="0"/>
+              </a:rPr>
+              <a:t>cout</a:t>
+            </a:r>
+            <a:r>
+              <a:rPr lang="en" altLang="ko-Kore-KR" sz="1400" dirty="0">
+                <a:latin typeface="DM Mono" panose="020B0509040201040103" pitchFamily="49" charset="0"/>
+              </a:rPr>
+              <a:t> &lt;&lt; x &lt;&lt; </a:t>
+            </a:r>
+            <a:r>
+              <a:rPr lang="en" altLang="ko-Kore-KR" sz="1400" dirty="0" err="1">
+                <a:latin typeface="DM Mono" panose="020B0509040201040103" pitchFamily="49" charset="0"/>
+              </a:rPr>
+              <a:t>endl</a:t>
+            </a:r>
+            <a:r>
+              <a:rPr lang="en" altLang="ko-Kore-KR" sz="1400" dirty="0">
+                <a:latin typeface="DM Mono" panose="020B0509040201040103" pitchFamily="49" charset="0"/>
+              </a:rPr>
+              <a:t>;</a:t>
+            </a:r>
+          </a:p>
+          <a:p>
+            <a:r>
+              <a:rPr lang="en" altLang="ko-Kore-KR" sz="1400" dirty="0">
+                <a:latin typeface="DM Mono" panose="020B0509040201040103" pitchFamily="49" charset="0"/>
+              </a:rPr>
+              <a:t>}</a:t>
+            </a:r>
+          </a:p>
+        </p:txBody>
+      </p:sp>
+      <p:sp>
+        <p:nvSpPr>
+          <p:cNvPr id="6" name="직사각형 5">
+            <a:extLst>
+              <a:ext uri="{FF2B5EF4-FFF2-40B4-BE49-F238E27FC236}">
+                <a16:creationId xmlns:a16="http://schemas.microsoft.com/office/drawing/2014/main" id="{12AE9555-AE2E-E037-07D5-267BBB7BF260}"/>
+              </a:ext>
+            </a:extLst>
+          </p:cNvPr>
+          <p:cNvSpPr/>
+          <p:nvPr/>
+        </p:nvSpPr>
+        <p:spPr>
+          <a:xfrm>
+            <a:off x="4184650" y="4851400"/>
+            <a:ext cx="1054100" cy="546100"/>
+          </a:xfrm>
+          <a:prstGeom prst="rect">
+            <a:avLst/>
+          </a:prstGeom>
+          <a:solidFill>
+            <a:srgbClr val="FFFF00"/>
+          </a:solidFill>
+        </p:spPr>
+        <p:style>
+          <a:lnRef idx="2">
+            <a:schemeClr val="accent1">
+              <a:shade val="15000"/>
+            </a:schemeClr>
+          </a:lnRef>
+          <a:fillRef idx="1">
+            <a:schemeClr val="accent1"/>
+          </a:fillRef>
+          <a:effectRef idx="0">
+            <a:schemeClr val="accent1"/>
+          </a:effectRef>
+          <a:fontRef idx="minor">
+            <a:schemeClr val="lt1"/>
+          </a:fontRef>
+        </p:style>
+        <p:txBody>
+          <a:bodyPr rtlCol="0" anchor="ctr"/>
+          <a:lstStyle/>
+          <a:p>
+            <a:pPr algn="ctr"/>
+            <a:r>
+              <a:rPr kumimoji="1" lang="en-US" altLang="ko-Kore-KR" dirty="0">
+                <a:solidFill>
+                  <a:schemeClr val="tx1"/>
+                </a:solidFill>
+                <a:latin typeface="DM Mono" panose="020B0509040201040103" pitchFamily="49" charset="0"/>
+              </a:rPr>
+              <a:t>10</a:t>
+            </a:r>
+            <a:endParaRPr kumimoji="1" lang="ko-Kore-KR" altLang="en-US" dirty="0">
+              <a:solidFill>
+                <a:schemeClr val="tx1"/>
+              </a:solidFill>
+              <a:latin typeface="DM Mono" panose="020B0509040201040103" pitchFamily="49" charset="0"/>
+            </a:endParaRPr>
+          </a:p>
+        </p:txBody>
+      </p:sp>
+      <p:sp>
+        <p:nvSpPr>
+          <p:cNvPr id="7" name="TextBox 6">
+            <a:extLst>
+              <a:ext uri="{FF2B5EF4-FFF2-40B4-BE49-F238E27FC236}">
+                <a16:creationId xmlns:a16="http://schemas.microsoft.com/office/drawing/2014/main" id="{255C507C-46FE-837C-0674-1433255B1F02}"/>
+              </a:ext>
+            </a:extLst>
+          </p:cNvPr>
+          <p:cNvSpPr txBox="1"/>
+          <p:nvPr/>
+        </p:nvSpPr>
+        <p:spPr>
+          <a:xfrm>
+            <a:off x="3721100" y="4800084"/>
+            <a:ext cx="463550" cy="369332"/>
+          </a:xfrm>
+          <a:prstGeom prst="rect">
+            <a:avLst/>
+          </a:prstGeom>
+          <a:noFill/>
+        </p:spPr>
+        <p:txBody>
+          <a:bodyPr wrap="square">
+            <a:spAutoFit/>
+          </a:bodyPr>
+          <a:lstStyle/>
+          <a:p>
+            <a:pPr algn="r"/>
+            <a:r>
+              <a:rPr lang="en-US" altLang="ko-Kore-KR" sz="1800" dirty="0">
+                <a:latin typeface="DM Mono" panose="020B0509040201040103" pitchFamily="49" charset="0"/>
+              </a:rPr>
+              <a:t>x</a:t>
+            </a:r>
+            <a:endParaRPr lang="ko-Kore-KR" altLang="en-US" dirty="0"/>
+          </a:p>
+        </p:txBody>
+      </p:sp>
+      <p:sp>
+        <p:nvSpPr>
+          <p:cNvPr id="10" name="TextBox 9">
+            <a:extLst>
+              <a:ext uri="{FF2B5EF4-FFF2-40B4-BE49-F238E27FC236}">
+                <a16:creationId xmlns:a16="http://schemas.microsoft.com/office/drawing/2014/main" id="{8EA97F5A-477D-0C94-8EEC-5A47D93E9154}"/>
+              </a:ext>
+            </a:extLst>
+          </p:cNvPr>
+          <p:cNvSpPr txBox="1"/>
+          <p:nvPr/>
+        </p:nvSpPr>
+        <p:spPr>
+          <a:xfrm>
+            <a:off x="4108450" y="3707368"/>
+            <a:ext cx="1035050" cy="369332"/>
+          </a:xfrm>
+          <a:prstGeom prst="rect">
+            <a:avLst/>
+          </a:prstGeom>
+          <a:noFill/>
+        </p:spPr>
+        <p:txBody>
+          <a:bodyPr wrap="square">
+            <a:spAutoFit/>
+          </a:bodyPr>
+          <a:lstStyle/>
+          <a:p>
+            <a:pPr algn="ctr"/>
+            <a:r>
+              <a:rPr lang="ko-Kore-KR" altLang="en-US" sz="1800" dirty="0">
+                <a:latin typeface="DM Mono" panose="020B0509040201040103" pitchFamily="49" charset="0"/>
+              </a:rPr>
+              <a:t>main</a:t>
+            </a:r>
+            <a:endParaRPr lang="ko-Kore-KR" altLang="en-US" dirty="0">
+              <a:latin typeface="DM Mono" panose="020B0509040201040103" pitchFamily="49" charset="0"/>
+            </a:endParaRPr>
+          </a:p>
+        </p:txBody>
+      </p:sp>
+      <p:sp>
+        <p:nvSpPr>
+          <p:cNvPr id="2" name="직사각형 1">
+            <a:extLst>
+              <a:ext uri="{FF2B5EF4-FFF2-40B4-BE49-F238E27FC236}">
+                <a16:creationId xmlns:a16="http://schemas.microsoft.com/office/drawing/2014/main" id="{8EA65EED-B24A-9B4F-348A-B7CC29D5AD5E}"/>
+              </a:ext>
+            </a:extLst>
+          </p:cNvPr>
+          <p:cNvSpPr/>
+          <p:nvPr/>
+        </p:nvSpPr>
+        <p:spPr>
+          <a:xfrm>
+            <a:off x="7131050" y="641350"/>
+            <a:ext cx="3644900" cy="2374900"/>
+          </a:xfrm>
+          <a:prstGeom prst="rect">
+            <a:avLst/>
+          </a:prstGeom>
+          <a:solidFill>
+            <a:schemeClr val="bg1"/>
+          </a:solidFill>
+        </p:spPr>
+        <p:style>
+          <a:lnRef idx="2">
+            <a:schemeClr val="accent1">
+              <a:shade val="15000"/>
+            </a:schemeClr>
+          </a:lnRef>
+          <a:fillRef idx="1">
+            <a:schemeClr val="accent1"/>
+          </a:fillRef>
+          <a:effectRef idx="0">
+            <a:schemeClr val="accent1"/>
+          </a:effectRef>
+          <a:fontRef idx="minor">
+            <a:schemeClr val="lt1"/>
+          </a:fontRef>
+        </p:style>
+        <p:txBody>
+          <a:bodyPr rtlCol="0" anchor="ctr"/>
+          <a:lstStyle/>
+          <a:p>
+            <a:pPr algn="ctr"/>
+            <a:endParaRPr kumimoji="1" lang="ko-Kore-KR" altLang="en-US" dirty="0">
+              <a:solidFill>
+                <a:schemeClr val="tx1"/>
+              </a:solidFill>
+              <a:latin typeface="DM Mono" panose="020B0509040201040103" pitchFamily="49" charset="0"/>
+            </a:endParaRPr>
+          </a:p>
+        </p:txBody>
+      </p:sp>
+      <p:sp>
+        <p:nvSpPr>
+          <p:cNvPr id="3" name="직사각형 2">
+            <a:extLst>
+              <a:ext uri="{FF2B5EF4-FFF2-40B4-BE49-F238E27FC236}">
+                <a16:creationId xmlns:a16="http://schemas.microsoft.com/office/drawing/2014/main" id="{C8A1E137-8339-2D60-5F31-F3F28ACC8DB9}"/>
+              </a:ext>
+            </a:extLst>
+          </p:cNvPr>
+          <p:cNvSpPr/>
+          <p:nvPr/>
+        </p:nvSpPr>
+        <p:spPr>
+          <a:xfrm>
+            <a:off x="8369300" y="1416050"/>
+            <a:ext cx="1954346" cy="546100"/>
+          </a:xfrm>
+          <a:prstGeom prst="rect">
+            <a:avLst/>
+          </a:prstGeom>
+          <a:solidFill>
+            <a:srgbClr val="FFFF00"/>
+          </a:solidFill>
+        </p:spPr>
+        <p:style>
+          <a:lnRef idx="2">
+            <a:schemeClr val="accent1">
+              <a:shade val="15000"/>
+            </a:schemeClr>
+          </a:lnRef>
+          <a:fillRef idx="1">
+            <a:schemeClr val="accent1"/>
+          </a:fillRef>
+          <a:effectRef idx="0">
+            <a:schemeClr val="accent1"/>
+          </a:effectRef>
+          <a:fontRef idx="minor">
+            <a:schemeClr val="lt1"/>
+          </a:fontRef>
+        </p:style>
+        <p:txBody>
+          <a:bodyPr rtlCol="0" anchor="ctr"/>
+          <a:lstStyle/>
+          <a:p>
+            <a:pPr algn="ctr"/>
+            <a:r>
+              <a:rPr kumimoji="1" lang="en-US" altLang="ko-KR" dirty="0">
+                <a:solidFill>
+                  <a:srgbClr val="FF0000"/>
+                </a:solidFill>
+                <a:latin typeface="DM Mono" panose="020B0509040201040103" pitchFamily="49" charset="0"/>
+              </a:rPr>
+              <a:t>200</a:t>
+            </a:r>
+            <a:endParaRPr kumimoji="1" lang="ko-Kore-KR" altLang="en-US" dirty="0">
+              <a:solidFill>
+                <a:srgbClr val="FF0000"/>
+              </a:solidFill>
+              <a:latin typeface="DM Mono" panose="020B0509040201040103" pitchFamily="49" charset="0"/>
+            </a:endParaRPr>
+          </a:p>
+        </p:txBody>
+      </p:sp>
+      <p:sp>
+        <p:nvSpPr>
+          <p:cNvPr id="4" name="TextBox 3">
+            <a:extLst>
+              <a:ext uri="{FF2B5EF4-FFF2-40B4-BE49-F238E27FC236}">
+                <a16:creationId xmlns:a16="http://schemas.microsoft.com/office/drawing/2014/main" id="{573E0FF3-80A5-14DB-E4CF-B830A650F79A}"/>
+              </a:ext>
+            </a:extLst>
+          </p:cNvPr>
+          <p:cNvSpPr txBox="1"/>
+          <p:nvPr/>
+        </p:nvSpPr>
+        <p:spPr>
+          <a:xfrm>
+            <a:off x="7905750" y="1364734"/>
+            <a:ext cx="463550" cy="369332"/>
+          </a:xfrm>
+          <a:prstGeom prst="rect">
+            <a:avLst/>
+          </a:prstGeom>
+          <a:noFill/>
+        </p:spPr>
+        <p:txBody>
+          <a:bodyPr wrap="square">
+            <a:spAutoFit/>
+          </a:bodyPr>
+          <a:lstStyle/>
+          <a:p>
+            <a:pPr algn="r"/>
+            <a:r>
+              <a:rPr lang="en-US" altLang="ko-Kore-KR" sz="1800" dirty="0" err="1">
+                <a:latin typeface="DM Mono" panose="020B0509040201040103" pitchFamily="49" charset="0"/>
+              </a:rPr>
+              <a:t>px</a:t>
+            </a:r>
+            <a:endParaRPr lang="ko-Kore-KR" altLang="en-US" dirty="0"/>
+          </a:p>
+        </p:txBody>
+      </p:sp>
+      <p:sp>
+        <p:nvSpPr>
+          <p:cNvPr id="9" name="TextBox 8">
+            <a:extLst>
+              <a:ext uri="{FF2B5EF4-FFF2-40B4-BE49-F238E27FC236}">
+                <a16:creationId xmlns:a16="http://schemas.microsoft.com/office/drawing/2014/main" id="{C6FD638F-083A-930F-AB4F-2F35B6DAA987}"/>
+              </a:ext>
+            </a:extLst>
+          </p:cNvPr>
+          <p:cNvSpPr txBox="1"/>
+          <p:nvPr/>
+        </p:nvSpPr>
+        <p:spPr>
+          <a:xfrm>
+            <a:off x="8293100" y="272018"/>
+            <a:ext cx="1035050" cy="369332"/>
+          </a:xfrm>
+          <a:prstGeom prst="rect">
+            <a:avLst/>
+          </a:prstGeom>
+          <a:noFill/>
+        </p:spPr>
+        <p:txBody>
+          <a:bodyPr wrap="square">
+            <a:spAutoFit/>
+          </a:bodyPr>
+          <a:lstStyle/>
+          <a:p>
+            <a:pPr algn="ctr"/>
+            <a:r>
+              <a:rPr lang="en-US" altLang="ko-Kore-KR" sz="1800" dirty="0">
+                <a:latin typeface="DM Mono" panose="020B0509040201040103" pitchFamily="49" charset="0"/>
+              </a:rPr>
+              <a:t>inc2</a:t>
+            </a:r>
+            <a:endParaRPr lang="ko-Kore-KR" altLang="en-US" dirty="0">
+              <a:latin typeface="DM Mono" panose="020B0509040201040103" pitchFamily="49" charset="0"/>
+            </a:endParaRPr>
+          </a:p>
+        </p:txBody>
+      </p:sp>
+      <p:sp>
+        <p:nvSpPr>
+          <p:cNvPr id="11" name="TextBox 10">
+            <a:extLst>
+              <a:ext uri="{FF2B5EF4-FFF2-40B4-BE49-F238E27FC236}">
+                <a16:creationId xmlns:a16="http://schemas.microsoft.com/office/drawing/2014/main" id="{5220DDBA-666E-02E5-EF0B-081B0E1F57E7}"/>
+              </a:ext>
+            </a:extLst>
+          </p:cNvPr>
+          <p:cNvSpPr txBox="1"/>
+          <p:nvPr/>
+        </p:nvSpPr>
+        <p:spPr>
+          <a:xfrm>
+            <a:off x="3660823" y="4548743"/>
+            <a:ext cx="1035050" cy="276999"/>
+          </a:xfrm>
+          <a:prstGeom prst="rect">
+            <a:avLst/>
+          </a:prstGeom>
+          <a:noFill/>
+        </p:spPr>
+        <p:txBody>
+          <a:bodyPr wrap="square">
+            <a:spAutoFit/>
+          </a:bodyPr>
+          <a:lstStyle/>
+          <a:p>
+            <a:pPr algn="ctr"/>
+            <a:r>
+              <a:rPr lang="en-US" altLang="ko-Kore-KR" sz="1200" dirty="0">
+                <a:solidFill>
+                  <a:srgbClr val="FF0000"/>
+                </a:solidFill>
+                <a:latin typeface="DM Mono" panose="020B0509040201040103" pitchFamily="49" charset="0"/>
+              </a:rPr>
+              <a:t>200</a:t>
+            </a:r>
+            <a:endParaRPr lang="ko-Kore-KR" altLang="en-US" sz="1200" dirty="0">
+              <a:solidFill>
+                <a:srgbClr val="FF0000"/>
+              </a:solidFill>
+              <a:latin typeface="DM Mono" panose="020B0509040201040103" pitchFamily="49" charset="0"/>
+            </a:endParaRPr>
+          </a:p>
+        </p:txBody>
+      </p:sp>
+      <p:cxnSp>
+        <p:nvCxnSpPr>
+          <p:cNvPr id="13" name="구부러진 연결선[U] 12">
+            <a:extLst>
+              <a:ext uri="{FF2B5EF4-FFF2-40B4-BE49-F238E27FC236}">
+                <a16:creationId xmlns:a16="http://schemas.microsoft.com/office/drawing/2014/main" id="{EB925DC8-6F3B-142F-C2E4-C2A8C1CFF46E}"/>
+              </a:ext>
+            </a:extLst>
+          </p:cNvPr>
+          <p:cNvCxnSpPr>
+            <a:stCxn id="11" idx="3"/>
+            <a:endCxn id="3" idx="2"/>
+          </p:cNvCxnSpPr>
+          <p:nvPr/>
+        </p:nvCxnSpPr>
+        <p:spPr>
+          <a:xfrm flipV="1">
+            <a:off x="4695873" y="1962150"/>
+            <a:ext cx="4650600" cy="2725093"/>
+          </a:xfrm>
+          <a:prstGeom prst="curvedConnector2">
+            <a:avLst/>
+          </a:prstGeom>
+          <a:ln>
+            <a:tailEnd type="triangle"/>
+          </a:ln>
+        </p:spPr>
+        <p:style>
+          <a:lnRef idx="1">
+            <a:schemeClr val="dk1"/>
+          </a:lnRef>
+          <a:fillRef idx="0">
+            <a:schemeClr val="dk1"/>
+          </a:fillRef>
+          <a:effectRef idx="0">
+            <a:schemeClr val="dk1"/>
+          </a:effectRef>
+          <a:fontRef idx="minor">
+            <a:schemeClr val="tx1"/>
+          </a:fontRef>
+        </p:style>
+      </p:cxnSp>
+      <p:sp>
+        <p:nvSpPr>
+          <p:cNvPr id="14" name="TextBox 13">
+            <a:extLst>
+              <a:ext uri="{FF2B5EF4-FFF2-40B4-BE49-F238E27FC236}">
+                <a16:creationId xmlns:a16="http://schemas.microsoft.com/office/drawing/2014/main" id="{AB31864D-30F7-02A8-8DFD-C800DD2BF605}"/>
+              </a:ext>
+            </a:extLst>
+          </p:cNvPr>
+          <p:cNvSpPr txBox="1"/>
+          <p:nvPr/>
+        </p:nvSpPr>
+        <p:spPr>
+          <a:xfrm>
+            <a:off x="7542188" y="3908045"/>
+            <a:ext cx="1654223" cy="369332"/>
+          </a:xfrm>
+          <a:prstGeom prst="rect">
+            <a:avLst/>
+          </a:prstGeom>
+          <a:noFill/>
+        </p:spPr>
+        <p:txBody>
+          <a:bodyPr wrap="square">
+            <a:spAutoFit/>
+          </a:bodyPr>
+          <a:lstStyle/>
+          <a:p>
+            <a:pPr algn="ctr"/>
+            <a:r>
+              <a:rPr lang="ko-Kore-KR" altLang="en-US" dirty="0">
+                <a:latin typeface="DM Mono" panose="020B0509040201040103" pitchFamily="49" charset="0"/>
+              </a:rPr>
+              <a:t>주소</a:t>
+            </a:r>
+            <a:r>
+              <a:rPr lang="ko-KR" altLang="en-US" dirty="0">
+                <a:latin typeface="DM Mono" panose="020B0509040201040103" pitchFamily="49" charset="0"/>
+              </a:rPr>
+              <a:t> 전달</a:t>
+            </a:r>
+            <a:endParaRPr lang="ko-Kore-KR" altLang="en-US" dirty="0">
+              <a:latin typeface="DM Mono" panose="020B0509040201040103" pitchFamily="49" charset="0"/>
+            </a:endParaRPr>
+          </a:p>
+        </p:txBody>
+      </p:sp>
+    </p:spTree>
+    <p:extLst>
+      <p:ext uri="{BB962C8B-B14F-4D97-AF65-F5344CB8AC3E}">
+        <p14:creationId xmlns:p14="http://schemas.microsoft.com/office/powerpoint/2010/main" val="3122207710"/>
+      </p:ext>
+    </p:extLst>
+  </p:cSld>
+  <p:clrMapOvr>
+    <a:masterClrMapping/>
+  </p:clrMapOvr>
+</p:sld>
+</file>
+
+<file path=ppt/slides/slide12.xml><?xml version="1.0" encoding="utf-8"?>
+<p:sld xmlns:a="http://schemas.openxmlformats.org/drawingml/2006/main" xmlns:r="http://schemas.openxmlformats.org/officeDocument/2006/relationships" xmlns:p="http://schemas.openxmlformats.org/presentationml/2006/main">
+  <p:cSld>
+    <p:spTree>
+      <p:nvGrpSpPr>
+        <p:cNvPr id="1" name=""/>
+        <p:cNvGrpSpPr/>
+        <p:nvPr/>
+      </p:nvGrpSpPr>
+      <p:grpSpPr>
+        <a:xfrm>
+          <a:off x="0" y="0"/>
+          <a:ext cx="0" cy="0"/>
+          <a:chOff x="0" y="0"/>
+          <a:chExt cx="0" cy="0"/>
+        </a:xfrm>
+      </p:grpSpPr>
+      <p:sp>
+        <p:nvSpPr>
+          <p:cNvPr id="8" name="직사각형 7">
+            <a:extLst>
+              <a:ext uri="{FF2B5EF4-FFF2-40B4-BE49-F238E27FC236}">
+                <a16:creationId xmlns:a16="http://schemas.microsoft.com/office/drawing/2014/main" id="{6AC51066-E12F-F837-76D4-31AAED4926C4}"/>
+              </a:ext>
+            </a:extLst>
+          </p:cNvPr>
+          <p:cNvSpPr/>
+          <p:nvPr/>
+        </p:nvSpPr>
+        <p:spPr>
+          <a:xfrm>
+            <a:off x="2946400" y="4076700"/>
+            <a:ext cx="3644900" cy="2374900"/>
+          </a:xfrm>
+          <a:prstGeom prst="rect">
+            <a:avLst/>
+          </a:prstGeom>
+          <a:solidFill>
+            <a:schemeClr val="bg1"/>
+          </a:solidFill>
+        </p:spPr>
+        <p:style>
+          <a:lnRef idx="2">
+            <a:schemeClr val="accent1">
+              <a:shade val="15000"/>
+            </a:schemeClr>
+          </a:lnRef>
+          <a:fillRef idx="1">
+            <a:schemeClr val="accent1"/>
+          </a:fillRef>
+          <a:effectRef idx="0">
+            <a:schemeClr val="accent1"/>
+          </a:effectRef>
+          <a:fontRef idx="minor">
+            <a:schemeClr val="lt1"/>
+          </a:fontRef>
+        </p:style>
+        <p:txBody>
+          <a:bodyPr rtlCol="0" anchor="ctr"/>
+          <a:lstStyle/>
+          <a:p>
+            <a:pPr algn="ctr"/>
+            <a:endParaRPr kumimoji="1" lang="ko-Kore-KR" altLang="en-US" dirty="0">
+              <a:solidFill>
+                <a:schemeClr val="tx1"/>
+              </a:solidFill>
+              <a:latin typeface="DM Mono" panose="020B0509040201040103" pitchFamily="49" charset="0"/>
+            </a:endParaRPr>
+          </a:p>
+        </p:txBody>
+      </p:sp>
+      <p:sp>
+        <p:nvSpPr>
+          <p:cNvPr id="5" name="TextBox 4">
+            <a:extLst>
+              <a:ext uri="{FF2B5EF4-FFF2-40B4-BE49-F238E27FC236}">
+                <a16:creationId xmlns:a16="http://schemas.microsoft.com/office/drawing/2014/main" id="{E1698812-92B1-CC4B-4DF6-F41BD8849545}"/>
+              </a:ext>
+            </a:extLst>
+          </p:cNvPr>
+          <p:cNvSpPr txBox="1"/>
+          <p:nvPr/>
+        </p:nvSpPr>
+        <p:spPr>
+          <a:xfrm>
+            <a:off x="431800" y="196840"/>
+            <a:ext cx="6096000" cy="2677656"/>
+          </a:xfrm>
+          <a:prstGeom prst="rect">
+            <a:avLst/>
+          </a:prstGeom>
+          <a:noFill/>
+        </p:spPr>
+        <p:txBody>
+          <a:bodyPr wrap="square">
+            <a:spAutoFit/>
+          </a:bodyPr>
+          <a:lstStyle/>
+          <a:p>
+            <a:r>
+              <a:rPr lang="en" altLang="ko-Kore-KR" sz="1400" dirty="0">
+                <a:latin typeface="DM Mono" panose="020B0509040201040103" pitchFamily="49" charset="0"/>
+              </a:rPr>
+              <a:t>void inc2(int* </a:t>
+            </a:r>
+            <a:r>
+              <a:rPr lang="en" altLang="ko-Kore-KR" sz="1400" dirty="0" err="1">
+                <a:latin typeface="DM Mono" panose="020B0509040201040103" pitchFamily="49" charset="0"/>
+              </a:rPr>
+              <a:t>px</a:t>
+            </a:r>
+            <a:r>
+              <a:rPr lang="en" altLang="ko-Kore-KR" sz="1400" dirty="0">
+                <a:latin typeface="DM Mono" panose="020B0509040201040103" pitchFamily="49" charset="0"/>
+              </a:rPr>
+              <a:t>)</a:t>
+            </a:r>
+          </a:p>
+          <a:p>
+            <a:r>
+              <a:rPr lang="en" altLang="ko-Kore-KR" sz="1400" dirty="0">
+                <a:latin typeface="DM Mono" panose="020B0509040201040103" pitchFamily="49" charset="0"/>
+              </a:rPr>
+              <a:t>{</a:t>
+            </a:r>
+          </a:p>
+          <a:p>
+            <a:r>
+              <a:rPr lang="en" altLang="ko-Kore-KR" sz="1400" dirty="0">
+                <a:solidFill>
+                  <a:srgbClr val="FF0000"/>
+                </a:solidFill>
+                <a:latin typeface="DM Mono" panose="020B0509040201040103" pitchFamily="49" charset="0"/>
+              </a:rPr>
+              <a:t>    ++(*</a:t>
+            </a:r>
+            <a:r>
+              <a:rPr lang="en" altLang="ko-Kore-KR" sz="1400" dirty="0" err="1">
+                <a:solidFill>
+                  <a:srgbClr val="FF0000"/>
+                </a:solidFill>
+                <a:latin typeface="DM Mono" panose="020B0509040201040103" pitchFamily="49" charset="0"/>
+              </a:rPr>
+              <a:t>px</a:t>
+            </a:r>
+            <a:r>
+              <a:rPr lang="en" altLang="ko-Kore-KR" sz="1400" dirty="0">
+                <a:solidFill>
+                  <a:srgbClr val="FF0000"/>
+                </a:solidFill>
+                <a:latin typeface="DM Mono" panose="020B0509040201040103" pitchFamily="49" charset="0"/>
+              </a:rPr>
+              <a:t>);</a:t>
+            </a:r>
+          </a:p>
+          <a:p>
+            <a:r>
+              <a:rPr lang="en" altLang="ko-Kore-KR" sz="1400" dirty="0">
+                <a:latin typeface="DM Mono" panose="020B0509040201040103" pitchFamily="49" charset="0"/>
+              </a:rPr>
+              <a:t>}</a:t>
+            </a:r>
+          </a:p>
+          <a:p>
+            <a:endParaRPr lang="en" altLang="ko-Kore-KR" sz="1400" dirty="0">
+              <a:latin typeface="DM Mono" panose="020B0509040201040103" pitchFamily="49" charset="0"/>
+            </a:endParaRPr>
+          </a:p>
+          <a:p>
+            <a:r>
+              <a:rPr lang="en" altLang="ko-Kore-KR" sz="1400" dirty="0">
+                <a:latin typeface="DM Mono" panose="020B0509040201040103" pitchFamily="49" charset="0"/>
+              </a:rPr>
+              <a:t>int main()</a:t>
+            </a:r>
+          </a:p>
+          <a:p>
+            <a:r>
+              <a:rPr lang="en" altLang="ko-Kore-KR" sz="1400" dirty="0">
+                <a:latin typeface="DM Mono" panose="020B0509040201040103" pitchFamily="49" charset="0"/>
+              </a:rPr>
+              <a:t>{</a:t>
+            </a:r>
+          </a:p>
+          <a:p>
+            <a:r>
+              <a:rPr lang="en" altLang="ko-Kore-KR" sz="1400" dirty="0">
+                <a:latin typeface="DM Mono" panose="020B0509040201040103" pitchFamily="49" charset="0"/>
+              </a:rPr>
+              <a:t>    int x = 10;</a:t>
+            </a:r>
+          </a:p>
+          <a:p>
+            <a:r>
+              <a:rPr lang="en" altLang="ko-Kore-KR" sz="1400" dirty="0">
+                <a:solidFill>
+                  <a:srgbClr val="FF0000"/>
+                </a:solidFill>
+                <a:latin typeface="DM Mono" panose="020B0509040201040103" pitchFamily="49" charset="0"/>
+              </a:rPr>
+              <a:t>    inc2(&amp;x);</a:t>
+            </a:r>
+          </a:p>
+          <a:p>
+            <a:endParaRPr lang="en" altLang="ko-Kore-KR" sz="1400" dirty="0">
+              <a:latin typeface="DM Mono" panose="020B0509040201040103" pitchFamily="49" charset="0"/>
+            </a:endParaRPr>
+          </a:p>
+          <a:p>
+            <a:r>
+              <a:rPr lang="en" altLang="ko-Kore-KR" sz="1400" dirty="0">
+                <a:latin typeface="DM Mono" panose="020B0509040201040103" pitchFamily="49" charset="0"/>
+              </a:rPr>
+              <a:t>    </a:t>
+            </a:r>
+            <a:r>
+              <a:rPr lang="en" altLang="ko-Kore-KR" sz="1400" dirty="0" err="1">
+                <a:latin typeface="DM Mono" panose="020B0509040201040103" pitchFamily="49" charset="0"/>
+              </a:rPr>
+              <a:t>cout</a:t>
+            </a:r>
+            <a:r>
+              <a:rPr lang="en" altLang="ko-Kore-KR" sz="1400" dirty="0">
+                <a:latin typeface="DM Mono" panose="020B0509040201040103" pitchFamily="49" charset="0"/>
+              </a:rPr>
+              <a:t> &lt;&lt; x &lt;&lt; </a:t>
+            </a:r>
+            <a:r>
+              <a:rPr lang="en" altLang="ko-Kore-KR" sz="1400" dirty="0" err="1">
+                <a:latin typeface="DM Mono" panose="020B0509040201040103" pitchFamily="49" charset="0"/>
+              </a:rPr>
+              <a:t>endl</a:t>
+            </a:r>
+            <a:r>
+              <a:rPr lang="en" altLang="ko-Kore-KR" sz="1400" dirty="0">
+                <a:latin typeface="DM Mono" panose="020B0509040201040103" pitchFamily="49" charset="0"/>
+              </a:rPr>
+              <a:t>;</a:t>
+            </a:r>
+          </a:p>
+          <a:p>
+            <a:r>
+              <a:rPr lang="en" altLang="ko-Kore-KR" sz="1400" dirty="0">
+                <a:latin typeface="DM Mono" panose="020B0509040201040103" pitchFamily="49" charset="0"/>
+              </a:rPr>
+              <a:t>}</a:t>
+            </a:r>
+          </a:p>
+        </p:txBody>
+      </p:sp>
+      <p:sp>
+        <p:nvSpPr>
+          <p:cNvPr id="6" name="직사각형 5">
+            <a:extLst>
+              <a:ext uri="{FF2B5EF4-FFF2-40B4-BE49-F238E27FC236}">
+                <a16:creationId xmlns:a16="http://schemas.microsoft.com/office/drawing/2014/main" id="{12AE9555-AE2E-E037-07D5-267BBB7BF260}"/>
+              </a:ext>
+            </a:extLst>
+          </p:cNvPr>
+          <p:cNvSpPr/>
+          <p:nvPr/>
+        </p:nvSpPr>
+        <p:spPr>
+          <a:xfrm>
+            <a:off x="4184650" y="4851400"/>
+            <a:ext cx="1054100" cy="546100"/>
+          </a:xfrm>
+          <a:prstGeom prst="rect">
+            <a:avLst/>
+          </a:prstGeom>
+          <a:solidFill>
+            <a:srgbClr val="FFFF00"/>
+          </a:solidFill>
+        </p:spPr>
+        <p:style>
+          <a:lnRef idx="2">
+            <a:schemeClr val="accent1">
+              <a:shade val="15000"/>
+            </a:schemeClr>
+          </a:lnRef>
+          <a:fillRef idx="1">
+            <a:schemeClr val="accent1"/>
+          </a:fillRef>
+          <a:effectRef idx="0">
+            <a:schemeClr val="accent1"/>
+          </a:effectRef>
+          <a:fontRef idx="minor">
+            <a:schemeClr val="lt1"/>
+          </a:fontRef>
+        </p:style>
+        <p:txBody>
+          <a:bodyPr rtlCol="0" anchor="ctr"/>
+          <a:lstStyle/>
+          <a:p>
+            <a:pPr algn="ctr"/>
+            <a:r>
+              <a:rPr kumimoji="1" lang="en-US" altLang="ko-KR" dirty="0">
+                <a:solidFill>
+                  <a:srgbClr val="FF0000"/>
+                </a:solidFill>
+                <a:latin typeface="DM Mono" panose="020B0509040201040103" pitchFamily="49" charset="0"/>
+              </a:rPr>
+              <a:t>11</a:t>
+            </a:r>
+            <a:endParaRPr kumimoji="1" lang="ko-Kore-KR" altLang="en-US" dirty="0">
+              <a:solidFill>
+                <a:srgbClr val="FF0000"/>
+              </a:solidFill>
+              <a:latin typeface="DM Mono" panose="020B0509040201040103" pitchFamily="49" charset="0"/>
+            </a:endParaRPr>
+          </a:p>
+        </p:txBody>
+      </p:sp>
+      <p:sp>
+        <p:nvSpPr>
+          <p:cNvPr id="7" name="TextBox 6">
+            <a:extLst>
+              <a:ext uri="{FF2B5EF4-FFF2-40B4-BE49-F238E27FC236}">
+                <a16:creationId xmlns:a16="http://schemas.microsoft.com/office/drawing/2014/main" id="{255C507C-46FE-837C-0674-1433255B1F02}"/>
+              </a:ext>
+            </a:extLst>
+          </p:cNvPr>
+          <p:cNvSpPr txBox="1"/>
+          <p:nvPr/>
+        </p:nvSpPr>
+        <p:spPr>
+          <a:xfrm>
+            <a:off x="3721100" y="4800084"/>
+            <a:ext cx="463550" cy="369332"/>
+          </a:xfrm>
+          <a:prstGeom prst="rect">
+            <a:avLst/>
+          </a:prstGeom>
+          <a:noFill/>
+        </p:spPr>
+        <p:txBody>
+          <a:bodyPr wrap="square">
+            <a:spAutoFit/>
+          </a:bodyPr>
+          <a:lstStyle/>
+          <a:p>
+            <a:pPr algn="r"/>
+            <a:r>
+              <a:rPr lang="en-US" altLang="ko-Kore-KR" sz="1800" dirty="0">
+                <a:latin typeface="DM Mono" panose="020B0509040201040103" pitchFamily="49" charset="0"/>
+              </a:rPr>
+              <a:t>x</a:t>
+            </a:r>
+            <a:endParaRPr lang="ko-Kore-KR" altLang="en-US" dirty="0"/>
+          </a:p>
+        </p:txBody>
+      </p:sp>
+      <p:sp>
+        <p:nvSpPr>
+          <p:cNvPr id="10" name="TextBox 9">
+            <a:extLst>
+              <a:ext uri="{FF2B5EF4-FFF2-40B4-BE49-F238E27FC236}">
+                <a16:creationId xmlns:a16="http://schemas.microsoft.com/office/drawing/2014/main" id="{8EA97F5A-477D-0C94-8EEC-5A47D93E9154}"/>
+              </a:ext>
+            </a:extLst>
+          </p:cNvPr>
+          <p:cNvSpPr txBox="1"/>
+          <p:nvPr/>
+        </p:nvSpPr>
+        <p:spPr>
+          <a:xfrm>
+            <a:off x="4108450" y="3707368"/>
+            <a:ext cx="1035050" cy="369332"/>
+          </a:xfrm>
+          <a:prstGeom prst="rect">
+            <a:avLst/>
+          </a:prstGeom>
+          <a:noFill/>
+        </p:spPr>
+        <p:txBody>
+          <a:bodyPr wrap="square">
+            <a:spAutoFit/>
+          </a:bodyPr>
+          <a:lstStyle/>
+          <a:p>
+            <a:pPr algn="ctr"/>
+            <a:r>
+              <a:rPr lang="ko-Kore-KR" altLang="en-US" sz="1800" dirty="0">
+                <a:latin typeface="DM Mono" panose="020B0509040201040103" pitchFamily="49" charset="0"/>
+              </a:rPr>
+              <a:t>main</a:t>
+            </a:r>
+            <a:endParaRPr lang="ko-Kore-KR" altLang="en-US" dirty="0">
+              <a:latin typeface="DM Mono" panose="020B0509040201040103" pitchFamily="49" charset="0"/>
+            </a:endParaRPr>
+          </a:p>
+        </p:txBody>
+      </p:sp>
+      <p:sp>
+        <p:nvSpPr>
+          <p:cNvPr id="2" name="직사각형 1">
+            <a:extLst>
+              <a:ext uri="{FF2B5EF4-FFF2-40B4-BE49-F238E27FC236}">
+                <a16:creationId xmlns:a16="http://schemas.microsoft.com/office/drawing/2014/main" id="{8EA65EED-B24A-9B4F-348A-B7CC29D5AD5E}"/>
+              </a:ext>
+            </a:extLst>
+          </p:cNvPr>
+          <p:cNvSpPr/>
+          <p:nvPr/>
+        </p:nvSpPr>
+        <p:spPr>
+          <a:xfrm>
+            <a:off x="7131050" y="641350"/>
+            <a:ext cx="3644900" cy="2374900"/>
+          </a:xfrm>
+          <a:prstGeom prst="rect">
+            <a:avLst/>
+          </a:prstGeom>
+          <a:solidFill>
+            <a:schemeClr val="bg1"/>
+          </a:solidFill>
+        </p:spPr>
+        <p:style>
+          <a:lnRef idx="2">
+            <a:schemeClr val="accent1">
+              <a:shade val="15000"/>
+            </a:schemeClr>
+          </a:lnRef>
+          <a:fillRef idx="1">
+            <a:schemeClr val="accent1"/>
+          </a:fillRef>
+          <a:effectRef idx="0">
+            <a:schemeClr val="accent1"/>
+          </a:effectRef>
+          <a:fontRef idx="minor">
+            <a:schemeClr val="lt1"/>
+          </a:fontRef>
+        </p:style>
+        <p:txBody>
+          <a:bodyPr rtlCol="0" anchor="ctr"/>
+          <a:lstStyle/>
+          <a:p>
+            <a:pPr algn="ctr"/>
+            <a:endParaRPr kumimoji="1" lang="ko-Kore-KR" altLang="en-US" dirty="0">
+              <a:solidFill>
+                <a:schemeClr val="tx1"/>
+              </a:solidFill>
+              <a:latin typeface="DM Mono" panose="020B0509040201040103" pitchFamily="49" charset="0"/>
+            </a:endParaRPr>
+          </a:p>
+        </p:txBody>
+      </p:sp>
+      <p:sp>
+        <p:nvSpPr>
+          <p:cNvPr id="3" name="직사각형 2">
+            <a:extLst>
+              <a:ext uri="{FF2B5EF4-FFF2-40B4-BE49-F238E27FC236}">
+                <a16:creationId xmlns:a16="http://schemas.microsoft.com/office/drawing/2014/main" id="{C8A1E137-8339-2D60-5F31-F3F28ACC8DB9}"/>
+              </a:ext>
+            </a:extLst>
+          </p:cNvPr>
+          <p:cNvSpPr/>
+          <p:nvPr/>
+        </p:nvSpPr>
+        <p:spPr>
+          <a:xfrm>
+            <a:off x="8369300" y="1416050"/>
+            <a:ext cx="1954346" cy="546100"/>
+          </a:xfrm>
+          <a:prstGeom prst="rect">
+            <a:avLst/>
+          </a:prstGeom>
+          <a:solidFill>
+            <a:srgbClr val="FFFF00"/>
+          </a:solidFill>
+        </p:spPr>
+        <p:style>
+          <a:lnRef idx="2">
+            <a:schemeClr val="accent1">
+              <a:shade val="15000"/>
+            </a:schemeClr>
+          </a:lnRef>
+          <a:fillRef idx="1">
+            <a:schemeClr val="accent1"/>
+          </a:fillRef>
+          <a:effectRef idx="0">
+            <a:schemeClr val="accent1"/>
+          </a:effectRef>
+          <a:fontRef idx="minor">
+            <a:schemeClr val="lt1"/>
+          </a:fontRef>
+        </p:style>
+        <p:txBody>
+          <a:bodyPr rtlCol="0" anchor="ctr"/>
+          <a:lstStyle/>
+          <a:p>
+            <a:pPr algn="ctr"/>
+            <a:r>
+              <a:rPr kumimoji="1" lang="en-US" altLang="ko-KR" dirty="0">
+                <a:solidFill>
+                  <a:srgbClr val="FF0000"/>
+                </a:solidFill>
+                <a:latin typeface="DM Mono" panose="020B0509040201040103" pitchFamily="49" charset="0"/>
+              </a:rPr>
+              <a:t>200</a:t>
+            </a:r>
+            <a:endParaRPr kumimoji="1" lang="ko-Kore-KR" altLang="en-US" dirty="0">
+              <a:solidFill>
+                <a:srgbClr val="FF0000"/>
+              </a:solidFill>
+              <a:latin typeface="DM Mono" panose="020B0509040201040103" pitchFamily="49" charset="0"/>
+            </a:endParaRPr>
+          </a:p>
+        </p:txBody>
+      </p:sp>
+      <p:sp>
+        <p:nvSpPr>
+          <p:cNvPr id="4" name="TextBox 3">
+            <a:extLst>
+              <a:ext uri="{FF2B5EF4-FFF2-40B4-BE49-F238E27FC236}">
+                <a16:creationId xmlns:a16="http://schemas.microsoft.com/office/drawing/2014/main" id="{573E0FF3-80A5-14DB-E4CF-B830A650F79A}"/>
+              </a:ext>
+            </a:extLst>
+          </p:cNvPr>
+          <p:cNvSpPr txBox="1"/>
+          <p:nvPr/>
+        </p:nvSpPr>
+        <p:spPr>
+          <a:xfrm>
+            <a:off x="7905750" y="1364734"/>
+            <a:ext cx="463550" cy="369332"/>
+          </a:xfrm>
+          <a:prstGeom prst="rect">
+            <a:avLst/>
+          </a:prstGeom>
+          <a:noFill/>
+        </p:spPr>
+        <p:txBody>
+          <a:bodyPr wrap="square">
+            <a:spAutoFit/>
+          </a:bodyPr>
+          <a:lstStyle/>
+          <a:p>
+            <a:pPr algn="r"/>
+            <a:r>
+              <a:rPr lang="en-US" altLang="ko-Kore-KR" sz="1800" dirty="0" err="1">
+                <a:latin typeface="DM Mono" panose="020B0509040201040103" pitchFamily="49" charset="0"/>
+              </a:rPr>
+              <a:t>px</a:t>
+            </a:r>
+            <a:endParaRPr lang="ko-Kore-KR" altLang="en-US" dirty="0"/>
+          </a:p>
+        </p:txBody>
+      </p:sp>
+      <p:sp>
+        <p:nvSpPr>
+          <p:cNvPr id="9" name="TextBox 8">
+            <a:extLst>
+              <a:ext uri="{FF2B5EF4-FFF2-40B4-BE49-F238E27FC236}">
+                <a16:creationId xmlns:a16="http://schemas.microsoft.com/office/drawing/2014/main" id="{C6FD638F-083A-930F-AB4F-2F35B6DAA987}"/>
+              </a:ext>
+            </a:extLst>
+          </p:cNvPr>
+          <p:cNvSpPr txBox="1"/>
+          <p:nvPr/>
+        </p:nvSpPr>
+        <p:spPr>
+          <a:xfrm>
+            <a:off x="8293100" y="272018"/>
+            <a:ext cx="1035050" cy="369332"/>
+          </a:xfrm>
+          <a:prstGeom prst="rect">
+            <a:avLst/>
+          </a:prstGeom>
+          <a:noFill/>
+        </p:spPr>
+        <p:txBody>
+          <a:bodyPr wrap="square">
+            <a:spAutoFit/>
+          </a:bodyPr>
+          <a:lstStyle/>
+          <a:p>
+            <a:pPr algn="ctr"/>
+            <a:r>
+              <a:rPr lang="en-US" altLang="ko-Kore-KR" sz="1800" dirty="0">
+                <a:latin typeface="DM Mono" panose="020B0509040201040103" pitchFamily="49" charset="0"/>
+              </a:rPr>
+              <a:t>inc2</a:t>
+            </a:r>
+            <a:endParaRPr lang="ko-Kore-KR" altLang="en-US" dirty="0">
+              <a:latin typeface="DM Mono" panose="020B0509040201040103" pitchFamily="49" charset="0"/>
+            </a:endParaRPr>
+          </a:p>
+        </p:txBody>
+      </p:sp>
+      <p:sp>
+        <p:nvSpPr>
+          <p:cNvPr id="11" name="TextBox 10">
+            <a:extLst>
+              <a:ext uri="{FF2B5EF4-FFF2-40B4-BE49-F238E27FC236}">
+                <a16:creationId xmlns:a16="http://schemas.microsoft.com/office/drawing/2014/main" id="{5220DDBA-666E-02E5-EF0B-081B0E1F57E7}"/>
+              </a:ext>
+            </a:extLst>
+          </p:cNvPr>
+          <p:cNvSpPr txBox="1"/>
+          <p:nvPr/>
+        </p:nvSpPr>
+        <p:spPr>
+          <a:xfrm>
+            <a:off x="3660823" y="4548743"/>
+            <a:ext cx="1035050" cy="276999"/>
+          </a:xfrm>
+          <a:prstGeom prst="rect">
+            <a:avLst/>
+          </a:prstGeom>
+          <a:noFill/>
+        </p:spPr>
+        <p:txBody>
+          <a:bodyPr wrap="square">
+            <a:spAutoFit/>
+          </a:bodyPr>
+          <a:lstStyle/>
+          <a:p>
+            <a:pPr algn="ctr"/>
+            <a:r>
+              <a:rPr lang="en-US" altLang="ko-Kore-KR" sz="1200" dirty="0">
+                <a:solidFill>
+                  <a:srgbClr val="FF0000"/>
+                </a:solidFill>
+                <a:latin typeface="DM Mono" panose="020B0509040201040103" pitchFamily="49" charset="0"/>
+              </a:rPr>
+              <a:t>200</a:t>
+            </a:r>
+            <a:endParaRPr lang="ko-Kore-KR" altLang="en-US" sz="1200" dirty="0">
+              <a:solidFill>
+                <a:srgbClr val="FF0000"/>
+              </a:solidFill>
+              <a:latin typeface="DM Mono" panose="020B0509040201040103" pitchFamily="49" charset="0"/>
+            </a:endParaRPr>
+          </a:p>
+        </p:txBody>
+      </p:sp>
+      <p:cxnSp>
+        <p:nvCxnSpPr>
+          <p:cNvPr id="15" name="구부러진 연결선[U] 14">
+            <a:extLst>
+              <a:ext uri="{FF2B5EF4-FFF2-40B4-BE49-F238E27FC236}">
+                <a16:creationId xmlns:a16="http://schemas.microsoft.com/office/drawing/2014/main" id="{979C84E8-88EB-FD30-5AD2-EF85D9FB34C2}"/>
+              </a:ext>
+            </a:extLst>
+          </p:cNvPr>
+          <p:cNvCxnSpPr>
+            <a:stCxn id="3" idx="2"/>
+            <a:endCxn id="6" idx="0"/>
+          </p:cNvCxnSpPr>
+          <p:nvPr/>
+        </p:nvCxnSpPr>
+        <p:spPr>
+          <a:xfrm rot="5400000">
+            <a:off x="5584462" y="1089389"/>
+            <a:ext cx="2889250" cy="4634773"/>
+          </a:xfrm>
+          <a:prstGeom prst="curvedConnector3">
+            <a:avLst/>
+          </a:prstGeom>
+          <a:ln>
+            <a:tailEnd type="triangle"/>
+          </a:ln>
+        </p:spPr>
+        <p:style>
+          <a:lnRef idx="1">
+            <a:schemeClr val="dk1"/>
+          </a:lnRef>
+          <a:fillRef idx="0">
+            <a:schemeClr val="dk1"/>
+          </a:fillRef>
+          <a:effectRef idx="0">
+            <a:schemeClr val="dk1"/>
+          </a:effectRef>
+          <a:fontRef idx="minor">
+            <a:schemeClr val="tx1"/>
+          </a:fontRef>
+        </p:style>
+      </p:cxnSp>
+    </p:spTree>
+    <p:extLst>
+      <p:ext uri="{BB962C8B-B14F-4D97-AF65-F5344CB8AC3E}">
+        <p14:creationId xmlns:p14="http://schemas.microsoft.com/office/powerpoint/2010/main" val="426210378"/>
+      </p:ext>
+    </p:extLst>
+  </p:cSld>
+  <p:clrMapOvr>
+    <a:masterClrMapping/>
+  </p:clrMapOvr>
+</p:sld>
+</file>
+
+<file path=ppt/slides/slide13.xml><?xml version="1.0" encoding="utf-8"?>
+<p:sld xmlns:a="http://schemas.openxmlformats.org/drawingml/2006/main" xmlns:r="http://schemas.openxmlformats.org/officeDocument/2006/relationships" xmlns:p="http://schemas.openxmlformats.org/presentationml/2006/main">
+  <p:cSld>
+    <p:spTree>
+      <p:nvGrpSpPr>
+        <p:cNvPr id="1" name=""/>
+        <p:cNvGrpSpPr/>
+        <p:nvPr/>
+      </p:nvGrpSpPr>
+      <p:grpSpPr>
+        <a:xfrm>
+          <a:off x="0" y="0"/>
+          <a:ext cx="0" cy="0"/>
+          <a:chOff x="0" y="0"/>
+          <a:chExt cx="0" cy="0"/>
+        </a:xfrm>
+      </p:grpSpPr>
+      <p:sp>
+        <p:nvSpPr>
+          <p:cNvPr id="8" name="직사각형 7">
+            <a:extLst>
+              <a:ext uri="{FF2B5EF4-FFF2-40B4-BE49-F238E27FC236}">
+                <a16:creationId xmlns:a16="http://schemas.microsoft.com/office/drawing/2014/main" id="{6AC51066-E12F-F837-76D4-31AAED4926C4}"/>
+              </a:ext>
+            </a:extLst>
+          </p:cNvPr>
+          <p:cNvSpPr/>
+          <p:nvPr/>
+        </p:nvSpPr>
+        <p:spPr>
+          <a:xfrm>
+            <a:off x="2946400" y="4076700"/>
+            <a:ext cx="3644900" cy="2374900"/>
+          </a:xfrm>
+          <a:prstGeom prst="rect">
+            <a:avLst/>
+          </a:prstGeom>
+          <a:solidFill>
+            <a:schemeClr val="bg1"/>
+          </a:solidFill>
+        </p:spPr>
+        <p:style>
+          <a:lnRef idx="2">
+            <a:schemeClr val="accent1">
+              <a:shade val="15000"/>
+            </a:schemeClr>
+          </a:lnRef>
+          <a:fillRef idx="1">
+            <a:schemeClr val="accent1"/>
+          </a:fillRef>
+          <a:effectRef idx="0">
+            <a:schemeClr val="accent1"/>
+          </a:effectRef>
+          <a:fontRef idx="minor">
+            <a:schemeClr val="lt1"/>
+          </a:fontRef>
+        </p:style>
+        <p:txBody>
+          <a:bodyPr rtlCol="0" anchor="ctr"/>
+          <a:lstStyle/>
+          <a:p>
+            <a:pPr algn="ctr"/>
+            <a:endParaRPr kumimoji="1" lang="ko-Kore-KR" altLang="en-US" dirty="0">
+              <a:solidFill>
+                <a:schemeClr val="tx1"/>
+              </a:solidFill>
+              <a:latin typeface="DM Mono" panose="020B0509040201040103" pitchFamily="49" charset="0"/>
+            </a:endParaRPr>
+          </a:p>
+        </p:txBody>
+      </p:sp>
+      <p:sp>
+        <p:nvSpPr>
+          <p:cNvPr id="5" name="TextBox 4">
+            <a:extLst>
+              <a:ext uri="{FF2B5EF4-FFF2-40B4-BE49-F238E27FC236}">
+                <a16:creationId xmlns:a16="http://schemas.microsoft.com/office/drawing/2014/main" id="{E1698812-92B1-CC4B-4DF6-F41BD8849545}"/>
+              </a:ext>
+            </a:extLst>
+          </p:cNvPr>
+          <p:cNvSpPr txBox="1"/>
+          <p:nvPr/>
+        </p:nvSpPr>
+        <p:spPr>
+          <a:xfrm>
+            <a:off x="431800" y="196840"/>
+            <a:ext cx="6096000" cy="2677656"/>
+          </a:xfrm>
+          <a:prstGeom prst="rect">
+            <a:avLst/>
+          </a:prstGeom>
+          <a:noFill/>
+        </p:spPr>
+        <p:txBody>
+          <a:bodyPr wrap="square">
+            <a:spAutoFit/>
+          </a:bodyPr>
+          <a:lstStyle/>
+          <a:p>
+            <a:r>
+              <a:rPr lang="en" altLang="ko-Kore-KR" sz="1400" dirty="0">
+                <a:latin typeface="DM Mono" panose="020B0509040201040103" pitchFamily="49" charset="0"/>
+              </a:rPr>
+              <a:t>void inc3(int&amp; r)</a:t>
+            </a:r>
+          </a:p>
+          <a:p>
+            <a:r>
+              <a:rPr lang="en" altLang="ko-Kore-KR" sz="1400" dirty="0">
+                <a:latin typeface="DM Mono" panose="020B0509040201040103" pitchFamily="49" charset="0"/>
+              </a:rPr>
+              <a:t>{</a:t>
+            </a:r>
+          </a:p>
+          <a:p>
+            <a:r>
+              <a:rPr lang="en" altLang="ko-Kore-KR" sz="1400" dirty="0">
+                <a:latin typeface="DM Mono" panose="020B0509040201040103" pitchFamily="49" charset="0"/>
+              </a:rPr>
+              <a:t>    ++r;</a:t>
+            </a:r>
+          </a:p>
+          <a:p>
+            <a:r>
+              <a:rPr lang="en" altLang="ko-Kore-KR" sz="1400" dirty="0">
+                <a:latin typeface="DM Mono" panose="020B0509040201040103" pitchFamily="49" charset="0"/>
+              </a:rPr>
+              <a:t>}</a:t>
+            </a:r>
+          </a:p>
+          <a:p>
+            <a:endParaRPr lang="en" altLang="ko-Kore-KR" sz="1400" dirty="0">
+              <a:latin typeface="DM Mono" panose="020B0509040201040103" pitchFamily="49" charset="0"/>
+            </a:endParaRPr>
+          </a:p>
+          <a:p>
+            <a:r>
+              <a:rPr lang="en" altLang="ko-Kore-KR" sz="1400" dirty="0">
+                <a:latin typeface="DM Mono" panose="020B0509040201040103" pitchFamily="49" charset="0"/>
+              </a:rPr>
+              <a:t>int main()</a:t>
+            </a:r>
+          </a:p>
+          <a:p>
+            <a:r>
+              <a:rPr lang="en" altLang="ko-Kore-KR" sz="1400" dirty="0">
+                <a:latin typeface="DM Mono" panose="020B0509040201040103" pitchFamily="49" charset="0"/>
+              </a:rPr>
+              <a:t>{</a:t>
+            </a:r>
+          </a:p>
+          <a:p>
+            <a:r>
+              <a:rPr lang="en" altLang="ko-Kore-KR" sz="1400" dirty="0">
+                <a:latin typeface="DM Mono" panose="020B0509040201040103" pitchFamily="49" charset="0"/>
+              </a:rPr>
+              <a:t>    int x = 10;</a:t>
+            </a:r>
+          </a:p>
+          <a:p>
+            <a:r>
+              <a:rPr lang="en" altLang="ko-Kore-KR" sz="1400" dirty="0">
+                <a:solidFill>
+                  <a:srgbClr val="FF0000"/>
+                </a:solidFill>
+                <a:latin typeface="DM Mono" panose="020B0509040201040103" pitchFamily="49" charset="0"/>
+              </a:rPr>
+              <a:t>    inc3(x);</a:t>
+            </a:r>
+          </a:p>
+          <a:p>
+            <a:endParaRPr lang="en" altLang="ko-Kore-KR" sz="1400" dirty="0">
+              <a:latin typeface="DM Mono" panose="020B0509040201040103" pitchFamily="49" charset="0"/>
+            </a:endParaRPr>
+          </a:p>
+          <a:p>
+            <a:r>
+              <a:rPr lang="en" altLang="ko-Kore-KR" sz="1400" dirty="0">
+                <a:latin typeface="DM Mono" panose="020B0509040201040103" pitchFamily="49" charset="0"/>
+              </a:rPr>
+              <a:t>    </a:t>
+            </a:r>
+            <a:r>
+              <a:rPr lang="en" altLang="ko-Kore-KR" sz="1400" dirty="0" err="1">
+                <a:latin typeface="DM Mono" panose="020B0509040201040103" pitchFamily="49" charset="0"/>
+              </a:rPr>
+              <a:t>cout</a:t>
+            </a:r>
+            <a:r>
+              <a:rPr lang="en" altLang="ko-Kore-KR" sz="1400" dirty="0">
+                <a:latin typeface="DM Mono" panose="020B0509040201040103" pitchFamily="49" charset="0"/>
+              </a:rPr>
+              <a:t> &lt;&lt; x &lt;&lt; </a:t>
+            </a:r>
+            <a:r>
+              <a:rPr lang="en" altLang="ko-Kore-KR" sz="1400" dirty="0" err="1">
+                <a:latin typeface="DM Mono" panose="020B0509040201040103" pitchFamily="49" charset="0"/>
+              </a:rPr>
+              <a:t>endl</a:t>
+            </a:r>
+            <a:r>
+              <a:rPr lang="en" altLang="ko-Kore-KR" sz="1400" dirty="0">
+                <a:latin typeface="DM Mono" panose="020B0509040201040103" pitchFamily="49" charset="0"/>
+              </a:rPr>
+              <a:t>;</a:t>
+            </a:r>
+          </a:p>
+          <a:p>
+            <a:r>
+              <a:rPr lang="en" altLang="ko-Kore-KR" sz="1400" dirty="0">
+                <a:latin typeface="DM Mono" panose="020B0509040201040103" pitchFamily="49" charset="0"/>
+              </a:rPr>
+              <a:t>}</a:t>
+            </a:r>
+          </a:p>
+        </p:txBody>
+      </p:sp>
+      <p:sp>
+        <p:nvSpPr>
+          <p:cNvPr id="6" name="직사각형 5">
+            <a:extLst>
+              <a:ext uri="{FF2B5EF4-FFF2-40B4-BE49-F238E27FC236}">
+                <a16:creationId xmlns:a16="http://schemas.microsoft.com/office/drawing/2014/main" id="{12AE9555-AE2E-E037-07D5-267BBB7BF260}"/>
+              </a:ext>
+            </a:extLst>
+          </p:cNvPr>
+          <p:cNvSpPr/>
+          <p:nvPr/>
+        </p:nvSpPr>
+        <p:spPr>
+          <a:xfrm>
+            <a:off x="4184650" y="4851400"/>
+            <a:ext cx="1054100" cy="546100"/>
+          </a:xfrm>
+          <a:prstGeom prst="rect">
+            <a:avLst/>
+          </a:prstGeom>
+          <a:solidFill>
+            <a:srgbClr val="FFFF00"/>
+          </a:solidFill>
+        </p:spPr>
+        <p:style>
+          <a:lnRef idx="2">
+            <a:schemeClr val="accent1">
+              <a:shade val="15000"/>
+            </a:schemeClr>
+          </a:lnRef>
+          <a:fillRef idx="1">
+            <a:schemeClr val="accent1"/>
+          </a:fillRef>
+          <a:effectRef idx="0">
+            <a:schemeClr val="accent1"/>
+          </a:effectRef>
+          <a:fontRef idx="minor">
+            <a:schemeClr val="lt1"/>
+          </a:fontRef>
+        </p:style>
+        <p:txBody>
+          <a:bodyPr rtlCol="0" anchor="ctr"/>
+          <a:lstStyle/>
+          <a:p>
+            <a:pPr algn="ctr"/>
+            <a:r>
+              <a:rPr kumimoji="1" lang="en-US" altLang="ko-Kore-KR" dirty="0">
+                <a:solidFill>
+                  <a:schemeClr val="tx1"/>
+                </a:solidFill>
+                <a:latin typeface="DM Mono" panose="020B0509040201040103" pitchFamily="49" charset="0"/>
+              </a:rPr>
+              <a:t>10</a:t>
+            </a:r>
+            <a:endParaRPr kumimoji="1" lang="ko-Kore-KR" altLang="en-US" dirty="0">
+              <a:solidFill>
+                <a:schemeClr val="tx1"/>
+              </a:solidFill>
+              <a:latin typeface="DM Mono" panose="020B0509040201040103" pitchFamily="49" charset="0"/>
+            </a:endParaRPr>
+          </a:p>
+        </p:txBody>
+      </p:sp>
+      <p:sp>
+        <p:nvSpPr>
+          <p:cNvPr id="7" name="TextBox 6">
+            <a:extLst>
+              <a:ext uri="{FF2B5EF4-FFF2-40B4-BE49-F238E27FC236}">
+                <a16:creationId xmlns:a16="http://schemas.microsoft.com/office/drawing/2014/main" id="{255C507C-46FE-837C-0674-1433255B1F02}"/>
+              </a:ext>
+            </a:extLst>
+          </p:cNvPr>
+          <p:cNvSpPr txBox="1"/>
+          <p:nvPr/>
+        </p:nvSpPr>
+        <p:spPr>
+          <a:xfrm>
+            <a:off x="3721100" y="4800084"/>
+            <a:ext cx="463550" cy="369332"/>
+          </a:xfrm>
+          <a:prstGeom prst="rect">
+            <a:avLst/>
+          </a:prstGeom>
+          <a:noFill/>
+        </p:spPr>
+        <p:txBody>
+          <a:bodyPr wrap="square">
+            <a:spAutoFit/>
+          </a:bodyPr>
+          <a:lstStyle/>
+          <a:p>
+            <a:pPr algn="r"/>
+            <a:r>
+              <a:rPr lang="en-US" altLang="ko-Kore-KR" sz="1800" dirty="0">
+                <a:latin typeface="DM Mono" panose="020B0509040201040103" pitchFamily="49" charset="0"/>
+              </a:rPr>
+              <a:t>x</a:t>
+            </a:r>
+            <a:endParaRPr lang="ko-Kore-KR" altLang="en-US" dirty="0"/>
+          </a:p>
+        </p:txBody>
+      </p:sp>
+      <p:sp>
+        <p:nvSpPr>
+          <p:cNvPr id="10" name="TextBox 9">
+            <a:extLst>
+              <a:ext uri="{FF2B5EF4-FFF2-40B4-BE49-F238E27FC236}">
+                <a16:creationId xmlns:a16="http://schemas.microsoft.com/office/drawing/2014/main" id="{8EA97F5A-477D-0C94-8EEC-5A47D93E9154}"/>
+              </a:ext>
+            </a:extLst>
+          </p:cNvPr>
+          <p:cNvSpPr txBox="1"/>
+          <p:nvPr/>
+        </p:nvSpPr>
+        <p:spPr>
+          <a:xfrm>
+            <a:off x="4108450" y="3707368"/>
+            <a:ext cx="1035050" cy="369332"/>
+          </a:xfrm>
+          <a:prstGeom prst="rect">
+            <a:avLst/>
+          </a:prstGeom>
+          <a:noFill/>
+        </p:spPr>
+        <p:txBody>
+          <a:bodyPr wrap="square">
+            <a:spAutoFit/>
+          </a:bodyPr>
+          <a:lstStyle/>
+          <a:p>
+            <a:pPr algn="ctr"/>
+            <a:r>
+              <a:rPr lang="ko-Kore-KR" altLang="en-US" sz="1800" dirty="0">
+                <a:latin typeface="DM Mono" panose="020B0509040201040103" pitchFamily="49" charset="0"/>
+              </a:rPr>
+              <a:t>main</a:t>
+            </a:r>
+            <a:endParaRPr lang="ko-Kore-KR" altLang="en-US" dirty="0">
+              <a:latin typeface="DM Mono" panose="020B0509040201040103" pitchFamily="49" charset="0"/>
+            </a:endParaRPr>
+          </a:p>
+        </p:txBody>
+      </p:sp>
+      <p:sp>
+        <p:nvSpPr>
+          <p:cNvPr id="2" name="직사각형 1">
+            <a:extLst>
+              <a:ext uri="{FF2B5EF4-FFF2-40B4-BE49-F238E27FC236}">
+                <a16:creationId xmlns:a16="http://schemas.microsoft.com/office/drawing/2014/main" id="{BA5D6507-55D0-756C-A5EC-CF7E4743EB44}"/>
+              </a:ext>
+            </a:extLst>
+          </p:cNvPr>
+          <p:cNvSpPr/>
+          <p:nvPr/>
+        </p:nvSpPr>
+        <p:spPr>
+          <a:xfrm>
+            <a:off x="7300852" y="739023"/>
+            <a:ext cx="3644900" cy="2374900"/>
+          </a:xfrm>
+          <a:prstGeom prst="rect">
+            <a:avLst/>
+          </a:prstGeom>
+          <a:solidFill>
+            <a:schemeClr val="bg1"/>
+          </a:solidFill>
+        </p:spPr>
+        <p:style>
+          <a:lnRef idx="2">
+            <a:schemeClr val="accent1">
+              <a:shade val="15000"/>
+            </a:schemeClr>
+          </a:lnRef>
+          <a:fillRef idx="1">
+            <a:schemeClr val="accent1"/>
+          </a:fillRef>
+          <a:effectRef idx="0">
+            <a:schemeClr val="accent1"/>
+          </a:effectRef>
+          <a:fontRef idx="minor">
+            <a:schemeClr val="lt1"/>
+          </a:fontRef>
+        </p:style>
+        <p:txBody>
+          <a:bodyPr rtlCol="0" anchor="ctr"/>
+          <a:lstStyle/>
+          <a:p>
+            <a:pPr algn="ctr"/>
+            <a:endParaRPr kumimoji="1" lang="ko-Kore-KR" altLang="en-US" dirty="0">
+              <a:solidFill>
+                <a:schemeClr val="tx1"/>
+              </a:solidFill>
+              <a:latin typeface="DM Mono" panose="020B0509040201040103" pitchFamily="49" charset="0"/>
+            </a:endParaRPr>
+          </a:p>
+        </p:txBody>
+      </p:sp>
+      <p:sp>
+        <p:nvSpPr>
+          <p:cNvPr id="4" name="TextBox 3">
+            <a:extLst>
+              <a:ext uri="{FF2B5EF4-FFF2-40B4-BE49-F238E27FC236}">
+                <a16:creationId xmlns:a16="http://schemas.microsoft.com/office/drawing/2014/main" id="{B7C428B4-F12F-B8DE-C679-BDA4F9F29619}"/>
+              </a:ext>
+            </a:extLst>
+          </p:cNvPr>
+          <p:cNvSpPr txBox="1"/>
+          <p:nvPr/>
+        </p:nvSpPr>
+        <p:spPr>
+          <a:xfrm>
+            <a:off x="8075552" y="1462407"/>
+            <a:ext cx="463550" cy="369332"/>
+          </a:xfrm>
+          <a:prstGeom prst="rect">
+            <a:avLst/>
+          </a:prstGeom>
+          <a:noFill/>
+        </p:spPr>
+        <p:txBody>
+          <a:bodyPr wrap="square">
+            <a:spAutoFit/>
+          </a:bodyPr>
+          <a:lstStyle/>
+          <a:p>
+            <a:pPr algn="ctr"/>
+            <a:r>
+              <a:rPr lang="en-US" altLang="ko-Kore-KR" sz="1800" dirty="0">
+                <a:solidFill>
+                  <a:srgbClr val="FF0000"/>
+                </a:solidFill>
+                <a:latin typeface="DM Mono" panose="020B0509040201040103" pitchFamily="49" charset="0"/>
+              </a:rPr>
+              <a:t>r</a:t>
+            </a:r>
+            <a:endParaRPr lang="ko-Kore-KR" altLang="en-US" dirty="0">
+              <a:solidFill>
+                <a:srgbClr val="FF0000"/>
+              </a:solidFill>
+            </a:endParaRPr>
+          </a:p>
+        </p:txBody>
+      </p:sp>
+      <p:sp>
+        <p:nvSpPr>
+          <p:cNvPr id="9" name="TextBox 8">
+            <a:extLst>
+              <a:ext uri="{FF2B5EF4-FFF2-40B4-BE49-F238E27FC236}">
+                <a16:creationId xmlns:a16="http://schemas.microsoft.com/office/drawing/2014/main" id="{853C05CC-CD73-6191-3A2B-FF2A5F22EF9E}"/>
+              </a:ext>
+            </a:extLst>
+          </p:cNvPr>
+          <p:cNvSpPr txBox="1"/>
+          <p:nvPr/>
+        </p:nvSpPr>
+        <p:spPr>
+          <a:xfrm>
+            <a:off x="8462902" y="369691"/>
+            <a:ext cx="1035050" cy="369332"/>
+          </a:xfrm>
+          <a:prstGeom prst="rect">
+            <a:avLst/>
+          </a:prstGeom>
+          <a:noFill/>
+        </p:spPr>
+        <p:txBody>
+          <a:bodyPr wrap="square">
+            <a:spAutoFit/>
+          </a:bodyPr>
+          <a:lstStyle/>
+          <a:p>
+            <a:pPr algn="ctr"/>
+            <a:r>
+              <a:rPr lang="en-US" altLang="ko-Kore-KR" sz="1800" dirty="0">
+                <a:latin typeface="DM Mono" panose="020B0509040201040103" pitchFamily="49" charset="0"/>
+              </a:rPr>
+              <a:t>inc3</a:t>
+            </a:r>
+            <a:endParaRPr lang="ko-Kore-KR" altLang="en-US" dirty="0">
+              <a:latin typeface="DM Mono" panose="020B0509040201040103" pitchFamily="49" charset="0"/>
+            </a:endParaRPr>
+          </a:p>
+        </p:txBody>
+      </p:sp>
+      <p:cxnSp>
+        <p:nvCxnSpPr>
+          <p:cNvPr id="12" name="구부러진 연결선[U] 11">
+            <a:extLst>
+              <a:ext uri="{FF2B5EF4-FFF2-40B4-BE49-F238E27FC236}">
+                <a16:creationId xmlns:a16="http://schemas.microsoft.com/office/drawing/2014/main" id="{2D5D592F-C6D6-8281-E680-73DD503E0EC0}"/>
+              </a:ext>
+            </a:extLst>
+          </p:cNvPr>
+          <p:cNvCxnSpPr>
+            <a:stCxn id="4" idx="2"/>
+            <a:endCxn id="6" idx="0"/>
+          </p:cNvCxnSpPr>
+          <p:nvPr/>
+        </p:nvCxnSpPr>
+        <p:spPr>
+          <a:xfrm rot="5400000">
+            <a:off x="4999684" y="1543756"/>
+            <a:ext cx="3019661" cy="3595627"/>
+          </a:xfrm>
+          <a:prstGeom prst="curvedConnector3">
+            <a:avLst/>
+          </a:prstGeom>
+          <a:ln>
+            <a:tailEnd type="triangle"/>
+          </a:ln>
+        </p:spPr>
+        <p:style>
+          <a:lnRef idx="1">
+            <a:schemeClr val="dk1"/>
+          </a:lnRef>
+          <a:fillRef idx="0">
+            <a:schemeClr val="dk1"/>
+          </a:fillRef>
+          <a:effectRef idx="0">
+            <a:schemeClr val="dk1"/>
+          </a:effectRef>
+          <a:fontRef idx="minor">
+            <a:schemeClr val="tx1"/>
+          </a:fontRef>
+        </p:style>
+      </p:cxnSp>
+    </p:spTree>
+    <p:extLst>
+      <p:ext uri="{BB962C8B-B14F-4D97-AF65-F5344CB8AC3E}">
+        <p14:creationId xmlns:p14="http://schemas.microsoft.com/office/powerpoint/2010/main" val="1502532884"/>
+      </p:ext>
+    </p:extLst>
+  </p:cSld>
+  <p:clrMapOvr>
+    <a:masterClrMapping/>
+  </p:clrMapOvr>
+</p:sld>
+</file>
+
+<file path=ppt/slides/slide14.xml><?xml version="1.0" encoding="utf-8"?>
+<p:sld xmlns:a="http://schemas.openxmlformats.org/drawingml/2006/main" xmlns:r="http://schemas.openxmlformats.org/officeDocument/2006/relationships" xmlns:p="http://schemas.openxmlformats.org/presentationml/2006/main">
+  <p:cSld>
+    <p:spTree>
+      <p:nvGrpSpPr>
+        <p:cNvPr id="1" name=""/>
+        <p:cNvGrpSpPr/>
+        <p:nvPr/>
+      </p:nvGrpSpPr>
+      <p:grpSpPr>
+        <a:xfrm>
+          <a:off x="0" y="0"/>
+          <a:ext cx="0" cy="0"/>
+          <a:chOff x="0" y="0"/>
+          <a:chExt cx="0" cy="0"/>
+        </a:xfrm>
+      </p:grpSpPr>
+      <p:sp>
+        <p:nvSpPr>
+          <p:cNvPr id="8" name="직사각형 7">
+            <a:extLst>
+              <a:ext uri="{FF2B5EF4-FFF2-40B4-BE49-F238E27FC236}">
+                <a16:creationId xmlns:a16="http://schemas.microsoft.com/office/drawing/2014/main" id="{6AC51066-E12F-F837-76D4-31AAED4926C4}"/>
+              </a:ext>
+            </a:extLst>
+          </p:cNvPr>
+          <p:cNvSpPr/>
+          <p:nvPr/>
+        </p:nvSpPr>
+        <p:spPr>
+          <a:xfrm>
+            <a:off x="2946400" y="4076700"/>
+            <a:ext cx="3644900" cy="2374900"/>
+          </a:xfrm>
+          <a:prstGeom prst="rect">
+            <a:avLst/>
+          </a:prstGeom>
+          <a:solidFill>
+            <a:schemeClr val="bg1"/>
+          </a:solidFill>
+        </p:spPr>
+        <p:style>
+          <a:lnRef idx="2">
+            <a:schemeClr val="accent1">
+              <a:shade val="15000"/>
+            </a:schemeClr>
+          </a:lnRef>
+          <a:fillRef idx="1">
+            <a:schemeClr val="accent1"/>
+          </a:fillRef>
+          <a:effectRef idx="0">
+            <a:schemeClr val="accent1"/>
+          </a:effectRef>
+          <a:fontRef idx="minor">
+            <a:schemeClr val="lt1"/>
+          </a:fontRef>
+        </p:style>
+        <p:txBody>
+          <a:bodyPr rtlCol="0" anchor="ctr"/>
+          <a:lstStyle/>
+          <a:p>
+            <a:pPr algn="ctr"/>
+            <a:endParaRPr kumimoji="1" lang="ko-Kore-KR" altLang="en-US" dirty="0">
+              <a:solidFill>
+                <a:schemeClr val="tx1"/>
+              </a:solidFill>
+              <a:latin typeface="DM Mono" panose="020B0509040201040103" pitchFamily="49" charset="0"/>
+            </a:endParaRPr>
+          </a:p>
+        </p:txBody>
+      </p:sp>
+      <p:sp>
+        <p:nvSpPr>
+          <p:cNvPr id="5" name="TextBox 4">
+            <a:extLst>
+              <a:ext uri="{FF2B5EF4-FFF2-40B4-BE49-F238E27FC236}">
+                <a16:creationId xmlns:a16="http://schemas.microsoft.com/office/drawing/2014/main" id="{E1698812-92B1-CC4B-4DF6-F41BD8849545}"/>
+              </a:ext>
+            </a:extLst>
+          </p:cNvPr>
+          <p:cNvSpPr txBox="1"/>
+          <p:nvPr/>
+        </p:nvSpPr>
+        <p:spPr>
+          <a:xfrm>
+            <a:off x="431800" y="196840"/>
+            <a:ext cx="6096000" cy="2677656"/>
+          </a:xfrm>
+          <a:prstGeom prst="rect">
+            <a:avLst/>
+          </a:prstGeom>
+          <a:noFill/>
+        </p:spPr>
+        <p:txBody>
+          <a:bodyPr wrap="square">
+            <a:spAutoFit/>
+          </a:bodyPr>
+          <a:lstStyle/>
+          <a:p>
+            <a:r>
+              <a:rPr lang="en" altLang="ko-Kore-KR" sz="1400" dirty="0">
+                <a:latin typeface="DM Mono" panose="020B0509040201040103" pitchFamily="49" charset="0"/>
+              </a:rPr>
+              <a:t>void inc3(int&amp; r)</a:t>
+            </a:r>
+          </a:p>
+          <a:p>
+            <a:r>
+              <a:rPr lang="en" altLang="ko-Kore-KR" sz="1400" dirty="0">
+                <a:latin typeface="DM Mono" panose="020B0509040201040103" pitchFamily="49" charset="0"/>
+              </a:rPr>
+              <a:t>{</a:t>
+            </a:r>
+          </a:p>
+          <a:p>
+            <a:r>
+              <a:rPr lang="en" altLang="ko-Kore-KR" sz="1400" dirty="0">
+                <a:solidFill>
+                  <a:srgbClr val="FF0000"/>
+                </a:solidFill>
+                <a:latin typeface="DM Mono" panose="020B0509040201040103" pitchFamily="49" charset="0"/>
+              </a:rPr>
+              <a:t>    ++r;</a:t>
+            </a:r>
+          </a:p>
+          <a:p>
+            <a:r>
+              <a:rPr lang="en" altLang="ko-Kore-KR" sz="1400" dirty="0">
+                <a:latin typeface="DM Mono" panose="020B0509040201040103" pitchFamily="49" charset="0"/>
+              </a:rPr>
+              <a:t>}</a:t>
+            </a:r>
+          </a:p>
+          <a:p>
+            <a:endParaRPr lang="en" altLang="ko-Kore-KR" sz="1400" dirty="0">
+              <a:latin typeface="DM Mono" panose="020B0509040201040103" pitchFamily="49" charset="0"/>
+            </a:endParaRPr>
+          </a:p>
+          <a:p>
+            <a:r>
+              <a:rPr lang="en" altLang="ko-Kore-KR" sz="1400" dirty="0">
+                <a:latin typeface="DM Mono" panose="020B0509040201040103" pitchFamily="49" charset="0"/>
+              </a:rPr>
+              <a:t>int main()</a:t>
+            </a:r>
+          </a:p>
+          <a:p>
+            <a:r>
+              <a:rPr lang="en" altLang="ko-Kore-KR" sz="1400" dirty="0">
+                <a:latin typeface="DM Mono" panose="020B0509040201040103" pitchFamily="49" charset="0"/>
+              </a:rPr>
+              <a:t>{</a:t>
+            </a:r>
+          </a:p>
+          <a:p>
+            <a:r>
+              <a:rPr lang="en" altLang="ko-Kore-KR" sz="1400" dirty="0">
+                <a:latin typeface="DM Mono" panose="020B0509040201040103" pitchFamily="49" charset="0"/>
+              </a:rPr>
+              <a:t>    int x = 10;</a:t>
+            </a:r>
+          </a:p>
+          <a:p>
+            <a:r>
+              <a:rPr lang="en" altLang="ko-Kore-KR" sz="1400" dirty="0">
+                <a:solidFill>
+                  <a:srgbClr val="FF0000"/>
+                </a:solidFill>
+                <a:latin typeface="DM Mono" panose="020B0509040201040103" pitchFamily="49" charset="0"/>
+              </a:rPr>
+              <a:t>    inc3(x);</a:t>
+            </a:r>
+          </a:p>
+          <a:p>
+            <a:endParaRPr lang="en" altLang="ko-Kore-KR" sz="1400" dirty="0">
+              <a:latin typeface="DM Mono" panose="020B0509040201040103" pitchFamily="49" charset="0"/>
+            </a:endParaRPr>
+          </a:p>
+          <a:p>
+            <a:r>
+              <a:rPr lang="en" altLang="ko-Kore-KR" sz="1400" dirty="0">
+                <a:latin typeface="DM Mono" panose="020B0509040201040103" pitchFamily="49" charset="0"/>
+              </a:rPr>
+              <a:t>    </a:t>
+            </a:r>
+            <a:r>
+              <a:rPr lang="en" altLang="ko-Kore-KR" sz="1400" dirty="0" err="1">
+                <a:latin typeface="DM Mono" panose="020B0509040201040103" pitchFamily="49" charset="0"/>
+              </a:rPr>
+              <a:t>cout</a:t>
+            </a:r>
+            <a:r>
+              <a:rPr lang="en" altLang="ko-Kore-KR" sz="1400" dirty="0">
+                <a:latin typeface="DM Mono" panose="020B0509040201040103" pitchFamily="49" charset="0"/>
+              </a:rPr>
+              <a:t> &lt;&lt; x &lt;&lt; </a:t>
+            </a:r>
+            <a:r>
+              <a:rPr lang="en" altLang="ko-Kore-KR" sz="1400" dirty="0" err="1">
+                <a:latin typeface="DM Mono" panose="020B0509040201040103" pitchFamily="49" charset="0"/>
+              </a:rPr>
+              <a:t>endl</a:t>
+            </a:r>
+            <a:r>
+              <a:rPr lang="en" altLang="ko-Kore-KR" sz="1400" dirty="0">
+                <a:latin typeface="DM Mono" panose="020B0509040201040103" pitchFamily="49" charset="0"/>
+              </a:rPr>
+              <a:t>;</a:t>
+            </a:r>
+          </a:p>
+          <a:p>
+            <a:r>
+              <a:rPr lang="en" altLang="ko-Kore-KR" sz="1400" dirty="0">
+                <a:latin typeface="DM Mono" panose="020B0509040201040103" pitchFamily="49" charset="0"/>
+              </a:rPr>
+              <a:t>}</a:t>
+            </a:r>
+          </a:p>
+        </p:txBody>
+      </p:sp>
+      <p:sp>
+        <p:nvSpPr>
+          <p:cNvPr id="6" name="직사각형 5">
+            <a:extLst>
+              <a:ext uri="{FF2B5EF4-FFF2-40B4-BE49-F238E27FC236}">
+                <a16:creationId xmlns:a16="http://schemas.microsoft.com/office/drawing/2014/main" id="{12AE9555-AE2E-E037-07D5-267BBB7BF260}"/>
+              </a:ext>
+            </a:extLst>
+          </p:cNvPr>
+          <p:cNvSpPr/>
+          <p:nvPr/>
+        </p:nvSpPr>
+        <p:spPr>
+          <a:xfrm>
+            <a:off x="4184650" y="4851400"/>
+            <a:ext cx="1054100" cy="546100"/>
+          </a:xfrm>
+          <a:prstGeom prst="rect">
+            <a:avLst/>
+          </a:prstGeom>
+          <a:solidFill>
+            <a:srgbClr val="FFFF00"/>
+          </a:solidFill>
+        </p:spPr>
+        <p:style>
+          <a:lnRef idx="2">
+            <a:schemeClr val="accent1">
+              <a:shade val="15000"/>
+            </a:schemeClr>
+          </a:lnRef>
+          <a:fillRef idx="1">
+            <a:schemeClr val="accent1"/>
+          </a:fillRef>
+          <a:effectRef idx="0">
+            <a:schemeClr val="accent1"/>
+          </a:effectRef>
+          <a:fontRef idx="minor">
+            <a:schemeClr val="lt1"/>
+          </a:fontRef>
+        </p:style>
+        <p:txBody>
+          <a:bodyPr rtlCol="0" anchor="ctr"/>
+          <a:lstStyle/>
+          <a:p>
+            <a:pPr algn="ctr"/>
+            <a:r>
+              <a:rPr kumimoji="1" lang="en-US" altLang="ko-Kore-KR" dirty="0">
+                <a:solidFill>
+                  <a:srgbClr val="FF0000"/>
+                </a:solidFill>
+                <a:latin typeface="DM Mono" panose="020B0509040201040103" pitchFamily="49" charset="0"/>
+              </a:rPr>
+              <a:t>11</a:t>
+            </a:r>
+            <a:endParaRPr kumimoji="1" lang="ko-Kore-KR" altLang="en-US" dirty="0">
+              <a:solidFill>
+                <a:srgbClr val="FF0000"/>
+              </a:solidFill>
+              <a:latin typeface="DM Mono" panose="020B0509040201040103" pitchFamily="49" charset="0"/>
+            </a:endParaRPr>
+          </a:p>
+        </p:txBody>
+      </p:sp>
+      <p:sp>
+        <p:nvSpPr>
+          <p:cNvPr id="7" name="TextBox 6">
+            <a:extLst>
+              <a:ext uri="{FF2B5EF4-FFF2-40B4-BE49-F238E27FC236}">
+                <a16:creationId xmlns:a16="http://schemas.microsoft.com/office/drawing/2014/main" id="{255C507C-46FE-837C-0674-1433255B1F02}"/>
+              </a:ext>
+            </a:extLst>
+          </p:cNvPr>
+          <p:cNvSpPr txBox="1"/>
+          <p:nvPr/>
+        </p:nvSpPr>
+        <p:spPr>
+          <a:xfrm>
+            <a:off x="3721100" y="4800084"/>
+            <a:ext cx="463550" cy="369332"/>
+          </a:xfrm>
+          <a:prstGeom prst="rect">
+            <a:avLst/>
+          </a:prstGeom>
+          <a:noFill/>
+        </p:spPr>
+        <p:txBody>
+          <a:bodyPr wrap="square">
+            <a:spAutoFit/>
+          </a:bodyPr>
+          <a:lstStyle/>
+          <a:p>
+            <a:pPr algn="r"/>
+            <a:r>
+              <a:rPr lang="en-US" altLang="ko-Kore-KR" sz="1800" dirty="0">
+                <a:latin typeface="DM Mono" panose="020B0509040201040103" pitchFamily="49" charset="0"/>
+              </a:rPr>
+              <a:t>x</a:t>
+            </a:r>
+            <a:endParaRPr lang="ko-Kore-KR" altLang="en-US" dirty="0"/>
+          </a:p>
+        </p:txBody>
+      </p:sp>
+      <p:sp>
+        <p:nvSpPr>
+          <p:cNvPr id="10" name="TextBox 9">
+            <a:extLst>
+              <a:ext uri="{FF2B5EF4-FFF2-40B4-BE49-F238E27FC236}">
+                <a16:creationId xmlns:a16="http://schemas.microsoft.com/office/drawing/2014/main" id="{8EA97F5A-477D-0C94-8EEC-5A47D93E9154}"/>
+              </a:ext>
+            </a:extLst>
+          </p:cNvPr>
+          <p:cNvSpPr txBox="1"/>
+          <p:nvPr/>
+        </p:nvSpPr>
+        <p:spPr>
+          <a:xfrm>
+            <a:off x="4108450" y="3707368"/>
+            <a:ext cx="1035050" cy="369332"/>
+          </a:xfrm>
+          <a:prstGeom prst="rect">
+            <a:avLst/>
+          </a:prstGeom>
+          <a:noFill/>
+        </p:spPr>
+        <p:txBody>
+          <a:bodyPr wrap="square">
+            <a:spAutoFit/>
+          </a:bodyPr>
+          <a:lstStyle/>
+          <a:p>
+            <a:pPr algn="ctr"/>
+            <a:r>
+              <a:rPr lang="ko-Kore-KR" altLang="en-US" sz="1800" dirty="0">
+                <a:latin typeface="DM Mono" panose="020B0509040201040103" pitchFamily="49" charset="0"/>
+              </a:rPr>
+              <a:t>main</a:t>
+            </a:r>
+            <a:endParaRPr lang="ko-Kore-KR" altLang="en-US" dirty="0">
+              <a:latin typeface="DM Mono" panose="020B0509040201040103" pitchFamily="49" charset="0"/>
+            </a:endParaRPr>
+          </a:p>
+        </p:txBody>
+      </p:sp>
+      <p:sp>
+        <p:nvSpPr>
+          <p:cNvPr id="2" name="직사각형 1">
+            <a:extLst>
+              <a:ext uri="{FF2B5EF4-FFF2-40B4-BE49-F238E27FC236}">
+                <a16:creationId xmlns:a16="http://schemas.microsoft.com/office/drawing/2014/main" id="{BA5D6507-55D0-756C-A5EC-CF7E4743EB44}"/>
+              </a:ext>
+            </a:extLst>
+          </p:cNvPr>
+          <p:cNvSpPr/>
+          <p:nvPr/>
+        </p:nvSpPr>
+        <p:spPr>
+          <a:xfrm>
+            <a:off x="7300852" y="739023"/>
+            <a:ext cx="3644900" cy="2374900"/>
+          </a:xfrm>
+          <a:prstGeom prst="rect">
+            <a:avLst/>
+          </a:prstGeom>
+          <a:solidFill>
+            <a:schemeClr val="bg1"/>
+          </a:solidFill>
+        </p:spPr>
+        <p:style>
+          <a:lnRef idx="2">
+            <a:schemeClr val="accent1">
+              <a:shade val="15000"/>
+            </a:schemeClr>
+          </a:lnRef>
+          <a:fillRef idx="1">
+            <a:schemeClr val="accent1"/>
+          </a:fillRef>
+          <a:effectRef idx="0">
+            <a:schemeClr val="accent1"/>
+          </a:effectRef>
+          <a:fontRef idx="minor">
+            <a:schemeClr val="lt1"/>
+          </a:fontRef>
+        </p:style>
+        <p:txBody>
+          <a:bodyPr rtlCol="0" anchor="ctr"/>
+          <a:lstStyle/>
+          <a:p>
+            <a:pPr algn="ctr"/>
+            <a:endParaRPr kumimoji="1" lang="ko-Kore-KR" altLang="en-US" dirty="0">
+              <a:solidFill>
+                <a:schemeClr val="tx1"/>
+              </a:solidFill>
+              <a:latin typeface="DM Mono" panose="020B0509040201040103" pitchFamily="49" charset="0"/>
+            </a:endParaRPr>
+          </a:p>
+        </p:txBody>
+      </p:sp>
+      <p:sp>
+        <p:nvSpPr>
+          <p:cNvPr id="4" name="TextBox 3">
+            <a:extLst>
+              <a:ext uri="{FF2B5EF4-FFF2-40B4-BE49-F238E27FC236}">
+                <a16:creationId xmlns:a16="http://schemas.microsoft.com/office/drawing/2014/main" id="{B7C428B4-F12F-B8DE-C679-BDA4F9F29619}"/>
+              </a:ext>
+            </a:extLst>
+          </p:cNvPr>
+          <p:cNvSpPr txBox="1"/>
+          <p:nvPr/>
+        </p:nvSpPr>
+        <p:spPr>
+          <a:xfrm>
+            <a:off x="8075552" y="1462407"/>
+            <a:ext cx="463550" cy="369332"/>
+          </a:xfrm>
+          <a:prstGeom prst="rect">
+            <a:avLst/>
+          </a:prstGeom>
+          <a:noFill/>
+        </p:spPr>
+        <p:txBody>
+          <a:bodyPr wrap="square">
+            <a:spAutoFit/>
+          </a:bodyPr>
+          <a:lstStyle/>
+          <a:p>
+            <a:pPr algn="ctr"/>
+            <a:r>
+              <a:rPr lang="en-US" altLang="ko-Kore-KR" sz="1800" dirty="0">
+                <a:solidFill>
+                  <a:srgbClr val="FF0000"/>
+                </a:solidFill>
+                <a:latin typeface="DM Mono" panose="020B0509040201040103" pitchFamily="49" charset="0"/>
+              </a:rPr>
+              <a:t>r</a:t>
+            </a:r>
+            <a:endParaRPr lang="ko-Kore-KR" altLang="en-US" dirty="0">
+              <a:solidFill>
+                <a:srgbClr val="FF0000"/>
+              </a:solidFill>
+            </a:endParaRPr>
+          </a:p>
+        </p:txBody>
+      </p:sp>
+      <p:sp>
+        <p:nvSpPr>
+          <p:cNvPr id="9" name="TextBox 8">
+            <a:extLst>
+              <a:ext uri="{FF2B5EF4-FFF2-40B4-BE49-F238E27FC236}">
+                <a16:creationId xmlns:a16="http://schemas.microsoft.com/office/drawing/2014/main" id="{853C05CC-CD73-6191-3A2B-FF2A5F22EF9E}"/>
+              </a:ext>
+            </a:extLst>
+          </p:cNvPr>
+          <p:cNvSpPr txBox="1"/>
+          <p:nvPr/>
+        </p:nvSpPr>
+        <p:spPr>
+          <a:xfrm>
+            <a:off x="8462902" y="369691"/>
+            <a:ext cx="1035050" cy="369332"/>
+          </a:xfrm>
+          <a:prstGeom prst="rect">
+            <a:avLst/>
+          </a:prstGeom>
+          <a:noFill/>
+        </p:spPr>
+        <p:txBody>
+          <a:bodyPr wrap="square">
+            <a:spAutoFit/>
+          </a:bodyPr>
+          <a:lstStyle/>
+          <a:p>
+            <a:pPr algn="ctr"/>
+            <a:r>
+              <a:rPr lang="en-US" altLang="ko-Kore-KR" sz="1800" dirty="0">
+                <a:latin typeface="DM Mono" panose="020B0509040201040103" pitchFamily="49" charset="0"/>
+              </a:rPr>
+              <a:t>inc3</a:t>
+            </a:r>
+            <a:endParaRPr lang="ko-Kore-KR" altLang="en-US" dirty="0">
+              <a:latin typeface="DM Mono" panose="020B0509040201040103" pitchFamily="49" charset="0"/>
+            </a:endParaRPr>
+          </a:p>
+        </p:txBody>
+      </p:sp>
+      <p:cxnSp>
+        <p:nvCxnSpPr>
+          <p:cNvPr id="12" name="구부러진 연결선[U] 11">
+            <a:extLst>
+              <a:ext uri="{FF2B5EF4-FFF2-40B4-BE49-F238E27FC236}">
+                <a16:creationId xmlns:a16="http://schemas.microsoft.com/office/drawing/2014/main" id="{2D5D592F-C6D6-8281-E680-73DD503E0EC0}"/>
+              </a:ext>
+            </a:extLst>
+          </p:cNvPr>
+          <p:cNvCxnSpPr>
+            <a:stCxn id="4" idx="2"/>
+            <a:endCxn id="6" idx="0"/>
+          </p:cNvCxnSpPr>
+          <p:nvPr/>
+        </p:nvCxnSpPr>
+        <p:spPr>
+          <a:xfrm rot="5400000">
+            <a:off x="4999684" y="1543756"/>
+            <a:ext cx="3019661" cy="3595627"/>
+          </a:xfrm>
+          <a:prstGeom prst="curvedConnector3">
+            <a:avLst/>
+          </a:prstGeom>
+          <a:ln>
+            <a:tailEnd type="triangle"/>
+          </a:ln>
+        </p:spPr>
+        <p:style>
+          <a:lnRef idx="1">
+            <a:schemeClr val="dk1"/>
+          </a:lnRef>
+          <a:fillRef idx="0">
+            <a:schemeClr val="dk1"/>
+          </a:fillRef>
+          <a:effectRef idx="0">
+            <a:schemeClr val="dk1"/>
+          </a:effectRef>
+          <a:fontRef idx="minor">
+            <a:schemeClr val="tx1"/>
+          </a:fontRef>
+        </p:style>
+      </p:cxnSp>
+    </p:spTree>
+    <p:extLst>
+      <p:ext uri="{BB962C8B-B14F-4D97-AF65-F5344CB8AC3E}">
+        <p14:creationId xmlns:p14="http://schemas.microsoft.com/office/powerpoint/2010/main" val="363960607"/>
+      </p:ext>
+    </p:extLst>
+  </p:cSld>
+  <p:clrMapOvr>
+    <a:masterClrMapping/>
+  </p:clrMapOvr>
+</p:sld>
+</file>
+
 <file path=ppt/slides/slide2.xml><?xml version="1.0" encoding="utf-8"?>
 <p:sld xmlns:a="http://schemas.openxmlformats.org/drawingml/2006/main" xmlns:r="http://schemas.openxmlformats.org/officeDocument/2006/relationships" xmlns:p="http://schemas.openxmlformats.org/presentationml/2006/main">
   <p:cSld>
@@ -5347,6 +8238,1527 @@
     <p:extLst>
       <p:ext uri="{BB962C8B-B14F-4D97-AF65-F5344CB8AC3E}">
         <p14:creationId xmlns:p14="http://schemas.microsoft.com/office/powerpoint/2010/main" val="1932444068"/>
+      </p:ext>
+    </p:extLst>
+  </p:cSld>
+  <p:clrMapOvr>
+    <a:masterClrMapping/>
+  </p:clrMapOvr>
+</p:sld>
+</file>
+
+<file path=ppt/slides/slide7.xml><?xml version="1.0" encoding="utf-8"?>
+<p:sld xmlns:a="http://schemas.openxmlformats.org/drawingml/2006/main" xmlns:r="http://schemas.openxmlformats.org/officeDocument/2006/relationships" xmlns:p="http://schemas.openxmlformats.org/presentationml/2006/main">
+  <p:cSld>
+    <p:spTree>
+      <p:nvGrpSpPr>
+        <p:cNvPr id="1" name=""/>
+        <p:cNvGrpSpPr/>
+        <p:nvPr/>
+      </p:nvGrpSpPr>
+      <p:grpSpPr>
+        <a:xfrm>
+          <a:off x="0" y="0"/>
+          <a:ext cx="0" cy="0"/>
+          <a:chOff x="0" y="0"/>
+          <a:chExt cx="0" cy="0"/>
+        </a:xfrm>
+      </p:grpSpPr>
+      <p:sp>
+        <p:nvSpPr>
+          <p:cNvPr id="8" name="직사각형 7">
+            <a:extLst>
+              <a:ext uri="{FF2B5EF4-FFF2-40B4-BE49-F238E27FC236}">
+                <a16:creationId xmlns:a16="http://schemas.microsoft.com/office/drawing/2014/main" id="{6AC51066-E12F-F837-76D4-31AAED4926C4}"/>
+              </a:ext>
+            </a:extLst>
+          </p:cNvPr>
+          <p:cNvSpPr/>
+          <p:nvPr/>
+        </p:nvSpPr>
+        <p:spPr>
+          <a:xfrm>
+            <a:off x="2946400" y="4076700"/>
+            <a:ext cx="3644900" cy="2374900"/>
+          </a:xfrm>
+          <a:prstGeom prst="rect">
+            <a:avLst/>
+          </a:prstGeom>
+          <a:solidFill>
+            <a:schemeClr val="bg1"/>
+          </a:solidFill>
+        </p:spPr>
+        <p:style>
+          <a:lnRef idx="2">
+            <a:schemeClr val="accent1">
+              <a:shade val="15000"/>
+            </a:schemeClr>
+          </a:lnRef>
+          <a:fillRef idx="1">
+            <a:schemeClr val="accent1"/>
+          </a:fillRef>
+          <a:effectRef idx="0">
+            <a:schemeClr val="accent1"/>
+          </a:effectRef>
+          <a:fontRef idx="minor">
+            <a:schemeClr val="lt1"/>
+          </a:fontRef>
+        </p:style>
+        <p:txBody>
+          <a:bodyPr rtlCol="0" anchor="ctr"/>
+          <a:lstStyle/>
+          <a:p>
+            <a:pPr algn="ctr"/>
+            <a:endParaRPr kumimoji="1" lang="ko-Kore-KR" altLang="en-US" dirty="0">
+              <a:solidFill>
+                <a:schemeClr val="tx1"/>
+              </a:solidFill>
+              <a:latin typeface="DM Mono" panose="020B0509040201040103" pitchFamily="49" charset="0"/>
+            </a:endParaRPr>
+          </a:p>
+        </p:txBody>
+      </p:sp>
+      <p:sp>
+        <p:nvSpPr>
+          <p:cNvPr id="5" name="TextBox 4">
+            <a:extLst>
+              <a:ext uri="{FF2B5EF4-FFF2-40B4-BE49-F238E27FC236}">
+                <a16:creationId xmlns:a16="http://schemas.microsoft.com/office/drawing/2014/main" id="{E1698812-92B1-CC4B-4DF6-F41BD8849545}"/>
+              </a:ext>
+            </a:extLst>
+          </p:cNvPr>
+          <p:cNvSpPr txBox="1"/>
+          <p:nvPr/>
+        </p:nvSpPr>
+        <p:spPr>
+          <a:xfrm>
+            <a:off x="431800" y="196840"/>
+            <a:ext cx="6096000" cy="2677656"/>
+          </a:xfrm>
+          <a:prstGeom prst="rect">
+            <a:avLst/>
+          </a:prstGeom>
+          <a:noFill/>
+        </p:spPr>
+        <p:txBody>
+          <a:bodyPr wrap="square">
+            <a:spAutoFit/>
+          </a:bodyPr>
+          <a:lstStyle/>
+          <a:p>
+            <a:r>
+              <a:rPr lang="ko-Kore-KR" altLang="en-US" sz="1400" dirty="0">
+                <a:latin typeface="DM Mono" panose="020B0509040201040103" pitchFamily="49" charset="0"/>
+              </a:rPr>
+              <a:t>void inc(int x)</a:t>
+            </a:r>
+          </a:p>
+          <a:p>
+            <a:r>
+              <a:rPr lang="ko-Kore-KR" altLang="en-US" sz="1400" dirty="0">
+                <a:latin typeface="DM Mono" panose="020B0509040201040103" pitchFamily="49" charset="0"/>
+              </a:rPr>
+              <a:t>{</a:t>
+            </a:r>
+          </a:p>
+          <a:p>
+            <a:r>
+              <a:rPr lang="ko-Kore-KR" altLang="en-US" sz="1400" dirty="0">
+                <a:latin typeface="DM Mono" panose="020B0509040201040103" pitchFamily="49" charset="0"/>
+              </a:rPr>
+              <a:t>    ++x;</a:t>
+            </a:r>
+          </a:p>
+          <a:p>
+            <a:r>
+              <a:rPr lang="ko-Kore-KR" altLang="en-US" sz="1400" dirty="0">
+                <a:latin typeface="DM Mono" panose="020B0509040201040103" pitchFamily="49" charset="0"/>
+              </a:rPr>
+              <a:t>}</a:t>
+            </a:r>
+          </a:p>
+          <a:p>
+            <a:endParaRPr lang="ko-Kore-KR" altLang="en-US" sz="1400" dirty="0">
+              <a:latin typeface="DM Mono" panose="020B0509040201040103" pitchFamily="49" charset="0"/>
+            </a:endParaRPr>
+          </a:p>
+          <a:p>
+            <a:r>
+              <a:rPr lang="ko-Kore-KR" altLang="en-US" sz="1400" dirty="0">
+                <a:latin typeface="DM Mono" panose="020B0509040201040103" pitchFamily="49" charset="0"/>
+              </a:rPr>
+              <a:t>int main()</a:t>
+            </a:r>
+          </a:p>
+          <a:p>
+            <a:r>
+              <a:rPr lang="ko-Kore-KR" altLang="en-US" sz="1400" dirty="0">
+                <a:latin typeface="DM Mono" panose="020B0509040201040103" pitchFamily="49" charset="0"/>
+              </a:rPr>
+              <a:t>{</a:t>
+            </a:r>
+          </a:p>
+          <a:p>
+            <a:r>
+              <a:rPr lang="ko-Kore-KR" altLang="en-US" sz="1400" dirty="0">
+                <a:latin typeface="DM Mono" panose="020B0509040201040103" pitchFamily="49" charset="0"/>
+              </a:rPr>
+              <a:t>    int x = 10;</a:t>
+            </a:r>
+          </a:p>
+          <a:p>
+            <a:r>
+              <a:rPr lang="ko-Kore-KR" altLang="en-US" sz="1400" dirty="0">
+                <a:latin typeface="DM Mono" panose="020B0509040201040103" pitchFamily="49" charset="0"/>
+              </a:rPr>
+              <a:t>    inc(x);</a:t>
+            </a:r>
+          </a:p>
+          <a:p>
+            <a:endParaRPr lang="ko-Kore-KR" altLang="en-US" sz="1400" dirty="0">
+              <a:latin typeface="DM Mono" panose="020B0509040201040103" pitchFamily="49" charset="0"/>
+            </a:endParaRPr>
+          </a:p>
+          <a:p>
+            <a:r>
+              <a:rPr lang="ko-Kore-KR" altLang="en-US" sz="1400" dirty="0">
+                <a:latin typeface="DM Mono" panose="020B0509040201040103" pitchFamily="49" charset="0"/>
+              </a:rPr>
+              <a:t>    cout &lt;&lt; x &lt;&lt; endl;</a:t>
+            </a:r>
+          </a:p>
+          <a:p>
+            <a:r>
+              <a:rPr lang="ko-Kore-KR" altLang="en-US" sz="1400" dirty="0">
+                <a:latin typeface="DM Mono" panose="020B0509040201040103" pitchFamily="49" charset="0"/>
+              </a:rPr>
+              <a:t>}</a:t>
+            </a:r>
+          </a:p>
+        </p:txBody>
+      </p:sp>
+      <p:sp>
+        <p:nvSpPr>
+          <p:cNvPr id="6" name="직사각형 5">
+            <a:extLst>
+              <a:ext uri="{FF2B5EF4-FFF2-40B4-BE49-F238E27FC236}">
+                <a16:creationId xmlns:a16="http://schemas.microsoft.com/office/drawing/2014/main" id="{12AE9555-AE2E-E037-07D5-267BBB7BF260}"/>
+              </a:ext>
+            </a:extLst>
+          </p:cNvPr>
+          <p:cNvSpPr/>
+          <p:nvPr/>
+        </p:nvSpPr>
+        <p:spPr>
+          <a:xfrm>
+            <a:off x="4184650" y="4851400"/>
+            <a:ext cx="1054100" cy="546100"/>
+          </a:xfrm>
+          <a:prstGeom prst="rect">
+            <a:avLst/>
+          </a:prstGeom>
+          <a:solidFill>
+            <a:srgbClr val="FFFF00"/>
+          </a:solidFill>
+        </p:spPr>
+        <p:style>
+          <a:lnRef idx="2">
+            <a:schemeClr val="accent1">
+              <a:shade val="15000"/>
+            </a:schemeClr>
+          </a:lnRef>
+          <a:fillRef idx="1">
+            <a:schemeClr val="accent1"/>
+          </a:fillRef>
+          <a:effectRef idx="0">
+            <a:schemeClr val="accent1"/>
+          </a:effectRef>
+          <a:fontRef idx="minor">
+            <a:schemeClr val="lt1"/>
+          </a:fontRef>
+        </p:style>
+        <p:txBody>
+          <a:bodyPr rtlCol="0" anchor="ctr"/>
+          <a:lstStyle/>
+          <a:p>
+            <a:pPr algn="ctr"/>
+            <a:r>
+              <a:rPr kumimoji="1" lang="en-US" altLang="ko-Kore-KR" dirty="0">
+                <a:solidFill>
+                  <a:schemeClr val="tx1"/>
+                </a:solidFill>
+                <a:latin typeface="DM Mono" panose="020B0509040201040103" pitchFamily="49" charset="0"/>
+              </a:rPr>
+              <a:t>10</a:t>
+            </a:r>
+            <a:endParaRPr kumimoji="1" lang="ko-Kore-KR" altLang="en-US" dirty="0">
+              <a:solidFill>
+                <a:schemeClr val="tx1"/>
+              </a:solidFill>
+              <a:latin typeface="DM Mono" panose="020B0509040201040103" pitchFamily="49" charset="0"/>
+            </a:endParaRPr>
+          </a:p>
+        </p:txBody>
+      </p:sp>
+      <p:sp>
+        <p:nvSpPr>
+          <p:cNvPr id="7" name="TextBox 6">
+            <a:extLst>
+              <a:ext uri="{FF2B5EF4-FFF2-40B4-BE49-F238E27FC236}">
+                <a16:creationId xmlns:a16="http://schemas.microsoft.com/office/drawing/2014/main" id="{255C507C-46FE-837C-0674-1433255B1F02}"/>
+              </a:ext>
+            </a:extLst>
+          </p:cNvPr>
+          <p:cNvSpPr txBox="1"/>
+          <p:nvPr/>
+        </p:nvSpPr>
+        <p:spPr>
+          <a:xfrm>
+            <a:off x="3721100" y="4800084"/>
+            <a:ext cx="463550" cy="369332"/>
+          </a:xfrm>
+          <a:prstGeom prst="rect">
+            <a:avLst/>
+          </a:prstGeom>
+          <a:noFill/>
+        </p:spPr>
+        <p:txBody>
+          <a:bodyPr wrap="square">
+            <a:spAutoFit/>
+          </a:bodyPr>
+          <a:lstStyle/>
+          <a:p>
+            <a:pPr algn="r"/>
+            <a:r>
+              <a:rPr lang="en-US" altLang="ko-Kore-KR" sz="1800" dirty="0">
+                <a:latin typeface="DM Mono" panose="020B0509040201040103" pitchFamily="49" charset="0"/>
+              </a:rPr>
+              <a:t>x</a:t>
+            </a:r>
+            <a:endParaRPr lang="ko-Kore-KR" altLang="en-US" dirty="0"/>
+          </a:p>
+        </p:txBody>
+      </p:sp>
+      <p:sp>
+        <p:nvSpPr>
+          <p:cNvPr id="10" name="TextBox 9">
+            <a:extLst>
+              <a:ext uri="{FF2B5EF4-FFF2-40B4-BE49-F238E27FC236}">
+                <a16:creationId xmlns:a16="http://schemas.microsoft.com/office/drawing/2014/main" id="{8EA97F5A-477D-0C94-8EEC-5A47D93E9154}"/>
+              </a:ext>
+            </a:extLst>
+          </p:cNvPr>
+          <p:cNvSpPr txBox="1"/>
+          <p:nvPr/>
+        </p:nvSpPr>
+        <p:spPr>
+          <a:xfrm>
+            <a:off x="4108450" y="3707368"/>
+            <a:ext cx="1035050" cy="369332"/>
+          </a:xfrm>
+          <a:prstGeom prst="rect">
+            <a:avLst/>
+          </a:prstGeom>
+          <a:noFill/>
+        </p:spPr>
+        <p:txBody>
+          <a:bodyPr wrap="square">
+            <a:spAutoFit/>
+          </a:bodyPr>
+          <a:lstStyle/>
+          <a:p>
+            <a:pPr algn="ctr"/>
+            <a:r>
+              <a:rPr lang="ko-Kore-KR" altLang="en-US" sz="1800" dirty="0">
+                <a:latin typeface="DM Mono" panose="020B0509040201040103" pitchFamily="49" charset="0"/>
+              </a:rPr>
+              <a:t>main</a:t>
+            </a:r>
+            <a:endParaRPr lang="ko-Kore-KR" altLang="en-US" dirty="0">
+              <a:latin typeface="DM Mono" panose="020B0509040201040103" pitchFamily="49" charset="0"/>
+            </a:endParaRPr>
+          </a:p>
+        </p:txBody>
+      </p:sp>
+    </p:spTree>
+    <p:extLst>
+      <p:ext uri="{BB962C8B-B14F-4D97-AF65-F5344CB8AC3E}">
+        <p14:creationId xmlns:p14="http://schemas.microsoft.com/office/powerpoint/2010/main" val="235489108"/>
+      </p:ext>
+    </p:extLst>
+  </p:cSld>
+  <p:clrMapOvr>
+    <a:masterClrMapping/>
+  </p:clrMapOvr>
+</p:sld>
+</file>
+
+<file path=ppt/slides/slide8.xml><?xml version="1.0" encoding="utf-8"?>
+<p:sld xmlns:a="http://schemas.openxmlformats.org/drawingml/2006/main" xmlns:r="http://schemas.openxmlformats.org/officeDocument/2006/relationships" xmlns:p="http://schemas.openxmlformats.org/presentationml/2006/main">
+  <p:cSld>
+    <p:spTree>
+      <p:nvGrpSpPr>
+        <p:cNvPr id="1" name=""/>
+        <p:cNvGrpSpPr/>
+        <p:nvPr/>
+      </p:nvGrpSpPr>
+      <p:grpSpPr>
+        <a:xfrm>
+          <a:off x="0" y="0"/>
+          <a:ext cx="0" cy="0"/>
+          <a:chOff x="0" y="0"/>
+          <a:chExt cx="0" cy="0"/>
+        </a:xfrm>
+      </p:grpSpPr>
+      <p:sp>
+        <p:nvSpPr>
+          <p:cNvPr id="8" name="직사각형 7">
+            <a:extLst>
+              <a:ext uri="{FF2B5EF4-FFF2-40B4-BE49-F238E27FC236}">
+                <a16:creationId xmlns:a16="http://schemas.microsoft.com/office/drawing/2014/main" id="{6AC51066-E12F-F837-76D4-31AAED4926C4}"/>
+              </a:ext>
+            </a:extLst>
+          </p:cNvPr>
+          <p:cNvSpPr/>
+          <p:nvPr/>
+        </p:nvSpPr>
+        <p:spPr>
+          <a:xfrm>
+            <a:off x="2946400" y="4076700"/>
+            <a:ext cx="3644900" cy="2374900"/>
+          </a:xfrm>
+          <a:prstGeom prst="rect">
+            <a:avLst/>
+          </a:prstGeom>
+          <a:solidFill>
+            <a:schemeClr val="bg1"/>
+          </a:solidFill>
+        </p:spPr>
+        <p:style>
+          <a:lnRef idx="2">
+            <a:schemeClr val="accent1">
+              <a:shade val="15000"/>
+            </a:schemeClr>
+          </a:lnRef>
+          <a:fillRef idx="1">
+            <a:schemeClr val="accent1"/>
+          </a:fillRef>
+          <a:effectRef idx="0">
+            <a:schemeClr val="accent1"/>
+          </a:effectRef>
+          <a:fontRef idx="minor">
+            <a:schemeClr val="lt1"/>
+          </a:fontRef>
+        </p:style>
+        <p:txBody>
+          <a:bodyPr rtlCol="0" anchor="ctr"/>
+          <a:lstStyle/>
+          <a:p>
+            <a:pPr algn="ctr"/>
+            <a:endParaRPr kumimoji="1" lang="ko-Kore-KR" altLang="en-US" dirty="0">
+              <a:solidFill>
+                <a:schemeClr val="tx1"/>
+              </a:solidFill>
+              <a:latin typeface="DM Mono" panose="020B0509040201040103" pitchFamily="49" charset="0"/>
+            </a:endParaRPr>
+          </a:p>
+        </p:txBody>
+      </p:sp>
+      <p:sp>
+        <p:nvSpPr>
+          <p:cNvPr id="5" name="TextBox 4">
+            <a:extLst>
+              <a:ext uri="{FF2B5EF4-FFF2-40B4-BE49-F238E27FC236}">
+                <a16:creationId xmlns:a16="http://schemas.microsoft.com/office/drawing/2014/main" id="{E1698812-92B1-CC4B-4DF6-F41BD8849545}"/>
+              </a:ext>
+            </a:extLst>
+          </p:cNvPr>
+          <p:cNvSpPr txBox="1"/>
+          <p:nvPr/>
+        </p:nvSpPr>
+        <p:spPr>
+          <a:xfrm>
+            <a:off x="431800" y="196840"/>
+            <a:ext cx="6096000" cy="2677656"/>
+          </a:xfrm>
+          <a:prstGeom prst="rect">
+            <a:avLst/>
+          </a:prstGeom>
+          <a:noFill/>
+        </p:spPr>
+        <p:txBody>
+          <a:bodyPr wrap="square">
+            <a:spAutoFit/>
+          </a:bodyPr>
+          <a:lstStyle/>
+          <a:p>
+            <a:r>
+              <a:rPr lang="ko-Kore-KR" altLang="en-US" sz="1400" dirty="0">
+                <a:latin typeface="DM Mono" panose="020B0509040201040103" pitchFamily="49" charset="0"/>
+              </a:rPr>
+              <a:t>void inc(int x)</a:t>
+            </a:r>
+          </a:p>
+          <a:p>
+            <a:r>
+              <a:rPr lang="ko-Kore-KR" altLang="en-US" sz="1400" dirty="0">
+                <a:latin typeface="DM Mono" panose="020B0509040201040103" pitchFamily="49" charset="0"/>
+              </a:rPr>
+              <a:t>{</a:t>
+            </a:r>
+          </a:p>
+          <a:p>
+            <a:r>
+              <a:rPr lang="ko-Kore-KR" altLang="en-US" sz="1400" dirty="0">
+                <a:latin typeface="DM Mono" panose="020B0509040201040103" pitchFamily="49" charset="0"/>
+              </a:rPr>
+              <a:t>    ++x;</a:t>
+            </a:r>
+          </a:p>
+          <a:p>
+            <a:r>
+              <a:rPr lang="ko-Kore-KR" altLang="en-US" sz="1400" dirty="0">
+                <a:latin typeface="DM Mono" panose="020B0509040201040103" pitchFamily="49" charset="0"/>
+              </a:rPr>
+              <a:t>}</a:t>
+            </a:r>
+          </a:p>
+          <a:p>
+            <a:endParaRPr lang="ko-Kore-KR" altLang="en-US" sz="1400" dirty="0">
+              <a:latin typeface="DM Mono" panose="020B0509040201040103" pitchFamily="49" charset="0"/>
+            </a:endParaRPr>
+          </a:p>
+          <a:p>
+            <a:r>
+              <a:rPr lang="ko-Kore-KR" altLang="en-US" sz="1400" dirty="0">
+                <a:latin typeface="DM Mono" panose="020B0509040201040103" pitchFamily="49" charset="0"/>
+              </a:rPr>
+              <a:t>int main()</a:t>
+            </a:r>
+          </a:p>
+          <a:p>
+            <a:r>
+              <a:rPr lang="ko-Kore-KR" altLang="en-US" sz="1400" dirty="0">
+                <a:latin typeface="DM Mono" panose="020B0509040201040103" pitchFamily="49" charset="0"/>
+              </a:rPr>
+              <a:t>{</a:t>
+            </a:r>
+          </a:p>
+          <a:p>
+            <a:r>
+              <a:rPr lang="ko-Kore-KR" altLang="en-US" sz="1400" dirty="0">
+                <a:latin typeface="DM Mono" panose="020B0509040201040103" pitchFamily="49" charset="0"/>
+              </a:rPr>
+              <a:t>    int x = 10;</a:t>
+            </a:r>
+          </a:p>
+          <a:p>
+            <a:r>
+              <a:rPr lang="ko-Kore-KR" altLang="en-US" sz="1400" dirty="0">
+                <a:solidFill>
+                  <a:srgbClr val="FF0000"/>
+                </a:solidFill>
+                <a:latin typeface="DM Mono" panose="020B0509040201040103" pitchFamily="49" charset="0"/>
+              </a:rPr>
+              <a:t>    inc(x);</a:t>
+            </a:r>
+          </a:p>
+          <a:p>
+            <a:endParaRPr lang="ko-Kore-KR" altLang="en-US" sz="1400" dirty="0">
+              <a:latin typeface="DM Mono" panose="020B0509040201040103" pitchFamily="49" charset="0"/>
+            </a:endParaRPr>
+          </a:p>
+          <a:p>
+            <a:r>
+              <a:rPr lang="ko-Kore-KR" altLang="en-US" sz="1400" dirty="0">
+                <a:latin typeface="DM Mono" panose="020B0509040201040103" pitchFamily="49" charset="0"/>
+              </a:rPr>
+              <a:t>    cout &lt;&lt; x &lt;&lt; endl;</a:t>
+            </a:r>
+          </a:p>
+          <a:p>
+            <a:r>
+              <a:rPr lang="ko-Kore-KR" altLang="en-US" sz="1400" dirty="0">
+                <a:latin typeface="DM Mono" panose="020B0509040201040103" pitchFamily="49" charset="0"/>
+              </a:rPr>
+              <a:t>}</a:t>
+            </a:r>
+          </a:p>
+        </p:txBody>
+      </p:sp>
+      <p:sp>
+        <p:nvSpPr>
+          <p:cNvPr id="6" name="직사각형 5">
+            <a:extLst>
+              <a:ext uri="{FF2B5EF4-FFF2-40B4-BE49-F238E27FC236}">
+                <a16:creationId xmlns:a16="http://schemas.microsoft.com/office/drawing/2014/main" id="{12AE9555-AE2E-E037-07D5-267BBB7BF260}"/>
+              </a:ext>
+            </a:extLst>
+          </p:cNvPr>
+          <p:cNvSpPr/>
+          <p:nvPr/>
+        </p:nvSpPr>
+        <p:spPr>
+          <a:xfrm>
+            <a:off x="4184650" y="4851400"/>
+            <a:ext cx="1054100" cy="546100"/>
+          </a:xfrm>
+          <a:prstGeom prst="rect">
+            <a:avLst/>
+          </a:prstGeom>
+          <a:solidFill>
+            <a:srgbClr val="FFFF00"/>
+          </a:solidFill>
+        </p:spPr>
+        <p:style>
+          <a:lnRef idx="2">
+            <a:schemeClr val="accent1">
+              <a:shade val="15000"/>
+            </a:schemeClr>
+          </a:lnRef>
+          <a:fillRef idx="1">
+            <a:schemeClr val="accent1"/>
+          </a:fillRef>
+          <a:effectRef idx="0">
+            <a:schemeClr val="accent1"/>
+          </a:effectRef>
+          <a:fontRef idx="minor">
+            <a:schemeClr val="lt1"/>
+          </a:fontRef>
+        </p:style>
+        <p:txBody>
+          <a:bodyPr rtlCol="0" anchor="ctr"/>
+          <a:lstStyle/>
+          <a:p>
+            <a:pPr algn="ctr"/>
+            <a:r>
+              <a:rPr kumimoji="1" lang="en-US" altLang="ko-Kore-KR" dirty="0">
+                <a:solidFill>
+                  <a:schemeClr val="tx1"/>
+                </a:solidFill>
+                <a:latin typeface="DM Mono" panose="020B0509040201040103" pitchFamily="49" charset="0"/>
+              </a:rPr>
+              <a:t>10</a:t>
+            </a:r>
+            <a:endParaRPr kumimoji="1" lang="ko-Kore-KR" altLang="en-US" dirty="0">
+              <a:solidFill>
+                <a:schemeClr val="tx1"/>
+              </a:solidFill>
+              <a:latin typeface="DM Mono" panose="020B0509040201040103" pitchFamily="49" charset="0"/>
+            </a:endParaRPr>
+          </a:p>
+        </p:txBody>
+      </p:sp>
+      <p:sp>
+        <p:nvSpPr>
+          <p:cNvPr id="7" name="TextBox 6">
+            <a:extLst>
+              <a:ext uri="{FF2B5EF4-FFF2-40B4-BE49-F238E27FC236}">
+                <a16:creationId xmlns:a16="http://schemas.microsoft.com/office/drawing/2014/main" id="{255C507C-46FE-837C-0674-1433255B1F02}"/>
+              </a:ext>
+            </a:extLst>
+          </p:cNvPr>
+          <p:cNvSpPr txBox="1"/>
+          <p:nvPr/>
+        </p:nvSpPr>
+        <p:spPr>
+          <a:xfrm>
+            <a:off x="3721100" y="4800084"/>
+            <a:ext cx="463550" cy="369332"/>
+          </a:xfrm>
+          <a:prstGeom prst="rect">
+            <a:avLst/>
+          </a:prstGeom>
+          <a:noFill/>
+        </p:spPr>
+        <p:txBody>
+          <a:bodyPr wrap="square">
+            <a:spAutoFit/>
+          </a:bodyPr>
+          <a:lstStyle/>
+          <a:p>
+            <a:pPr algn="r"/>
+            <a:r>
+              <a:rPr lang="en-US" altLang="ko-Kore-KR" sz="1800" dirty="0">
+                <a:latin typeface="DM Mono" panose="020B0509040201040103" pitchFamily="49" charset="0"/>
+              </a:rPr>
+              <a:t>x</a:t>
+            </a:r>
+            <a:endParaRPr lang="ko-Kore-KR" altLang="en-US" dirty="0"/>
+          </a:p>
+        </p:txBody>
+      </p:sp>
+      <p:sp>
+        <p:nvSpPr>
+          <p:cNvPr id="10" name="TextBox 9">
+            <a:extLst>
+              <a:ext uri="{FF2B5EF4-FFF2-40B4-BE49-F238E27FC236}">
+                <a16:creationId xmlns:a16="http://schemas.microsoft.com/office/drawing/2014/main" id="{8EA97F5A-477D-0C94-8EEC-5A47D93E9154}"/>
+              </a:ext>
+            </a:extLst>
+          </p:cNvPr>
+          <p:cNvSpPr txBox="1"/>
+          <p:nvPr/>
+        </p:nvSpPr>
+        <p:spPr>
+          <a:xfrm>
+            <a:off x="4108450" y="3707368"/>
+            <a:ext cx="1035050" cy="369332"/>
+          </a:xfrm>
+          <a:prstGeom prst="rect">
+            <a:avLst/>
+          </a:prstGeom>
+          <a:noFill/>
+        </p:spPr>
+        <p:txBody>
+          <a:bodyPr wrap="square">
+            <a:spAutoFit/>
+          </a:bodyPr>
+          <a:lstStyle/>
+          <a:p>
+            <a:pPr algn="ctr"/>
+            <a:r>
+              <a:rPr lang="ko-Kore-KR" altLang="en-US" sz="1800" dirty="0">
+                <a:latin typeface="DM Mono" panose="020B0509040201040103" pitchFamily="49" charset="0"/>
+              </a:rPr>
+              <a:t>main</a:t>
+            </a:r>
+            <a:endParaRPr lang="ko-Kore-KR" altLang="en-US" dirty="0">
+              <a:latin typeface="DM Mono" panose="020B0509040201040103" pitchFamily="49" charset="0"/>
+            </a:endParaRPr>
+          </a:p>
+        </p:txBody>
+      </p:sp>
+      <p:sp>
+        <p:nvSpPr>
+          <p:cNvPr id="2" name="직사각형 1">
+            <a:extLst>
+              <a:ext uri="{FF2B5EF4-FFF2-40B4-BE49-F238E27FC236}">
+                <a16:creationId xmlns:a16="http://schemas.microsoft.com/office/drawing/2014/main" id="{06AA7D12-C526-B1FB-AEB1-DB8184959BD0}"/>
+              </a:ext>
+            </a:extLst>
+          </p:cNvPr>
+          <p:cNvSpPr/>
+          <p:nvPr/>
+        </p:nvSpPr>
+        <p:spPr>
+          <a:xfrm>
+            <a:off x="7473950" y="749300"/>
+            <a:ext cx="3644900" cy="2374900"/>
+          </a:xfrm>
+          <a:prstGeom prst="rect">
+            <a:avLst/>
+          </a:prstGeom>
+          <a:solidFill>
+            <a:schemeClr val="bg1"/>
+          </a:solidFill>
+        </p:spPr>
+        <p:style>
+          <a:lnRef idx="2">
+            <a:schemeClr val="accent1">
+              <a:shade val="15000"/>
+            </a:schemeClr>
+          </a:lnRef>
+          <a:fillRef idx="1">
+            <a:schemeClr val="accent1"/>
+          </a:fillRef>
+          <a:effectRef idx="0">
+            <a:schemeClr val="accent1"/>
+          </a:effectRef>
+          <a:fontRef idx="minor">
+            <a:schemeClr val="lt1"/>
+          </a:fontRef>
+        </p:style>
+        <p:txBody>
+          <a:bodyPr rtlCol="0" anchor="ctr"/>
+          <a:lstStyle/>
+          <a:p>
+            <a:pPr algn="ctr"/>
+            <a:endParaRPr kumimoji="1" lang="ko-Kore-KR" altLang="en-US" dirty="0">
+              <a:solidFill>
+                <a:schemeClr val="tx1"/>
+              </a:solidFill>
+              <a:latin typeface="DM Mono" panose="020B0509040201040103" pitchFamily="49" charset="0"/>
+            </a:endParaRPr>
+          </a:p>
+        </p:txBody>
+      </p:sp>
+      <p:sp>
+        <p:nvSpPr>
+          <p:cNvPr id="3" name="직사각형 2">
+            <a:extLst>
+              <a:ext uri="{FF2B5EF4-FFF2-40B4-BE49-F238E27FC236}">
+                <a16:creationId xmlns:a16="http://schemas.microsoft.com/office/drawing/2014/main" id="{89F22F67-3E64-1A18-B7AF-0F23528FEDE2}"/>
+              </a:ext>
+            </a:extLst>
+          </p:cNvPr>
+          <p:cNvSpPr/>
+          <p:nvPr/>
+        </p:nvSpPr>
+        <p:spPr>
+          <a:xfrm>
+            <a:off x="8712200" y="1524000"/>
+            <a:ext cx="1054100" cy="546100"/>
+          </a:xfrm>
+          <a:prstGeom prst="rect">
+            <a:avLst/>
+          </a:prstGeom>
+          <a:solidFill>
+            <a:srgbClr val="FFFF00"/>
+          </a:solidFill>
+        </p:spPr>
+        <p:style>
+          <a:lnRef idx="2">
+            <a:schemeClr val="accent1">
+              <a:shade val="15000"/>
+            </a:schemeClr>
+          </a:lnRef>
+          <a:fillRef idx="1">
+            <a:schemeClr val="accent1"/>
+          </a:fillRef>
+          <a:effectRef idx="0">
+            <a:schemeClr val="accent1"/>
+          </a:effectRef>
+          <a:fontRef idx="minor">
+            <a:schemeClr val="lt1"/>
+          </a:fontRef>
+        </p:style>
+        <p:txBody>
+          <a:bodyPr rtlCol="0" anchor="ctr"/>
+          <a:lstStyle/>
+          <a:p>
+            <a:pPr algn="ctr"/>
+            <a:r>
+              <a:rPr kumimoji="1" lang="en-US" altLang="ko-Kore-KR" dirty="0">
+                <a:solidFill>
+                  <a:srgbClr val="FF0000"/>
+                </a:solidFill>
+                <a:latin typeface="DM Mono" panose="020B0509040201040103" pitchFamily="49" charset="0"/>
+              </a:rPr>
+              <a:t>10</a:t>
+            </a:r>
+            <a:endParaRPr kumimoji="1" lang="ko-Kore-KR" altLang="en-US" dirty="0">
+              <a:solidFill>
+                <a:srgbClr val="FF0000"/>
+              </a:solidFill>
+              <a:latin typeface="DM Mono" panose="020B0509040201040103" pitchFamily="49" charset="0"/>
+            </a:endParaRPr>
+          </a:p>
+        </p:txBody>
+      </p:sp>
+      <p:sp>
+        <p:nvSpPr>
+          <p:cNvPr id="4" name="TextBox 3">
+            <a:extLst>
+              <a:ext uri="{FF2B5EF4-FFF2-40B4-BE49-F238E27FC236}">
+                <a16:creationId xmlns:a16="http://schemas.microsoft.com/office/drawing/2014/main" id="{B76DE55A-ADEF-D335-21ED-E70D2747D827}"/>
+              </a:ext>
+            </a:extLst>
+          </p:cNvPr>
+          <p:cNvSpPr txBox="1"/>
+          <p:nvPr/>
+        </p:nvSpPr>
+        <p:spPr>
+          <a:xfrm>
+            <a:off x="8248650" y="1472684"/>
+            <a:ext cx="463550" cy="369332"/>
+          </a:xfrm>
+          <a:prstGeom prst="rect">
+            <a:avLst/>
+          </a:prstGeom>
+          <a:noFill/>
+        </p:spPr>
+        <p:txBody>
+          <a:bodyPr wrap="square">
+            <a:spAutoFit/>
+          </a:bodyPr>
+          <a:lstStyle/>
+          <a:p>
+            <a:pPr algn="r"/>
+            <a:r>
+              <a:rPr lang="en-US" altLang="ko-Kore-KR" sz="1800" dirty="0">
+                <a:latin typeface="DM Mono" panose="020B0509040201040103" pitchFamily="49" charset="0"/>
+              </a:rPr>
+              <a:t>x</a:t>
+            </a:r>
+            <a:endParaRPr lang="ko-Kore-KR" altLang="en-US" dirty="0"/>
+          </a:p>
+        </p:txBody>
+      </p:sp>
+      <p:sp>
+        <p:nvSpPr>
+          <p:cNvPr id="9" name="TextBox 8">
+            <a:extLst>
+              <a:ext uri="{FF2B5EF4-FFF2-40B4-BE49-F238E27FC236}">
+                <a16:creationId xmlns:a16="http://schemas.microsoft.com/office/drawing/2014/main" id="{8F5AA8EC-A753-E1C7-8EE2-6C81D13D946D}"/>
+              </a:ext>
+            </a:extLst>
+          </p:cNvPr>
+          <p:cNvSpPr txBox="1"/>
+          <p:nvPr/>
+        </p:nvSpPr>
+        <p:spPr>
+          <a:xfrm>
+            <a:off x="8636000" y="379968"/>
+            <a:ext cx="1035050" cy="369332"/>
+          </a:xfrm>
+          <a:prstGeom prst="rect">
+            <a:avLst/>
+          </a:prstGeom>
+          <a:noFill/>
+        </p:spPr>
+        <p:txBody>
+          <a:bodyPr wrap="square">
+            <a:spAutoFit/>
+          </a:bodyPr>
+          <a:lstStyle/>
+          <a:p>
+            <a:pPr algn="ctr"/>
+            <a:r>
+              <a:rPr lang="en-US" altLang="ko-Kore-KR" sz="1800" dirty="0" err="1">
+                <a:latin typeface="DM Mono" panose="020B0509040201040103" pitchFamily="49" charset="0"/>
+              </a:rPr>
+              <a:t>inc</a:t>
+            </a:r>
+            <a:endParaRPr lang="ko-Kore-KR" altLang="en-US" dirty="0">
+              <a:latin typeface="DM Mono" panose="020B0509040201040103" pitchFamily="49" charset="0"/>
+            </a:endParaRPr>
+          </a:p>
+        </p:txBody>
+      </p:sp>
+      <p:cxnSp>
+        <p:nvCxnSpPr>
+          <p:cNvPr id="12" name="구부러진 연결선[U] 11">
+            <a:extLst>
+              <a:ext uri="{FF2B5EF4-FFF2-40B4-BE49-F238E27FC236}">
+                <a16:creationId xmlns:a16="http://schemas.microsoft.com/office/drawing/2014/main" id="{AD37FC95-A978-041B-9DF0-07D0A36983E0}"/>
+              </a:ext>
+            </a:extLst>
+          </p:cNvPr>
+          <p:cNvCxnSpPr>
+            <a:stCxn id="6" idx="3"/>
+            <a:endCxn id="3" idx="2"/>
+          </p:cNvCxnSpPr>
+          <p:nvPr/>
+        </p:nvCxnSpPr>
+        <p:spPr>
+          <a:xfrm flipV="1">
+            <a:off x="5238750" y="2070100"/>
+            <a:ext cx="4000500" cy="3054350"/>
+          </a:xfrm>
+          <a:prstGeom prst="curvedConnector2">
+            <a:avLst/>
+          </a:prstGeom>
+          <a:ln>
+            <a:tailEnd type="triangle"/>
+          </a:ln>
+        </p:spPr>
+        <p:style>
+          <a:lnRef idx="1">
+            <a:schemeClr val="dk1"/>
+          </a:lnRef>
+          <a:fillRef idx="0">
+            <a:schemeClr val="dk1"/>
+          </a:fillRef>
+          <a:effectRef idx="0">
+            <a:schemeClr val="dk1"/>
+          </a:effectRef>
+          <a:fontRef idx="minor">
+            <a:schemeClr val="tx1"/>
+          </a:fontRef>
+        </p:style>
+      </p:cxnSp>
+      <p:sp>
+        <p:nvSpPr>
+          <p:cNvPr id="13" name="TextBox 12">
+            <a:extLst>
+              <a:ext uri="{FF2B5EF4-FFF2-40B4-BE49-F238E27FC236}">
+                <a16:creationId xmlns:a16="http://schemas.microsoft.com/office/drawing/2014/main" id="{676D2A46-8BAB-2B85-349A-8E127EB61A65}"/>
+              </a:ext>
+            </a:extLst>
+          </p:cNvPr>
+          <p:cNvSpPr txBox="1"/>
+          <p:nvPr/>
+        </p:nvSpPr>
+        <p:spPr>
+          <a:xfrm>
+            <a:off x="7677150" y="4260334"/>
+            <a:ext cx="1035050" cy="369332"/>
+          </a:xfrm>
+          <a:prstGeom prst="rect">
+            <a:avLst/>
+          </a:prstGeom>
+          <a:noFill/>
+        </p:spPr>
+        <p:txBody>
+          <a:bodyPr wrap="square">
+            <a:spAutoFit/>
+          </a:bodyPr>
+          <a:lstStyle/>
+          <a:p>
+            <a:pPr algn="ctr"/>
+            <a:r>
+              <a:rPr lang="ko-Kore-KR" altLang="en-US" dirty="0">
+                <a:latin typeface="DM Mono" panose="020B0509040201040103" pitchFamily="49" charset="0"/>
+              </a:rPr>
+              <a:t>복사</a:t>
+            </a:r>
+          </a:p>
+        </p:txBody>
+      </p:sp>
+    </p:spTree>
+    <p:extLst>
+      <p:ext uri="{BB962C8B-B14F-4D97-AF65-F5344CB8AC3E}">
+        <p14:creationId xmlns:p14="http://schemas.microsoft.com/office/powerpoint/2010/main" val="211122184"/>
+      </p:ext>
+    </p:extLst>
+  </p:cSld>
+  <p:clrMapOvr>
+    <a:masterClrMapping/>
+  </p:clrMapOvr>
+</p:sld>
+</file>
+
+<file path=ppt/slides/slide9.xml><?xml version="1.0" encoding="utf-8"?>
+<p:sld xmlns:a="http://schemas.openxmlformats.org/drawingml/2006/main" xmlns:r="http://schemas.openxmlformats.org/officeDocument/2006/relationships" xmlns:p="http://schemas.openxmlformats.org/presentationml/2006/main">
+  <p:cSld>
+    <p:spTree>
+      <p:nvGrpSpPr>
+        <p:cNvPr id="1" name=""/>
+        <p:cNvGrpSpPr/>
+        <p:nvPr/>
+      </p:nvGrpSpPr>
+      <p:grpSpPr>
+        <a:xfrm>
+          <a:off x="0" y="0"/>
+          <a:ext cx="0" cy="0"/>
+          <a:chOff x="0" y="0"/>
+          <a:chExt cx="0" cy="0"/>
+        </a:xfrm>
+      </p:grpSpPr>
+      <p:sp>
+        <p:nvSpPr>
+          <p:cNvPr id="8" name="직사각형 7">
+            <a:extLst>
+              <a:ext uri="{FF2B5EF4-FFF2-40B4-BE49-F238E27FC236}">
+                <a16:creationId xmlns:a16="http://schemas.microsoft.com/office/drawing/2014/main" id="{6AC51066-E12F-F837-76D4-31AAED4926C4}"/>
+              </a:ext>
+            </a:extLst>
+          </p:cNvPr>
+          <p:cNvSpPr/>
+          <p:nvPr/>
+        </p:nvSpPr>
+        <p:spPr>
+          <a:xfrm>
+            <a:off x="2946400" y="4076700"/>
+            <a:ext cx="3644900" cy="2374900"/>
+          </a:xfrm>
+          <a:prstGeom prst="rect">
+            <a:avLst/>
+          </a:prstGeom>
+          <a:solidFill>
+            <a:schemeClr val="bg1"/>
+          </a:solidFill>
+        </p:spPr>
+        <p:style>
+          <a:lnRef idx="2">
+            <a:schemeClr val="accent1">
+              <a:shade val="15000"/>
+            </a:schemeClr>
+          </a:lnRef>
+          <a:fillRef idx="1">
+            <a:schemeClr val="accent1"/>
+          </a:fillRef>
+          <a:effectRef idx="0">
+            <a:schemeClr val="accent1"/>
+          </a:effectRef>
+          <a:fontRef idx="minor">
+            <a:schemeClr val="lt1"/>
+          </a:fontRef>
+        </p:style>
+        <p:txBody>
+          <a:bodyPr rtlCol="0" anchor="ctr"/>
+          <a:lstStyle/>
+          <a:p>
+            <a:pPr algn="ctr"/>
+            <a:endParaRPr kumimoji="1" lang="ko-Kore-KR" altLang="en-US" dirty="0">
+              <a:solidFill>
+                <a:schemeClr val="tx1"/>
+              </a:solidFill>
+              <a:latin typeface="DM Mono" panose="020B0509040201040103" pitchFamily="49" charset="0"/>
+            </a:endParaRPr>
+          </a:p>
+        </p:txBody>
+      </p:sp>
+      <p:sp>
+        <p:nvSpPr>
+          <p:cNvPr id="5" name="TextBox 4">
+            <a:extLst>
+              <a:ext uri="{FF2B5EF4-FFF2-40B4-BE49-F238E27FC236}">
+                <a16:creationId xmlns:a16="http://schemas.microsoft.com/office/drawing/2014/main" id="{E1698812-92B1-CC4B-4DF6-F41BD8849545}"/>
+              </a:ext>
+            </a:extLst>
+          </p:cNvPr>
+          <p:cNvSpPr txBox="1"/>
+          <p:nvPr/>
+        </p:nvSpPr>
+        <p:spPr>
+          <a:xfrm>
+            <a:off x="431800" y="196840"/>
+            <a:ext cx="6096000" cy="2677656"/>
+          </a:xfrm>
+          <a:prstGeom prst="rect">
+            <a:avLst/>
+          </a:prstGeom>
+          <a:noFill/>
+        </p:spPr>
+        <p:txBody>
+          <a:bodyPr wrap="square">
+            <a:spAutoFit/>
+          </a:bodyPr>
+          <a:lstStyle/>
+          <a:p>
+            <a:r>
+              <a:rPr lang="ko-Kore-KR" altLang="en-US" sz="1400" dirty="0">
+                <a:latin typeface="DM Mono" panose="020B0509040201040103" pitchFamily="49" charset="0"/>
+              </a:rPr>
+              <a:t>void inc(int x)</a:t>
+            </a:r>
+          </a:p>
+          <a:p>
+            <a:r>
+              <a:rPr lang="ko-Kore-KR" altLang="en-US" sz="1400" dirty="0">
+                <a:latin typeface="DM Mono" panose="020B0509040201040103" pitchFamily="49" charset="0"/>
+              </a:rPr>
+              <a:t>{</a:t>
+            </a:r>
+          </a:p>
+          <a:p>
+            <a:r>
+              <a:rPr lang="ko-Kore-KR" altLang="en-US" sz="1400" dirty="0">
+                <a:solidFill>
+                  <a:srgbClr val="FF0000"/>
+                </a:solidFill>
+                <a:latin typeface="DM Mono" panose="020B0509040201040103" pitchFamily="49" charset="0"/>
+              </a:rPr>
+              <a:t>    ++x;</a:t>
+            </a:r>
+          </a:p>
+          <a:p>
+            <a:r>
+              <a:rPr lang="ko-Kore-KR" altLang="en-US" sz="1400" dirty="0">
+                <a:latin typeface="DM Mono" panose="020B0509040201040103" pitchFamily="49" charset="0"/>
+              </a:rPr>
+              <a:t>}</a:t>
+            </a:r>
+          </a:p>
+          <a:p>
+            <a:endParaRPr lang="ko-Kore-KR" altLang="en-US" sz="1400" dirty="0">
+              <a:latin typeface="DM Mono" panose="020B0509040201040103" pitchFamily="49" charset="0"/>
+            </a:endParaRPr>
+          </a:p>
+          <a:p>
+            <a:r>
+              <a:rPr lang="ko-Kore-KR" altLang="en-US" sz="1400" dirty="0">
+                <a:latin typeface="DM Mono" panose="020B0509040201040103" pitchFamily="49" charset="0"/>
+              </a:rPr>
+              <a:t>int main()</a:t>
+            </a:r>
+          </a:p>
+          <a:p>
+            <a:r>
+              <a:rPr lang="ko-Kore-KR" altLang="en-US" sz="1400" dirty="0">
+                <a:latin typeface="DM Mono" panose="020B0509040201040103" pitchFamily="49" charset="0"/>
+              </a:rPr>
+              <a:t>{</a:t>
+            </a:r>
+          </a:p>
+          <a:p>
+            <a:r>
+              <a:rPr lang="ko-Kore-KR" altLang="en-US" sz="1400" dirty="0">
+                <a:latin typeface="DM Mono" panose="020B0509040201040103" pitchFamily="49" charset="0"/>
+              </a:rPr>
+              <a:t>    int x = 10;</a:t>
+            </a:r>
+          </a:p>
+          <a:p>
+            <a:r>
+              <a:rPr lang="ko-Kore-KR" altLang="en-US" sz="1400" dirty="0">
+                <a:solidFill>
+                  <a:srgbClr val="FF0000"/>
+                </a:solidFill>
+                <a:latin typeface="DM Mono" panose="020B0509040201040103" pitchFamily="49" charset="0"/>
+              </a:rPr>
+              <a:t>    inc(x);</a:t>
+            </a:r>
+          </a:p>
+          <a:p>
+            <a:endParaRPr lang="ko-Kore-KR" altLang="en-US" sz="1400" dirty="0">
+              <a:latin typeface="DM Mono" panose="020B0509040201040103" pitchFamily="49" charset="0"/>
+            </a:endParaRPr>
+          </a:p>
+          <a:p>
+            <a:r>
+              <a:rPr lang="ko-Kore-KR" altLang="en-US" sz="1400" dirty="0">
+                <a:latin typeface="DM Mono" panose="020B0509040201040103" pitchFamily="49" charset="0"/>
+              </a:rPr>
+              <a:t>    cout &lt;&lt; x &lt;&lt; endl;</a:t>
+            </a:r>
+          </a:p>
+          <a:p>
+            <a:r>
+              <a:rPr lang="ko-Kore-KR" altLang="en-US" sz="1400" dirty="0">
+                <a:latin typeface="DM Mono" panose="020B0509040201040103" pitchFamily="49" charset="0"/>
+              </a:rPr>
+              <a:t>}</a:t>
+            </a:r>
+          </a:p>
+        </p:txBody>
+      </p:sp>
+      <p:sp>
+        <p:nvSpPr>
+          <p:cNvPr id="6" name="직사각형 5">
+            <a:extLst>
+              <a:ext uri="{FF2B5EF4-FFF2-40B4-BE49-F238E27FC236}">
+                <a16:creationId xmlns:a16="http://schemas.microsoft.com/office/drawing/2014/main" id="{12AE9555-AE2E-E037-07D5-267BBB7BF260}"/>
+              </a:ext>
+            </a:extLst>
+          </p:cNvPr>
+          <p:cNvSpPr/>
+          <p:nvPr/>
+        </p:nvSpPr>
+        <p:spPr>
+          <a:xfrm>
+            <a:off x="4184650" y="4851400"/>
+            <a:ext cx="1054100" cy="546100"/>
+          </a:xfrm>
+          <a:prstGeom prst="rect">
+            <a:avLst/>
+          </a:prstGeom>
+          <a:solidFill>
+            <a:srgbClr val="FFFF00"/>
+          </a:solidFill>
+        </p:spPr>
+        <p:style>
+          <a:lnRef idx="2">
+            <a:schemeClr val="accent1">
+              <a:shade val="15000"/>
+            </a:schemeClr>
+          </a:lnRef>
+          <a:fillRef idx="1">
+            <a:schemeClr val="accent1"/>
+          </a:fillRef>
+          <a:effectRef idx="0">
+            <a:schemeClr val="accent1"/>
+          </a:effectRef>
+          <a:fontRef idx="minor">
+            <a:schemeClr val="lt1"/>
+          </a:fontRef>
+        </p:style>
+        <p:txBody>
+          <a:bodyPr rtlCol="0" anchor="ctr"/>
+          <a:lstStyle/>
+          <a:p>
+            <a:pPr algn="ctr"/>
+            <a:r>
+              <a:rPr kumimoji="1" lang="en-US" altLang="ko-Kore-KR" dirty="0">
+                <a:solidFill>
+                  <a:schemeClr val="tx1"/>
+                </a:solidFill>
+                <a:latin typeface="DM Mono" panose="020B0509040201040103" pitchFamily="49" charset="0"/>
+              </a:rPr>
+              <a:t>10</a:t>
+            </a:r>
+            <a:endParaRPr kumimoji="1" lang="ko-Kore-KR" altLang="en-US" dirty="0">
+              <a:solidFill>
+                <a:schemeClr val="tx1"/>
+              </a:solidFill>
+              <a:latin typeface="DM Mono" panose="020B0509040201040103" pitchFamily="49" charset="0"/>
+            </a:endParaRPr>
+          </a:p>
+        </p:txBody>
+      </p:sp>
+      <p:sp>
+        <p:nvSpPr>
+          <p:cNvPr id="7" name="TextBox 6">
+            <a:extLst>
+              <a:ext uri="{FF2B5EF4-FFF2-40B4-BE49-F238E27FC236}">
+                <a16:creationId xmlns:a16="http://schemas.microsoft.com/office/drawing/2014/main" id="{255C507C-46FE-837C-0674-1433255B1F02}"/>
+              </a:ext>
+            </a:extLst>
+          </p:cNvPr>
+          <p:cNvSpPr txBox="1"/>
+          <p:nvPr/>
+        </p:nvSpPr>
+        <p:spPr>
+          <a:xfrm>
+            <a:off x="3721100" y="4800084"/>
+            <a:ext cx="463550" cy="369332"/>
+          </a:xfrm>
+          <a:prstGeom prst="rect">
+            <a:avLst/>
+          </a:prstGeom>
+          <a:noFill/>
+        </p:spPr>
+        <p:txBody>
+          <a:bodyPr wrap="square">
+            <a:spAutoFit/>
+          </a:bodyPr>
+          <a:lstStyle/>
+          <a:p>
+            <a:pPr algn="r"/>
+            <a:r>
+              <a:rPr lang="en-US" altLang="ko-Kore-KR" sz="1800" dirty="0">
+                <a:latin typeface="DM Mono" panose="020B0509040201040103" pitchFamily="49" charset="0"/>
+              </a:rPr>
+              <a:t>x</a:t>
+            </a:r>
+            <a:endParaRPr lang="ko-Kore-KR" altLang="en-US" dirty="0"/>
+          </a:p>
+        </p:txBody>
+      </p:sp>
+      <p:sp>
+        <p:nvSpPr>
+          <p:cNvPr id="10" name="TextBox 9">
+            <a:extLst>
+              <a:ext uri="{FF2B5EF4-FFF2-40B4-BE49-F238E27FC236}">
+                <a16:creationId xmlns:a16="http://schemas.microsoft.com/office/drawing/2014/main" id="{8EA97F5A-477D-0C94-8EEC-5A47D93E9154}"/>
+              </a:ext>
+            </a:extLst>
+          </p:cNvPr>
+          <p:cNvSpPr txBox="1"/>
+          <p:nvPr/>
+        </p:nvSpPr>
+        <p:spPr>
+          <a:xfrm>
+            <a:off x="4108450" y="3707368"/>
+            <a:ext cx="1035050" cy="369332"/>
+          </a:xfrm>
+          <a:prstGeom prst="rect">
+            <a:avLst/>
+          </a:prstGeom>
+          <a:noFill/>
+        </p:spPr>
+        <p:txBody>
+          <a:bodyPr wrap="square">
+            <a:spAutoFit/>
+          </a:bodyPr>
+          <a:lstStyle/>
+          <a:p>
+            <a:pPr algn="ctr"/>
+            <a:r>
+              <a:rPr lang="ko-Kore-KR" altLang="en-US" sz="1800" dirty="0">
+                <a:latin typeface="DM Mono" panose="020B0509040201040103" pitchFamily="49" charset="0"/>
+              </a:rPr>
+              <a:t>main</a:t>
+            </a:r>
+            <a:endParaRPr lang="ko-Kore-KR" altLang="en-US" dirty="0">
+              <a:latin typeface="DM Mono" panose="020B0509040201040103" pitchFamily="49" charset="0"/>
+            </a:endParaRPr>
+          </a:p>
+        </p:txBody>
+      </p:sp>
+      <p:sp>
+        <p:nvSpPr>
+          <p:cNvPr id="2" name="직사각형 1">
+            <a:extLst>
+              <a:ext uri="{FF2B5EF4-FFF2-40B4-BE49-F238E27FC236}">
+                <a16:creationId xmlns:a16="http://schemas.microsoft.com/office/drawing/2014/main" id="{06AA7D12-C526-B1FB-AEB1-DB8184959BD0}"/>
+              </a:ext>
+            </a:extLst>
+          </p:cNvPr>
+          <p:cNvSpPr/>
+          <p:nvPr/>
+        </p:nvSpPr>
+        <p:spPr>
+          <a:xfrm>
+            <a:off x="7473950" y="749300"/>
+            <a:ext cx="3644900" cy="2374900"/>
+          </a:xfrm>
+          <a:prstGeom prst="rect">
+            <a:avLst/>
+          </a:prstGeom>
+          <a:solidFill>
+            <a:schemeClr val="bg1"/>
+          </a:solidFill>
+        </p:spPr>
+        <p:style>
+          <a:lnRef idx="2">
+            <a:schemeClr val="accent1">
+              <a:shade val="15000"/>
+            </a:schemeClr>
+          </a:lnRef>
+          <a:fillRef idx="1">
+            <a:schemeClr val="accent1"/>
+          </a:fillRef>
+          <a:effectRef idx="0">
+            <a:schemeClr val="accent1"/>
+          </a:effectRef>
+          <a:fontRef idx="minor">
+            <a:schemeClr val="lt1"/>
+          </a:fontRef>
+        </p:style>
+        <p:txBody>
+          <a:bodyPr rtlCol="0" anchor="ctr"/>
+          <a:lstStyle/>
+          <a:p>
+            <a:pPr algn="ctr"/>
+            <a:endParaRPr kumimoji="1" lang="ko-Kore-KR" altLang="en-US" dirty="0">
+              <a:solidFill>
+                <a:schemeClr val="tx1"/>
+              </a:solidFill>
+              <a:latin typeface="DM Mono" panose="020B0509040201040103" pitchFamily="49" charset="0"/>
+            </a:endParaRPr>
+          </a:p>
+        </p:txBody>
+      </p:sp>
+      <p:sp>
+        <p:nvSpPr>
+          <p:cNvPr id="3" name="직사각형 2">
+            <a:extLst>
+              <a:ext uri="{FF2B5EF4-FFF2-40B4-BE49-F238E27FC236}">
+                <a16:creationId xmlns:a16="http://schemas.microsoft.com/office/drawing/2014/main" id="{89F22F67-3E64-1A18-B7AF-0F23528FEDE2}"/>
+              </a:ext>
+            </a:extLst>
+          </p:cNvPr>
+          <p:cNvSpPr/>
+          <p:nvPr/>
+        </p:nvSpPr>
+        <p:spPr>
+          <a:xfrm>
+            <a:off x="8712200" y="1524000"/>
+            <a:ext cx="1054100" cy="546100"/>
+          </a:xfrm>
+          <a:prstGeom prst="rect">
+            <a:avLst/>
+          </a:prstGeom>
+          <a:solidFill>
+            <a:srgbClr val="FFFF00"/>
+          </a:solidFill>
+        </p:spPr>
+        <p:style>
+          <a:lnRef idx="2">
+            <a:schemeClr val="accent1">
+              <a:shade val="15000"/>
+            </a:schemeClr>
+          </a:lnRef>
+          <a:fillRef idx="1">
+            <a:schemeClr val="accent1"/>
+          </a:fillRef>
+          <a:effectRef idx="0">
+            <a:schemeClr val="accent1"/>
+          </a:effectRef>
+          <a:fontRef idx="minor">
+            <a:schemeClr val="lt1"/>
+          </a:fontRef>
+        </p:style>
+        <p:txBody>
+          <a:bodyPr rtlCol="0" anchor="ctr"/>
+          <a:lstStyle/>
+          <a:p>
+            <a:pPr algn="ctr"/>
+            <a:r>
+              <a:rPr kumimoji="1" lang="en-US" altLang="ko-KR" dirty="0">
+                <a:solidFill>
+                  <a:srgbClr val="FF0000"/>
+                </a:solidFill>
+                <a:latin typeface="DM Mono" panose="020B0509040201040103" pitchFamily="49" charset="0"/>
+              </a:rPr>
+              <a:t>11</a:t>
+            </a:r>
+            <a:endParaRPr kumimoji="1" lang="ko-Kore-KR" altLang="en-US" dirty="0">
+              <a:solidFill>
+                <a:srgbClr val="FF0000"/>
+              </a:solidFill>
+              <a:latin typeface="DM Mono" panose="020B0509040201040103" pitchFamily="49" charset="0"/>
+            </a:endParaRPr>
+          </a:p>
+        </p:txBody>
+      </p:sp>
+      <p:sp>
+        <p:nvSpPr>
+          <p:cNvPr id="4" name="TextBox 3">
+            <a:extLst>
+              <a:ext uri="{FF2B5EF4-FFF2-40B4-BE49-F238E27FC236}">
+                <a16:creationId xmlns:a16="http://schemas.microsoft.com/office/drawing/2014/main" id="{B76DE55A-ADEF-D335-21ED-E70D2747D827}"/>
+              </a:ext>
+            </a:extLst>
+          </p:cNvPr>
+          <p:cNvSpPr txBox="1"/>
+          <p:nvPr/>
+        </p:nvSpPr>
+        <p:spPr>
+          <a:xfrm>
+            <a:off x="8248650" y="1472684"/>
+            <a:ext cx="463550" cy="369332"/>
+          </a:xfrm>
+          <a:prstGeom prst="rect">
+            <a:avLst/>
+          </a:prstGeom>
+          <a:noFill/>
+        </p:spPr>
+        <p:txBody>
+          <a:bodyPr wrap="square">
+            <a:spAutoFit/>
+          </a:bodyPr>
+          <a:lstStyle/>
+          <a:p>
+            <a:pPr algn="r"/>
+            <a:r>
+              <a:rPr lang="en-US" altLang="ko-Kore-KR" sz="1800" dirty="0">
+                <a:latin typeface="DM Mono" panose="020B0509040201040103" pitchFamily="49" charset="0"/>
+              </a:rPr>
+              <a:t>x</a:t>
+            </a:r>
+            <a:endParaRPr lang="ko-Kore-KR" altLang="en-US" dirty="0"/>
+          </a:p>
+        </p:txBody>
+      </p:sp>
+      <p:sp>
+        <p:nvSpPr>
+          <p:cNvPr id="9" name="TextBox 8">
+            <a:extLst>
+              <a:ext uri="{FF2B5EF4-FFF2-40B4-BE49-F238E27FC236}">
+                <a16:creationId xmlns:a16="http://schemas.microsoft.com/office/drawing/2014/main" id="{8F5AA8EC-A753-E1C7-8EE2-6C81D13D946D}"/>
+              </a:ext>
+            </a:extLst>
+          </p:cNvPr>
+          <p:cNvSpPr txBox="1"/>
+          <p:nvPr/>
+        </p:nvSpPr>
+        <p:spPr>
+          <a:xfrm>
+            <a:off x="8636000" y="379968"/>
+            <a:ext cx="1035050" cy="369332"/>
+          </a:xfrm>
+          <a:prstGeom prst="rect">
+            <a:avLst/>
+          </a:prstGeom>
+          <a:noFill/>
+        </p:spPr>
+        <p:txBody>
+          <a:bodyPr wrap="square">
+            <a:spAutoFit/>
+          </a:bodyPr>
+          <a:lstStyle/>
+          <a:p>
+            <a:pPr algn="ctr"/>
+            <a:r>
+              <a:rPr lang="en-US" altLang="ko-Kore-KR" sz="1800" dirty="0" err="1">
+                <a:latin typeface="DM Mono" panose="020B0509040201040103" pitchFamily="49" charset="0"/>
+              </a:rPr>
+              <a:t>inc</a:t>
+            </a:r>
+            <a:endParaRPr lang="ko-Kore-KR" altLang="en-US" dirty="0">
+              <a:latin typeface="DM Mono" panose="020B0509040201040103" pitchFamily="49" charset="0"/>
+            </a:endParaRPr>
+          </a:p>
+        </p:txBody>
+      </p:sp>
+    </p:spTree>
+    <p:extLst>
+      <p:ext uri="{BB962C8B-B14F-4D97-AF65-F5344CB8AC3E}">
+        <p14:creationId xmlns:p14="http://schemas.microsoft.com/office/powerpoint/2010/main" val="2855391647"/>
       </p:ext>
     </p:extLst>
   </p:cSld>

--- a/hyundai_230807.pptx
+++ b/hyundai_230807.pptx
@@ -19,6 +19,10 @@
     <p:sldId id="267" r:id="rId13"/>
     <p:sldId id="268" r:id="rId14"/>
     <p:sldId id="269" r:id="rId15"/>
+    <p:sldId id="270" r:id="rId16"/>
+    <p:sldId id="271" r:id="rId17"/>
+    <p:sldId id="272" r:id="rId18"/>
+    <p:sldId id="273" r:id="rId19"/>
   </p:sldIdLst>
   <p:sldSz cx="12192000" cy="6858000"/>
   <p:notesSz cx="6858000" cy="9144000"/>
@@ -117,6 +121,11 @@
       </a:defRPr>
     </a:lvl9pPr>
   </p:defaultTextStyle>
+  <p:extLst>
+    <p:ext uri="{EFAFB233-063F-42B5-8137-9DF3F51BA10A}">
+      <p15:sldGuideLst xmlns:p15="http://schemas.microsoft.com/office/powerpoint/2012/main"/>
+    </p:ext>
+  </p:extLst>
 </p:presentation>
 </file>
 
@@ -269,7 +278,7 @@
           <a:p>
             <a:fld id="{C96B0345-742A-0444-A5BE-167A9B51DC7C}" type="datetimeFigureOut">
               <a:rPr kumimoji="1" lang="ko-Kore-KR" altLang="en-US" smtClean="0"/>
-              <a:t>2023. 8. 8.</a:t>
+              <a:t>2023. 8. 9.</a:t>
             </a:fld>
             <a:endParaRPr kumimoji="1" lang="ko-Kore-KR" altLang="en-US"/>
           </a:p>
@@ -469,7 +478,7 @@
           <a:p>
             <a:fld id="{C96B0345-742A-0444-A5BE-167A9B51DC7C}" type="datetimeFigureOut">
               <a:rPr kumimoji="1" lang="ko-Kore-KR" altLang="en-US" smtClean="0"/>
-              <a:t>2023. 8. 8.</a:t>
+              <a:t>2023. 8. 9.</a:t>
             </a:fld>
             <a:endParaRPr kumimoji="1" lang="ko-Kore-KR" altLang="en-US"/>
           </a:p>
@@ -679,7 +688,7 @@
           <a:p>
             <a:fld id="{C96B0345-742A-0444-A5BE-167A9B51DC7C}" type="datetimeFigureOut">
               <a:rPr kumimoji="1" lang="ko-Kore-KR" altLang="en-US" smtClean="0"/>
-              <a:t>2023. 8. 8.</a:t>
+              <a:t>2023. 8. 9.</a:t>
             </a:fld>
             <a:endParaRPr kumimoji="1" lang="ko-Kore-KR" altLang="en-US"/>
           </a:p>
@@ -879,7 +888,7 @@
           <a:p>
             <a:fld id="{C96B0345-742A-0444-A5BE-167A9B51DC7C}" type="datetimeFigureOut">
               <a:rPr kumimoji="1" lang="ko-Kore-KR" altLang="en-US" smtClean="0"/>
-              <a:t>2023. 8. 8.</a:t>
+              <a:t>2023. 8. 9.</a:t>
             </a:fld>
             <a:endParaRPr kumimoji="1" lang="ko-Kore-KR" altLang="en-US"/>
           </a:p>
@@ -1155,7 +1164,7 @@
           <a:p>
             <a:fld id="{C96B0345-742A-0444-A5BE-167A9B51DC7C}" type="datetimeFigureOut">
               <a:rPr kumimoji="1" lang="ko-Kore-KR" altLang="en-US" smtClean="0"/>
-              <a:t>2023. 8. 8.</a:t>
+              <a:t>2023. 8. 9.</a:t>
             </a:fld>
             <a:endParaRPr kumimoji="1" lang="ko-Kore-KR" altLang="en-US"/>
           </a:p>
@@ -1423,7 +1432,7 @@
           <a:p>
             <a:fld id="{C96B0345-742A-0444-A5BE-167A9B51DC7C}" type="datetimeFigureOut">
               <a:rPr kumimoji="1" lang="ko-Kore-KR" altLang="en-US" smtClean="0"/>
-              <a:t>2023. 8. 8.</a:t>
+              <a:t>2023. 8. 9.</a:t>
             </a:fld>
             <a:endParaRPr kumimoji="1" lang="ko-Kore-KR" altLang="en-US"/>
           </a:p>
@@ -1838,7 +1847,7 @@
           <a:p>
             <a:fld id="{C96B0345-742A-0444-A5BE-167A9B51DC7C}" type="datetimeFigureOut">
               <a:rPr kumimoji="1" lang="ko-Kore-KR" altLang="en-US" smtClean="0"/>
-              <a:t>2023. 8. 8.</a:t>
+              <a:t>2023. 8. 9.</a:t>
             </a:fld>
             <a:endParaRPr kumimoji="1" lang="ko-Kore-KR" altLang="en-US"/>
           </a:p>
@@ -1980,7 +1989,7 @@
           <a:p>
             <a:fld id="{C96B0345-742A-0444-A5BE-167A9B51DC7C}" type="datetimeFigureOut">
               <a:rPr kumimoji="1" lang="ko-Kore-KR" altLang="en-US" smtClean="0"/>
-              <a:t>2023. 8. 8.</a:t>
+              <a:t>2023. 8. 9.</a:t>
             </a:fld>
             <a:endParaRPr kumimoji="1" lang="ko-Kore-KR" altLang="en-US"/>
           </a:p>
@@ -2093,7 +2102,7 @@
           <a:p>
             <a:fld id="{C96B0345-742A-0444-A5BE-167A9B51DC7C}" type="datetimeFigureOut">
               <a:rPr kumimoji="1" lang="ko-Kore-KR" altLang="en-US" smtClean="0"/>
-              <a:t>2023. 8. 8.</a:t>
+              <a:t>2023. 8. 9.</a:t>
             </a:fld>
             <a:endParaRPr kumimoji="1" lang="ko-Kore-KR" altLang="en-US"/>
           </a:p>
@@ -2406,7 +2415,7 @@
           <a:p>
             <a:fld id="{C96B0345-742A-0444-A5BE-167A9B51DC7C}" type="datetimeFigureOut">
               <a:rPr kumimoji="1" lang="ko-Kore-KR" altLang="en-US" smtClean="0"/>
-              <a:t>2023. 8. 8.</a:t>
+              <a:t>2023. 8. 9.</a:t>
             </a:fld>
             <a:endParaRPr kumimoji="1" lang="ko-Kore-KR" altLang="en-US"/>
           </a:p>
@@ -2695,7 +2704,7 @@
           <a:p>
             <a:fld id="{C96B0345-742A-0444-A5BE-167A9B51DC7C}" type="datetimeFigureOut">
               <a:rPr kumimoji="1" lang="ko-Kore-KR" altLang="en-US" smtClean="0"/>
-              <a:t>2023. 8. 8.</a:t>
+              <a:t>2023. 8. 9.</a:t>
             </a:fld>
             <a:endParaRPr kumimoji="1" lang="ko-Kore-KR" altLang="en-US"/>
           </a:p>
@@ -2938,7 +2947,7 @@
           <a:p>
             <a:fld id="{C96B0345-742A-0444-A5BE-167A9B51DC7C}" type="datetimeFigureOut">
               <a:rPr kumimoji="1" lang="ko-Kore-KR" altLang="en-US" smtClean="0"/>
-              <a:t>2023. 8. 8.</a:t>
+              <a:t>2023. 8. 9.</a:t>
             </a:fld>
             <a:endParaRPr kumimoji="1" lang="ko-Kore-KR" altLang="en-US"/>
           </a:p>
@@ -6476,6 +6485,3348 @@
     <p:extLst>
       <p:ext uri="{BB962C8B-B14F-4D97-AF65-F5344CB8AC3E}">
         <p14:creationId xmlns:p14="http://schemas.microsoft.com/office/powerpoint/2010/main" val="363960607"/>
+      </p:ext>
+    </p:extLst>
+  </p:cSld>
+  <p:clrMapOvr>
+    <a:masterClrMapping/>
+  </p:clrMapOvr>
+</p:sld>
+</file>
+
+<file path=ppt/slides/slide15.xml><?xml version="1.0" encoding="utf-8"?>
+<p:sld xmlns:a="http://schemas.openxmlformats.org/drawingml/2006/main" xmlns:r="http://schemas.openxmlformats.org/officeDocument/2006/relationships" xmlns:p="http://schemas.openxmlformats.org/presentationml/2006/main">
+  <p:cSld>
+    <p:spTree>
+      <p:nvGrpSpPr>
+        <p:cNvPr id="1" name=""/>
+        <p:cNvGrpSpPr/>
+        <p:nvPr/>
+      </p:nvGrpSpPr>
+      <p:grpSpPr>
+        <a:xfrm>
+          <a:off x="0" y="0"/>
+          <a:ext cx="0" cy="0"/>
+          <a:chOff x="0" y="0"/>
+          <a:chExt cx="0" cy="0"/>
+        </a:xfrm>
+      </p:grpSpPr>
+      <p:sp>
+        <p:nvSpPr>
+          <p:cNvPr id="5" name="TextBox 4">
+            <a:extLst>
+              <a:ext uri="{FF2B5EF4-FFF2-40B4-BE49-F238E27FC236}">
+                <a16:creationId xmlns:a16="http://schemas.microsoft.com/office/drawing/2014/main" id="{47B1D28E-4F76-0FB1-1BBB-3061B5B04BD9}"/>
+              </a:ext>
+            </a:extLst>
+          </p:cNvPr>
+          <p:cNvSpPr txBox="1"/>
+          <p:nvPr/>
+        </p:nvSpPr>
+        <p:spPr>
+          <a:xfrm>
+            <a:off x="231228" y="220572"/>
+            <a:ext cx="6096000" cy="3600986"/>
+          </a:xfrm>
+          <a:prstGeom prst="rect">
+            <a:avLst/>
+          </a:prstGeom>
+          <a:noFill/>
+        </p:spPr>
+        <p:txBody>
+          <a:bodyPr wrap="square">
+            <a:spAutoFit/>
+          </a:bodyPr>
+          <a:lstStyle/>
+          <a:p>
+            <a:r>
+              <a:rPr lang="ko-Kore-KR" altLang="en-US" sz="1200" dirty="0">
+                <a:latin typeface="DM Mono" panose="020B0509040201040103" pitchFamily="49" charset="0"/>
+              </a:rPr>
+              <a:t>class Point {</a:t>
+            </a:r>
+          </a:p>
+          <a:p>
+            <a:r>
+              <a:rPr lang="ko-Kore-KR" altLang="en-US" sz="1200" dirty="0">
+                <a:latin typeface="DM Mono" panose="020B0509040201040103" pitchFamily="49" charset="0"/>
+              </a:rPr>
+              <a:t>    int x;</a:t>
+            </a:r>
+          </a:p>
+          <a:p>
+            <a:r>
+              <a:rPr lang="ko-Kore-KR" altLang="en-US" sz="1200" dirty="0">
+                <a:latin typeface="DM Mono" panose="020B0509040201040103" pitchFamily="49" charset="0"/>
+              </a:rPr>
+              <a:t>    int y;</a:t>
+            </a:r>
+          </a:p>
+          <a:p>
+            <a:endParaRPr lang="ko-Kore-KR" altLang="en-US" sz="1200" dirty="0">
+              <a:latin typeface="DM Mono" panose="020B0509040201040103" pitchFamily="49" charset="0"/>
+            </a:endParaRPr>
+          </a:p>
+          <a:p>
+            <a:r>
+              <a:rPr lang="ko-Kore-KR" altLang="en-US" sz="1200" dirty="0">
+                <a:latin typeface="DM Mono" panose="020B0509040201040103" pitchFamily="49" charset="0"/>
+              </a:rPr>
+              <a:t>public:</a:t>
+            </a:r>
+          </a:p>
+          <a:p>
+            <a:r>
+              <a:rPr lang="ko-Kore-KR" altLang="en-US" sz="1200" dirty="0">
+                <a:latin typeface="DM Mono" panose="020B0509040201040103" pitchFamily="49" charset="0"/>
+              </a:rPr>
+              <a:t>    void Set(int a, int b)</a:t>
+            </a:r>
+          </a:p>
+          <a:p>
+            <a:r>
+              <a:rPr lang="ko-Kore-KR" altLang="en-US" sz="1200" dirty="0">
+                <a:latin typeface="DM Mono" panose="020B0509040201040103" pitchFamily="49" charset="0"/>
+              </a:rPr>
+              <a:t>    {</a:t>
+            </a:r>
+          </a:p>
+          <a:p>
+            <a:r>
+              <a:rPr lang="ko-Kore-KR" altLang="en-US" sz="1200" dirty="0">
+                <a:latin typeface="DM Mono" panose="020B0509040201040103" pitchFamily="49" charset="0"/>
+              </a:rPr>
+              <a:t>        x = a;</a:t>
+            </a:r>
+          </a:p>
+          <a:p>
+            <a:r>
+              <a:rPr lang="ko-Kore-KR" altLang="en-US" sz="1200" dirty="0">
+                <a:latin typeface="DM Mono" panose="020B0509040201040103" pitchFamily="49" charset="0"/>
+              </a:rPr>
+              <a:t>        y = b;</a:t>
+            </a:r>
+          </a:p>
+          <a:p>
+            <a:r>
+              <a:rPr lang="ko-Kore-KR" altLang="en-US" sz="1200" dirty="0">
+                <a:latin typeface="DM Mono" panose="020B0509040201040103" pitchFamily="49" charset="0"/>
+              </a:rPr>
+              <a:t>    }</a:t>
+            </a:r>
+          </a:p>
+          <a:p>
+            <a:r>
+              <a:rPr lang="ko-Kore-KR" altLang="en-US" sz="1200" dirty="0">
+                <a:latin typeface="DM Mono" panose="020B0509040201040103" pitchFamily="49" charset="0"/>
+              </a:rPr>
+              <a:t>};</a:t>
+            </a:r>
+          </a:p>
+          <a:p>
+            <a:endParaRPr lang="ko-Kore-KR" altLang="en-US" sz="1200" dirty="0">
+              <a:latin typeface="DM Mono" panose="020B0509040201040103" pitchFamily="49" charset="0"/>
+            </a:endParaRPr>
+          </a:p>
+          <a:p>
+            <a:r>
+              <a:rPr lang="ko-Kore-KR" altLang="en-US" sz="1200" dirty="0">
+                <a:latin typeface="DM Mono" panose="020B0509040201040103" pitchFamily="49" charset="0"/>
+              </a:rPr>
+              <a:t>int main()</a:t>
+            </a:r>
+          </a:p>
+          <a:p>
+            <a:r>
+              <a:rPr lang="ko-Kore-KR" altLang="en-US" sz="1200" dirty="0">
+                <a:latin typeface="DM Mono" panose="020B0509040201040103" pitchFamily="49" charset="0"/>
+              </a:rPr>
+              <a:t>{</a:t>
+            </a:r>
+          </a:p>
+          <a:p>
+            <a:r>
+              <a:rPr lang="ko-Kore-KR" altLang="en-US" sz="1200" dirty="0">
+                <a:solidFill>
+                  <a:srgbClr val="FF0000"/>
+                </a:solidFill>
+                <a:latin typeface="DM Mono" panose="020B0509040201040103" pitchFamily="49" charset="0"/>
+              </a:rPr>
+              <a:t>    Point pt1, pt2;</a:t>
+            </a:r>
+          </a:p>
+          <a:p>
+            <a:endParaRPr lang="ko-Kore-KR" altLang="en-US" sz="1200" dirty="0">
+              <a:latin typeface="DM Mono" panose="020B0509040201040103" pitchFamily="49" charset="0"/>
+            </a:endParaRPr>
+          </a:p>
+          <a:p>
+            <a:r>
+              <a:rPr lang="ko-Kore-KR" altLang="en-US" sz="1200" dirty="0">
+                <a:latin typeface="DM Mono" panose="020B0509040201040103" pitchFamily="49" charset="0"/>
+              </a:rPr>
+              <a:t>    pt1.Set(10, 20);</a:t>
+            </a:r>
+          </a:p>
+          <a:p>
+            <a:r>
+              <a:rPr lang="ko-Kore-KR" altLang="en-US" sz="1200" dirty="0">
+                <a:latin typeface="DM Mono" panose="020B0509040201040103" pitchFamily="49" charset="0"/>
+              </a:rPr>
+              <a:t>    pt2.Set(100, 200);</a:t>
+            </a:r>
+          </a:p>
+          <a:p>
+            <a:r>
+              <a:rPr lang="ko-Kore-KR" altLang="en-US" sz="1200" dirty="0">
+                <a:latin typeface="DM Mono" panose="020B0509040201040103" pitchFamily="49" charset="0"/>
+              </a:rPr>
+              <a:t>}</a:t>
+            </a:r>
+          </a:p>
+        </p:txBody>
+      </p:sp>
+      <p:sp>
+        <p:nvSpPr>
+          <p:cNvPr id="6" name="직사각형 5">
+            <a:extLst>
+              <a:ext uri="{FF2B5EF4-FFF2-40B4-BE49-F238E27FC236}">
+                <a16:creationId xmlns:a16="http://schemas.microsoft.com/office/drawing/2014/main" id="{30DEF549-0621-E166-5909-9BE7F979F95B}"/>
+              </a:ext>
+            </a:extLst>
+          </p:cNvPr>
+          <p:cNvSpPr/>
+          <p:nvPr/>
+        </p:nvSpPr>
+        <p:spPr>
+          <a:xfrm>
+            <a:off x="4526236" y="4160112"/>
+            <a:ext cx="839295" cy="369332"/>
+          </a:xfrm>
+          <a:prstGeom prst="rect">
+            <a:avLst/>
+          </a:prstGeom>
+          <a:solidFill>
+            <a:srgbClr val="FFFF00"/>
+          </a:solidFill>
+        </p:spPr>
+        <p:style>
+          <a:lnRef idx="2">
+            <a:schemeClr val="accent1">
+              <a:shade val="15000"/>
+            </a:schemeClr>
+          </a:lnRef>
+          <a:fillRef idx="1">
+            <a:schemeClr val="accent1"/>
+          </a:fillRef>
+          <a:effectRef idx="0">
+            <a:schemeClr val="accent1"/>
+          </a:effectRef>
+          <a:fontRef idx="minor">
+            <a:schemeClr val="lt1"/>
+          </a:fontRef>
+        </p:style>
+        <p:txBody>
+          <a:bodyPr rtlCol="0" anchor="ctr"/>
+          <a:lstStyle/>
+          <a:p>
+            <a:pPr algn="ctr"/>
+            <a:endParaRPr kumimoji="1" lang="ko-Kore-KR" altLang="en-US" dirty="0">
+              <a:solidFill>
+                <a:schemeClr val="tx1"/>
+              </a:solidFill>
+              <a:latin typeface="DM Mono" panose="020B0509040201040103" pitchFamily="49" charset="0"/>
+            </a:endParaRPr>
+          </a:p>
+        </p:txBody>
+      </p:sp>
+      <p:sp>
+        <p:nvSpPr>
+          <p:cNvPr id="7" name="TextBox 6">
+            <a:extLst>
+              <a:ext uri="{FF2B5EF4-FFF2-40B4-BE49-F238E27FC236}">
+                <a16:creationId xmlns:a16="http://schemas.microsoft.com/office/drawing/2014/main" id="{2015278D-7146-23DD-47D5-4B5ECD115911}"/>
+              </a:ext>
+            </a:extLst>
+          </p:cNvPr>
+          <p:cNvSpPr txBox="1"/>
+          <p:nvPr/>
+        </p:nvSpPr>
+        <p:spPr>
+          <a:xfrm>
+            <a:off x="4033783" y="4212033"/>
+            <a:ext cx="463550" cy="307777"/>
+          </a:xfrm>
+          <a:prstGeom prst="rect">
+            <a:avLst/>
+          </a:prstGeom>
+          <a:noFill/>
+        </p:spPr>
+        <p:txBody>
+          <a:bodyPr wrap="square">
+            <a:spAutoFit/>
+          </a:bodyPr>
+          <a:lstStyle/>
+          <a:p>
+            <a:pPr algn="r"/>
+            <a:r>
+              <a:rPr lang="en-US" altLang="ko-Kore-KR" sz="1400" dirty="0">
+                <a:latin typeface="DM Mono" panose="020B0509040201040103" pitchFamily="49" charset="0"/>
+              </a:rPr>
+              <a:t>x</a:t>
+            </a:r>
+            <a:endParaRPr lang="ko-Kore-KR" altLang="en-US" sz="1400" dirty="0"/>
+          </a:p>
+        </p:txBody>
+      </p:sp>
+      <p:sp>
+        <p:nvSpPr>
+          <p:cNvPr id="8" name="직사각형 7">
+            <a:extLst>
+              <a:ext uri="{FF2B5EF4-FFF2-40B4-BE49-F238E27FC236}">
+                <a16:creationId xmlns:a16="http://schemas.microsoft.com/office/drawing/2014/main" id="{6D5146C9-24B1-C9E0-541A-BC4CC860C779}"/>
+              </a:ext>
+            </a:extLst>
+          </p:cNvPr>
+          <p:cNvSpPr/>
+          <p:nvPr/>
+        </p:nvSpPr>
+        <p:spPr>
+          <a:xfrm>
+            <a:off x="4526236" y="4529444"/>
+            <a:ext cx="839295" cy="369332"/>
+          </a:xfrm>
+          <a:prstGeom prst="rect">
+            <a:avLst/>
+          </a:prstGeom>
+          <a:solidFill>
+            <a:srgbClr val="FFFF00"/>
+          </a:solidFill>
+        </p:spPr>
+        <p:style>
+          <a:lnRef idx="2">
+            <a:schemeClr val="accent1">
+              <a:shade val="15000"/>
+            </a:schemeClr>
+          </a:lnRef>
+          <a:fillRef idx="1">
+            <a:schemeClr val="accent1"/>
+          </a:fillRef>
+          <a:effectRef idx="0">
+            <a:schemeClr val="accent1"/>
+          </a:effectRef>
+          <a:fontRef idx="minor">
+            <a:schemeClr val="lt1"/>
+          </a:fontRef>
+        </p:style>
+        <p:txBody>
+          <a:bodyPr rtlCol="0" anchor="ctr"/>
+          <a:lstStyle/>
+          <a:p>
+            <a:pPr algn="ctr"/>
+            <a:endParaRPr kumimoji="1" lang="ko-Kore-KR" altLang="en-US" dirty="0">
+              <a:solidFill>
+                <a:schemeClr val="tx1"/>
+              </a:solidFill>
+              <a:latin typeface="DM Mono" panose="020B0509040201040103" pitchFamily="49" charset="0"/>
+            </a:endParaRPr>
+          </a:p>
+        </p:txBody>
+      </p:sp>
+      <p:sp>
+        <p:nvSpPr>
+          <p:cNvPr id="9" name="TextBox 8">
+            <a:extLst>
+              <a:ext uri="{FF2B5EF4-FFF2-40B4-BE49-F238E27FC236}">
+                <a16:creationId xmlns:a16="http://schemas.microsoft.com/office/drawing/2014/main" id="{48B4E1FC-ACD1-EE2B-ED4D-868543C814DB}"/>
+              </a:ext>
+            </a:extLst>
+          </p:cNvPr>
+          <p:cNvSpPr txBox="1"/>
+          <p:nvPr/>
+        </p:nvSpPr>
+        <p:spPr>
+          <a:xfrm>
+            <a:off x="4033783" y="4560221"/>
+            <a:ext cx="463550" cy="307777"/>
+          </a:xfrm>
+          <a:prstGeom prst="rect">
+            <a:avLst/>
+          </a:prstGeom>
+          <a:noFill/>
+        </p:spPr>
+        <p:txBody>
+          <a:bodyPr wrap="square">
+            <a:spAutoFit/>
+          </a:bodyPr>
+          <a:lstStyle/>
+          <a:p>
+            <a:pPr algn="r"/>
+            <a:r>
+              <a:rPr lang="en-US" altLang="ko-Kore-KR" sz="1400" dirty="0">
+                <a:latin typeface="DM Mono" panose="020B0509040201040103" pitchFamily="49" charset="0"/>
+              </a:rPr>
+              <a:t>y</a:t>
+            </a:r>
+            <a:endParaRPr lang="ko-Kore-KR" altLang="en-US" sz="1400" dirty="0"/>
+          </a:p>
+        </p:txBody>
+      </p:sp>
+      <p:sp>
+        <p:nvSpPr>
+          <p:cNvPr id="10" name="TextBox 9">
+            <a:extLst>
+              <a:ext uri="{FF2B5EF4-FFF2-40B4-BE49-F238E27FC236}">
+                <a16:creationId xmlns:a16="http://schemas.microsoft.com/office/drawing/2014/main" id="{D854C73C-1F58-455E-085D-44E9B2EB49E2}"/>
+              </a:ext>
+            </a:extLst>
+          </p:cNvPr>
+          <p:cNvSpPr txBox="1"/>
+          <p:nvPr/>
+        </p:nvSpPr>
+        <p:spPr>
+          <a:xfrm>
+            <a:off x="4580867" y="3821558"/>
+            <a:ext cx="730031" cy="307777"/>
+          </a:xfrm>
+          <a:prstGeom prst="rect">
+            <a:avLst/>
+          </a:prstGeom>
+          <a:noFill/>
+        </p:spPr>
+        <p:txBody>
+          <a:bodyPr wrap="square">
+            <a:spAutoFit/>
+          </a:bodyPr>
+          <a:lstStyle/>
+          <a:p>
+            <a:pPr algn="ctr"/>
+            <a:r>
+              <a:rPr lang="en-US" altLang="ko-Kore-KR" sz="1400" dirty="0">
+                <a:latin typeface="DM Mono" panose="020B0509040201040103" pitchFamily="49" charset="0"/>
+              </a:rPr>
+              <a:t>pt1</a:t>
+            </a:r>
+            <a:endParaRPr lang="ko-Kore-KR" altLang="en-US" sz="1400" dirty="0"/>
+          </a:p>
+        </p:txBody>
+      </p:sp>
+      <p:sp>
+        <p:nvSpPr>
+          <p:cNvPr id="11" name="직사각형 10">
+            <a:extLst>
+              <a:ext uri="{FF2B5EF4-FFF2-40B4-BE49-F238E27FC236}">
+                <a16:creationId xmlns:a16="http://schemas.microsoft.com/office/drawing/2014/main" id="{4D093174-7DCD-0AF8-5290-1B25F93B9250}"/>
+              </a:ext>
+            </a:extLst>
+          </p:cNvPr>
+          <p:cNvSpPr/>
+          <p:nvPr/>
+        </p:nvSpPr>
+        <p:spPr>
+          <a:xfrm>
+            <a:off x="6150085" y="4160112"/>
+            <a:ext cx="839295" cy="369332"/>
+          </a:xfrm>
+          <a:prstGeom prst="rect">
+            <a:avLst/>
+          </a:prstGeom>
+          <a:solidFill>
+            <a:srgbClr val="FFFF00"/>
+          </a:solidFill>
+        </p:spPr>
+        <p:style>
+          <a:lnRef idx="2">
+            <a:schemeClr val="accent1">
+              <a:shade val="15000"/>
+            </a:schemeClr>
+          </a:lnRef>
+          <a:fillRef idx="1">
+            <a:schemeClr val="accent1"/>
+          </a:fillRef>
+          <a:effectRef idx="0">
+            <a:schemeClr val="accent1"/>
+          </a:effectRef>
+          <a:fontRef idx="minor">
+            <a:schemeClr val="lt1"/>
+          </a:fontRef>
+        </p:style>
+        <p:txBody>
+          <a:bodyPr rtlCol="0" anchor="ctr"/>
+          <a:lstStyle/>
+          <a:p>
+            <a:pPr algn="ctr"/>
+            <a:endParaRPr kumimoji="1" lang="ko-Kore-KR" altLang="en-US" dirty="0">
+              <a:solidFill>
+                <a:schemeClr val="tx1"/>
+              </a:solidFill>
+              <a:latin typeface="DM Mono" panose="020B0509040201040103" pitchFamily="49" charset="0"/>
+            </a:endParaRPr>
+          </a:p>
+        </p:txBody>
+      </p:sp>
+      <p:sp>
+        <p:nvSpPr>
+          <p:cNvPr id="12" name="TextBox 11">
+            <a:extLst>
+              <a:ext uri="{FF2B5EF4-FFF2-40B4-BE49-F238E27FC236}">
+                <a16:creationId xmlns:a16="http://schemas.microsoft.com/office/drawing/2014/main" id="{E74BA6CF-90AA-91C3-6649-4A28C97163C0}"/>
+              </a:ext>
+            </a:extLst>
+          </p:cNvPr>
+          <p:cNvSpPr txBox="1"/>
+          <p:nvPr/>
+        </p:nvSpPr>
+        <p:spPr>
+          <a:xfrm>
+            <a:off x="5657632" y="4212033"/>
+            <a:ext cx="463550" cy="307777"/>
+          </a:xfrm>
+          <a:prstGeom prst="rect">
+            <a:avLst/>
+          </a:prstGeom>
+          <a:noFill/>
+        </p:spPr>
+        <p:txBody>
+          <a:bodyPr wrap="square">
+            <a:spAutoFit/>
+          </a:bodyPr>
+          <a:lstStyle/>
+          <a:p>
+            <a:pPr algn="r"/>
+            <a:r>
+              <a:rPr lang="en-US" altLang="ko-Kore-KR" sz="1400" dirty="0">
+                <a:latin typeface="DM Mono" panose="020B0509040201040103" pitchFamily="49" charset="0"/>
+              </a:rPr>
+              <a:t>x</a:t>
+            </a:r>
+            <a:endParaRPr lang="ko-Kore-KR" altLang="en-US" sz="1400" dirty="0"/>
+          </a:p>
+        </p:txBody>
+      </p:sp>
+      <p:sp>
+        <p:nvSpPr>
+          <p:cNvPr id="13" name="직사각형 12">
+            <a:extLst>
+              <a:ext uri="{FF2B5EF4-FFF2-40B4-BE49-F238E27FC236}">
+                <a16:creationId xmlns:a16="http://schemas.microsoft.com/office/drawing/2014/main" id="{2BC499FC-77F7-4F33-1824-914DB8847EE7}"/>
+              </a:ext>
+            </a:extLst>
+          </p:cNvPr>
+          <p:cNvSpPr/>
+          <p:nvPr/>
+        </p:nvSpPr>
+        <p:spPr>
+          <a:xfrm>
+            <a:off x="6150085" y="4529444"/>
+            <a:ext cx="839295" cy="369332"/>
+          </a:xfrm>
+          <a:prstGeom prst="rect">
+            <a:avLst/>
+          </a:prstGeom>
+          <a:solidFill>
+            <a:srgbClr val="FFFF00"/>
+          </a:solidFill>
+        </p:spPr>
+        <p:style>
+          <a:lnRef idx="2">
+            <a:schemeClr val="accent1">
+              <a:shade val="15000"/>
+            </a:schemeClr>
+          </a:lnRef>
+          <a:fillRef idx="1">
+            <a:schemeClr val="accent1"/>
+          </a:fillRef>
+          <a:effectRef idx="0">
+            <a:schemeClr val="accent1"/>
+          </a:effectRef>
+          <a:fontRef idx="minor">
+            <a:schemeClr val="lt1"/>
+          </a:fontRef>
+        </p:style>
+        <p:txBody>
+          <a:bodyPr rtlCol="0" anchor="ctr"/>
+          <a:lstStyle/>
+          <a:p>
+            <a:pPr algn="ctr"/>
+            <a:endParaRPr kumimoji="1" lang="ko-Kore-KR" altLang="en-US" dirty="0">
+              <a:solidFill>
+                <a:schemeClr val="tx1"/>
+              </a:solidFill>
+              <a:latin typeface="DM Mono" panose="020B0509040201040103" pitchFamily="49" charset="0"/>
+            </a:endParaRPr>
+          </a:p>
+        </p:txBody>
+      </p:sp>
+      <p:sp>
+        <p:nvSpPr>
+          <p:cNvPr id="14" name="TextBox 13">
+            <a:extLst>
+              <a:ext uri="{FF2B5EF4-FFF2-40B4-BE49-F238E27FC236}">
+                <a16:creationId xmlns:a16="http://schemas.microsoft.com/office/drawing/2014/main" id="{ADC594AD-F198-9D84-17A9-C899646F9909}"/>
+              </a:ext>
+            </a:extLst>
+          </p:cNvPr>
+          <p:cNvSpPr txBox="1"/>
+          <p:nvPr/>
+        </p:nvSpPr>
+        <p:spPr>
+          <a:xfrm>
+            <a:off x="5657632" y="4560221"/>
+            <a:ext cx="463550" cy="307777"/>
+          </a:xfrm>
+          <a:prstGeom prst="rect">
+            <a:avLst/>
+          </a:prstGeom>
+          <a:noFill/>
+        </p:spPr>
+        <p:txBody>
+          <a:bodyPr wrap="square">
+            <a:spAutoFit/>
+          </a:bodyPr>
+          <a:lstStyle/>
+          <a:p>
+            <a:pPr algn="r"/>
+            <a:r>
+              <a:rPr lang="en-US" altLang="ko-Kore-KR" sz="1400" dirty="0">
+                <a:latin typeface="DM Mono" panose="020B0509040201040103" pitchFamily="49" charset="0"/>
+              </a:rPr>
+              <a:t>y</a:t>
+            </a:r>
+            <a:endParaRPr lang="ko-Kore-KR" altLang="en-US" sz="1400" dirty="0"/>
+          </a:p>
+        </p:txBody>
+      </p:sp>
+      <p:sp>
+        <p:nvSpPr>
+          <p:cNvPr id="15" name="TextBox 14">
+            <a:extLst>
+              <a:ext uri="{FF2B5EF4-FFF2-40B4-BE49-F238E27FC236}">
+                <a16:creationId xmlns:a16="http://schemas.microsoft.com/office/drawing/2014/main" id="{44377238-0FD1-90D6-464D-0EBAA7CCE405}"/>
+              </a:ext>
+            </a:extLst>
+          </p:cNvPr>
+          <p:cNvSpPr txBox="1"/>
+          <p:nvPr/>
+        </p:nvSpPr>
+        <p:spPr>
+          <a:xfrm>
+            <a:off x="6204716" y="3821558"/>
+            <a:ext cx="730031" cy="307777"/>
+          </a:xfrm>
+          <a:prstGeom prst="rect">
+            <a:avLst/>
+          </a:prstGeom>
+          <a:noFill/>
+        </p:spPr>
+        <p:txBody>
+          <a:bodyPr wrap="square">
+            <a:spAutoFit/>
+          </a:bodyPr>
+          <a:lstStyle/>
+          <a:p>
+            <a:pPr algn="ctr"/>
+            <a:r>
+              <a:rPr lang="en-US" altLang="ko-Kore-KR" sz="1400" dirty="0">
+                <a:latin typeface="DM Mono" panose="020B0509040201040103" pitchFamily="49" charset="0"/>
+              </a:rPr>
+              <a:t>pt2</a:t>
+            </a:r>
+            <a:endParaRPr lang="ko-Kore-KR" altLang="en-US" sz="1400" dirty="0"/>
+          </a:p>
+        </p:txBody>
+      </p:sp>
+    </p:spTree>
+    <p:extLst>
+      <p:ext uri="{BB962C8B-B14F-4D97-AF65-F5344CB8AC3E}">
+        <p14:creationId xmlns:p14="http://schemas.microsoft.com/office/powerpoint/2010/main" val="3760038732"/>
+      </p:ext>
+    </p:extLst>
+  </p:cSld>
+  <p:clrMapOvr>
+    <a:masterClrMapping/>
+  </p:clrMapOvr>
+</p:sld>
+</file>
+
+<file path=ppt/slides/slide16.xml><?xml version="1.0" encoding="utf-8"?>
+<p:sld xmlns:a="http://schemas.openxmlformats.org/drawingml/2006/main" xmlns:r="http://schemas.openxmlformats.org/officeDocument/2006/relationships" xmlns:p="http://schemas.openxmlformats.org/presentationml/2006/main">
+  <p:cSld>
+    <p:spTree>
+      <p:nvGrpSpPr>
+        <p:cNvPr id="1" name=""/>
+        <p:cNvGrpSpPr/>
+        <p:nvPr/>
+      </p:nvGrpSpPr>
+      <p:grpSpPr>
+        <a:xfrm>
+          <a:off x="0" y="0"/>
+          <a:ext cx="0" cy="0"/>
+          <a:chOff x="0" y="0"/>
+          <a:chExt cx="0" cy="0"/>
+        </a:xfrm>
+      </p:grpSpPr>
+      <p:sp>
+        <p:nvSpPr>
+          <p:cNvPr id="5" name="TextBox 4">
+            <a:extLst>
+              <a:ext uri="{FF2B5EF4-FFF2-40B4-BE49-F238E27FC236}">
+                <a16:creationId xmlns:a16="http://schemas.microsoft.com/office/drawing/2014/main" id="{47B1D28E-4F76-0FB1-1BBB-3061B5B04BD9}"/>
+              </a:ext>
+            </a:extLst>
+          </p:cNvPr>
+          <p:cNvSpPr txBox="1"/>
+          <p:nvPr/>
+        </p:nvSpPr>
+        <p:spPr>
+          <a:xfrm>
+            <a:off x="231228" y="220572"/>
+            <a:ext cx="3629243" cy="3600986"/>
+          </a:xfrm>
+          <a:prstGeom prst="rect">
+            <a:avLst/>
+          </a:prstGeom>
+          <a:noFill/>
+        </p:spPr>
+        <p:txBody>
+          <a:bodyPr wrap="square">
+            <a:spAutoFit/>
+          </a:bodyPr>
+          <a:lstStyle/>
+          <a:p>
+            <a:r>
+              <a:rPr lang="ko-Kore-KR" altLang="en-US" sz="1200" dirty="0">
+                <a:latin typeface="DM Mono" panose="020B0509040201040103" pitchFamily="49" charset="0"/>
+              </a:rPr>
+              <a:t>class Point {</a:t>
+            </a:r>
+          </a:p>
+          <a:p>
+            <a:r>
+              <a:rPr lang="ko-Kore-KR" altLang="en-US" sz="1200" dirty="0">
+                <a:latin typeface="DM Mono" panose="020B0509040201040103" pitchFamily="49" charset="0"/>
+              </a:rPr>
+              <a:t>    int x;</a:t>
+            </a:r>
+          </a:p>
+          <a:p>
+            <a:r>
+              <a:rPr lang="ko-Kore-KR" altLang="en-US" sz="1200" dirty="0">
+                <a:latin typeface="DM Mono" panose="020B0509040201040103" pitchFamily="49" charset="0"/>
+              </a:rPr>
+              <a:t>    int y;</a:t>
+            </a:r>
+          </a:p>
+          <a:p>
+            <a:endParaRPr lang="ko-Kore-KR" altLang="en-US" sz="1200" dirty="0">
+              <a:latin typeface="DM Mono" panose="020B0509040201040103" pitchFamily="49" charset="0"/>
+            </a:endParaRPr>
+          </a:p>
+          <a:p>
+            <a:r>
+              <a:rPr lang="ko-Kore-KR" altLang="en-US" sz="1200" dirty="0">
+                <a:latin typeface="DM Mono" panose="020B0509040201040103" pitchFamily="49" charset="0"/>
+              </a:rPr>
+              <a:t>public:</a:t>
+            </a:r>
+          </a:p>
+          <a:p>
+            <a:r>
+              <a:rPr lang="ko-Kore-KR" altLang="en-US" sz="1200" dirty="0">
+                <a:latin typeface="DM Mono" panose="020B0509040201040103" pitchFamily="49" charset="0"/>
+              </a:rPr>
+              <a:t>    void Set(int a, int b)</a:t>
+            </a:r>
+          </a:p>
+          <a:p>
+            <a:r>
+              <a:rPr lang="ko-Kore-KR" altLang="en-US" sz="1200" dirty="0">
+                <a:latin typeface="DM Mono" panose="020B0509040201040103" pitchFamily="49" charset="0"/>
+              </a:rPr>
+              <a:t>    {</a:t>
+            </a:r>
+          </a:p>
+          <a:p>
+            <a:r>
+              <a:rPr lang="ko-Kore-KR" altLang="en-US" sz="1200" dirty="0">
+                <a:latin typeface="DM Mono" panose="020B0509040201040103" pitchFamily="49" charset="0"/>
+              </a:rPr>
+              <a:t>        x = a;</a:t>
+            </a:r>
+          </a:p>
+          <a:p>
+            <a:r>
+              <a:rPr lang="ko-Kore-KR" altLang="en-US" sz="1200" dirty="0">
+                <a:latin typeface="DM Mono" panose="020B0509040201040103" pitchFamily="49" charset="0"/>
+              </a:rPr>
+              <a:t>        y = b;</a:t>
+            </a:r>
+          </a:p>
+          <a:p>
+            <a:r>
+              <a:rPr lang="ko-Kore-KR" altLang="en-US" sz="1200" dirty="0">
+                <a:latin typeface="DM Mono" panose="020B0509040201040103" pitchFamily="49" charset="0"/>
+              </a:rPr>
+              <a:t>    }</a:t>
+            </a:r>
+          </a:p>
+          <a:p>
+            <a:r>
+              <a:rPr lang="ko-Kore-KR" altLang="en-US" sz="1200" dirty="0">
+                <a:latin typeface="DM Mono" panose="020B0509040201040103" pitchFamily="49" charset="0"/>
+              </a:rPr>
+              <a:t>};</a:t>
+            </a:r>
+          </a:p>
+          <a:p>
+            <a:endParaRPr lang="ko-Kore-KR" altLang="en-US" sz="1200" dirty="0">
+              <a:latin typeface="DM Mono" panose="020B0509040201040103" pitchFamily="49" charset="0"/>
+            </a:endParaRPr>
+          </a:p>
+          <a:p>
+            <a:r>
+              <a:rPr lang="ko-Kore-KR" altLang="en-US" sz="1200" dirty="0">
+                <a:latin typeface="DM Mono" panose="020B0509040201040103" pitchFamily="49" charset="0"/>
+              </a:rPr>
+              <a:t>int main()</a:t>
+            </a:r>
+          </a:p>
+          <a:p>
+            <a:r>
+              <a:rPr lang="ko-Kore-KR" altLang="en-US" sz="1200" dirty="0">
+                <a:latin typeface="DM Mono" panose="020B0509040201040103" pitchFamily="49" charset="0"/>
+              </a:rPr>
+              <a:t>{</a:t>
+            </a:r>
+          </a:p>
+          <a:p>
+            <a:r>
+              <a:rPr lang="ko-Kore-KR" altLang="en-US" sz="1200" dirty="0">
+                <a:solidFill>
+                  <a:srgbClr val="FF0000"/>
+                </a:solidFill>
+                <a:latin typeface="DM Mono" panose="020B0509040201040103" pitchFamily="49" charset="0"/>
+              </a:rPr>
+              <a:t>    Point pt1, pt2;</a:t>
+            </a:r>
+          </a:p>
+          <a:p>
+            <a:endParaRPr lang="ko-Kore-KR" altLang="en-US" sz="1200" dirty="0">
+              <a:latin typeface="DM Mono" panose="020B0509040201040103" pitchFamily="49" charset="0"/>
+            </a:endParaRPr>
+          </a:p>
+          <a:p>
+            <a:r>
+              <a:rPr lang="ko-Kore-KR" altLang="en-US" sz="1200" dirty="0">
+                <a:latin typeface="DM Mono" panose="020B0509040201040103" pitchFamily="49" charset="0"/>
+              </a:rPr>
+              <a:t>    pt1.Set(10, 20);</a:t>
+            </a:r>
+          </a:p>
+          <a:p>
+            <a:r>
+              <a:rPr lang="ko-Kore-KR" altLang="en-US" sz="1200" dirty="0">
+                <a:latin typeface="DM Mono" panose="020B0509040201040103" pitchFamily="49" charset="0"/>
+              </a:rPr>
+              <a:t>    pt2.Set(100, 200);</a:t>
+            </a:r>
+          </a:p>
+          <a:p>
+            <a:r>
+              <a:rPr lang="ko-Kore-KR" altLang="en-US" sz="1200" dirty="0">
+                <a:latin typeface="DM Mono" panose="020B0509040201040103" pitchFamily="49" charset="0"/>
+              </a:rPr>
+              <a:t>}</a:t>
+            </a:r>
+          </a:p>
+        </p:txBody>
+      </p:sp>
+      <p:sp>
+        <p:nvSpPr>
+          <p:cNvPr id="6" name="직사각형 5">
+            <a:extLst>
+              <a:ext uri="{FF2B5EF4-FFF2-40B4-BE49-F238E27FC236}">
+                <a16:creationId xmlns:a16="http://schemas.microsoft.com/office/drawing/2014/main" id="{30DEF549-0621-E166-5909-9BE7F979F95B}"/>
+              </a:ext>
+            </a:extLst>
+          </p:cNvPr>
+          <p:cNvSpPr/>
+          <p:nvPr/>
+        </p:nvSpPr>
+        <p:spPr>
+          <a:xfrm>
+            <a:off x="4526236" y="4160112"/>
+            <a:ext cx="839295" cy="369332"/>
+          </a:xfrm>
+          <a:prstGeom prst="rect">
+            <a:avLst/>
+          </a:prstGeom>
+          <a:solidFill>
+            <a:srgbClr val="FFFF00"/>
+          </a:solidFill>
+        </p:spPr>
+        <p:style>
+          <a:lnRef idx="2">
+            <a:schemeClr val="accent1">
+              <a:shade val="15000"/>
+            </a:schemeClr>
+          </a:lnRef>
+          <a:fillRef idx="1">
+            <a:schemeClr val="accent1"/>
+          </a:fillRef>
+          <a:effectRef idx="0">
+            <a:schemeClr val="accent1"/>
+          </a:effectRef>
+          <a:fontRef idx="minor">
+            <a:schemeClr val="lt1"/>
+          </a:fontRef>
+        </p:style>
+        <p:txBody>
+          <a:bodyPr rtlCol="0" anchor="ctr"/>
+          <a:lstStyle/>
+          <a:p>
+            <a:pPr algn="ctr"/>
+            <a:endParaRPr kumimoji="1" lang="ko-Kore-KR" altLang="en-US" dirty="0">
+              <a:solidFill>
+                <a:schemeClr val="tx1"/>
+              </a:solidFill>
+              <a:latin typeface="DM Mono" panose="020B0509040201040103" pitchFamily="49" charset="0"/>
+            </a:endParaRPr>
+          </a:p>
+        </p:txBody>
+      </p:sp>
+      <p:sp>
+        <p:nvSpPr>
+          <p:cNvPr id="7" name="TextBox 6">
+            <a:extLst>
+              <a:ext uri="{FF2B5EF4-FFF2-40B4-BE49-F238E27FC236}">
+                <a16:creationId xmlns:a16="http://schemas.microsoft.com/office/drawing/2014/main" id="{2015278D-7146-23DD-47D5-4B5ECD115911}"/>
+              </a:ext>
+            </a:extLst>
+          </p:cNvPr>
+          <p:cNvSpPr txBox="1"/>
+          <p:nvPr/>
+        </p:nvSpPr>
+        <p:spPr>
+          <a:xfrm>
+            <a:off x="4033783" y="4212033"/>
+            <a:ext cx="463550" cy="307777"/>
+          </a:xfrm>
+          <a:prstGeom prst="rect">
+            <a:avLst/>
+          </a:prstGeom>
+          <a:noFill/>
+        </p:spPr>
+        <p:txBody>
+          <a:bodyPr wrap="square">
+            <a:spAutoFit/>
+          </a:bodyPr>
+          <a:lstStyle/>
+          <a:p>
+            <a:pPr algn="r"/>
+            <a:r>
+              <a:rPr lang="en-US" altLang="ko-Kore-KR" sz="1400" dirty="0">
+                <a:latin typeface="DM Mono" panose="020B0509040201040103" pitchFamily="49" charset="0"/>
+              </a:rPr>
+              <a:t>x</a:t>
+            </a:r>
+            <a:endParaRPr lang="ko-Kore-KR" altLang="en-US" sz="1400" dirty="0"/>
+          </a:p>
+        </p:txBody>
+      </p:sp>
+      <p:sp>
+        <p:nvSpPr>
+          <p:cNvPr id="8" name="직사각형 7">
+            <a:extLst>
+              <a:ext uri="{FF2B5EF4-FFF2-40B4-BE49-F238E27FC236}">
+                <a16:creationId xmlns:a16="http://schemas.microsoft.com/office/drawing/2014/main" id="{6D5146C9-24B1-C9E0-541A-BC4CC860C779}"/>
+              </a:ext>
+            </a:extLst>
+          </p:cNvPr>
+          <p:cNvSpPr/>
+          <p:nvPr/>
+        </p:nvSpPr>
+        <p:spPr>
+          <a:xfrm>
+            <a:off x="4526236" y="4529444"/>
+            <a:ext cx="839295" cy="369332"/>
+          </a:xfrm>
+          <a:prstGeom prst="rect">
+            <a:avLst/>
+          </a:prstGeom>
+          <a:solidFill>
+            <a:srgbClr val="FFFF00"/>
+          </a:solidFill>
+        </p:spPr>
+        <p:style>
+          <a:lnRef idx="2">
+            <a:schemeClr val="accent1">
+              <a:shade val="15000"/>
+            </a:schemeClr>
+          </a:lnRef>
+          <a:fillRef idx="1">
+            <a:schemeClr val="accent1"/>
+          </a:fillRef>
+          <a:effectRef idx="0">
+            <a:schemeClr val="accent1"/>
+          </a:effectRef>
+          <a:fontRef idx="minor">
+            <a:schemeClr val="lt1"/>
+          </a:fontRef>
+        </p:style>
+        <p:txBody>
+          <a:bodyPr rtlCol="0" anchor="ctr"/>
+          <a:lstStyle/>
+          <a:p>
+            <a:pPr algn="ctr"/>
+            <a:endParaRPr kumimoji="1" lang="ko-Kore-KR" altLang="en-US" dirty="0">
+              <a:solidFill>
+                <a:schemeClr val="tx1"/>
+              </a:solidFill>
+              <a:latin typeface="DM Mono" panose="020B0509040201040103" pitchFamily="49" charset="0"/>
+            </a:endParaRPr>
+          </a:p>
+        </p:txBody>
+      </p:sp>
+      <p:sp>
+        <p:nvSpPr>
+          <p:cNvPr id="9" name="TextBox 8">
+            <a:extLst>
+              <a:ext uri="{FF2B5EF4-FFF2-40B4-BE49-F238E27FC236}">
+                <a16:creationId xmlns:a16="http://schemas.microsoft.com/office/drawing/2014/main" id="{48B4E1FC-ACD1-EE2B-ED4D-868543C814DB}"/>
+              </a:ext>
+            </a:extLst>
+          </p:cNvPr>
+          <p:cNvSpPr txBox="1"/>
+          <p:nvPr/>
+        </p:nvSpPr>
+        <p:spPr>
+          <a:xfrm>
+            <a:off x="4033783" y="4560221"/>
+            <a:ext cx="463550" cy="307777"/>
+          </a:xfrm>
+          <a:prstGeom prst="rect">
+            <a:avLst/>
+          </a:prstGeom>
+          <a:noFill/>
+        </p:spPr>
+        <p:txBody>
+          <a:bodyPr wrap="square">
+            <a:spAutoFit/>
+          </a:bodyPr>
+          <a:lstStyle/>
+          <a:p>
+            <a:pPr algn="r"/>
+            <a:r>
+              <a:rPr lang="en-US" altLang="ko-Kore-KR" sz="1400" dirty="0">
+                <a:latin typeface="DM Mono" panose="020B0509040201040103" pitchFamily="49" charset="0"/>
+              </a:rPr>
+              <a:t>y</a:t>
+            </a:r>
+            <a:endParaRPr lang="ko-Kore-KR" altLang="en-US" sz="1400" dirty="0"/>
+          </a:p>
+        </p:txBody>
+      </p:sp>
+      <p:sp>
+        <p:nvSpPr>
+          <p:cNvPr id="10" name="TextBox 9">
+            <a:extLst>
+              <a:ext uri="{FF2B5EF4-FFF2-40B4-BE49-F238E27FC236}">
+                <a16:creationId xmlns:a16="http://schemas.microsoft.com/office/drawing/2014/main" id="{D854C73C-1F58-455E-085D-44E9B2EB49E2}"/>
+              </a:ext>
+            </a:extLst>
+          </p:cNvPr>
+          <p:cNvSpPr txBox="1"/>
+          <p:nvPr/>
+        </p:nvSpPr>
+        <p:spPr>
+          <a:xfrm>
+            <a:off x="4580867" y="3821558"/>
+            <a:ext cx="730031" cy="307777"/>
+          </a:xfrm>
+          <a:prstGeom prst="rect">
+            <a:avLst/>
+          </a:prstGeom>
+          <a:noFill/>
+        </p:spPr>
+        <p:txBody>
+          <a:bodyPr wrap="square">
+            <a:spAutoFit/>
+          </a:bodyPr>
+          <a:lstStyle/>
+          <a:p>
+            <a:pPr algn="ctr"/>
+            <a:r>
+              <a:rPr lang="en-US" altLang="ko-Kore-KR" sz="1400" dirty="0">
+                <a:latin typeface="DM Mono" panose="020B0509040201040103" pitchFamily="49" charset="0"/>
+              </a:rPr>
+              <a:t>pt1</a:t>
+            </a:r>
+            <a:endParaRPr lang="ko-Kore-KR" altLang="en-US" sz="1400" dirty="0"/>
+          </a:p>
+        </p:txBody>
+      </p:sp>
+      <p:sp>
+        <p:nvSpPr>
+          <p:cNvPr id="11" name="직사각형 10">
+            <a:extLst>
+              <a:ext uri="{FF2B5EF4-FFF2-40B4-BE49-F238E27FC236}">
+                <a16:creationId xmlns:a16="http://schemas.microsoft.com/office/drawing/2014/main" id="{4D093174-7DCD-0AF8-5290-1B25F93B9250}"/>
+              </a:ext>
+            </a:extLst>
+          </p:cNvPr>
+          <p:cNvSpPr/>
+          <p:nvPr/>
+        </p:nvSpPr>
+        <p:spPr>
+          <a:xfrm>
+            <a:off x="6150085" y="4160112"/>
+            <a:ext cx="839295" cy="369332"/>
+          </a:xfrm>
+          <a:prstGeom prst="rect">
+            <a:avLst/>
+          </a:prstGeom>
+          <a:solidFill>
+            <a:srgbClr val="FFFF00"/>
+          </a:solidFill>
+        </p:spPr>
+        <p:style>
+          <a:lnRef idx="2">
+            <a:schemeClr val="accent1">
+              <a:shade val="15000"/>
+            </a:schemeClr>
+          </a:lnRef>
+          <a:fillRef idx="1">
+            <a:schemeClr val="accent1"/>
+          </a:fillRef>
+          <a:effectRef idx="0">
+            <a:schemeClr val="accent1"/>
+          </a:effectRef>
+          <a:fontRef idx="minor">
+            <a:schemeClr val="lt1"/>
+          </a:fontRef>
+        </p:style>
+        <p:txBody>
+          <a:bodyPr rtlCol="0" anchor="ctr"/>
+          <a:lstStyle/>
+          <a:p>
+            <a:pPr algn="ctr"/>
+            <a:endParaRPr kumimoji="1" lang="ko-Kore-KR" altLang="en-US" dirty="0">
+              <a:solidFill>
+                <a:schemeClr val="tx1"/>
+              </a:solidFill>
+              <a:latin typeface="DM Mono" panose="020B0509040201040103" pitchFamily="49" charset="0"/>
+            </a:endParaRPr>
+          </a:p>
+        </p:txBody>
+      </p:sp>
+      <p:sp>
+        <p:nvSpPr>
+          <p:cNvPr id="12" name="TextBox 11">
+            <a:extLst>
+              <a:ext uri="{FF2B5EF4-FFF2-40B4-BE49-F238E27FC236}">
+                <a16:creationId xmlns:a16="http://schemas.microsoft.com/office/drawing/2014/main" id="{E74BA6CF-90AA-91C3-6649-4A28C97163C0}"/>
+              </a:ext>
+            </a:extLst>
+          </p:cNvPr>
+          <p:cNvSpPr txBox="1"/>
+          <p:nvPr/>
+        </p:nvSpPr>
+        <p:spPr>
+          <a:xfrm>
+            <a:off x="5657632" y="4212033"/>
+            <a:ext cx="463550" cy="307777"/>
+          </a:xfrm>
+          <a:prstGeom prst="rect">
+            <a:avLst/>
+          </a:prstGeom>
+          <a:noFill/>
+        </p:spPr>
+        <p:txBody>
+          <a:bodyPr wrap="square">
+            <a:spAutoFit/>
+          </a:bodyPr>
+          <a:lstStyle/>
+          <a:p>
+            <a:pPr algn="r"/>
+            <a:r>
+              <a:rPr lang="en-US" altLang="ko-Kore-KR" sz="1400" dirty="0">
+                <a:latin typeface="DM Mono" panose="020B0509040201040103" pitchFamily="49" charset="0"/>
+              </a:rPr>
+              <a:t>x</a:t>
+            </a:r>
+            <a:endParaRPr lang="ko-Kore-KR" altLang="en-US" sz="1400" dirty="0"/>
+          </a:p>
+        </p:txBody>
+      </p:sp>
+      <p:sp>
+        <p:nvSpPr>
+          <p:cNvPr id="13" name="직사각형 12">
+            <a:extLst>
+              <a:ext uri="{FF2B5EF4-FFF2-40B4-BE49-F238E27FC236}">
+                <a16:creationId xmlns:a16="http://schemas.microsoft.com/office/drawing/2014/main" id="{2BC499FC-77F7-4F33-1824-914DB8847EE7}"/>
+              </a:ext>
+            </a:extLst>
+          </p:cNvPr>
+          <p:cNvSpPr/>
+          <p:nvPr/>
+        </p:nvSpPr>
+        <p:spPr>
+          <a:xfrm>
+            <a:off x="6150085" y="4529444"/>
+            <a:ext cx="839295" cy="369332"/>
+          </a:xfrm>
+          <a:prstGeom prst="rect">
+            <a:avLst/>
+          </a:prstGeom>
+          <a:solidFill>
+            <a:srgbClr val="FFFF00"/>
+          </a:solidFill>
+        </p:spPr>
+        <p:style>
+          <a:lnRef idx="2">
+            <a:schemeClr val="accent1">
+              <a:shade val="15000"/>
+            </a:schemeClr>
+          </a:lnRef>
+          <a:fillRef idx="1">
+            <a:schemeClr val="accent1"/>
+          </a:fillRef>
+          <a:effectRef idx="0">
+            <a:schemeClr val="accent1"/>
+          </a:effectRef>
+          <a:fontRef idx="minor">
+            <a:schemeClr val="lt1"/>
+          </a:fontRef>
+        </p:style>
+        <p:txBody>
+          <a:bodyPr rtlCol="0" anchor="ctr"/>
+          <a:lstStyle/>
+          <a:p>
+            <a:pPr algn="ctr"/>
+            <a:endParaRPr kumimoji="1" lang="ko-Kore-KR" altLang="en-US" dirty="0">
+              <a:solidFill>
+                <a:schemeClr val="tx1"/>
+              </a:solidFill>
+              <a:latin typeface="DM Mono" panose="020B0509040201040103" pitchFamily="49" charset="0"/>
+            </a:endParaRPr>
+          </a:p>
+        </p:txBody>
+      </p:sp>
+      <p:sp>
+        <p:nvSpPr>
+          <p:cNvPr id="14" name="TextBox 13">
+            <a:extLst>
+              <a:ext uri="{FF2B5EF4-FFF2-40B4-BE49-F238E27FC236}">
+                <a16:creationId xmlns:a16="http://schemas.microsoft.com/office/drawing/2014/main" id="{ADC594AD-F198-9D84-17A9-C899646F9909}"/>
+              </a:ext>
+            </a:extLst>
+          </p:cNvPr>
+          <p:cNvSpPr txBox="1"/>
+          <p:nvPr/>
+        </p:nvSpPr>
+        <p:spPr>
+          <a:xfrm>
+            <a:off x="5657632" y="4560221"/>
+            <a:ext cx="463550" cy="307777"/>
+          </a:xfrm>
+          <a:prstGeom prst="rect">
+            <a:avLst/>
+          </a:prstGeom>
+          <a:noFill/>
+        </p:spPr>
+        <p:txBody>
+          <a:bodyPr wrap="square">
+            <a:spAutoFit/>
+          </a:bodyPr>
+          <a:lstStyle/>
+          <a:p>
+            <a:pPr algn="r"/>
+            <a:r>
+              <a:rPr lang="en-US" altLang="ko-Kore-KR" sz="1400" dirty="0">
+                <a:latin typeface="DM Mono" panose="020B0509040201040103" pitchFamily="49" charset="0"/>
+              </a:rPr>
+              <a:t>y</a:t>
+            </a:r>
+            <a:endParaRPr lang="ko-Kore-KR" altLang="en-US" sz="1400" dirty="0"/>
+          </a:p>
+        </p:txBody>
+      </p:sp>
+      <p:sp>
+        <p:nvSpPr>
+          <p:cNvPr id="15" name="TextBox 14">
+            <a:extLst>
+              <a:ext uri="{FF2B5EF4-FFF2-40B4-BE49-F238E27FC236}">
+                <a16:creationId xmlns:a16="http://schemas.microsoft.com/office/drawing/2014/main" id="{44377238-0FD1-90D6-464D-0EBAA7CCE405}"/>
+              </a:ext>
+            </a:extLst>
+          </p:cNvPr>
+          <p:cNvSpPr txBox="1"/>
+          <p:nvPr/>
+        </p:nvSpPr>
+        <p:spPr>
+          <a:xfrm>
+            <a:off x="6204716" y="3821558"/>
+            <a:ext cx="730031" cy="307777"/>
+          </a:xfrm>
+          <a:prstGeom prst="rect">
+            <a:avLst/>
+          </a:prstGeom>
+          <a:noFill/>
+        </p:spPr>
+        <p:txBody>
+          <a:bodyPr wrap="square">
+            <a:spAutoFit/>
+          </a:bodyPr>
+          <a:lstStyle/>
+          <a:p>
+            <a:pPr algn="ctr"/>
+            <a:r>
+              <a:rPr lang="en-US" altLang="ko-Kore-KR" sz="1400" dirty="0">
+                <a:latin typeface="DM Mono" panose="020B0509040201040103" pitchFamily="49" charset="0"/>
+              </a:rPr>
+              <a:t>pt2</a:t>
+            </a:r>
+            <a:endParaRPr lang="ko-Kore-KR" altLang="en-US" sz="1400" dirty="0"/>
+          </a:p>
+        </p:txBody>
+      </p:sp>
+      <p:sp>
+        <p:nvSpPr>
+          <p:cNvPr id="3" name="TextBox 2">
+            <a:extLst>
+              <a:ext uri="{FF2B5EF4-FFF2-40B4-BE49-F238E27FC236}">
+                <a16:creationId xmlns:a16="http://schemas.microsoft.com/office/drawing/2014/main" id="{8962CABA-F7D7-6993-C3E4-2D360030A3BC}"/>
+              </a:ext>
+            </a:extLst>
+          </p:cNvPr>
+          <p:cNvSpPr txBox="1"/>
+          <p:nvPr/>
+        </p:nvSpPr>
+        <p:spPr>
+          <a:xfrm>
+            <a:off x="3860471" y="1282401"/>
+            <a:ext cx="5057556" cy="1477328"/>
+          </a:xfrm>
+          <a:prstGeom prst="rect">
+            <a:avLst/>
+          </a:prstGeom>
+          <a:noFill/>
+        </p:spPr>
+        <p:txBody>
+          <a:bodyPr wrap="square">
+            <a:spAutoFit/>
+          </a:bodyPr>
+          <a:lstStyle/>
+          <a:p>
+            <a:r>
+              <a:rPr lang="ko-Kore-KR" altLang="en-US" sz="1800" dirty="0">
+                <a:latin typeface="DM Mono" panose="020B0509040201040103" pitchFamily="49" charset="0"/>
+              </a:rPr>
+              <a:t> </a:t>
+            </a:r>
+            <a:r>
+              <a:rPr lang="en-US" altLang="ko-Kore-KR" sz="1800" dirty="0">
+                <a:latin typeface="DM Mono" panose="020B0509040201040103" pitchFamily="49" charset="0"/>
+              </a:rPr>
+              <a:t>   </a:t>
+            </a:r>
+            <a:r>
+              <a:rPr lang="ko-Kore-KR" altLang="en-US" sz="1800" dirty="0">
+                <a:latin typeface="DM Mono" panose="020B0509040201040103" pitchFamily="49" charset="0"/>
+              </a:rPr>
+              <a:t>void </a:t>
+            </a:r>
+            <a:r>
+              <a:rPr lang="en-US" altLang="ko-Kore-KR" sz="1800" dirty="0">
+                <a:latin typeface="DM Mono" panose="020B0509040201040103" pitchFamily="49" charset="0"/>
+              </a:rPr>
+              <a:t>Point::</a:t>
+            </a:r>
+            <a:r>
+              <a:rPr lang="ko-Kore-KR" altLang="en-US" sz="1800" dirty="0">
+                <a:latin typeface="DM Mono" panose="020B0509040201040103" pitchFamily="49" charset="0"/>
+              </a:rPr>
+              <a:t>Set(int a, int b)</a:t>
+            </a:r>
+          </a:p>
+          <a:p>
+            <a:r>
+              <a:rPr lang="ko-Kore-KR" altLang="en-US" sz="1800" dirty="0">
+                <a:latin typeface="DM Mono" panose="020B0509040201040103" pitchFamily="49" charset="0"/>
+              </a:rPr>
+              <a:t>    {</a:t>
+            </a:r>
+          </a:p>
+          <a:p>
+            <a:r>
+              <a:rPr lang="ko-Kore-KR" altLang="en-US" sz="1800" dirty="0">
+                <a:latin typeface="DM Mono" panose="020B0509040201040103" pitchFamily="49" charset="0"/>
+              </a:rPr>
+              <a:t>        x = a;</a:t>
+            </a:r>
+          </a:p>
+          <a:p>
+            <a:r>
+              <a:rPr lang="ko-Kore-KR" altLang="en-US" sz="1800" dirty="0">
+                <a:latin typeface="DM Mono" panose="020B0509040201040103" pitchFamily="49" charset="0"/>
+              </a:rPr>
+              <a:t>        y = b;</a:t>
+            </a:r>
+          </a:p>
+          <a:p>
+            <a:r>
+              <a:rPr lang="ko-Kore-KR" altLang="en-US" sz="1800" dirty="0">
+                <a:latin typeface="DM Mono" panose="020B0509040201040103" pitchFamily="49" charset="0"/>
+              </a:rPr>
+              <a:t>    }</a:t>
+            </a:r>
+            <a:endParaRPr lang="ko-Kore-KR" altLang="en-US" dirty="0"/>
+          </a:p>
+        </p:txBody>
+      </p:sp>
+    </p:spTree>
+    <p:extLst>
+      <p:ext uri="{BB962C8B-B14F-4D97-AF65-F5344CB8AC3E}">
+        <p14:creationId xmlns:p14="http://schemas.microsoft.com/office/powerpoint/2010/main" val="390079289"/>
+      </p:ext>
+    </p:extLst>
+  </p:cSld>
+  <p:clrMapOvr>
+    <a:masterClrMapping/>
+  </p:clrMapOvr>
+</p:sld>
+</file>
+
+<file path=ppt/slides/slide17.xml><?xml version="1.0" encoding="utf-8"?>
+<p:sld xmlns:a="http://schemas.openxmlformats.org/drawingml/2006/main" xmlns:r="http://schemas.openxmlformats.org/officeDocument/2006/relationships" xmlns:p="http://schemas.openxmlformats.org/presentationml/2006/main">
+  <p:cSld>
+    <p:spTree>
+      <p:nvGrpSpPr>
+        <p:cNvPr id="1" name=""/>
+        <p:cNvGrpSpPr/>
+        <p:nvPr/>
+      </p:nvGrpSpPr>
+      <p:grpSpPr>
+        <a:xfrm>
+          <a:off x="0" y="0"/>
+          <a:ext cx="0" cy="0"/>
+          <a:chOff x="0" y="0"/>
+          <a:chExt cx="0" cy="0"/>
+        </a:xfrm>
+      </p:grpSpPr>
+      <p:sp>
+        <p:nvSpPr>
+          <p:cNvPr id="5" name="TextBox 4">
+            <a:extLst>
+              <a:ext uri="{FF2B5EF4-FFF2-40B4-BE49-F238E27FC236}">
+                <a16:creationId xmlns:a16="http://schemas.microsoft.com/office/drawing/2014/main" id="{47B1D28E-4F76-0FB1-1BBB-3061B5B04BD9}"/>
+              </a:ext>
+            </a:extLst>
+          </p:cNvPr>
+          <p:cNvSpPr txBox="1"/>
+          <p:nvPr/>
+        </p:nvSpPr>
+        <p:spPr>
+          <a:xfrm>
+            <a:off x="231228" y="220572"/>
+            <a:ext cx="4708634" cy="3785652"/>
+          </a:xfrm>
+          <a:prstGeom prst="rect">
+            <a:avLst/>
+          </a:prstGeom>
+          <a:noFill/>
+        </p:spPr>
+        <p:txBody>
+          <a:bodyPr wrap="square">
+            <a:spAutoFit/>
+          </a:bodyPr>
+          <a:lstStyle/>
+          <a:p>
+            <a:r>
+              <a:rPr lang="ko-Kore-KR" altLang="en-US" sz="1200" dirty="0">
+                <a:latin typeface="DM Mono" panose="020B0509040201040103" pitchFamily="49" charset="0"/>
+              </a:rPr>
+              <a:t>class Point {</a:t>
+            </a:r>
+          </a:p>
+          <a:p>
+            <a:r>
+              <a:rPr lang="ko-Kore-KR" altLang="en-US" sz="1200" dirty="0">
+                <a:latin typeface="DM Mono" panose="020B0509040201040103" pitchFamily="49" charset="0"/>
+              </a:rPr>
+              <a:t>    int x;</a:t>
+            </a:r>
+          </a:p>
+          <a:p>
+            <a:r>
+              <a:rPr lang="ko-Kore-KR" altLang="en-US" sz="1200" dirty="0">
+                <a:latin typeface="DM Mono" panose="020B0509040201040103" pitchFamily="49" charset="0"/>
+              </a:rPr>
+              <a:t>    int y;</a:t>
+            </a:r>
+          </a:p>
+          <a:p>
+            <a:endParaRPr lang="ko-Kore-KR" altLang="en-US" sz="1200" dirty="0">
+              <a:latin typeface="DM Mono" panose="020B0509040201040103" pitchFamily="49" charset="0"/>
+            </a:endParaRPr>
+          </a:p>
+          <a:p>
+            <a:r>
+              <a:rPr lang="ko-Kore-KR" altLang="en-US" sz="1200" dirty="0">
+                <a:latin typeface="DM Mono" panose="020B0509040201040103" pitchFamily="49" charset="0"/>
+              </a:rPr>
+              <a:t>public:</a:t>
+            </a:r>
+          </a:p>
+          <a:p>
+            <a:r>
+              <a:rPr lang="ko-Kore-KR" altLang="en-US" sz="1200" dirty="0">
+                <a:latin typeface="DM Mono" panose="020B0509040201040103" pitchFamily="49" charset="0"/>
+              </a:rPr>
+              <a:t>    void Set(int a, int b)</a:t>
+            </a:r>
+          </a:p>
+          <a:p>
+            <a:r>
+              <a:rPr lang="ko-Kore-KR" altLang="en-US" sz="1200" dirty="0">
+                <a:latin typeface="DM Mono" panose="020B0509040201040103" pitchFamily="49" charset="0"/>
+              </a:rPr>
+              <a:t>    {</a:t>
+            </a:r>
+          </a:p>
+          <a:p>
+            <a:r>
+              <a:rPr lang="ko-Kore-KR" altLang="en-US" sz="1200" dirty="0">
+                <a:latin typeface="DM Mono" panose="020B0509040201040103" pitchFamily="49" charset="0"/>
+              </a:rPr>
+              <a:t>        x = a;</a:t>
+            </a:r>
+          </a:p>
+          <a:p>
+            <a:r>
+              <a:rPr lang="ko-Kore-KR" altLang="en-US" sz="1200" dirty="0">
+                <a:latin typeface="DM Mono" panose="020B0509040201040103" pitchFamily="49" charset="0"/>
+              </a:rPr>
+              <a:t>        y = b;</a:t>
+            </a:r>
+          </a:p>
+          <a:p>
+            <a:r>
+              <a:rPr lang="ko-Kore-KR" altLang="en-US" sz="1200" dirty="0">
+                <a:latin typeface="DM Mono" panose="020B0509040201040103" pitchFamily="49" charset="0"/>
+              </a:rPr>
+              <a:t>    }</a:t>
+            </a:r>
+          </a:p>
+          <a:p>
+            <a:r>
+              <a:rPr lang="ko-Kore-KR" altLang="en-US" sz="1200" dirty="0">
+                <a:latin typeface="DM Mono" panose="020B0509040201040103" pitchFamily="49" charset="0"/>
+              </a:rPr>
+              <a:t>};</a:t>
+            </a:r>
+          </a:p>
+          <a:p>
+            <a:endParaRPr lang="ko-Kore-KR" altLang="en-US" sz="1200" dirty="0">
+              <a:latin typeface="DM Mono" panose="020B0509040201040103" pitchFamily="49" charset="0"/>
+            </a:endParaRPr>
+          </a:p>
+          <a:p>
+            <a:r>
+              <a:rPr lang="ko-Kore-KR" altLang="en-US" sz="1200" dirty="0">
+                <a:latin typeface="DM Mono" panose="020B0509040201040103" pitchFamily="49" charset="0"/>
+              </a:rPr>
+              <a:t>int main()</a:t>
+            </a:r>
+          </a:p>
+          <a:p>
+            <a:r>
+              <a:rPr lang="ko-Kore-KR" altLang="en-US" sz="1200" dirty="0">
+                <a:latin typeface="DM Mono" panose="020B0509040201040103" pitchFamily="49" charset="0"/>
+              </a:rPr>
+              <a:t>{</a:t>
+            </a:r>
+          </a:p>
+          <a:p>
+            <a:r>
+              <a:rPr lang="ko-Kore-KR" altLang="en-US" sz="1200" dirty="0">
+                <a:latin typeface="DM Mono" panose="020B0509040201040103" pitchFamily="49" charset="0"/>
+              </a:rPr>
+              <a:t>    Point pt1, pt2;</a:t>
+            </a:r>
+          </a:p>
+          <a:p>
+            <a:endParaRPr lang="ko-Kore-KR" altLang="en-US" sz="1200" dirty="0">
+              <a:latin typeface="DM Mono" panose="020B0509040201040103" pitchFamily="49" charset="0"/>
+            </a:endParaRPr>
+          </a:p>
+          <a:p>
+            <a:r>
+              <a:rPr lang="ko-Kore-KR" altLang="en-US" sz="1200" dirty="0">
+                <a:solidFill>
+                  <a:srgbClr val="FF0000"/>
+                </a:solidFill>
+                <a:latin typeface="DM Mono" panose="020B0509040201040103" pitchFamily="49" charset="0"/>
+              </a:rPr>
+              <a:t>    pt1.Set(10, 20);</a:t>
+            </a:r>
+            <a:r>
+              <a:rPr lang="en-US" altLang="ko-Kore-KR" sz="1200" dirty="0">
+                <a:solidFill>
+                  <a:srgbClr val="FF0000"/>
+                </a:solidFill>
+                <a:latin typeface="DM Mono" panose="020B0509040201040103" pitchFamily="49" charset="0"/>
+              </a:rPr>
+              <a:t> // Point::Set(&amp;pt1, 10, 20)</a:t>
+            </a:r>
+          </a:p>
+          <a:p>
+            <a:endParaRPr lang="ko-Kore-KR" altLang="en-US" sz="1200" dirty="0">
+              <a:latin typeface="DM Mono" panose="020B0509040201040103" pitchFamily="49" charset="0"/>
+            </a:endParaRPr>
+          </a:p>
+          <a:p>
+            <a:r>
+              <a:rPr lang="ko-Kore-KR" altLang="en-US" sz="1200" dirty="0">
+                <a:latin typeface="DM Mono" panose="020B0509040201040103" pitchFamily="49" charset="0"/>
+              </a:rPr>
+              <a:t>    pt2.Set(100, 200);</a:t>
+            </a:r>
+          </a:p>
+          <a:p>
+            <a:r>
+              <a:rPr lang="ko-Kore-KR" altLang="en-US" sz="1200" dirty="0">
+                <a:latin typeface="DM Mono" panose="020B0509040201040103" pitchFamily="49" charset="0"/>
+              </a:rPr>
+              <a:t>}</a:t>
+            </a:r>
+          </a:p>
+        </p:txBody>
+      </p:sp>
+      <p:sp>
+        <p:nvSpPr>
+          <p:cNvPr id="6" name="직사각형 5">
+            <a:extLst>
+              <a:ext uri="{FF2B5EF4-FFF2-40B4-BE49-F238E27FC236}">
+                <a16:creationId xmlns:a16="http://schemas.microsoft.com/office/drawing/2014/main" id="{30DEF549-0621-E166-5909-9BE7F979F95B}"/>
+              </a:ext>
+            </a:extLst>
+          </p:cNvPr>
+          <p:cNvSpPr/>
+          <p:nvPr/>
+        </p:nvSpPr>
+        <p:spPr>
+          <a:xfrm>
+            <a:off x="4526236" y="4160112"/>
+            <a:ext cx="839295" cy="369332"/>
+          </a:xfrm>
+          <a:prstGeom prst="rect">
+            <a:avLst/>
+          </a:prstGeom>
+          <a:solidFill>
+            <a:srgbClr val="FFFF00"/>
+          </a:solidFill>
+        </p:spPr>
+        <p:style>
+          <a:lnRef idx="2">
+            <a:schemeClr val="accent1">
+              <a:shade val="15000"/>
+            </a:schemeClr>
+          </a:lnRef>
+          <a:fillRef idx="1">
+            <a:schemeClr val="accent1"/>
+          </a:fillRef>
+          <a:effectRef idx="0">
+            <a:schemeClr val="accent1"/>
+          </a:effectRef>
+          <a:fontRef idx="minor">
+            <a:schemeClr val="lt1"/>
+          </a:fontRef>
+        </p:style>
+        <p:txBody>
+          <a:bodyPr rtlCol="0" anchor="ctr"/>
+          <a:lstStyle/>
+          <a:p>
+            <a:pPr algn="ctr"/>
+            <a:r>
+              <a:rPr kumimoji="1" lang="en-US" altLang="ko-Kore-KR" dirty="0">
+                <a:solidFill>
+                  <a:srgbClr val="FF0000"/>
+                </a:solidFill>
+                <a:latin typeface="DM Mono" panose="020B0509040201040103" pitchFamily="49" charset="0"/>
+              </a:rPr>
+              <a:t>10</a:t>
+            </a:r>
+            <a:endParaRPr kumimoji="1" lang="ko-Kore-KR" altLang="en-US" dirty="0">
+              <a:solidFill>
+                <a:srgbClr val="FF0000"/>
+              </a:solidFill>
+              <a:latin typeface="DM Mono" panose="020B0509040201040103" pitchFamily="49" charset="0"/>
+            </a:endParaRPr>
+          </a:p>
+        </p:txBody>
+      </p:sp>
+      <p:sp>
+        <p:nvSpPr>
+          <p:cNvPr id="7" name="TextBox 6">
+            <a:extLst>
+              <a:ext uri="{FF2B5EF4-FFF2-40B4-BE49-F238E27FC236}">
+                <a16:creationId xmlns:a16="http://schemas.microsoft.com/office/drawing/2014/main" id="{2015278D-7146-23DD-47D5-4B5ECD115911}"/>
+              </a:ext>
+            </a:extLst>
+          </p:cNvPr>
+          <p:cNvSpPr txBox="1"/>
+          <p:nvPr/>
+        </p:nvSpPr>
+        <p:spPr>
+          <a:xfrm>
+            <a:off x="4033783" y="4212033"/>
+            <a:ext cx="463550" cy="307777"/>
+          </a:xfrm>
+          <a:prstGeom prst="rect">
+            <a:avLst/>
+          </a:prstGeom>
+          <a:noFill/>
+        </p:spPr>
+        <p:txBody>
+          <a:bodyPr wrap="square">
+            <a:spAutoFit/>
+          </a:bodyPr>
+          <a:lstStyle/>
+          <a:p>
+            <a:pPr algn="r"/>
+            <a:r>
+              <a:rPr lang="en-US" altLang="ko-Kore-KR" sz="1400" dirty="0">
+                <a:latin typeface="DM Mono" panose="020B0509040201040103" pitchFamily="49" charset="0"/>
+              </a:rPr>
+              <a:t>x</a:t>
+            </a:r>
+            <a:endParaRPr lang="ko-Kore-KR" altLang="en-US" sz="1400" dirty="0"/>
+          </a:p>
+        </p:txBody>
+      </p:sp>
+      <p:sp>
+        <p:nvSpPr>
+          <p:cNvPr id="8" name="직사각형 7">
+            <a:extLst>
+              <a:ext uri="{FF2B5EF4-FFF2-40B4-BE49-F238E27FC236}">
+                <a16:creationId xmlns:a16="http://schemas.microsoft.com/office/drawing/2014/main" id="{6D5146C9-24B1-C9E0-541A-BC4CC860C779}"/>
+              </a:ext>
+            </a:extLst>
+          </p:cNvPr>
+          <p:cNvSpPr/>
+          <p:nvPr/>
+        </p:nvSpPr>
+        <p:spPr>
+          <a:xfrm>
+            <a:off x="4526236" y="4529444"/>
+            <a:ext cx="839295" cy="369332"/>
+          </a:xfrm>
+          <a:prstGeom prst="rect">
+            <a:avLst/>
+          </a:prstGeom>
+          <a:solidFill>
+            <a:srgbClr val="FFFF00"/>
+          </a:solidFill>
+        </p:spPr>
+        <p:style>
+          <a:lnRef idx="2">
+            <a:schemeClr val="accent1">
+              <a:shade val="15000"/>
+            </a:schemeClr>
+          </a:lnRef>
+          <a:fillRef idx="1">
+            <a:schemeClr val="accent1"/>
+          </a:fillRef>
+          <a:effectRef idx="0">
+            <a:schemeClr val="accent1"/>
+          </a:effectRef>
+          <a:fontRef idx="minor">
+            <a:schemeClr val="lt1"/>
+          </a:fontRef>
+        </p:style>
+        <p:txBody>
+          <a:bodyPr rtlCol="0" anchor="ctr"/>
+          <a:lstStyle/>
+          <a:p>
+            <a:pPr algn="ctr"/>
+            <a:r>
+              <a:rPr kumimoji="1" lang="en-US" altLang="ko-Kore-KR" dirty="0">
+                <a:solidFill>
+                  <a:srgbClr val="FF0000"/>
+                </a:solidFill>
+                <a:latin typeface="DM Mono" panose="020B0509040201040103" pitchFamily="49" charset="0"/>
+              </a:rPr>
+              <a:t>20</a:t>
+            </a:r>
+            <a:endParaRPr kumimoji="1" lang="ko-Kore-KR" altLang="en-US" dirty="0">
+              <a:solidFill>
+                <a:srgbClr val="FF0000"/>
+              </a:solidFill>
+              <a:latin typeface="DM Mono" panose="020B0509040201040103" pitchFamily="49" charset="0"/>
+            </a:endParaRPr>
+          </a:p>
+        </p:txBody>
+      </p:sp>
+      <p:sp>
+        <p:nvSpPr>
+          <p:cNvPr id="9" name="TextBox 8">
+            <a:extLst>
+              <a:ext uri="{FF2B5EF4-FFF2-40B4-BE49-F238E27FC236}">
+                <a16:creationId xmlns:a16="http://schemas.microsoft.com/office/drawing/2014/main" id="{48B4E1FC-ACD1-EE2B-ED4D-868543C814DB}"/>
+              </a:ext>
+            </a:extLst>
+          </p:cNvPr>
+          <p:cNvSpPr txBox="1"/>
+          <p:nvPr/>
+        </p:nvSpPr>
+        <p:spPr>
+          <a:xfrm>
+            <a:off x="4033783" y="4560221"/>
+            <a:ext cx="463550" cy="307777"/>
+          </a:xfrm>
+          <a:prstGeom prst="rect">
+            <a:avLst/>
+          </a:prstGeom>
+          <a:noFill/>
+        </p:spPr>
+        <p:txBody>
+          <a:bodyPr wrap="square">
+            <a:spAutoFit/>
+          </a:bodyPr>
+          <a:lstStyle/>
+          <a:p>
+            <a:pPr algn="r"/>
+            <a:r>
+              <a:rPr lang="en-US" altLang="ko-Kore-KR" sz="1400" dirty="0">
+                <a:latin typeface="DM Mono" panose="020B0509040201040103" pitchFamily="49" charset="0"/>
+              </a:rPr>
+              <a:t>y</a:t>
+            </a:r>
+            <a:endParaRPr lang="ko-Kore-KR" altLang="en-US" sz="1400" dirty="0"/>
+          </a:p>
+        </p:txBody>
+      </p:sp>
+      <p:sp>
+        <p:nvSpPr>
+          <p:cNvPr id="10" name="TextBox 9">
+            <a:extLst>
+              <a:ext uri="{FF2B5EF4-FFF2-40B4-BE49-F238E27FC236}">
+                <a16:creationId xmlns:a16="http://schemas.microsoft.com/office/drawing/2014/main" id="{D854C73C-1F58-455E-085D-44E9B2EB49E2}"/>
+              </a:ext>
+            </a:extLst>
+          </p:cNvPr>
+          <p:cNvSpPr txBox="1"/>
+          <p:nvPr/>
+        </p:nvSpPr>
+        <p:spPr>
+          <a:xfrm>
+            <a:off x="4580867" y="3821558"/>
+            <a:ext cx="730031" cy="307777"/>
+          </a:xfrm>
+          <a:prstGeom prst="rect">
+            <a:avLst/>
+          </a:prstGeom>
+          <a:noFill/>
+        </p:spPr>
+        <p:txBody>
+          <a:bodyPr wrap="square">
+            <a:spAutoFit/>
+          </a:bodyPr>
+          <a:lstStyle/>
+          <a:p>
+            <a:pPr algn="ctr"/>
+            <a:r>
+              <a:rPr lang="en-US" altLang="ko-Kore-KR" sz="1400" dirty="0">
+                <a:latin typeface="DM Mono" panose="020B0509040201040103" pitchFamily="49" charset="0"/>
+              </a:rPr>
+              <a:t>pt1</a:t>
+            </a:r>
+            <a:endParaRPr lang="ko-Kore-KR" altLang="en-US" sz="1400" dirty="0"/>
+          </a:p>
+        </p:txBody>
+      </p:sp>
+      <p:sp>
+        <p:nvSpPr>
+          <p:cNvPr id="11" name="직사각형 10">
+            <a:extLst>
+              <a:ext uri="{FF2B5EF4-FFF2-40B4-BE49-F238E27FC236}">
+                <a16:creationId xmlns:a16="http://schemas.microsoft.com/office/drawing/2014/main" id="{4D093174-7DCD-0AF8-5290-1B25F93B9250}"/>
+              </a:ext>
+            </a:extLst>
+          </p:cNvPr>
+          <p:cNvSpPr/>
+          <p:nvPr/>
+        </p:nvSpPr>
+        <p:spPr>
+          <a:xfrm>
+            <a:off x="6150085" y="4160112"/>
+            <a:ext cx="839295" cy="369332"/>
+          </a:xfrm>
+          <a:prstGeom prst="rect">
+            <a:avLst/>
+          </a:prstGeom>
+          <a:solidFill>
+            <a:srgbClr val="FFFF00"/>
+          </a:solidFill>
+        </p:spPr>
+        <p:style>
+          <a:lnRef idx="2">
+            <a:schemeClr val="accent1">
+              <a:shade val="15000"/>
+            </a:schemeClr>
+          </a:lnRef>
+          <a:fillRef idx="1">
+            <a:schemeClr val="accent1"/>
+          </a:fillRef>
+          <a:effectRef idx="0">
+            <a:schemeClr val="accent1"/>
+          </a:effectRef>
+          <a:fontRef idx="minor">
+            <a:schemeClr val="lt1"/>
+          </a:fontRef>
+        </p:style>
+        <p:txBody>
+          <a:bodyPr rtlCol="0" anchor="ctr"/>
+          <a:lstStyle/>
+          <a:p>
+            <a:pPr algn="ctr"/>
+            <a:endParaRPr kumimoji="1" lang="ko-Kore-KR" altLang="en-US" dirty="0">
+              <a:solidFill>
+                <a:schemeClr val="tx1"/>
+              </a:solidFill>
+              <a:latin typeface="DM Mono" panose="020B0509040201040103" pitchFamily="49" charset="0"/>
+            </a:endParaRPr>
+          </a:p>
+        </p:txBody>
+      </p:sp>
+      <p:sp>
+        <p:nvSpPr>
+          <p:cNvPr id="12" name="TextBox 11">
+            <a:extLst>
+              <a:ext uri="{FF2B5EF4-FFF2-40B4-BE49-F238E27FC236}">
+                <a16:creationId xmlns:a16="http://schemas.microsoft.com/office/drawing/2014/main" id="{E74BA6CF-90AA-91C3-6649-4A28C97163C0}"/>
+              </a:ext>
+            </a:extLst>
+          </p:cNvPr>
+          <p:cNvSpPr txBox="1"/>
+          <p:nvPr/>
+        </p:nvSpPr>
+        <p:spPr>
+          <a:xfrm>
+            <a:off x="5657632" y="4212033"/>
+            <a:ext cx="463550" cy="307777"/>
+          </a:xfrm>
+          <a:prstGeom prst="rect">
+            <a:avLst/>
+          </a:prstGeom>
+          <a:noFill/>
+        </p:spPr>
+        <p:txBody>
+          <a:bodyPr wrap="square">
+            <a:spAutoFit/>
+          </a:bodyPr>
+          <a:lstStyle/>
+          <a:p>
+            <a:pPr algn="r"/>
+            <a:r>
+              <a:rPr lang="en-US" altLang="ko-Kore-KR" sz="1400" dirty="0">
+                <a:latin typeface="DM Mono" panose="020B0509040201040103" pitchFamily="49" charset="0"/>
+              </a:rPr>
+              <a:t>x</a:t>
+            </a:r>
+            <a:endParaRPr lang="ko-Kore-KR" altLang="en-US" sz="1400" dirty="0"/>
+          </a:p>
+        </p:txBody>
+      </p:sp>
+      <p:sp>
+        <p:nvSpPr>
+          <p:cNvPr id="13" name="직사각형 12">
+            <a:extLst>
+              <a:ext uri="{FF2B5EF4-FFF2-40B4-BE49-F238E27FC236}">
+                <a16:creationId xmlns:a16="http://schemas.microsoft.com/office/drawing/2014/main" id="{2BC499FC-77F7-4F33-1824-914DB8847EE7}"/>
+              </a:ext>
+            </a:extLst>
+          </p:cNvPr>
+          <p:cNvSpPr/>
+          <p:nvPr/>
+        </p:nvSpPr>
+        <p:spPr>
+          <a:xfrm>
+            <a:off x="6150085" y="4529444"/>
+            <a:ext cx="839295" cy="369332"/>
+          </a:xfrm>
+          <a:prstGeom prst="rect">
+            <a:avLst/>
+          </a:prstGeom>
+          <a:solidFill>
+            <a:srgbClr val="FFFF00"/>
+          </a:solidFill>
+        </p:spPr>
+        <p:style>
+          <a:lnRef idx="2">
+            <a:schemeClr val="accent1">
+              <a:shade val="15000"/>
+            </a:schemeClr>
+          </a:lnRef>
+          <a:fillRef idx="1">
+            <a:schemeClr val="accent1"/>
+          </a:fillRef>
+          <a:effectRef idx="0">
+            <a:schemeClr val="accent1"/>
+          </a:effectRef>
+          <a:fontRef idx="minor">
+            <a:schemeClr val="lt1"/>
+          </a:fontRef>
+        </p:style>
+        <p:txBody>
+          <a:bodyPr rtlCol="0" anchor="ctr"/>
+          <a:lstStyle/>
+          <a:p>
+            <a:pPr algn="ctr"/>
+            <a:endParaRPr kumimoji="1" lang="ko-Kore-KR" altLang="en-US" dirty="0">
+              <a:solidFill>
+                <a:schemeClr val="tx1"/>
+              </a:solidFill>
+              <a:latin typeface="DM Mono" panose="020B0509040201040103" pitchFamily="49" charset="0"/>
+            </a:endParaRPr>
+          </a:p>
+        </p:txBody>
+      </p:sp>
+      <p:sp>
+        <p:nvSpPr>
+          <p:cNvPr id="14" name="TextBox 13">
+            <a:extLst>
+              <a:ext uri="{FF2B5EF4-FFF2-40B4-BE49-F238E27FC236}">
+                <a16:creationId xmlns:a16="http://schemas.microsoft.com/office/drawing/2014/main" id="{ADC594AD-F198-9D84-17A9-C899646F9909}"/>
+              </a:ext>
+            </a:extLst>
+          </p:cNvPr>
+          <p:cNvSpPr txBox="1"/>
+          <p:nvPr/>
+        </p:nvSpPr>
+        <p:spPr>
+          <a:xfrm>
+            <a:off x="5657632" y="4560221"/>
+            <a:ext cx="463550" cy="307777"/>
+          </a:xfrm>
+          <a:prstGeom prst="rect">
+            <a:avLst/>
+          </a:prstGeom>
+          <a:noFill/>
+        </p:spPr>
+        <p:txBody>
+          <a:bodyPr wrap="square">
+            <a:spAutoFit/>
+          </a:bodyPr>
+          <a:lstStyle/>
+          <a:p>
+            <a:pPr algn="r"/>
+            <a:r>
+              <a:rPr lang="en-US" altLang="ko-Kore-KR" sz="1400" dirty="0">
+                <a:latin typeface="DM Mono" panose="020B0509040201040103" pitchFamily="49" charset="0"/>
+              </a:rPr>
+              <a:t>y</a:t>
+            </a:r>
+            <a:endParaRPr lang="ko-Kore-KR" altLang="en-US" sz="1400" dirty="0"/>
+          </a:p>
+        </p:txBody>
+      </p:sp>
+      <p:sp>
+        <p:nvSpPr>
+          <p:cNvPr id="15" name="TextBox 14">
+            <a:extLst>
+              <a:ext uri="{FF2B5EF4-FFF2-40B4-BE49-F238E27FC236}">
+                <a16:creationId xmlns:a16="http://schemas.microsoft.com/office/drawing/2014/main" id="{44377238-0FD1-90D6-464D-0EBAA7CCE405}"/>
+              </a:ext>
+            </a:extLst>
+          </p:cNvPr>
+          <p:cNvSpPr txBox="1"/>
+          <p:nvPr/>
+        </p:nvSpPr>
+        <p:spPr>
+          <a:xfrm>
+            <a:off x="6204716" y="3821558"/>
+            <a:ext cx="730031" cy="307777"/>
+          </a:xfrm>
+          <a:prstGeom prst="rect">
+            <a:avLst/>
+          </a:prstGeom>
+          <a:noFill/>
+        </p:spPr>
+        <p:txBody>
+          <a:bodyPr wrap="square">
+            <a:spAutoFit/>
+          </a:bodyPr>
+          <a:lstStyle/>
+          <a:p>
+            <a:pPr algn="ctr"/>
+            <a:r>
+              <a:rPr lang="en-US" altLang="ko-Kore-KR" sz="1400" dirty="0">
+                <a:latin typeface="DM Mono" panose="020B0509040201040103" pitchFamily="49" charset="0"/>
+              </a:rPr>
+              <a:t>pt2</a:t>
+            </a:r>
+            <a:endParaRPr lang="ko-Kore-KR" altLang="en-US" sz="1400" dirty="0"/>
+          </a:p>
+        </p:txBody>
+      </p:sp>
+      <p:sp>
+        <p:nvSpPr>
+          <p:cNvPr id="3" name="TextBox 2">
+            <a:extLst>
+              <a:ext uri="{FF2B5EF4-FFF2-40B4-BE49-F238E27FC236}">
+                <a16:creationId xmlns:a16="http://schemas.microsoft.com/office/drawing/2014/main" id="{8962CABA-F7D7-6993-C3E4-2D360030A3BC}"/>
+              </a:ext>
+            </a:extLst>
+          </p:cNvPr>
+          <p:cNvSpPr txBox="1"/>
+          <p:nvPr/>
+        </p:nvSpPr>
+        <p:spPr>
+          <a:xfrm>
+            <a:off x="4307160" y="1282401"/>
+            <a:ext cx="6775998" cy="1477328"/>
+          </a:xfrm>
+          <a:prstGeom prst="rect">
+            <a:avLst/>
+          </a:prstGeom>
+          <a:noFill/>
+        </p:spPr>
+        <p:txBody>
+          <a:bodyPr wrap="square">
+            <a:spAutoFit/>
+          </a:bodyPr>
+          <a:lstStyle/>
+          <a:p>
+            <a:r>
+              <a:rPr lang="ko-Kore-KR" altLang="en-US" sz="1800" dirty="0">
+                <a:latin typeface="DM Mono" panose="020B0509040201040103" pitchFamily="49" charset="0"/>
+              </a:rPr>
+              <a:t> </a:t>
+            </a:r>
+            <a:r>
+              <a:rPr lang="en-US" altLang="ko-Kore-KR" sz="1800" dirty="0">
+                <a:latin typeface="DM Mono" panose="020B0509040201040103" pitchFamily="49" charset="0"/>
+              </a:rPr>
+              <a:t>   </a:t>
+            </a:r>
+            <a:r>
+              <a:rPr lang="ko-Kore-KR" altLang="en-US" sz="1800" dirty="0">
+                <a:latin typeface="DM Mono" panose="020B0509040201040103" pitchFamily="49" charset="0"/>
+              </a:rPr>
+              <a:t>void </a:t>
+            </a:r>
+            <a:r>
+              <a:rPr lang="en-US" altLang="ko-Kore-KR" sz="1800" dirty="0">
+                <a:latin typeface="DM Mono" panose="020B0509040201040103" pitchFamily="49" charset="0"/>
+              </a:rPr>
+              <a:t>Point::</a:t>
+            </a:r>
+            <a:r>
+              <a:rPr lang="ko-Kore-KR" altLang="en-US" sz="1800" dirty="0">
+                <a:latin typeface="DM Mono" panose="020B0509040201040103" pitchFamily="49" charset="0"/>
+              </a:rPr>
+              <a:t>Set(</a:t>
+            </a:r>
+            <a:r>
+              <a:rPr lang="en-US" altLang="ko-Kore-KR" sz="1800" dirty="0">
+                <a:solidFill>
+                  <a:srgbClr val="FF0000"/>
+                </a:solidFill>
+                <a:latin typeface="DM Mono" panose="020B0509040201040103" pitchFamily="49" charset="0"/>
+              </a:rPr>
+              <a:t>Point* this</a:t>
+            </a:r>
+            <a:r>
+              <a:rPr lang="en-US" altLang="ko-Kore-KR" sz="1800" dirty="0">
+                <a:latin typeface="DM Mono" panose="020B0509040201040103" pitchFamily="49" charset="0"/>
+              </a:rPr>
+              <a:t>, </a:t>
+            </a:r>
+            <a:r>
+              <a:rPr lang="ko-Kore-KR" altLang="en-US" sz="1800" dirty="0">
+                <a:latin typeface="DM Mono" panose="020B0509040201040103" pitchFamily="49" charset="0"/>
+              </a:rPr>
+              <a:t>int a, int b)</a:t>
+            </a:r>
+          </a:p>
+          <a:p>
+            <a:r>
+              <a:rPr lang="ko-Kore-KR" altLang="en-US" sz="1800" dirty="0">
+                <a:latin typeface="DM Mono" panose="020B0509040201040103" pitchFamily="49" charset="0"/>
+              </a:rPr>
+              <a:t>    {</a:t>
+            </a:r>
+          </a:p>
+          <a:p>
+            <a:r>
+              <a:rPr lang="ko-Kore-KR" altLang="en-US" sz="1800" dirty="0">
+                <a:latin typeface="DM Mono" panose="020B0509040201040103" pitchFamily="49" charset="0"/>
+              </a:rPr>
+              <a:t>        </a:t>
+            </a:r>
+            <a:r>
+              <a:rPr lang="en-US" altLang="ko-Kore-KR" sz="1800" dirty="0">
+                <a:solidFill>
+                  <a:srgbClr val="FF0000"/>
+                </a:solidFill>
+                <a:latin typeface="DM Mono" panose="020B0509040201040103" pitchFamily="49" charset="0"/>
+              </a:rPr>
+              <a:t>this-&gt;</a:t>
+            </a:r>
+            <a:r>
+              <a:rPr lang="ko-Kore-KR" altLang="en-US" sz="1800" dirty="0">
+                <a:solidFill>
+                  <a:srgbClr val="FF0000"/>
+                </a:solidFill>
+                <a:latin typeface="DM Mono" panose="020B0509040201040103" pitchFamily="49" charset="0"/>
+              </a:rPr>
+              <a:t>x</a:t>
+            </a:r>
+            <a:r>
+              <a:rPr lang="ko-Kore-KR" altLang="en-US" sz="1800" dirty="0">
+                <a:latin typeface="DM Mono" panose="020B0509040201040103" pitchFamily="49" charset="0"/>
+              </a:rPr>
+              <a:t> = a;</a:t>
+            </a:r>
+          </a:p>
+          <a:p>
+            <a:r>
+              <a:rPr lang="ko-Kore-KR" altLang="en-US" sz="1800" dirty="0">
+                <a:solidFill>
+                  <a:srgbClr val="FF0000"/>
+                </a:solidFill>
+                <a:latin typeface="DM Mono" panose="020B0509040201040103" pitchFamily="49" charset="0"/>
+              </a:rPr>
+              <a:t>        </a:t>
+            </a:r>
+            <a:r>
+              <a:rPr lang="en-US" altLang="ko-Kore-KR" sz="1800" dirty="0">
+                <a:solidFill>
+                  <a:srgbClr val="FF0000"/>
+                </a:solidFill>
+                <a:latin typeface="DM Mono" panose="020B0509040201040103" pitchFamily="49" charset="0"/>
+              </a:rPr>
+              <a:t>this-&gt;</a:t>
+            </a:r>
+            <a:r>
+              <a:rPr lang="ko-Kore-KR" altLang="en-US" sz="1800" dirty="0">
+                <a:solidFill>
+                  <a:srgbClr val="FF0000"/>
+                </a:solidFill>
+                <a:latin typeface="DM Mono" panose="020B0509040201040103" pitchFamily="49" charset="0"/>
+              </a:rPr>
+              <a:t>y</a:t>
+            </a:r>
+            <a:r>
+              <a:rPr lang="ko-Kore-KR" altLang="en-US" sz="1800" dirty="0">
+                <a:latin typeface="DM Mono" panose="020B0509040201040103" pitchFamily="49" charset="0"/>
+              </a:rPr>
+              <a:t> = b;</a:t>
+            </a:r>
+          </a:p>
+          <a:p>
+            <a:r>
+              <a:rPr lang="ko-Kore-KR" altLang="en-US" sz="1800" dirty="0">
+                <a:latin typeface="DM Mono" panose="020B0509040201040103" pitchFamily="49" charset="0"/>
+              </a:rPr>
+              <a:t>    }</a:t>
+            </a:r>
+            <a:endParaRPr lang="ko-Kore-KR" altLang="en-US" dirty="0"/>
+          </a:p>
+        </p:txBody>
+      </p:sp>
+      <p:sp>
+        <p:nvSpPr>
+          <p:cNvPr id="2" name="직사각형 1">
+            <a:extLst>
+              <a:ext uri="{FF2B5EF4-FFF2-40B4-BE49-F238E27FC236}">
+                <a16:creationId xmlns:a16="http://schemas.microsoft.com/office/drawing/2014/main" id="{67B12BAF-7AA6-FC4B-2E4D-7FF71319127F}"/>
+              </a:ext>
+            </a:extLst>
+          </p:cNvPr>
+          <p:cNvSpPr/>
+          <p:nvPr/>
+        </p:nvSpPr>
+        <p:spPr>
+          <a:xfrm>
+            <a:off x="7968374" y="1282401"/>
+            <a:ext cx="839295" cy="369332"/>
+          </a:xfrm>
+          <a:prstGeom prst="rect">
+            <a:avLst/>
+          </a:prstGeom>
+          <a:noFill/>
+        </p:spPr>
+        <p:style>
+          <a:lnRef idx="2">
+            <a:schemeClr val="accent1">
+              <a:shade val="15000"/>
+            </a:schemeClr>
+          </a:lnRef>
+          <a:fillRef idx="1">
+            <a:schemeClr val="accent1"/>
+          </a:fillRef>
+          <a:effectRef idx="0">
+            <a:schemeClr val="accent1"/>
+          </a:effectRef>
+          <a:fontRef idx="minor">
+            <a:schemeClr val="lt1"/>
+          </a:fontRef>
+        </p:style>
+        <p:txBody>
+          <a:bodyPr rtlCol="0" anchor="ctr"/>
+          <a:lstStyle/>
+          <a:p>
+            <a:pPr algn="ctr"/>
+            <a:endParaRPr kumimoji="1" lang="ko-Kore-KR" altLang="en-US" dirty="0">
+              <a:solidFill>
+                <a:schemeClr val="tx1"/>
+              </a:solidFill>
+              <a:latin typeface="DM Mono" panose="020B0509040201040103" pitchFamily="49" charset="0"/>
+            </a:endParaRPr>
+          </a:p>
+        </p:txBody>
+      </p:sp>
+      <p:cxnSp>
+        <p:nvCxnSpPr>
+          <p:cNvPr id="16" name="구부러진 연결선[U] 15">
+            <a:extLst>
+              <a:ext uri="{FF2B5EF4-FFF2-40B4-BE49-F238E27FC236}">
+                <a16:creationId xmlns:a16="http://schemas.microsoft.com/office/drawing/2014/main" id="{8A317A35-DB9F-6298-7FBA-85FB10E17CC0}"/>
+              </a:ext>
+            </a:extLst>
+          </p:cNvPr>
+          <p:cNvCxnSpPr>
+            <a:cxnSpLocks/>
+            <a:stCxn id="2" idx="2"/>
+            <a:endCxn id="6" idx="0"/>
+          </p:cNvCxnSpPr>
+          <p:nvPr/>
+        </p:nvCxnSpPr>
+        <p:spPr>
+          <a:xfrm rot="5400000">
+            <a:off x="5412764" y="1184853"/>
+            <a:ext cx="2508379" cy="3442138"/>
+          </a:xfrm>
+          <a:prstGeom prst="curvedConnector3">
+            <a:avLst>
+              <a:gd name="adj1" fmla="val 50000"/>
+            </a:avLst>
+          </a:prstGeom>
+          <a:ln>
+            <a:tailEnd type="triangle"/>
+          </a:ln>
+        </p:spPr>
+        <p:style>
+          <a:lnRef idx="1">
+            <a:schemeClr val="dk1"/>
+          </a:lnRef>
+          <a:fillRef idx="0">
+            <a:schemeClr val="dk1"/>
+          </a:fillRef>
+          <a:effectRef idx="0">
+            <a:schemeClr val="dk1"/>
+          </a:effectRef>
+          <a:fontRef idx="minor">
+            <a:schemeClr val="tx1"/>
+          </a:fontRef>
+        </p:style>
+      </p:cxnSp>
+    </p:spTree>
+    <p:extLst>
+      <p:ext uri="{BB962C8B-B14F-4D97-AF65-F5344CB8AC3E}">
+        <p14:creationId xmlns:p14="http://schemas.microsoft.com/office/powerpoint/2010/main" val="4051303563"/>
+      </p:ext>
+    </p:extLst>
+  </p:cSld>
+  <p:clrMapOvr>
+    <a:masterClrMapping/>
+  </p:clrMapOvr>
+</p:sld>
+</file>
+
+<file path=ppt/slides/slide18.xml><?xml version="1.0" encoding="utf-8"?>
+<p:sld xmlns:a="http://schemas.openxmlformats.org/drawingml/2006/main" xmlns:r="http://schemas.openxmlformats.org/officeDocument/2006/relationships" xmlns:p="http://schemas.openxmlformats.org/presentationml/2006/main">
+  <p:cSld>
+    <p:spTree>
+      <p:nvGrpSpPr>
+        <p:cNvPr id="1" name=""/>
+        <p:cNvGrpSpPr/>
+        <p:nvPr/>
+      </p:nvGrpSpPr>
+      <p:grpSpPr>
+        <a:xfrm>
+          <a:off x="0" y="0"/>
+          <a:ext cx="0" cy="0"/>
+          <a:chOff x="0" y="0"/>
+          <a:chExt cx="0" cy="0"/>
+        </a:xfrm>
+      </p:grpSpPr>
+      <p:sp>
+        <p:nvSpPr>
+          <p:cNvPr id="5" name="TextBox 4">
+            <a:extLst>
+              <a:ext uri="{FF2B5EF4-FFF2-40B4-BE49-F238E27FC236}">
+                <a16:creationId xmlns:a16="http://schemas.microsoft.com/office/drawing/2014/main" id="{47B1D28E-4F76-0FB1-1BBB-3061B5B04BD9}"/>
+              </a:ext>
+            </a:extLst>
+          </p:cNvPr>
+          <p:cNvSpPr txBox="1"/>
+          <p:nvPr/>
+        </p:nvSpPr>
+        <p:spPr>
+          <a:xfrm>
+            <a:off x="231228" y="220572"/>
+            <a:ext cx="4708634" cy="3970318"/>
+          </a:xfrm>
+          <a:prstGeom prst="rect">
+            <a:avLst/>
+          </a:prstGeom>
+          <a:noFill/>
+        </p:spPr>
+        <p:txBody>
+          <a:bodyPr wrap="square">
+            <a:spAutoFit/>
+          </a:bodyPr>
+          <a:lstStyle/>
+          <a:p>
+            <a:r>
+              <a:rPr lang="ko-Kore-KR" altLang="en-US" sz="1200" dirty="0">
+                <a:latin typeface="DM Mono" panose="020B0509040201040103" pitchFamily="49" charset="0"/>
+              </a:rPr>
+              <a:t>class Point {</a:t>
+            </a:r>
+          </a:p>
+          <a:p>
+            <a:r>
+              <a:rPr lang="ko-Kore-KR" altLang="en-US" sz="1200" dirty="0">
+                <a:latin typeface="DM Mono" panose="020B0509040201040103" pitchFamily="49" charset="0"/>
+              </a:rPr>
+              <a:t>    int x;</a:t>
+            </a:r>
+          </a:p>
+          <a:p>
+            <a:r>
+              <a:rPr lang="ko-Kore-KR" altLang="en-US" sz="1200" dirty="0">
+                <a:latin typeface="DM Mono" panose="020B0509040201040103" pitchFamily="49" charset="0"/>
+              </a:rPr>
+              <a:t>    int y;</a:t>
+            </a:r>
+          </a:p>
+          <a:p>
+            <a:endParaRPr lang="ko-Kore-KR" altLang="en-US" sz="1200" dirty="0">
+              <a:latin typeface="DM Mono" panose="020B0509040201040103" pitchFamily="49" charset="0"/>
+            </a:endParaRPr>
+          </a:p>
+          <a:p>
+            <a:r>
+              <a:rPr lang="ko-Kore-KR" altLang="en-US" sz="1200" dirty="0">
+                <a:latin typeface="DM Mono" panose="020B0509040201040103" pitchFamily="49" charset="0"/>
+              </a:rPr>
+              <a:t>public:</a:t>
+            </a:r>
+          </a:p>
+          <a:p>
+            <a:r>
+              <a:rPr lang="ko-Kore-KR" altLang="en-US" sz="1200" dirty="0">
+                <a:latin typeface="DM Mono" panose="020B0509040201040103" pitchFamily="49" charset="0"/>
+              </a:rPr>
+              <a:t>    void Set(int a, int b)</a:t>
+            </a:r>
+          </a:p>
+          <a:p>
+            <a:r>
+              <a:rPr lang="ko-Kore-KR" altLang="en-US" sz="1200" dirty="0">
+                <a:latin typeface="DM Mono" panose="020B0509040201040103" pitchFamily="49" charset="0"/>
+              </a:rPr>
+              <a:t>    {</a:t>
+            </a:r>
+          </a:p>
+          <a:p>
+            <a:r>
+              <a:rPr lang="ko-Kore-KR" altLang="en-US" sz="1200" dirty="0">
+                <a:latin typeface="DM Mono" panose="020B0509040201040103" pitchFamily="49" charset="0"/>
+              </a:rPr>
+              <a:t>        x = a;</a:t>
+            </a:r>
+          </a:p>
+          <a:p>
+            <a:r>
+              <a:rPr lang="ko-Kore-KR" altLang="en-US" sz="1200" dirty="0">
+                <a:latin typeface="DM Mono" panose="020B0509040201040103" pitchFamily="49" charset="0"/>
+              </a:rPr>
+              <a:t>        y = b;</a:t>
+            </a:r>
+          </a:p>
+          <a:p>
+            <a:r>
+              <a:rPr lang="ko-Kore-KR" altLang="en-US" sz="1200" dirty="0">
+                <a:latin typeface="DM Mono" panose="020B0509040201040103" pitchFamily="49" charset="0"/>
+              </a:rPr>
+              <a:t>    }</a:t>
+            </a:r>
+          </a:p>
+          <a:p>
+            <a:r>
+              <a:rPr lang="ko-Kore-KR" altLang="en-US" sz="1200" dirty="0">
+                <a:latin typeface="DM Mono" panose="020B0509040201040103" pitchFamily="49" charset="0"/>
+              </a:rPr>
+              <a:t>};</a:t>
+            </a:r>
+          </a:p>
+          <a:p>
+            <a:endParaRPr lang="ko-Kore-KR" altLang="en-US" sz="1200" dirty="0">
+              <a:latin typeface="DM Mono" panose="020B0509040201040103" pitchFamily="49" charset="0"/>
+            </a:endParaRPr>
+          </a:p>
+          <a:p>
+            <a:r>
+              <a:rPr lang="ko-Kore-KR" altLang="en-US" sz="1200" dirty="0">
+                <a:latin typeface="DM Mono" panose="020B0509040201040103" pitchFamily="49" charset="0"/>
+              </a:rPr>
+              <a:t>int main()</a:t>
+            </a:r>
+          </a:p>
+          <a:p>
+            <a:r>
+              <a:rPr lang="ko-Kore-KR" altLang="en-US" sz="1200" dirty="0">
+                <a:latin typeface="DM Mono" panose="020B0509040201040103" pitchFamily="49" charset="0"/>
+              </a:rPr>
+              <a:t>{</a:t>
+            </a:r>
+          </a:p>
+          <a:p>
+            <a:r>
+              <a:rPr lang="ko-Kore-KR" altLang="en-US" sz="1200" dirty="0">
+                <a:latin typeface="DM Mono" panose="020B0509040201040103" pitchFamily="49" charset="0"/>
+              </a:rPr>
+              <a:t>    Point pt1, pt2;</a:t>
+            </a:r>
+          </a:p>
+          <a:p>
+            <a:endParaRPr lang="ko-Kore-KR" altLang="en-US" sz="1200" dirty="0">
+              <a:latin typeface="DM Mono" panose="020B0509040201040103" pitchFamily="49" charset="0"/>
+            </a:endParaRPr>
+          </a:p>
+          <a:p>
+            <a:r>
+              <a:rPr lang="ko-Kore-KR" altLang="en-US" sz="1200" dirty="0">
+                <a:latin typeface="DM Mono" panose="020B0509040201040103" pitchFamily="49" charset="0"/>
+              </a:rPr>
+              <a:t>    pt1.Set(10, 20);</a:t>
+            </a:r>
+            <a:r>
+              <a:rPr lang="en-US" altLang="ko-Kore-KR" sz="1200" dirty="0">
+                <a:latin typeface="DM Mono" panose="020B0509040201040103" pitchFamily="49" charset="0"/>
+              </a:rPr>
+              <a:t> // Point::Set(&amp;pt1, 10, 20)</a:t>
+            </a:r>
+          </a:p>
+          <a:p>
+            <a:endParaRPr lang="ko-Kore-KR" altLang="en-US" sz="1200" dirty="0">
+              <a:latin typeface="DM Mono" panose="020B0509040201040103" pitchFamily="49" charset="0"/>
+            </a:endParaRPr>
+          </a:p>
+          <a:p>
+            <a:r>
+              <a:rPr lang="ko-Kore-KR" altLang="en-US" sz="1200" dirty="0">
+                <a:solidFill>
+                  <a:srgbClr val="FF0000"/>
+                </a:solidFill>
+                <a:latin typeface="DM Mono" panose="020B0509040201040103" pitchFamily="49" charset="0"/>
+              </a:rPr>
+              <a:t>    pt2.Set(100, 200);</a:t>
+            </a:r>
+            <a:endParaRPr lang="en-US" altLang="ko-Kore-KR" sz="1200" dirty="0">
+              <a:solidFill>
+                <a:srgbClr val="FF0000"/>
+              </a:solidFill>
+              <a:latin typeface="DM Mono" panose="020B0509040201040103" pitchFamily="49" charset="0"/>
+            </a:endParaRPr>
+          </a:p>
+          <a:p>
+            <a:r>
+              <a:rPr lang="en-US" altLang="ko-Kore-KR" sz="1200" dirty="0">
+                <a:solidFill>
+                  <a:srgbClr val="FF0000"/>
+                </a:solidFill>
+                <a:latin typeface="DM Mono" panose="020B0509040201040103" pitchFamily="49" charset="0"/>
+              </a:rPr>
+              <a:t>    // Point::Set(&amp;pt2, 100, 200)</a:t>
+            </a:r>
+            <a:endParaRPr lang="ko-Kore-KR" altLang="en-US" sz="1200" dirty="0">
+              <a:solidFill>
+                <a:srgbClr val="FF0000"/>
+              </a:solidFill>
+              <a:latin typeface="DM Mono" panose="020B0509040201040103" pitchFamily="49" charset="0"/>
+            </a:endParaRPr>
+          </a:p>
+          <a:p>
+            <a:r>
+              <a:rPr lang="ko-Kore-KR" altLang="en-US" sz="1200" dirty="0">
+                <a:latin typeface="DM Mono" panose="020B0509040201040103" pitchFamily="49" charset="0"/>
+              </a:rPr>
+              <a:t>}</a:t>
+            </a:r>
+          </a:p>
+        </p:txBody>
+      </p:sp>
+      <p:sp>
+        <p:nvSpPr>
+          <p:cNvPr id="6" name="직사각형 5">
+            <a:extLst>
+              <a:ext uri="{FF2B5EF4-FFF2-40B4-BE49-F238E27FC236}">
+                <a16:creationId xmlns:a16="http://schemas.microsoft.com/office/drawing/2014/main" id="{30DEF549-0621-E166-5909-9BE7F979F95B}"/>
+              </a:ext>
+            </a:extLst>
+          </p:cNvPr>
+          <p:cNvSpPr/>
+          <p:nvPr/>
+        </p:nvSpPr>
+        <p:spPr>
+          <a:xfrm>
+            <a:off x="4526236" y="4160112"/>
+            <a:ext cx="839295" cy="369332"/>
+          </a:xfrm>
+          <a:prstGeom prst="rect">
+            <a:avLst/>
+          </a:prstGeom>
+          <a:solidFill>
+            <a:srgbClr val="FFFF00"/>
+          </a:solidFill>
+        </p:spPr>
+        <p:style>
+          <a:lnRef idx="2">
+            <a:schemeClr val="accent1">
+              <a:shade val="15000"/>
+            </a:schemeClr>
+          </a:lnRef>
+          <a:fillRef idx="1">
+            <a:schemeClr val="accent1"/>
+          </a:fillRef>
+          <a:effectRef idx="0">
+            <a:schemeClr val="accent1"/>
+          </a:effectRef>
+          <a:fontRef idx="minor">
+            <a:schemeClr val="lt1"/>
+          </a:fontRef>
+        </p:style>
+        <p:txBody>
+          <a:bodyPr rtlCol="0" anchor="ctr"/>
+          <a:lstStyle/>
+          <a:p>
+            <a:pPr algn="ctr"/>
+            <a:r>
+              <a:rPr kumimoji="1" lang="en-US" altLang="ko-Kore-KR" dirty="0">
+                <a:solidFill>
+                  <a:schemeClr val="tx1"/>
+                </a:solidFill>
+                <a:latin typeface="DM Mono" panose="020B0509040201040103" pitchFamily="49" charset="0"/>
+              </a:rPr>
+              <a:t>10</a:t>
+            </a:r>
+            <a:endParaRPr kumimoji="1" lang="ko-Kore-KR" altLang="en-US" dirty="0">
+              <a:solidFill>
+                <a:schemeClr val="tx1"/>
+              </a:solidFill>
+              <a:latin typeface="DM Mono" panose="020B0509040201040103" pitchFamily="49" charset="0"/>
+            </a:endParaRPr>
+          </a:p>
+        </p:txBody>
+      </p:sp>
+      <p:sp>
+        <p:nvSpPr>
+          <p:cNvPr id="7" name="TextBox 6">
+            <a:extLst>
+              <a:ext uri="{FF2B5EF4-FFF2-40B4-BE49-F238E27FC236}">
+                <a16:creationId xmlns:a16="http://schemas.microsoft.com/office/drawing/2014/main" id="{2015278D-7146-23DD-47D5-4B5ECD115911}"/>
+              </a:ext>
+            </a:extLst>
+          </p:cNvPr>
+          <p:cNvSpPr txBox="1"/>
+          <p:nvPr/>
+        </p:nvSpPr>
+        <p:spPr>
+          <a:xfrm>
+            <a:off x="4033783" y="4212033"/>
+            <a:ext cx="463550" cy="307777"/>
+          </a:xfrm>
+          <a:prstGeom prst="rect">
+            <a:avLst/>
+          </a:prstGeom>
+          <a:noFill/>
+        </p:spPr>
+        <p:txBody>
+          <a:bodyPr wrap="square">
+            <a:spAutoFit/>
+          </a:bodyPr>
+          <a:lstStyle/>
+          <a:p>
+            <a:pPr algn="r"/>
+            <a:r>
+              <a:rPr lang="en-US" altLang="ko-Kore-KR" sz="1400" dirty="0">
+                <a:latin typeface="DM Mono" panose="020B0509040201040103" pitchFamily="49" charset="0"/>
+              </a:rPr>
+              <a:t>x</a:t>
+            </a:r>
+            <a:endParaRPr lang="ko-Kore-KR" altLang="en-US" sz="1400" dirty="0"/>
+          </a:p>
+        </p:txBody>
+      </p:sp>
+      <p:sp>
+        <p:nvSpPr>
+          <p:cNvPr id="8" name="직사각형 7">
+            <a:extLst>
+              <a:ext uri="{FF2B5EF4-FFF2-40B4-BE49-F238E27FC236}">
+                <a16:creationId xmlns:a16="http://schemas.microsoft.com/office/drawing/2014/main" id="{6D5146C9-24B1-C9E0-541A-BC4CC860C779}"/>
+              </a:ext>
+            </a:extLst>
+          </p:cNvPr>
+          <p:cNvSpPr/>
+          <p:nvPr/>
+        </p:nvSpPr>
+        <p:spPr>
+          <a:xfrm>
+            <a:off x="4526236" y="4529444"/>
+            <a:ext cx="839295" cy="369332"/>
+          </a:xfrm>
+          <a:prstGeom prst="rect">
+            <a:avLst/>
+          </a:prstGeom>
+          <a:solidFill>
+            <a:srgbClr val="FFFF00"/>
+          </a:solidFill>
+        </p:spPr>
+        <p:style>
+          <a:lnRef idx="2">
+            <a:schemeClr val="accent1">
+              <a:shade val="15000"/>
+            </a:schemeClr>
+          </a:lnRef>
+          <a:fillRef idx="1">
+            <a:schemeClr val="accent1"/>
+          </a:fillRef>
+          <a:effectRef idx="0">
+            <a:schemeClr val="accent1"/>
+          </a:effectRef>
+          <a:fontRef idx="minor">
+            <a:schemeClr val="lt1"/>
+          </a:fontRef>
+        </p:style>
+        <p:txBody>
+          <a:bodyPr rtlCol="0" anchor="ctr"/>
+          <a:lstStyle/>
+          <a:p>
+            <a:pPr algn="ctr"/>
+            <a:r>
+              <a:rPr kumimoji="1" lang="en-US" altLang="ko-Kore-KR" dirty="0">
+                <a:solidFill>
+                  <a:schemeClr val="tx1"/>
+                </a:solidFill>
+                <a:latin typeface="DM Mono" panose="020B0509040201040103" pitchFamily="49" charset="0"/>
+              </a:rPr>
+              <a:t>20</a:t>
+            </a:r>
+            <a:endParaRPr kumimoji="1" lang="ko-Kore-KR" altLang="en-US" dirty="0">
+              <a:solidFill>
+                <a:schemeClr val="tx1"/>
+              </a:solidFill>
+              <a:latin typeface="DM Mono" panose="020B0509040201040103" pitchFamily="49" charset="0"/>
+            </a:endParaRPr>
+          </a:p>
+        </p:txBody>
+      </p:sp>
+      <p:sp>
+        <p:nvSpPr>
+          <p:cNvPr id="9" name="TextBox 8">
+            <a:extLst>
+              <a:ext uri="{FF2B5EF4-FFF2-40B4-BE49-F238E27FC236}">
+                <a16:creationId xmlns:a16="http://schemas.microsoft.com/office/drawing/2014/main" id="{48B4E1FC-ACD1-EE2B-ED4D-868543C814DB}"/>
+              </a:ext>
+            </a:extLst>
+          </p:cNvPr>
+          <p:cNvSpPr txBox="1"/>
+          <p:nvPr/>
+        </p:nvSpPr>
+        <p:spPr>
+          <a:xfrm>
+            <a:off x="4033783" y="4560221"/>
+            <a:ext cx="463550" cy="307777"/>
+          </a:xfrm>
+          <a:prstGeom prst="rect">
+            <a:avLst/>
+          </a:prstGeom>
+          <a:noFill/>
+        </p:spPr>
+        <p:txBody>
+          <a:bodyPr wrap="square">
+            <a:spAutoFit/>
+          </a:bodyPr>
+          <a:lstStyle/>
+          <a:p>
+            <a:pPr algn="r"/>
+            <a:r>
+              <a:rPr lang="en-US" altLang="ko-Kore-KR" sz="1400" dirty="0">
+                <a:latin typeface="DM Mono" panose="020B0509040201040103" pitchFamily="49" charset="0"/>
+              </a:rPr>
+              <a:t>y</a:t>
+            </a:r>
+            <a:endParaRPr lang="ko-Kore-KR" altLang="en-US" sz="1400" dirty="0"/>
+          </a:p>
+        </p:txBody>
+      </p:sp>
+      <p:sp>
+        <p:nvSpPr>
+          <p:cNvPr id="10" name="TextBox 9">
+            <a:extLst>
+              <a:ext uri="{FF2B5EF4-FFF2-40B4-BE49-F238E27FC236}">
+                <a16:creationId xmlns:a16="http://schemas.microsoft.com/office/drawing/2014/main" id="{D854C73C-1F58-455E-085D-44E9B2EB49E2}"/>
+              </a:ext>
+            </a:extLst>
+          </p:cNvPr>
+          <p:cNvSpPr txBox="1"/>
+          <p:nvPr/>
+        </p:nvSpPr>
+        <p:spPr>
+          <a:xfrm>
+            <a:off x="4580867" y="3821558"/>
+            <a:ext cx="730031" cy="307777"/>
+          </a:xfrm>
+          <a:prstGeom prst="rect">
+            <a:avLst/>
+          </a:prstGeom>
+          <a:noFill/>
+        </p:spPr>
+        <p:txBody>
+          <a:bodyPr wrap="square">
+            <a:spAutoFit/>
+          </a:bodyPr>
+          <a:lstStyle/>
+          <a:p>
+            <a:pPr algn="ctr"/>
+            <a:r>
+              <a:rPr lang="en-US" altLang="ko-Kore-KR" sz="1400" dirty="0">
+                <a:latin typeface="DM Mono" panose="020B0509040201040103" pitchFamily="49" charset="0"/>
+              </a:rPr>
+              <a:t>pt1</a:t>
+            </a:r>
+            <a:endParaRPr lang="ko-Kore-KR" altLang="en-US" sz="1400" dirty="0"/>
+          </a:p>
+        </p:txBody>
+      </p:sp>
+      <p:sp>
+        <p:nvSpPr>
+          <p:cNvPr id="11" name="직사각형 10">
+            <a:extLst>
+              <a:ext uri="{FF2B5EF4-FFF2-40B4-BE49-F238E27FC236}">
+                <a16:creationId xmlns:a16="http://schemas.microsoft.com/office/drawing/2014/main" id="{4D093174-7DCD-0AF8-5290-1B25F93B9250}"/>
+              </a:ext>
+            </a:extLst>
+          </p:cNvPr>
+          <p:cNvSpPr/>
+          <p:nvPr/>
+        </p:nvSpPr>
+        <p:spPr>
+          <a:xfrm>
+            <a:off x="6150085" y="4160112"/>
+            <a:ext cx="839295" cy="369332"/>
+          </a:xfrm>
+          <a:prstGeom prst="rect">
+            <a:avLst/>
+          </a:prstGeom>
+          <a:solidFill>
+            <a:srgbClr val="FFFF00"/>
+          </a:solidFill>
+        </p:spPr>
+        <p:style>
+          <a:lnRef idx="2">
+            <a:schemeClr val="accent1">
+              <a:shade val="15000"/>
+            </a:schemeClr>
+          </a:lnRef>
+          <a:fillRef idx="1">
+            <a:schemeClr val="accent1"/>
+          </a:fillRef>
+          <a:effectRef idx="0">
+            <a:schemeClr val="accent1"/>
+          </a:effectRef>
+          <a:fontRef idx="minor">
+            <a:schemeClr val="lt1"/>
+          </a:fontRef>
+        </p:style>
+        <p:txBody>
+          <a:bodyPr rtlCol="0" anchor="ctr"/>
+          <a:lstStyle/>
+          <a:p>
+            <a:pPr algn="ctr"/>
+            <a:r>
+              <a:rPr kumimoji="1" lang="en-US" altLang="ko-Kore-KR" dirty="0">
+                <a:solidFill>
+                  <a:srgbClr val="FF0000"/>
+                </a:solidFill>
+                <a:latin typeface="DM Mono" panose="020B0509040201040103" pitchFamily="49" charset="0"/>
+              </a:rPr>
+              <a:t>100</a:t>
+            </a:r>
+            <a:endParaRPr kumimoji="1" lang="ko-Kore-KR" altLang="en-US" dirty="0">
+              <a:solidFill>
+                <a:srgbClr val="FF0000"/>
+              </a:solidFill>
+              <a:latin typeface="DM Mono" panose="020B0509040201040103" pitchFamily="49" charset="0"/>
+            </a:endParaRPr>
+          </a:p>
+        </p:txBody>
+      </p:sp>
+      <p:sp>
+        <p:nvSpPr>
+          <p:cNvPr id="12" name="TextBox 11">
+            <a:extLst>
+              <a:ext uri="{FF2B5EF4-FFF2-40B4-BE49-F238E27FC236}">
+                <a16:creationId xmlns:a16="http://schemas.microsoft.com/office/drawing/2014/main" id="{E74BA6CF-90AA-91C3-6649-4A28C97163C0}"/>
+              </a:ext>
+            </a:extLst>
+          </p:cNvPr>
+          <p:cNvSpPr txBox="1"/>
+          <p:nvPr/>
+        </p:nvSpPr>
+        <p:spPr>
+          <a:xfrm>
+            <a:off x="5657632" y="4212033"/>
+            <a:ext cx="463550" cy="307777"/>
+          </a:xfrm>
+          <a:prstGeom prst="rect">
+            <a:avLst/>
+          </a:prstGeom>
+          <a:noFill/>
+        </p:spPr>
+        <p:txBody>
+          <a:bodyPr wrap="square">
+            <a:spAutoFit/>
+          </a:bodyPr>
+          <a:lstStyle/>
+          <a:p>
+            <a:pPr algn="r"/>
+            <a:r>
+              <a:rPr lang="en-US" altLang="ko-Kore-KR" sz="1400" dirty="0">
+                <a:latin typeface="DM Mono" panose="020B0509040201040103" pitchFamily="49" charset="0"/>
+              </a:rPr>
+              <a:t>x</a:t>
+            </a:r>
+            <a:endParaRPr lang="ko-Kore-KR" altLang="en-US" sz="1400" dirty="0"/>
+          </a:p>
+        </p:txBody>
+      </p:sp>
+      <p:sp>
+        <p:nvSpPr>
+          <p:cNvPr id="13" name="직사각형 12">
+            <a:extLst>
+              <a:ext uri="{FF2B5EF4-FFF2-40B4-BE49-F238E27FC236}">
+                <a16:creationId xmlns:a16="http://schemas.microsoft.com/office/drawing/2014/main" id="{2BC499FC-77F7-4F33-1824-914DB8847EE7}"/>
+              </a:ext>
+            </a:extLst>
+          </p:cNvPr>
+          <p:cNvSpPr/>
+          <p:nvPr/>
+        </p:nvSpPr>
+        <p:spPr>
+          <a:xfrm>
+            <a:off x="6150085" y="4529444"/>
+            <a:ext cx="839295" cy="369332"/>
+          </a:xfrm>
+          <a:prstGeom prst="rect">
+            <a:avLst/>
+          </a:prstGeom>
+          <a:solidFill>
+            <a:srgbClr val="FFFF00"/>
+          </a:solidFill>
+        </p:spPr>
+        <p:style>
+          <a:lnRef idx="2">
+            <a:schemeClr val="accent1">
+              <a:shade val="15000"/>
+            </a:schemeClr>
+          </a:lnRef>
+          <a:fillRef idx="1">
+            <a:schemeClr val="accent1"/>
+          </a:fillRef>
+          <a:effectRef idx="0">
+            <a:schemeClr val="accent1"/>
+          </a:effectRef>
+          <a:fontRef idx="minor">
+            <a:schemeClr val="lt1"/>
+          </a:fontRef>
+        </p:style>
+        <p:txBody>
+          <a:bodyPr rtlCol="0" anchor="ctr"/>
+          <a:lstStyle/>
+          <a:p>
+            <a:pPr algn="ctr"/>
+            <a:r>
+              <a:rPr kumimoji="1" lang="en-US" altLang="ko-Kore-KR" dirty="0">
+                <a:solidFill>
+                  <a:srgbClr val="FF0000"/>
+                </a:solidFill>
+                <a:latin typeface="DM Mono" panose="020B0509040201040103" pitchFamily="49" charset="0"/>
+              </a:rPr>
+              <a:t>200</a:t>
+            </a:r>
+            <a:endParaRPr kumimoji="1" lang="ko-Kore-KR" altLang="en-US" dirty="0">
+              <a:solidFill>
+                <a:srgbClr val="FF0000"/>
+              </a:solidFill>
+              <a:latin typeface="DM Mono" panose="020B0509040201040103" pitchFamily="49" charset="0"/>
+            </a:endParaRPr>
+          </a:p>
+        </p:txBody>
+      </p:sp>
+      <p:sp>
+        <p:nvSpPr>
+          <p:cNvPr id="14" name="TextBox 13">
+            <a:extLst>
+              <a:ext uri="{FF2B5EF4-FFF2-40B4-BE49-F238E27FC236}">
+                <a16:creationId xmlns:a16="http://schemas.microsoft.com/office/drawing/2014/main" id="{ADC594AD-F198-9D84-17A9-C899646F9909}"/>
+              </a:ext>
+            </a:extLst>
+          </p:cNvPr>
+          <p:cNvSpPr txBox="1"/>
+          <p:nvPr/>
+        </p:nvSpPr>
+        <p:spPr>
+          <a:xfrm>
+            <a:off x="5657632" y="4560221"/>
+            <a:ext cx="463550" cy="307777"/>
+          </a:xfrm>
+          <a:prstGeom prst="rect">
+            <a:avLst/>
+          </a:prstGeom>
+          <a:noFill/>
+        </p:spPr>
+        <p:txBody>
+          <a:bodyPr wrap="square">
+            <a:spAutoFit/>
+          </a:bodyPr>
+          <a:lstStyle/>
+          <a:p>
+            <a:pPr algn="r"/>
+            <a:r>
+              <a:rPr lang="en-US" altLang="ko-Kore-KR" sz="1400" dirty="0">
+                <a:latin typeface="DM Mono" panose="020B0509040201040103" pitchFamily="49" charset="0"/>
+              </a:rPr>
+              <a:t>y</a:t>
+            </a:r>
+            <a:endParaRPr lang="ko-Kore-KR" altLang="en-US" sz="1400" dirty="0"/>
+          </a:p>
+        </p:txBody>
+      </p:sp>
+      <p:sp>
+        <p:nvSpPr>
+          <p:cNvPr id="15" name="TextBox 14">
+            <a:extLst>
+              <a:ext uri="{FF2B5EF4-FFF2-40B4-BE49-F238E27FC236}">
+                <a16:creationId xmlns:a16="http://schemas.microsoft.com/office/drawing/2014/main" id="{44377238-0FD1-90D6-464D-0EBAA7CCE405}"/>
+              </a:ext>
+            </a:extLst>
+          </p:cNvPr>
+          <p:cNvSpPr txBox="1"/>
+          <p:nvPr/>
+        </p:nvSpPr>
+        <p:spPr>
+          <a:xfrm>
+            <a:off x="6204716" y="3821558"/>
+            <a:ext cx="730031" cy="307777"/>
+          </a:xfrm>
+          <a:prstGeom prst="rect">
+            <a:avLst/>
+          </a:prstGeom>
+          <a:noFill/>
+        </p:spPr>
+        <p:txBody>
+          <a:bodyPr wrap="square">
+            <a:spAutoFit/>
+          </a:bodyPr>
+          <a:lstStyle/>
+          <a:p>
+            <a:pPr algn="ctr"/>
+            <a:r>
+              <a:rPr lang="en-US" altLang="ko-Kore-KR" sz="1400" dirty="0">
+                <a:latin typeface="DM Mono" panose="020B0509040201040103" pitchFamily="49" charset="0"/>
+              </a:rPr>
+              <a:t>pt2</a:t>
+            </a:r>
+            <a:endParaRPr lang="ko-Kore-KR" altLang="en-US" sz="1400" dirty="0"/>
+          </a:p>
+        </p:txBody>
+      </p:sp>
+      <p:sp>
+        <p:nvSpPr>
+          <p:cNvPr id="3" name="TextBox 2">
+            <a:extLst>
+              <a:ext uri="{FF2B5EF4-FFF2-40B4-BE49-F238E27FC236}">
+                <a16:creationId xmlns:a16="http://schemas.microsoft.com/office/drawing/2014/main" id="{8962CABA-F7D7-6993-C3E4-2D360030A3BC}"/>
+              </a:ext>
+            </a:extLst>
+          </p:cNvPr>
+          <p:cNvSpPr txBox="1"/>
+          <p:nvPr/>
+        </p:nvSpPr>
+        <p:spPr>
+          <a:xfrm>
+            <a:off x="4307160" y="1282401"/>
+            <a:ext cx="6775998" cy="1477328"/>
+          </a:xfrm>
+          <a:prstGeom prst="rect">
+            <a:avLst/>
+          </a:prstGeom>
+          <a:noFill/>
+        </p:spPr>
+        <p:txBody>
+          <a:bodyPr wrap="square">
+            <a:spAutoFit/>
+          </a:bodyPr>
+          <a:lstStyle/>
+          <a:p>
+            <a:r>
+              <a:rPr lang="ko-Kore-KR" altLang="en-US" sz="1800" dirty="0">
+                <a:latin typeface="DM Mono" panose="020B0509040201040103" pitchFamily="49" charset="0"/>
+              </a:rPr>
+              <a:t> </a:t>
+            </a:r>
+            <a:r>
+              <a:rPr lang="en-US" altLang="ko-Kore-KR" sz="1800" dirty="0">
+                <a:latin typeface="DM Mono" panose="020B0509040201040103" pitchFamily="49" charset="0"/>
+              </a:rPr>
+              <a:t>   </a:t>
+            </a:r>
+            <a:r>
+              <a:rPr lang="ko-Kore-KR" altLang="en-US" sz="1800" dirty="0">
+                <a:latin typeface="DM Mono" panose="020B0509040201040103" pitchFamily="49" charset="0"/>
+              </a:rPr>
+              <a:t>void </a:t>
+            </a:r>
+            <a:r>
+              <a:rPr lang="en-US" altLang="ko-Kore-KR" sz="1800" dirty="0">
+                <a:latin typeface="DM Mono" panose="020B0509040201040103" pitchFamily="49" charset="0"/>
+              </a:rPr>
+              <a:t>Point::</a:t>
+            </a:r>
+            <a:r>
+              <a:rPr lang="ko-Kore-KR" altLang="en-US" sz="1800" dirty="0">
+                <a:latin typeface="DM Mono" panose="020B0509040201040103" pitchFamily="49" charset="0"/>
+              </a:rPr>
+              <a:t>Set(</a:t>
+            </a:r>
+            <a:r>
+              <a:rPr lang="en-US" altLang="ko-Kore-KR" sz="1800" dirty="0">
+                <a:solidFill>
+                  <a:srgbClr val="FF0000"/>
+                </a:solidFill>
+                <a:latin typeface="DM Mono" panose="020B0509040201040103" pitchFamily="49" charset="0"/>
+              </a:rPr>
+              <a:t>Point* this</a:t>
+            </a:r>
+            <a:r>
+              <a:rPr lang="en-US" altLang="ko-Kore-KR" sz="1800" dirty="0">
+                <a:latin typeface="DM Mono" panose="020B0509040201040103" pitchFamily="49" charset="0"/>
+              </a:rPr>
+              <a:t>, </a:t>
+            </a:r>
+            <a:r>
+              <a:rPr lang="ko-Kore-KR" altLang="en-US" sz="1800" dirty="0">
+                <a:latin typeface="DM Mono" panose="020B0509040201040103" pitchFamily="49" charset="0"/>
+              </a:rPr>
+              <a:t>int a, int b)</a:t>
+            </a:r>
+          </a:p>
+          <a:p>
+            <a:r>
+              <a:rPr lang="ko-Kore-KR" altLang="en-US" sz="1800" dirty="0">
+                <a:latin typeface="DM Mono" panose="020B0509040201040103" pitchFamily="49" charset="0"/>
+              </a:rPr>
+              <a:t>    {</a:t>
+            </a:r>
+          </a:p>
+          <a:p>
+            <a:r>
+              <a:rPr lang="ko-Kore-KR" altLang="en-US" sz="1800" dirty="0">
+                <a:latin typeface="DM Mono" panose="020B0509040201040103" pitchFamily="49" charset="0"/>
+              </a:rPr>
+              <a:t>        </a:t>
+            </a:r>
+            <a:r>
+              <a:rPr lang="en-US" altLang="ko-Kore-KR" sz="1800" dirty="0">
+                <a:solidFill>
+                  <a:srgbClr val="FF0000"/>
+                </a:solidFill>
+                <a:latin typeface="DM Mono" panose="020B0509040201040103" pitchFamily="49" charset="0"/>
+              </a:rPr>
+              <a:t>this-&gt;</a:t>
+            </a:r>
+            <a:r>
+              <a:rPr lang="ko-Kore-KR" altLang="en-US" sz="1800" dirty="0">
+                <a:solidFill>
+                  <a:srgbClr val="FF0000"/>
+                </a:solidFill>
+                <a:latin typeface="DM Mono" panose="020B0509040201040103" pitchFamily="49" charset="0"/>
+              </a:rPr>
+              <a:t>x</a:t>
+            </a:r>
+            <a:r>
+              <a:rPr lang="ko-Kore-KR" altLang="en-US" sz="1800" dirty="0">
+                <a:latin typeface="DM Mono" panose="020B0509040201040103" pitchFamily="49" charset="0"/>
+              </a:rPr>
+              <a:t> = a;</a:t>
+            </a:r>
+          </a:p>
+          <a:p>
+            <a:r>
+              <a:rPr lang="ko-Kore-KR" altLang="en-US" sz="1800" dirty="0">
+                <a:solidFill>
+                  <a:srgbClr val="FF0000"/>
+                </a:solidFill>
+                <a:latin typeface="DM Mono" panose="020B0509040201040103" pitchFamily="49" charset="0"/>
+              </a:rPr>
+              <a:t>        </a:t>
+            </a:r>
+            <a:r>
+              <a:rPr lang="en-US" altLang="ko-Kore-KR" sz="1800" dirty="0">
+                <a:solidFill>
+                  <a:srgbClr val="FF0000"/>
+                </a:solidFill>
+                <a:latin typeface="DM Mono" panose="020B0509040201040103" pitchFamily="49" charset="0"/>
+              </a:rPr>
+              <a:t>this-&gt;</a:t>
+            </a:r>
+            <a:r>
+              <a:rPr lang="ko-Kore-KR" altLang="en-US" sz="1800" dirty="0">
+                <a:solidFill>
+                  <a:srgbClr val="FF0000"/>
+                </a:solidFill>
+                <a:latin typeface="DM Mono" panose="020B0509040201040103" pitchFamily="49" charset="0"/>
+              </a:rPr>
+              <a:t>y</a:t>
+            </a:r>
+            <a:r>
+              <a:rPr lang="ko-Kore-KR" altLang="en-US" sz="1800" dirty="0">
+                <a:latin typeface="DM Mono" panose="020B0509040201040103" pitchFamily="49" charset="0"/>
+              </a:rPr>
+              <a:t> = b;</a:t>
+            </a:r>
+          </a:p>
+          <a:p>
+            <a:r>
+              <a:rPr lang="ko-Kore-KR" altLang="en-US" sz="1800" dirty="0">
+                <a:latin typeface="DM Mono" panose="020B0509040201040103" pitchFamily="49" charset="0"/>
+              </a:rPr>
+              <a:t>    }</a:t>
+            </a:r>
+            <a:endParaRPr lang="ko-Kore-KR" altLang="en-US" dirty="0"/>
+          </a:p>
+        </p:txBody>
+      </p:sp>
+      <p:sp>
+        <p:nvSpPr>
+          <p:cNvPr id="2" name="직사각형 1">
+            <a:extLst>
+              <a:ext uri="{FF2B5EF4-FFF2-40B4-BE49-F238E27FC236}">
+                <a16:creationId xmlns:a16="http://schemas.microsoft.com/office/drawing/2014/main" id="{67B12BAF-7AA6-FC4B-2E4D-7FF71319127F}"/>
+              </a:ext>
+            </a:extLst>
+          </p:cNvPr>
+          <p:cNvSpPr/>
+          <p:nvPr/>
+        </p:nvSpPr>
+        <p:spPr>
+          <a:xfrm>
+            <a:off x="7968374" y="1282401"/>
+            <a:ext cx="839295" cy="369332"/>
+          </a:xfrm>
+          <a:prstGeom prst="rect">
+            <a:avLst/>
+          </a:prstGeom>
+          <a:noFill/>
+        </p:spPr>
+        <p:style>
+          <a:lnRef idx="2">
+            <a:schemeClr val="accent1">
+              <a:shade val="15000"/>
+            </a:schemeClr>
+          </a:lnRef>
+          <a:fillRef idx="1">
+            <a:schemeClr val="accent1"/>
+          </a:fillRef>
+          <a:effectRef idx="0">
+            <a:schemeClr val="accent1"/>
+          </a:effectRef>
+          <a:fontRef idx="minor">
+            <a:schemeClr val="lt1"/>
+          </a:fontRef>
+        </p:style>
+        <p:txBody>
+          <a:bodyPr rtlCol="0" anchor="ctr"/>
+          <a:lstStyle/>
+          <a:p>
+            <a:pPr algn="ctr"/>
+            <a:endParaRPr kumimoji="1" lang="ko-Kore-KR" altLang="en-US" dirty="0">
+              <a:solidFill>
+                <a:schemeClr val="tx1"/>
+              </a:solidFill>
+              <a:latin typeface="DM Mono" panose="020B0509040201040103" pitchFamily="49" charset="0"/>
+            </a:endParaRPr>
+          </a:p>
+        </p:txBody>
+      </p:sp>
+      <p:cxnSp>
+        <p:nvCxnSpPr>
+          <p:cNvPr id="16" name="구부러진 연결선[U] 15">
+            <a:extLst>
+              <a:ext uri="{FF2B5EF4-FFF2-40B4-BE49-F238E27FC236}">
+                <a16:creationId xmlns:a16="http://schemas.microsoft.com/office/drawing/2014/main" id="{8A317A35-DB9F-6298-7FBA-85FB10E17CC0}"/>
+              </a:ext>
+            </a:extLst>
+          </p:cNvPr>
+          <p:cNvCxnSpPr>
+            <a:cxnSpLocks/>
+            <a:stCxn id="2" idx="2"/>
+            <a:endCxn id="11" idx="0"/>
+          </p:cNvCxnSpPr>
+          <p:nvPr/>
+        </p:nvCxnSpPr>
+        <p:spPr>
+          <a:xfrm rot="5400000">
+            <a:off x="6224689" y="1996778"/>
+            <a:ext cx="2508379" cy="1818289"/>
+          </a:xfrm>
+          <a:prstGeom prst="curvedConnector3">
+            <a:avLst>
+              <a:gd name="adj1" fmla="val 50000"/>
+            </a:avLst>
+          </a:prstGeom>
+          <a:ln>
+            <a:tailEnd type="triangle"/>
+          </a:ln>
+        </p:spPr>
+        <p:style>
+          <a:lnRef idx="1">
+            <a:schemeClr val="dk1"/>
+          </a:lnRef>
+          <a:fillRef idx="0">
+            <a:schemeClr val="dk1"/>
+          </a:fillRef>
+          <a:effectRef idx="0">
+            <a:schemeClr val="dk1"/>
+          </a:effectRef>
+          <a:fontRef idx="minor">
+            <a:schemeClr val="tx1"/>
+          </a:fontRef>
+        </p:style>
+      </p:cxnSp>
+    </p:spTree>
+    <p:extLst>
+      <p:ext uri="{BB962C8B-B14F-4D97-AF65-F5344CB8AC3E}">
+        <p14:creationId xmlns:p14="http://schemas.microsoft.com/office/powerpoint/2010/main" val="3946601507"/>
       </p:ext>
     </p:extLst>
   </p:cSld>

--- a/hyundai_230807.pptx
+++ b/hyundai_230807.pptx
@@ -34,6 +34,11 @@
     <p:sldId id="282" r:id="rId28"/>
     <p:sldId id="283" r:id="rId29"/>
     <p:sldId id="284" r:id="rId30"/>
+    <p:sldId id="285" r:id="rId31"/>
+    <p:sldId id="286" r:id="rId32"/>
+    <p:sldId id="287" r:id="rId33"/>
+    <p:sldId id="290" r:id="rId34"/>
+    <p:sldId id="288" r:id="rId35"/>
   </p:sldIdLst>
   <p:sldSz cx="12192000" cy="6858000"/>
   <p:notesSz cx="6858000" cy="9144000"/>
@@ -15590,7 +15595,7 @@
             <a:r>
               <a:rPr kumimoji="1" lang="en-US" altLang="ko-Kore-KR" sz="1200" dirty="0">
                 <a:solidFill>
-                  <a:schemeClr val="tx1"/>
+                  <a:srgbClr val="FF0000"/>
                 </a:solidFill>
                 <a:latin typeface="DM Mono" panose="020B0509040201040103" pitchFamily="49" charset="0"/>
               </a:rPr>
@@ -15598,7 +15603,7 @@
             </a:r>
             <a:endParaRPr kumimoji="1" lang="ko-Kore-KR" altLang="en-US" sz="1200" dirty="0">
               <a:solidFill>
-                <a:schemeClr val="tx1"/>
+                <a:srgbClr val="FF0000"/>
               </a:solidFill>
               <a:latin typeface="DM Mono" panose="020B0509040201040103" pitchFamily="49" charset="0"/>
             </a:endParaRPr>
@@ -15692,7 +15697,7 @@
             <a:r>
               <a:rPr kumimoji="1" lang="en-US" altLang="ko-Kore-KR" sz="1200" dirty="0">
                 <a:solidFill>
-                  <a:schemeClr val="tx1"/>
+                  <a:srgbClr val="FF0000"/>
                 </a:solidFill>
                 <a:latin typeface="DM Mono" panose="020B0509040201040103" pitchFamily="49" charset="0"/>
               </a:rPr>
@@ -15700,7 +15705,7 @@
             </a:r>
             <a:endParaRPr kumimoji="1" lang="ko-Kore-KR" altLang="en-US" sz="1200" dirty="0">
               <a:solidFill>
-                <a:schemeClr val="tx1"/>
+                <a:srgbClr val="FF0000"/>
               </a:solidFill>
               <a:latin typeface="DM Mono" panose="020B0509040201040103" pitchFamily="49" charset="0"/>
             </a:endParaRPr>
@@ -15964,6 +15969,103 @@
           </a:fontRef>
         </p:style>
       </p:cxnSp>
+      <p:sp>
+        <p:nvSpPr>
+          <p:cNvPr id="18" name="TextBox 17">
+            <a:extLst>
+              <a:ext uri="{FF2B5EF4-FFF2-40B4-BE49-F238E27FC236}">
+                <a16:creationId xmlns:a16="http://schemas.microsoft.com/office/drawing/2014/main" id="{E78E08D0-7AF9-8F26-1C3F-FAF87BE206E0}"/>
+              </a:ext>
+            </a:extLst>
+          </p:cNvPr>
+          <p:cNvSpPr txBox="1"/>
+          <p:nvPr/>
+        </p:nvSpPr>
+        <p:spPr>
+          <a:xfrm>
+            <a:off x="335236" y="83633"/>
+            <a:ext cx="3885761" cy="1600438"/>
+          </a:xfrm>
+          <a:prstGeom prst="rect">
+            <a:avLst/>
+          </a:prstGeom>
+          <a:noFill/>
+        </p:spPr>
+        <p:txBody>
+          <a:bodyPr wrap="square">
+            <a:spAutoFit/>
+          </a:bodyPr>
+          <a:lstStyle/>
+          <a:p>
+            <a:r>
+              <a:rPr lang="en-US" altLang="ko-Kore-KR" sz="1400" dirty="0">
+                <a:latin typeface="DM Mono" panose="020B0509040201040103" pitchFamily="49" charset="0"/>
+              </a:rPr>
+              <a:t>    </a:t>
+            </a:r>
+            <a:r>
+              <a:rPr lang="ko-Kore-KR" altLang="en-US" sz="1400" dirty="0">
+                <a:latin typeface="DM Mono" panose="020B0509040201040103" pitchFamily="49" charset="0"/>
+              </a:rPr>
+              <a:t>User(const User&amp; rhs)</a:t>
+            </a:r>
+          </a:p>
+          <a:p>
+            <a:r>
+              <a:rPr lang="ko-Kore-KR" altLang="en-US" sz="1400" dirty="0">
+                <a:latin typeface="DM Mono" panose="020B0509040201040103" pitchFamily="49" charset="0"/>
+              </a:rPr>
+              <a:t>        : name { rhs.name }</a:t>
+            </a:r>
+          </a:p>
+          <a:p>
+            <a:r>
+              <a:rPr lang="ko-Kore-KR" altLang="en-US" sz="1400" dirty="0">
+                <a:latin typeface="DM Mono" panose="020B0509040201040103" pitchFamily="49" charset="0"/>
+              </a:rPr>
+              <a:t>        , age { rhs.age }</a:t>
+            </a:r>
+          </a:p>
+          <a:p>
+            <a:r>
+              <a:rPr lang="ko-Kore-KR" altLang="en-US" sz="1400" dirty="0">
+                <a:latin typeface="DM Mono" panose="020B0509040201040103" pitchFamily="49" charset="0"/>
+              </a:rPr>
+              <a:t>        , ref { rhs.ref }</a:t>
+            </a:r>
+          </a:p>
+          <a:p>
+            <a:r>
+              <a:rPr lang="ko-Kore-KR" altLang="en-US" sz="1400" dirty="0">
+                <a:latin typeface="DM Mono" panose="020B0509040201040103" pitchFamily="49" charset="0"/>
+              </a:rPr>
+              <a:t>    {</a:t>
+            </a:r>
+          </a:p>
+          <a:p>
+            <a:r>
+              <a:rPr lang="en-US" altLang="ko-Kore-KR" sz="1400" dirty="0">
+                <a:latin typeface="DM Mono" panose="020B0509040201040103" pitchFamily="49" charset="0"/>
+              </a:rPr>
+              <a:t>       </a:t>
+            </a:r>
+            <a:r>
+              <a:rPr lang="ko-Kore-KR" altLang="en-US" sz="1400" dirty="0">
+                <a:latin typeface="DM Mono" panose="020B0509040201040103" pitchFamily="49" charset="0"/>
+              </a:rPr>
+              <a:t>++(*ref);</a:t>
+            </a:r>
+          </a:p>
+          <a:p>
+            <a:r>
+              <a:rPr lang="ko-Kore-KR" altLang="en-US" sz="1400" dirty="0">
+                <a:latin typeface="DM Mono" panose="020B0509040201040103" pitchFamily="49" charset="0"/>
+              </a:rPr>
+              <a:t>    }</a:t>
+            </a:r>
+          </a:p>
+        </p:txBody>
+      </p:sp>
     </p:spTree>
     <p:extLst>
       <p:ext uri="{BB962C8B-B14F-4D97-AF65-F5344CB8AC3E}">
@@ -17462,6 +17564,103 @@
           </a:fontRef>
         </p:style>
       </p:cxnSp>
+      <p:sp>
+        <p:nvSpPr>
+          <p:cNvPr id="31" name="TextBox 30">
+            <a:extLst>
+              <a:ext uri="{FF2B5EF4-FFF2-40B4-BE49-F238E27FC236}">
+                <a16:creationId xmlns:a16="http://schemas.microsoft.com/office/drawing/2014/main" id="{7955B436-76AC-1018-876B-7540950DE6E7}"/>
+              </a:ext>
+            </a:extLst>
+          </p:cNvPr>
+          <p:cNvSpPr txBox="1"/>
+          <p:nvPr/>
+        </p:nvSpPr>
+        <p:spPr>
+          <a:xfrm>
+            <a:off x="335236" y="83633"/>
+            <a:ext cx="3885761" cy="1600438"/>
+          </a:xfrm>
+          <a:prstGeom prst="rect">
+            <a:avLst/>
+          </a:prstGeom>
+          <a:noFill/>
+        </p:spPr>
+        <p:txBody>
+          <a:bodyPr wrap="square">
+            <a:spAutoFit/>
+          </a:bodyPr>
+          <a:lstStyle/>
+          <a:p>
+            <a:r>
+              <a:rPr lang="en-US" altLang="ko-Kore-KR" sz="1400" dirty="0">
+                <a:latin typeface="DM Mono" panose="020B0509040201040103" pitchFamily="49" charset="0"/>
+              </a:rPr>
+              <a:t>    </a:t>
+            </a:r>
+            <a:r>
+              <a:rPr lang="ko-Kore-KR" altLang="en-US" sz="1400" dirty="0">
+                <a:latin typeface="DM Mono" panose="020B0509040201040103" pitchFamily="49" charset="0"/>
+              </a:rPr>
+              <a:t>User(const User&amp; rhs)</a:t>
+            </a:r>
+          </a:p>
+          <a:p>
+            <a:r>
+              <a:rPr lang="ko-Kore-KR" altLang="en-US" sz="1400" dirty="0">
+                <a:latin typeface="DM Mono" panose="020B0509040201040103" pitchFamily="49" charset="0"/>
+              </a:rPr>
+              <a:t>        : name { rhs.name }</a:t>
+            </a:r>
+          </a:p>
+          <a:p>
+            <a:r>
+              <a:rPr lang="ko-Kore-KR" altLang="en-US" sz="1400" dirty="0">
+                <a:latin typeface="DM Mono" panose="020B0509040201040103" pitchFamily="49" charset="0"/>
+              </a:rPr>
+              <a:t>        , age { rhs.age }</a:t>
+            </a:r>
+          </a:p>
+          <a:p>
+            <a:r>
+              <a:rPr lang="ko-Kore-KR" altLang="en-US" sz="1400" dirty="0">
+                <a:latin typeface="DM Mono" panose="020B0509040201040103" pitchFamily="49" charset="0"/>
+              </a:rPr>
+              <a:t>        , ref { rhs.ref }</a:t>
+            </a:r>
+          </a:p>
+          <a:p>
+            <a:r>
+              <a:rPr lang="ko-Kore-KR" altLang="en-US" sz="1400" dirty="0">
+                <a:latin typeface="DM Mono" panose="020B0509040201040103" pitchFamily="49" charset="0"/>
+              </a:rPr>
+              <a:t>    {</a:t>
+            </a:r>
+          </a:p>
+          <a:p>
+            <a:r>
+              <a:rPr lang="en-US" altLang="ko-Kore-KR" sz="1400" dirty="0">
+                <a:latin typeface="DM Mono" panose="020B0509040201040103" pitchFamily="49" charset="0"/>
+              </a:rPr>
+              <a:t>       </a:t>
+            </a:r>
+            <a:r>
+              <a:rPr lang="ko-Kore-KR" altLang="en-US" sz="1400" dirty="0">
+                <a:latin typeface="DM Mono" panose="020B0509040201040103" pitchFamily="49" charset="0"/>
+              </a:rPr>
+              <a:t>++(*ref);</a:t>
+            </a:r>
+          </a:p>
+          <a:p>
+            <a:r>
+              <a:rPr lang="ko-Kore-KR" altLang="en-US" sz="1400" dirty="0">
+                <a:latin typeface="DM Mono" panose="020B0509040201040103" pitchFamily="49" charset="0"/>
+              </a:rPr>
+              <a:t>    }</a:t>
+            </a:r>
+          </a:p>
+        </p:txBody>
+      </p:sp>
     </p:spTree>
     <p:extLst>
       <p:ext uri="{BB962C8B-B14F-4D97-AF65-F5344CB8AC3E}">
@@ -18975,6 +19174,112 @@
           </a:fontRef>
         </p:style>
       </p:cxnSp>
+      <p:sp>
+        <p:nvSpPr>
+          <p:cNvPr id="18" name="TextBox 17">
+            <a:extLst>
+              <a:ext uri="{FF2B5EF4-FFF2-40B4-BE49-F238E27FC236}">
+                <a16:creationId xmlns:a16="http://schemas.microsoft.com/office/drawing/2014/main" id="{779595CC-92AD-309A-7C8D-9544E280E1C9}"/>
+              </a:ext>
+            </a:extLst>
+          </p:cNvPr>
+          <p:cNvSpPr txBox="1"/>
+          <p:nvPr/>
+        </p:nvSpPr>
+        <p:spPr>
+          <a:xfrm>
+            <a:off x="340599" y="426883"/>
+            <a:ext cx="3467320" cy="1384995"/>
+          </a:xfrm>
+          <a:prstGeom prst="rect">
+            <a:avLst/>
+          </a:prstGeom>
+          <a:noFill/>
+        </p:spPr>
+        <p:txBody>
+          <a:bodyPr wrap="square">
+            <a:spAutoFit/>
+          </a:bodyPr>
+          <a:lstStyle/>
+          <a:p>
+            <a:r>
+              <a:rPr lang="en-US" altLang="ko-Kore-KR" sz="1200" dirty="0">
+                <a:latin typeface="DM Mono" panose="020B0509040201040103" pitchFamily="49" charset="0"/>
+              </a:rPr>
+              <a:t>   </a:t>
+            </a:r>
+            <a:r>
+              <a:rPr lang="ko-Kore-KR" altLang="en-US" sz="1200" dirty="0">
+                <a:latin typeface="DM Mono" panose="020B0509040201040103" pitchFamily="49" charset="0"/>
+              </a:rPr>
+              <a:t> ~User()</a:t>
+            </a:r>
+          </a:p>
+          <a:p>
+            <a:r>
+              <a:rPr lang="ko-Kore-KR" altLang="en-US" sz="1200" dirty="0">
+                <a:latin typeface="DM Mono" panose="020B0509040201040103" pitchFamily="49" charset="0"/>
+              </a:rPr>
+              <a:t>    {</a:t>
+            </a:r>
+          </a:p>
+          <a:p>
+            <a:r>
+              <a:rPr lang="ko-Kore-KR" altLang="en-US" sz="1200" dirty="0">
+                <a:latin typeface="DM Mono" panose="020B0509040201040103" pitchFamily="49" charset="0"/>
+              </a:rPr>
+              <a:t>        </a:t>
+            </a:r>
+            <a:r>
+              <a:rPr lang="ko-Kore-KR" altLang="en-US" sz="1200" dirty="0">
+                <a:solidFill>
+                  <a:srgbClr val="FF0000"/>
+                </a:solidFill>
+                <a:latin typeface="DM Mono" panose="020B0509040201040103" pitchFamily="49" charset="0"/>
+              </a:rPr>
+              <a:t>if (--(*ref) == 0) </a:t>
+            </a:r>
+            <a:r>
+              <a:rPr lang="ko-Kore-KR" altLang="en-US" sz="1200" dirty="0">
+                <a:latin typeface="DM Mono" panose="020B0509040201040103" pitchFamily="49" charset="0"/>
+              </a:rPr>
+              <a:t>{</a:t>
+            </a:r>
+          </a:p>
+          <a:p>
+            <a:r>
+              <a:rPr lang="ko-Kore-KR" altLang="en-US" sz="1200" dirty="0">
+                <a:latin typeface="DM Mono" panose="020B0509040201040103" pitchFamily="49" charset="0"/>
+              </a:rPr>
+              <a:t>            delete[] name;</a:t>
+            </a:r>
+          </a:p>
+          <a:p>
+            <a:r>
+              <a:rPr lang="ko-Kore-KR" altLang="en-US" sz="1200" dirty="0">
+                <a:latin typeface="DM Mono" panose="020B0509040201040103" pitchFamily="49" charset="0"/>
+              </a:rPr>
+              <a:t>            delete ref;</a:t>
+            </a:r>
+          </a:p>
+          <a:p>
+            <a:r>
+              <a:rPr lang="ko-Kore-KR" altLang="en-US" sz="1200" dirty="0">
+                <a:latin typeface="DM Mono" panose="020B0509040201040103" pitchFamily="49" charset="0"/>
+              </a:rPr>
+              <a:t>        }</a:t>
+            </a:r>
+          </a:p>
+          <a:p>
+            <a:r>
+              <a:rPr lang="ko-Kore-KR" altLang="en-US" sz="1200" dirty="0">
+                <a:latin typeface="DM Mono" panose="020B0509040201040103" pitchFamily="49" charset="0"/>
+              </a:rPr>
+              <a:t>    }</a:t>
+            </a:r>
+          </a:p>
+        </p:txBody>
+      </p:sp>
     </p:spTree>
     <p:extLst>
       <p:ext uri="{BB962C8B-B14F-4D97-AF65-F5344CB8AC3E}">
@@ -20062,6 +20367,112 @@
           </a:fontRef>
         </p:style>
       </p:cxnSp>
+      <p:sp>
+        <p:nvSpPr>
+          <p:cNvPr id="18" name="TextBox 17">
+            <a:extLst>
+              <a:ext uri="{FF2B5EF4-FFF2-40B4-BE49-F238E27FC236}">
+                <a16:creationId xmlns:a16="http://schemas.microsoft.com/office/drawing/2014/main" id="{F872B1E7-BA59-8F5B-BE9D-97946CEC594B}"/>
+              </a:ext>
+            </a:extLst>
+          </p:cNvPr>
+          <p:cNvSpPr txBox="1"/>
+          <p:nvPr/>
+        </p:nvSpPr>
+        <p:spPr>
+          <a:xfrm>
+            <a:off x="340599" y="426883"/>
+            <a:ext cx="3467320" cy="1384995"/>
+          </a:xfrm>
+          <a:prstGeom prst="rect">
+            <a:avLst/>
+          </a:prstGeom>
+          <a:noFill/>
+        </p:spPr>
+        <p:txBody>
+          <a:bodyPr wrap="square">
+            <a:spAutoFit/>
+          </a:bodyPr>
+          <a:lstStyle/>
+          <a:p>
+            <a:r>
+              <a:rPr lang="en-US" altLang="ko-Kore-KR" sz="1200" dirty="0">
+                <a:latin typeface="DM Mono" panose="020B0509040201040103" pitchFamily="49" charset="0"/>
+              </a:rPr>
+              <a:t>   </a:t>
+            </a:r>
+            <a:r>
+              <a:rPr lang="ko-Kore-KR" altLang="en-US" sz="1200" dirty="0">
+                <a:latin typeface="DM Mono" panose="020B0509040201040103" pitchFamily="49" charset="0"/>
+              </a:rPr>
+              <a:t> ~User()</a:t>
+            </a:r>
+          </a:p>
+          <a:p>
+            <a:r>
+              <a:rPr lang="ko-Kore-KR" altLang="en-US" sz="1200" dirty="0">
+                <a:latin typeface="DM Mono" panose="020B0509040201040103" pitchFamily="49" charset="0"/>
+              </a:rPr>
+              <a:t>    {</a:t>
+            </a:r>
+          </a:p>
+          <a:p>
+            <a:r>
+              <a:rPr lang="ko-Kore-KR" altLang="en-US" sz="1200" dirty="0">
+                <a:latin typeface="DM Mono" panose="020B0509040201040103" pitchFamily="49" charset="0"/>
+              </a:rPr>
+              <a:t>        </a:t>
+            </a:r>
+            <a:r>
+              <a:rPr lang="ko-Kore-KR" altLang="en-US" sz="1200" dirty="0">
+                <a:solidFill>
+                  <a:srgbClr val="FF0000"/>
+                </a:solidFill>
+                <a:latin typeface="DM Mono" panose="020B0509040201040103" pitchFamily="49" charset="0"/>
+              </a:rPr>
+              <a:t>if (--(*ref) == 0) </a:t>
+            </a:r>
+            <a:r>
+              <a:rPr lang="ko-Kore-KR" altLang="en-US" sz="1200" dirty="0">
+                <a:latin typeface="DM Mono" panose="020B0509040201040103" pitchFamily="49" charset="0"/>
+              </a:rPr>
+              <a:t>{</a:t>
+            </a:r>
+          </a:p>
+          <a:p>
+            <a:r>
+              <a:rPr lang="ko-Kore-KR" altLang="en-US" sz="1200" dirty="0">
+                <a:latin typeface="DM Mono" panose="020B0509040201040103" pitchFamily="49" charset="0"/>
+              </a:rPr>
+              <a:t>            delete[] name;</a:t>
+            </a:r>
+          </a:p>
+          <a:p>
+            <a:r>
+              <a:rPr lang="ko-Kore-KR" altLang="en-US" sz="1200" dirty="0">
+                <a:latin typeface="DM Mono" panose="020B0509040201040103" pitchFamily="49" charset="0"/>
+              </a:rPr>
+              <a:t>            delete ref;</a:t>
+            </a:r>
+          </a:p>
+          <a:p>
+            <a:r>
+              <a:rPr lang="ko-Kore-KR" altLang="en-US" sz="1200" dirty="0">
+                <a:latin typeface="DM Mono" panose="020B0509040201040103" pitchFamily="49" charset="0"/>
+              </a:rPr>
+              <a:t>        }</a:t>
+            </a:r>
+          </a:p>
+          <a:p>
+            <a:r>
+              <a:rPr lang="ko-Kore-KR" altLang="en-US" sz="1200" dirty="0">
+                <a:latin typeface="DM Mono" panose="020B0509040201040103" pitchFamily="49" charset="0"/>
+              </a:rPr>
+              <a:t>    }</a:t>
+            </a:r>
+          </a:p>
+        </p:txBody>
+      </p:sp>
     </p:spTree>
     <p:extLst>
       <p:ext uri="{BB962C8B-B14F-4D97-AF65-F5344CB8AC3E}">
@@ -20737,6 +21148,115 @@
           </a:fontRef>
         </p:style>
       </p:cxnSp>
+      <p:sp>
+        <p:nvSpPr>
+          <p:cNvPr id="3" name="TextBox 2">
+            <a:extLst>
+              <a:ext uri="{FF2B5EF4-FFF2-40B4-BE49-F238E27FC236}">
+                <a16:creationId xmlns:a16="http://schemas.microsoft.com/office/drawing/2014/main" id="{7EF265D5-2148-D015-8170-A932232169A6}"/>
+              </a:ext>
+            </a:extLst>
+          </p:cNvPr>
+          <p:cNvSpPr txBox="1"/>
+          <p:nvPr/>
+        </p:nvSpPr>
+        <p:spPr>
+          <a:xfrm>
+            <a:off x="340599" y="426883"/>
+            <a:ext cx="3467320" cy="1384995"/>
+          </a:xfrm>
+          <a:prstGeom prst="rect">
+            <a:avLst/>
+          </a:prstGeom>
+          <a:noFill/>
+        </p:spPr>
+        <p:txBody>
+          <a:bodyPr wrap="square">
+            <a:spAutoFit/>
+          </a:bodyPr>
+          <a:lstStyle/>
+          <a:p>
+            <a:r>
+              <a:rPr lang="en-US" altLang="ko-Kore-KR" sz="1200" dirty="0">
+                <a:latin typeface="DM Mono" panose="020B0509040201040103" pitchFamily="49" charset="0"/>
+              </a:rPr>
+              <a:t>   </a:t>
+            </a:r>
+            <a:r>
+              <a:rPr lang="ko-Kore-KR" altLang="en-US" sz="1200" dirty="0">
+                <a:latin typeface="DM Mono" panose="020B0509040201040103" pitchFamily="49" charset="0"/>
+              </a:rPr>
+              <a:t> ~User()</a:t>
+            </a:r>
+          </a:p>
+          <a:p>
+            <a:r>
+              <a:rPr lang="ko-Kore-KR" altLang="en-US" sz="1200" dirty="0">
+                <a:latin typeface="DM Mono" panose="020B0509040201040103" pitchFamily="49" charset="0"/>
+              </a:rPr>
+              <a:t>    {</a:t>
+            </a:r>
+          </a:p>
+          <a:p>
+            <a:r>
+              <a:rPr lang="ko-Kore-KR" altLang="en-US" sz="1200" dirty="0">
+                <a:latin typeface="DM Mono" panose="020B0509040201040103" pitchFamily="49" charset="0"/>
+              </a:rPr>
+              <a:t>        </a:t>
+            </a:r>
+            <a:r>
+              <a:rPr lang="ko-Kore-KR" altLang="en-US" sz="1200" dirty="0">
+                <a:solidFill>
+                  <a:srgbClr val="FF0000"/>
+                </a:solidFill>
+                <a:latin typeface="DM Mono" panose="020B0509040201040103" pitchFamily="49" charset="0"/>
+              </a:rPr>
+              <a:t>if (--(*ref) == 0) {</a:t>
+            </a:r>
+          </a:p>
+          <a:p>
+            <a:r>
+              <a:rPr lang="ko-Kore-KR" altLang="en-US" sz="1200" dirty="0">
+                <a:solidFill>
+                  <a:srgbClr val="FF0000"/>
+                </a:solidFill>
+                <a:latin typeface="DM Mono" panose="020B0509040201040103" pitchFamily="49" charset="0"/>
+              </a:rPr>
+              <a:t>            delete[] name;</a:t>
+            </a:r>
+          </a:p>
+          <a:p>
+            <a:r>
+              <a:rPr lang="ko-Kore-KR" altLang="en-US" sz="1200" dirty="0">
+                <a:solidFill>
+                  <a:srgbClr val="FF0000"/>
+                </a:solidFill>
+                <a:latin typeface="DM Mono" panose="020B0509040201040103" pitchFamily="49" charset="0"/>
+              </a:rPr>
+              <a:t>            delete ref;</a:t>
+            </a:r>
+          </a:p>
+          <a:p>
+            <a:r>
+              <a:rPr lang="ko-Kore-KR" altLang="en-US" sz="1200" dirty="0">
+                <a:solidFill>
+                  <a:srgbClr val="FF0000"/>
+                </a:solidFill>
+                <a:latin typeface="DM Mono" panose="020B0509040201040103" pitchFamily="49" charset="0"/>
+              </a:rPr>
+              <a:t>        }</a:t>
+            </a:r>
+          </a:p>
+          <a:p>
+            <a:r>
+              <a:rPr lang="ko-Kore-KR" altLang="en-US" sz="1200" dirty="0">
+                <a:latin typeface="DM Mono" panose="020B0509040201040103" pitchFamily="49" charset="0"/>
+              </a:rPr>
+              <a:t>    }</a:t>
+            </a:r>
+          </a:p>
+        </p:txBody>
+      </p:sp>
     </p:spTree>
     <p:extLst>
       <p:ext uri="{BB962C8B-B14F-4D97-AF65-F5344CB8AC3E}">
@@ -21057,6 +21577,3636 @@
     <p:extLst>
       <p:ext uri="{BB962C8B-B14F-4D97-AF65-F5344CB8AC3E}">
         <p14:creationId xmlns:p14="http://schemas.microsoft.com/office/powerpoint/2010/main" val="3833126090"/>
+      </p:ext>
+    </p:extLst>
+  </p:cSld>
+  <p:clrMapOvr>
+    <a:masterClrMapping/>
+  </p:clrMapOvr>
+</p:sld>
+</file>
+
+<file path=ppt/slides/slide30.xml><?xml version="1.0" encoding="utf-8"?>
+<p:sld xmlns:a="http://schemas.openxmlformats.org/drawingml/2006/main" xmlns:r="http://schemas.openxmlformats.org/officeDocument/2006/relationships" xmlns:p="http://schemas.openxmlformats.org/presentationml/2006/main">
+  <p:cSld>
+    <p:spTree>
+      <p:nvGrpSpPr>
+        <p:cNvPr id="1" name=""/>
+        <p:cNvGrpSpPr/>
+        <p:nvPr/>
+      </p:nvGrpSpPr>
+      <p:grpSpPr>
+        <a:xfrm>
+          <a:off x="0" y="0"/>
+          <a:ext cx="0" cy="0"/>
+          <a:chOff x="0" y="0"/>
+          <a:chExt cx="0" cy="0"/>
+        </a:xfrm>
+      </p:grpSpPr>
+      <p:sp>
+        <p:nvSpPr>
+          <p:cNvPr id="6" name="TextBox 5">
+            <a:extLst>
+              <a:ext uri="{FF2B5EF4-FFF2-40B4-BE49-F238E27FC236}">
+                <a16:creationId xmlns:a16="http://schemas.microsoft.com/office/drawing/2014/main" id="{72814AB5-0A65-D810-1CDC-82BB2013E57D}"/>
+              </a:ext>
+            </a:extLst>
+          </p:cNvPr>
+          <p:cNvSpPr txBox="1"/>
+          <p:nvPr/>
+        </p:nvSpPr>
+        <p:spPr>
+          <a:xfrm>
+            <a:off x="395232" y="380210"/>
+            <a:ext cx="6096000" cy="1569660"/>
+          </a:xfrm>
+          <a:prstGeom prst="rect">
+            <a:avLst/>
+          </a:prstGeom>
+          <a:noFill/>
+        </p:spPr>
+        <p:txBody>
+          <a:bodyPr wrap="square">
+            <a:spAutoFit/>
+          </a:bodyPr>
+          <a:lstStyle/>
+          <a:p>
+            <a:r>
+              <a:rPr lang="en-US" altLang="ko-Kore-KR" sz="1200" dirty="0">
+                <a:latin typeface="DM Mono" panose="020B0509040201040103" pitchFamily="49" charset="0"/>
+              </a:rPr>
+              <a:t>    </a:t>
+            </a:r>
+            <a:r>
+              <a:rPr lang="ko-Kore-KR" altLang="en-US" sz="1200" dirty="0">
+                <a:latin typeface="DM Mono" panose="020B0509040201040103" pitchFamily="49" charset="0"/>
+              </a:rPr>
+              <a:t>User(const User&amp; rhs)</a:t>
+            </a:r>
+          </a:p>
+          <a:p>
+            <a:r>
+              <a:rPr lang="ko-Kore-KR" altLang="en-US" sz="1200" dirty="0">
+                <a:latin typeface="DM Mono" panose="020B0509040201040103" pitchFamily="49" charset="0"/>
+              </a:rPr>
+              <a:t>        : age { rhs.age }</a:t>
+            </a:r>
+          </a:p>
+          <a:p>
+            <a:r>
+              <a:rPr lang="ko-Kore-KR" altLang="en-US" sz="1200" dirty="0">
+                <a:latin typeface="DM Mono" panose="020B0509040201040103" pitchFamily="49" charset="0"/>
+              </a:rPr>
+              <a:t>    {</a:t>
+            </a:r>
+          </a:p>
+          <a:p>
+            <a:r>
+              <a:rPr lang="ko-Kore-KR" altLang="en-US" sz="1200" dirty="0">
+                <a:latin typeface="DM Mono" panose="020B0509040201040103" pitchFamily="49" charset="0"/>
+              </a:rPr>
+              <a:t>        name = new char[strlen(rhs.name) + 1];</a:t>
+            </a:r>
+          </a:p>
+          <a:p>
+            <a:r>
+              <a:rPr lang="ko-Kore-KR" altLang="en-US" sz="1200" dirty="0">
+                <a:latin typeface="DM Mono" panose="020B0509040201040103" pitchFamily="49" charset="0"/>
+              </a:rPr>
+              <a:t>        strcpy(name, rhs.name);</a:t>
+            </a:r>
+          </a:p>
+          <a:p>
+            <a:r>
+              <a:rPr lang="ko-Kore-KR" altLang="en-US" sz="1200" dirty="0">
+                <a:latin typeface="DM Mono" panose="020B0509040201040103" pitchFamily="49" charset="0"/>
+              </a:rPr>
+              <a:t>    }</a:t>
+            </a:r>
+            <a:endParaRPr lang="en-US" altLang="ko-Kore-KR" sz="1200" dirty="0">
+              <a:latin typeface="DM Mono" panose="020B0509040201040103" pitchFamily="49" charset="0"/>
+            </a:endParaRPr>
+          </a:p>
+          <a:p>
+            <a:endParaRPr lang="en-US" altLang="ko-Kore-KR" sz="1200" dirty="0">
+              <a:latin typeface="DM Mono" panose="020B0509040201040103" pitchFamily="49" charset="0"/>
+            </a:endParaRPr>
+          </a:p>
+          <a:p>
+            <a:r>
+              <a:rPr lang="en-US" altLang="ko-Kore-KR" sz="1200" dirty="0">
+                <a:solidFill>
+                  <a:srgbClr val="FF0000"/>
+                </a:solidFill>
+                <a:latin typeface="DM Mono" panose="020B0509040201040103" pitchFamily="49" charset="0"/>
+              </a:rPr>
+              <a:t>User other = User("Bob", 100);</a:t>
+            </a:r>
+          </a:p>
+        </p:txBody>
+      </p:sp>
+      <p:sp>
+        <p:nvSpPr>
+          <p:cNvPr id="7" name="직사각형 6">
+            <a:extLst>
+              <a:ext uri="{FF2B5EF4-FFF2-40B4-BE49-F238E27FC236}">
+                <a16:creationId xmlns:a16="http://schemas.microsoft.com/office/drawing/2014/main" id="{47CACBA1-43EF-727E-5F54-DA993D4EB234}"/>
+              </a:ext>
+            </a:extLst>
+          </p:cNvPr>
+          <p:cNvSpPr/>
+          <p:nvPr/>
+        </p:nvSpPr>
+        <p:spPr>
+          <a:xfrm>
+            <a:off x="6612539" y="2951422"/>
+            <a:ext cx="839295" cy="369332"/>
+          </a:xfrm>
+          <a:prstGeom prst="rect">
+            <a:avLst/>
+          </a:prstGeom>
+          <a:solidFill>
+            <a:srgbClr val="FFFF00"/>
+          </a:solidFill>
+        </p:spPr>
+        <p:style>
+          <a:lnRef idx="2">
+            <a:schemeClr val="accent1">
+              <a:shade val="15000"/>
+            </a:schemeClr>
+          </a:lnRef>
+          <a:fillRef idx="1">
+            <a:schemeClr val="accent1"/>
+          </a:fillRef>
+          <a:effectRef idx="0">
+            <a:schemeClr val="accent1"/>
+          </a:effectRef>
+          <a:fontRef idx="minor">
+            <a:schemeClr val="lt1"/>
+          </a:fontRef>
+        </p:style>
+        <p:txBody>
+          <a:bodyPr rtlCol="0" anchor="ctr"/>
+          <a:lstStyle/>
+          <a:p>
+            <a:pPr algn="ctr"/>
+            <a:r>
+              <a:rPr kumimoji="1" lang="en-US" altLang="ko-Kore-KR" sz="1200" dirty="0">
+                <a:solidFill>
+                  <a:schemeClr val="tx1"/>
+                </a:solidFill>
+                <a:latin typeface="DM Mono" panose="020B0509040201040103" pitchFamily="49" charset="0"/>
+              </a:rPr>
+              <a:t>1000</a:t>
+            </a:r>
+            <a:endParaRPr kumimoji="1" lang="ko-Kore-KR" altLang="en-US" sz="1200" dirty="0">
+              <a:solidFill>
+                <a:schemeClr val="tx1"/>
+              </a:solidFill>
+              <a:latin typeface="DM Mono" panose="020B0509040201040103" pitchFamily="49" charset="0"/>
+            </a:endParaRPr>
+          </a:p>
+        </p:txBody>
+      </p:sp>
+      <p:sp>
+        <p:nvSpPr>
+          <p:cNvPr id="8" name="TextBox 7">
+            <a:extLst>
+              <a:ext uri="{FF2B5EF4-FFF2-40B4-BE49-F238E27FC236}">
+                <a16:creationId xmlns:a16="http://schemas.microsoft.com/office/drawing/2014/main" id="{A11E625C-C11B-C599-CA21-89C8EBA3DB27}"/>
+              </a:ext>
+            </a:extLst>
+          </p:cNvPr>
+          <p:cNvSpPr txBox="1"/>
+          <p:nvPr/>
+        </p:nvSpPr>
+        <p:spPr>
+          <a:xfrm>
+            <a:off x="5834774" y="3003343"/>
+            <a:ext cx="748862" cy="307777"/>
+          </a:xfrm>
+          <a:prstGeom prst="rect">
+            <a:avLst/>
+          </a:prstGeom>
+          <a:noFill/>
+        </p:spPr>
+        <p:txBody>
+          <a:bodyPr wrap="square">
+            <a:spAutoFit/>
+          </a:bodyPr>
+          <a:lstStyle/>
+          <a:p>
+            <a:pPr algn="r"/>
+            <a:r>
+              <a:rPr lang="en-US" altLang="ko-Kore-KR" sz="1400" dirty="0">
+                <a:latin typeface="DM Mono" panose="020B0509040201040103" pitchFamily="49" charset="0"/>
+              </a:rPr>
+              <a:t>name</a:t>
+            </a:r>
+            <a:endParaRPr lang="ko-Kore-KR" altLang="en-US" sz="1400" dirty="0"/>
+          </a:p>
+        </p:txBody>
+      </p:sp>
+      <p:sp>
+        <p:nvSpPr>
+          <p:cNvPr id="9" name="직사각형 8">
+            <a:extLst>
+              <a:ext uri="{FF2B5EF4-FFF2-40B4-BE49-F238E27FC236}">
+                <a16:creationId xmlns:a16="http://schemas.microsoft.com/office/drawing/2014/main" id="{C18D0A53-65DA-C68E-7D9C-086375407901}"/>
+              </a:ext>
+            </a:extLst>
+          </p:cNvPr>
+          <p:cNvSpPr/>
+          <p:nvPr/>
+        </p:nvSpPr>
+        <p:spPr>
+          <a:xfrm>
+            <a:off x="6612539" y="3320754"/>
+            <a:ext cx="839295" cy="369332"/>
+          </a:xfrm>
+          <a:prstGeom prst="rect">
+            <a:avLst/>
+          </a:prstGeom>
+          <a:solidFill>
+            <a:srgbClr val="FFFF00"/>
+          </a:solidFill>
+        </p:spPr>
+        <p:style>
+          <a:lnRef idx="2">
+            <a:schemeClr val="accent1">
+              <a:shade val="15000"/>
+            </a:schemeClr>
+          </a:lnRef>
+          <a:fillRef idx="1">
+            <a:schemeClr val="accent1"/>
+          </a:fillRef>
+          <a:effectRef idx="0">
+            <a:schemeClr val="accent1"/>
+          </a:effectRef>
+          <a:fontRef idx="minor">
+            <a:schemeClr val="lt1"/>
+          </a:fontRef>
+        </p:style>
+        <p:txBody>
+          <a:bodyPr rtlCol="0" anchor="ctr"/>
+          <a:lstStyle/>
+          <a:p>
+            <a:pPr algn="ctr"/>
+            <a:r>
+              <a:rPr kumimoji="1" lang="en-US" altLang="ko-Kore-KR" sz="1200" dirty="0">
+                <a:solidFill>
+                  <a:schemeClr val="tx1"/>
+                </a:solidFill>
+                <a:latin typeface="DM Mono" panose="020B0509040201040103" pitchFamily="49" charset="0"/>
+              </a:rPr>
+              <a:t>100</a:t>
+            </a:r>
+            <a:endParaRPr kumimoji="1" lang="ko-Kore-KR" altLang="en-US" sz="1200" dirty="0">
+              <a:solidFill>
+                <a:schemeClr val="tx1"/>
+              </a:solidFill>
+              <a:latin typeface="DM Mono" panose="020B0509040201040103" pitchFamily="49" charset="0"/>
+            </a:endParaRPr>
+          </a:p>
+        </p:txBody>
+      </p:sp>
+      <p:sp>
+        <p:nvSpPr>
+          <p:cNvPr id="10" name="TextBox 9">
+            <a:extLst>
+              <a:ext uri="{FF2B5EF4-FFF2-40B4-BE49-F238E27FC236}">
+                <a16:creationId xmlns:a16="http://schemas.microsoft.com/office/drawing/2014/main" id="{5F16195F-9503-C0CF-FD4E-C51FC09B1957}"/>
+              </a:ext>
+            </a:extLst>
+          </p:cNvPr>
+          <p:cNvSpPr txBox="1"/>
+          <p:nvPr/>
+        </p:nvSpPr>
+        <p:spPr>
+          <a:xfrm>
+            <a:off x="5834774" y="3351531"/>
+            <a:ext cx="748862" cy="307777"/>
+          </a:xfrm>
+          <a:prstGeom prst="rect">
+            <a:avLst/>
+          </a:prstGeom>
+          <a:noFill/>
+        </p:spPr>
+        <p:txBody>
+          <a:bodyPr wrap="square">
+            <a:spAutoFit/>
+          </a:bodyPr>
+          <a:lstStyle/>
+          <a:p>
+            <a:pPr algn="r"/>
+            <a:r>
+              <a:rPr lang="en-US" altLang="ko-Kore-KR" sz="1400" dirty="0">
+                <a:latin typeface="DM Mono" panose="020B0509040201040103" pitchFamily="49" charset="0"/>
+              </a:rPr>
+              <a:t>age</a:t>
+            </a:r>
+            <a:endParaRPr lang="ko-Kore-KR" altLang="en-US" sz="1400" dirty="0"/>
+          </a:p>
+        </p:txBody>
+      </p:sp>
+      <p:sp>
+        <p:nvSpPr>
+          <p:cNvPr id="11" name="TextBox 10">
+            <a:extLst>
+              <a:ext uri="{FF2B5EF4-FFF2-40B4-BE49-F238E27FC236}">
+                <a16:creationId xmlns:a16="http://schemas.microsoft.com/office/drawing/2014/main" id="{551865CC-B8A3-AF17-220D-B81E2A5E3154}"/>
+              </a:ext>
+            </a:extLst>
+          </p:cNvPr>
+          <p:cNvSpPr txBox="1"/>
+          <p:nvPr/>
+        </p:nvSpPr>
+        <p:spPr>
+          <a:xfrm>
+            <a:off x="6537379" y="2631169"/>
+            <a:ext cx="989614" cy="307777"/>
+          </a:xfrm>
+          <a:prstGeom prst="rect">
+            <a:avLst/>
+          </a:prstGeom>
+          <a:noFill/>
+        </p:spPr>
+        <p:txBody>
+          <a:bodyPr wrap="square">
+            <a:spAutoFit/>
+          </a:bodyPr>
+          <a:lstStyle/>
+          <a:p>
+            <a:pPr algn="ctr"/>
+            <a:r>
+              <a:rPr lang="ko-Kore-KR" altLang="en-US" sz="1400" dirty="0">
+                <a:latin typeface="DM Mono" panose="020B0509040201040103" pitchFamily="49" charset="0"/>
+              </a:rPr>
+              <a:t>임시객체</a:t>
+            </a:r>
+            <a:endParaRPr lang="ko-Kore-KR" altLang="en-US" sz="1400" dirty="0"/>
+          </a:p>
+        </p:txBody>
+      </p:sp>
+      <p:sp>
+        <p:nvSpPr>
+          <p:cNvPr id="12" name="직사각형 11">
+            <a:extLst>
+              <a:ext uri="{FF2B5EF4-FFF2-40B4-BE49-F238E27FC236}">
+                <a16:creationId xmlns:a16="http://schemas.microsoft.com/office/drawing/2014/main" id="{F330659D-F315-A179-6105-2C3D42843F0C}"/>
+              </a:ext>
+            </a:extLst>
+          </p:cNvPr>
+          <p:cNvSpPr/>
+          <p:nvPr/>
+        </p:nvSpPr>
+        <p:spPr>
+          <a:xfrm>
+            <a:off x="10254373" y="2735979"/>
+            <a:ext cx="1044247" cy="369332"/>
+          </a:xfrm>
+          <a:prstGeom prst="rect">
+            <a:avLst/>
+          </a:prstGeom>
+          <a:solidFill>
+            <a:srgbClr val="FFFF00"/>
+          </a:solidFill>
+        </p:spPr>
+        <p:style>
+          <a:lnRef idx="2">
+            <a:schemeClr val="accent1">
+              <a:shade val="15000"/>
+            </a:schemeClr>
+          </a:lnRef>
+          <a:fillRef idx="1">
+            <a:schemeClr val="accent1"/>
+          </a:fillRef>
+          <a:effectRef idx="0">
+            <a:schemeClr val="accent1"/>
+          </a:effectRef>
+          <a:fontRef idx="minor">
+            <a:schemeClr val="lt1"/>
+          </a:fontRef>
+        </p:style>
+        <p:txBody>
+          <a:bodyPr rtlCol="0" anchor="ctr"/>
+          <a:lstStyle/>
+          <a:p>
+            <a:pPr algn="ctr"/>
+            <a:r>
+              <a:rPr kumimoji="1" lang="en-US" altLang="ko-Kore-KR" sz="1200" dirty="0">
+                <a:solidFill>
+                  <a:schemeClr val="tx1"/>
+                </a:solidFill>
+                <a:latin typeface="DM Mono" panose="020B0509040201040103" pitchFamily="49" charset="0"/>
+              </a:rPr>
+              <a:t>“Bob”</a:t>
+            </a:r>
+            <a:endParaRPr kumimoji="1" lang="ko-Kore-KR" altLang="en-US" sz="1200" dirty="0">
+              <a:solidFill>
+                <a:schemeClr val="tx1"/>
+              </a:solidFill>
+              <a:latin typeface="DM Mono" panose="020B0509040201040103" pitchFamily="49" charset="0"/>
+            </a:endParaRPr>
+          </a:p>
+        </p:txBody>
+      </p:sp>
+      <p:cxnSp>
+        <p:nvCxnSpPr>
+          <p:cNvPr id="13" name="구부러진 연결선[U] 12">
+            <a:extLst>
+              <a:ext uri="{FF2B5EF4-FFF2-40B4-BE49-F238E27FC236}">
+                <a16:creationId xmlns:a16="http://schemas.microsoft.com/office/drawing/2014/main" id="{AAA16D1B-1D14-3DB0-0570-D1E634B2BAF5}"/>
+              </a:ext>
+            </a:extLst>
+          </p:cNvPr>
+          <p:cNvCxnSpPr>
+            <a:stCxn id="7" idx="3"/>
+            <a:endCxn id="12" idx="1"/>
+          </p:cNvCxnSpPr>
+          <p:nvPr/>
+        </p:nvCxnSpPr>
+        <p:spPr>
+          <a:xfrm flipV="1">
+            <a:off x="7451834" y="2920645"/>
+            <a:ext cx="2802539" cy="215443"/>
+          </a:xfrm>
+          <a:prstGeom prst="curvedConnector3">
+            <a:avLst/>
+          </a:prstGeom>
+          <a:ln>
+            <a:tailEnd type="triangle"/>
+          </a:ln>
+        </p:spPr>
+        <p:style>
+          <a:lnRef idx="1">
+            <a:schemeClr val="dk1"/>
+          </a:lnRef>
+          <a:fillRef idx="0">
+            <a:schemeClr val="dk1"/>
+          </a:fillRef>
+          <a:effectRef idx="0">
+            <a:schemeClr val="dk1"/>
+          </a:effectRef>
+          <a:fontRef idx="minor">
+            <a:schemeClr val="tx1"/>
+          </a:fontRef>
+        </p:style>
+      </p:cxnSp>
+      <p:sp>
+        <p:nvSpPr>
+          <p:cNvPr id="14" name="TextBox 13">
+            <a:extLst>
+              <a:ext uri="{FF2B5EF4-FFF2-40B4-BE49-F238E27FC236}">
+                <a16:creationId xmlns:a16="http://schemas.microsoft.com/office/drawing/2014/main" id="{78F4B262-6D68-5E61-1F8B-339751FF3620}"/>
+              </a:ext>
+            </a:extLst>
+          </p:cNvPr>
+          <p:cNvSpPr txBox="1"/>
+          <p:nvPr/>
+        </p:nvSpPr>
+        <p:spPr>
+          <a:xfrm>
+            <a:off x="9841295" y="2474369"/>
+            <a:ext cx="730031" cy="261610"/>
+          </a:xfrm>
+          <a:prstGeom prst="rect">
+            <a:avLst/>
+          </a:prstGeom>
+          <a:noFill/>
+        </p:spPr>
+        <p:txBody>
+          <a:bodyPr wrap="square">
+            <a:spAutoFit/>
+          </a:bodyPr>
+          <a:lstStyle/>
+          <a:p>
+            <a:pPr algn="ctr"/>
+            <a:r>
+              <a:rPr lang="en-US" altLang="ko-Kore-KR" sz="1050" dirty="0">
+                <a:latin typeface="DM Mono" panose="020B0509040201040103" pitchFamily="49" charset="0"/>
+              </a:rPr>
+              <a:t>1000</a:t>
+            </a:r>
+            <a:endParaRPr lang="ko-Kore-KR" altLang="en-US" sz="1050" dirty="0"/>
+          </a:p>
+        </p:txBody>
+      </p:sp>
+    </p:spTree>
+    <p:extLst>
+      <p:ext uri="{BB962C8B-B14F-4D97-AF65-F5344CB8AC3E}">
+        <p14:creationId xmlns:p14="http://schemas.microsoft.com/office/powerpoint/2010/main" val="3775966238"/>
+      </p:ext>
+    </p:extLst>
+  </p:cSld>
+  <p:clrMapOvr>
+    <a:masterClrMapping/>
+  </p:clrMapOvr>
+</p:sld>
+</file>
+
+<file path=ppt/slides/slide31.xml><?xml version="1.0" encoding="utf-8"?>
+<p:sld xmlns:a="http://schemas.openxmlformats.org/drawingml/2006/main" xmlns:r="http://schemas.openxmlformats.org/officeDocument/2006/relationships" xmlns:p="http://schemas.openxmlformats.org/presentationml/2006/main">
+  <p:cSld>
+    <p:spTree>
+      <p:nvGrpSpPr>
+        <p:cNvPr id="1" name=""/>
+        <p:cNvGrpSpPr/>
+        <p:nvPr/>
+      </p:nvGrpSpPr>
+      <p:grpSpPr>
+        <a:xfrm>
+          <a:off x="0" y="0"/>
+          <a:ext cx="0" cy="0"/>
+          <a:chOff x="0" y="0"/>
+          <a:chExt cx="0" cy="0"/>
+        </a:xfrm>
+      </p:grpSpPr>
+      <p:sp>
+        <p:nvSpPr>
+          <p:cNvPr id="6" name="TextBox 5">
+            <a:extLst>
+              <a:ext uri="{FF2B5EF4-FFF2-40B4-BE49-F238E27FC236}">
+                <a16:creationId xmlns:a16="http://schemas.microsoft.com/office/drawing/2014/main" id="{72814AB5-0A65-D810-1CDC-82BB2013E57D}"/>
+              </a:ext>
+            </a:extLst>
+          </p:cNvPr>
+          <p:cNvSpPr txBox="1"/>
+          <p:nvPr/>
+        </p:nvSpPr>
+        <p:spPr>
+          <a:xfrm>
+            <a:off x="395232" y="380210"/>
+            <a:ext cx="6096000" cy="1569660"/>
+          </a:xfrm>
+          <a:prstGeom prst="rect">
+            <a:avLst/>
+          </a:prstGeom>
+          <a:noFill/>
+        </p:spPr>
+        <p:txBody>
+          <a:bodyPr wrap="square">
+            <a:spAutoFit/>
+          </a:bodyPr>
+          <a:lstStyle/>
+          <a:p>
+            <a:r>
+              <a:rPr lang="en-US" altLang="ko-Kore-KR" sz="1200" dirty="0">
+                <a:latin typeface="DM Mono" panose="020B0509040201040103" pitchFamily="49" charset="0"/>
+              </a:rPr>
+              <a:t>    </a:t>
+            </a:r>
+            <a:r>
+              <a:rPr lang="ko-Kore-KR" altLang="en-US" sz="1200" dirty="0">
+                <a:latin typeface="DM Mono" panose="020B0509040201040103" pitchFamily="49" charset="0"/>
+              </a:rPr>
+              <a:t>User(const User&amp; rhs)</a:t>
+            </a:r>
+          </a:p>
+          <a:p>
+            <a:r>
+              <a:rPr lang="ko-Kore-KR" altLang="en-US" sz="1200" dirty="0">
+                <a:latin typeface="DM Mono" panose="020B0509040201040103" pitchFamily="49" charset="0"/>
+              </a:rPr>
+              <a:t>        : age { rhs.age }</a:t>
+            </a:r>
+          </a:p>
+          <a:p>
+            <a:r>
+              <a:rPr lang="ko-Kore-KR" altLang="en-US" sz="1200" dirty="0">
+                <a:latin typeface="DM Mono" panose="020B0509040201040103" pitchFamily="49" charset="0"/>
+              </a:rPr>
+              <a:t>    {</a:t>
+            </a:r>
+          </a:p>
+          <a:p>
+            <a:r>
+              <a:rPr lang="ko-Kore-KR" altLang="en-US" sz="1200" dirty="0">
+                <a:latin typeface="DM Mono" panose="020B0509040201040103" pitchFamily="49" charset="0"/>
+              </a:rPr>
+              <a:t>        name = new char[strlen(rhs.name) + 1];</a:t>
+            </a:r>
+          </a:p>
+          <a:p>
+            <a:r>
+              <a:rPr lang="ko-Kore-KR" altLang="en-US" sz="1200" dirty="0">
+                <a:latin typeface="DM Mono" panose="020B0509040201040103" pitchFamily="49" charset="0"/>
+              </a:rPr>
+              <a:t>        strcpy(name, rhs.name);</a:t>
+            </a:r>
+          </a:p>
+          <a:p>
+            <a:r>
+              <a:rPr lang="ko-Kore-KR" altLang="en-US" sz="1200" dirty="0">
+                <a:latin typeface="DM Mono" panose="020B0509040201040103" pitchFamily="49" charset="0"/>
+              </a:rPr>
+              <a:t>    }</a:t>
+            </a:r>
+            <a:endParaRPr lang="en-US" altLang="ko-Kore-KR" sz="1200" dirty="0">
+              <a:latin typeface="DM Mono" panose="020B0509040201040103" pitchFamily="49" charset="0"/>
+            </a:endParaRPr>
+          </a:p>
+          <a:p>
+            <a:endParaRPr lang="en-US" altLang="ko-Kore-KR" sz="1200" dirty="0">
+              <a:latin typeface="DM Mono" panose="020B0509040201040103" pitchFamily="49" charset="0"/>
+            </a:endParaRPr>
+          </a:p>
+          <a:p>
+            <a:r>
+              <a:rPr lang="en-US" altLang="ko-Kore-KR" sz="1200" dirty="0">
+                <a:solidFill>
+                  <a:srgbClr val="FF0000"/>
+                </a:solidFill>
+                <a:latin typeface="DM Mono" panose="020B0509040201040103" pitchFamily="49" charset="0"/>
+              </a:rPr>
+              <a:t>User other = User("Bob", 100);</a:t>
+            </a:r>
+          </a:p>
+        </p:txBody>
+      </p:sp>
+      <p:sp>
+        <p:nvSpPr>
+          <p:cNvPr id="7" name="직사각형 6">
+            <a:extLst>
+              <a:ext uri="{FF2B5EF4-FFF2-40B4-BE49-F238E27FC236}">
+                <a16:creationId xmlns:a16="http://schemas.microsoft.com/office/drawing/2014/main" id="{47CACBA1-43EF-727E-5F54-DA993D4EB234}"/>
+              </a:ext>
+            </a:extLst>
+          </p:cNvPr>
+          <p:cNvSpPr/>
+          <p:nvPr/>
+        </p:nvSpPr>
+        <p:spPr>
+          <a:xfrm>
+            <a:off x="6612539" y="2951422"/>
+            <a:ext cx="839295" cy="369332"/>
+          </a:xfrm>
+          <a:prstGeom prst="rect">
+            <a:avLst/>
+          </a:prstGeom>
+          <a:solidFill>
+            <a:srgbClr val="FFFF00"/>
+          </a:solidFill>
+        </p:spPr>
+        <p:style>
+          <a:lnRef idx="2">
+            <a:schemeClr val="accent1">
+              <a:shade val="15000"/>
+            </a:schemeClr>
+          </a:lnRef>
+          <a:fillRef idx="1">
+            <a:schemeClr val="accent1"/>
+          </a:fillRef>
+          <a:effectRef idx="0">
+            <a:schemeClr val="accent1"/>
+          </a:effectRef>
+          <a:fontRef idx="minor">
+            <a:schemeClr val="lt1"/>
+          </a:fontRef>
+        </p:style>
+        <p:txBody>
+          <a:bodyPr rtlCol="0" anchor="ctr"/>
+          <a:lstStyle/>
+          <a:p>
+            <a:pPr algn="ctr"/>
+            <a:r>
+              <a:rPr kumimoji="1" lang="en-US" altLang="ko-Kore-KR" sz="1200" dirty="0">
+                <a:solidFill>
+                  <a:schemeClr val="tx1"/>
+                </a:solidFill>
+                <a:latin typeface="DM Mono" panose="020B0509040201040103" pitchFamily="49" charset="0"/>
+              </a:rPr>
+              <a:t>1000</a:t>
+            </a:r>
+            <a:endParaRPr kumimoji="1" lang="ko-Kore-KR" altLang="en-US" sz="1200" dirty="0">
+              <a:solidFill>
+                <a:schemeClr val="tx1"/>
+              </a:solidFill>
+              <a:latin typeface="DM Mono" panose="020B0509040201040103" pitchFamily="49" charset="0"/>
+            </a:endParaRPr>
+          </a:p>
+        </p:txBody>
+      </p:sp>
+      <p:sp>
+        <p:nvSpPr>
+          <p:cNvPr id="8" name="TextBox 7">
+            <a:extLst>
+              <a:ext uri="{FF2B5EF4-FFF2-40B4-BE49-F238E27FC236}">
+                <a16:creationId xmlns:a16="http://schemas.microsoft.com/office/drawing/2014/main" id="{A11E625C-C11B-C599-CA21-89C8EBA3DB27}"/>
+              </a:ext>
+            </a:extLst>
+          </p:cNvPr>
+          <p:cNvSpPr txBox="1"/>
+          <p:nvPr/>
+        </p:nvSpPr>
+        <p:spPr>
+          <a:xfrm>
+            <a:off x="5834774" y="3003343"/>
+            <a:ext cx="748862" cy="307777"/>
+          </a:xfrm>
+          <a:prstGeom prst="rect">
+            <a:avLst/>
+          </a:prstGeom>
+          <a:noFill/>
+        </p:spPr>
+        <p:txBody>
+          <a:bodyPr wrap="square">
+            <a:spAutoFit/>
+          </a:bodyPr>
+          <a:lstStyle/>
+          <a:p>
+            <a:pPr algn="r"/>
+            <a:r>
+              <a:rPr lang="en-US" altLang="ko-Kore-KR" sz="1400" dirty="0">
+                <a:latin typeface="DM Mono" panose="020B0509040201040103" pitchFamily="49" charset="0"/>
+              </a:rPr>
+              <a:t>name</a:t>
+            </a:r>
+            <a:endParaRPr lang="ko-Kore-KR" altLang="en-US" sz="1400" dirty="0"/>
+          </a:p>
+        </p:txBody>
+      </p:sp>
+      <p:sp>
+        <p:nvSpPr>
+          <p:cNvPr id="9" name="직사각형 8">
+            <a:extLst>
+              <a:ext uri="{FF2B5EF4-FFF2-40B4-BE49-F238E27FC236}">
+                <a16:creationId xmlns:a16="http://schemas.microsoft.com/office/drawing/2014/main" id="{C18D0A53-65DA-C68E-7D9C-086375407901}"/>
+              </a:ext>
+            </a:extLst>
+          </p:cNvPr>
+          <p:cNvSpPr/>
+          <p:nvPr/>
+        </p:nvSpPr>
+        <p:spPr>
+          <a:xfrm>
+            <a:off x="6612539" y="3320754"/>
+            <a:ext cx="839295" cy="369332"/>
+          </a:xfrm>
+          <a:prstGeom prst="rect">
+            <a:avLst/>
+          </a:prstGeom>
+          <a:solidFill>
+            <a:srgbClr val="FFFF00"/>
+          </a:solidFill>
+        </p:spPr>
+        <p:style>
+          <a:lnRef idx="2">
+            <a:schemeClr val="accent1">
+              <a:shade val="15000"/>
+            </a:schemeClr>
+          </a:lnRef>
+          <a:fillRef idx="1">
+            <a:schemeClr val="accent1"/>
+          </a:fillRef>
+          <a:effectRef idx="0">
+            <a:schemeClr val="accent1"/>
+          </a:effectRef>
+          <a:fontRef idx="minor">
+            <a:schemeClr val="lt1"/>
+          </a:fontRef>
+        </p:style>
+        <p:txBody>
+          <a:bodyPr rtlCol="0" anchor="ctr"/>
+          <a:lstStyle/>
+          <a:p>
+            <a:pPr algn="ctr"/>
+            <a:r>
+              <a:rPr kumimoji="1" lang="en-US" altLang="ko-Kore-KR" sz="1200" dirty="0">
+                <a:solidFill>
+                  <a:schemeClr val="tx1"/>
+                </a:solidFill>
+                <a:latin typeface="DM Mono" panose="020B0509040201040103" pitchFamily="49" charset="0"/>
+              </a:rPr>
+              <a:t>100</a:t>
+            </a:r>
+            <a:endParaRPr kumimoji="1" lang="ko-Kore-KR" altLang="en-US" sz="1200" dirty="0">
+              <a:solidFill>
+                <a:schemeClr val="tx1"/>
+              </a:solidFill>
+              <a:latin typeface="DM Mono" panose="020B0509040201040103" pitchFamily="49" charset="0"/>
+            </a:endParaRPr>
+          </a:p>
+        </p:txBody>
+      </p:sp>
+      <p:sp>
+        <p:nvSpPr>
+          <p:cNvPr id="10" name="TextBox 9">
+            <a:extLst>
+              <a:ext uri="{FF2B5EF4-FFF2-40B4-BE49-F238E27FC236}">
+                <a16:creationId xmlns:a16="http://schemas.microsoft.com/office/drawing/2014/main" id="{5F16195F-9503-C0CF-FD4E-C51FC09B1957}"/>
+              </a:ext>
+            </a:extLst>
+          </p:cNvPr>
+          <p:cNvSpPr txBox="1"/>
+          <p:nvPr/>
+        </p:nvSpPr>
+        <p:spPr>
+          <a:xfrm>
+            <a:off x="5834774" y="3351531"/>
+            <a:ext cx="748862" cy="307777"/>
+          </a:xfrm>
+          <a:prstGeom prst="rect">
+            <a:avLst/>
+          </a:prstGeom>
+          <a:noFill/>
+        </p:spPr>
+        <p:txBody>
+          <a:bodyPr wrap="square">
+            <a:spAutoFit/>
+          </a:bodyPr>
+          <a:lstStyle/>
+          <a:p>
+            <a:pPr algn="r"/>
+            <a:r>
+              <a:rPr lang="en-US" altLang="ko-Kore-KR" sz="1400" dirty="0">
+                <a:latin typeface="DM Mono" panose="020B0509040201040103" pitchFamily="49" charset="0"/>
+              </a:rPr>
+              <a:t>age</a:t>
+            </a:r>
+            <a:endParaRPr lang="ko-Kore-KR" altLang="en-US" sz="1400" dirty="0"/>
+          </a:p>
+        </p:txBody>
+      </p:sp>
+      <p:sp>
+        <p:nvSpPr>
+          <p:cNvPr id="11" name="TextBox 10">
+            <a:extLst>
+              <a:ext uri="{FF2B5EF4-FFF2-40B4-BE49-F238E27FC236}">
+                <a16:creationId xmlns:a16="http://schemas.microsoft.com/office/drawing/2014/main" id="{551865CC-B8A3-AF17-220D-B81E2A5E3154}"/>
+              </a:ext>
+            </a:extLst>
+          </p:cNvPr>
+          <p:cNvSpPr txBox="1"/>
+          <p:nvPr/>
+        </p:nvSpPr>
+        <p:spPr>
+          <a:xfrm>
+            <a:off x="6537379" y="2631169"/>
+            <a:ext cx="989614" cy="307777"/>
+          </a:xfrm>
+          <a:prstGeom prst="rect">
+            <a:avLst/>
+          </a:prstGeom>
+          <a:noFill/>
+        </p:spPr>
+        <p:txBody>
+          <a:bodyPr wrap="square">
+            <a:spAutoFit/>
+          </a:bodyPr>
+          <a:lstStyle/>
+          <a:p>
+            <a:pPr algn="ctr"/>
+            <a:r>
+              <a:rPr lang="ko-Kore-KR" altLang="en-US" sz="1400" dirty="0">
+                <a:latin typeface="DM Mono" panose="020B0509040201040103" pitchFamily="49" charset="0"/>
+              </a:rPr>
+              <a:t>임시객체</a:t>
+            </a:r>
+            <a:endParaRPr lang="ko-Kore-KR" altLang="en-US" sz="1400" dirty="0"/>
+          </a:p>
+        </p:txBody>
+      </p:sp>
+      <p:sp>
+        <p:nvSpPr>
+          <p:cNvPr id="12" name="직사각형 11">
+            <a:extLst>
+              <a:ext uri="{FF2B5EF4-FFF2-40B4-BE49-F238E27FC236}">
+                <a16:creationId xmlns:a16="http://schemas.microsoft.com/office/drawing/2014/main" id="{F330659D-F315-A179-6105-2C3D42843F0C}"/>
+              </a:ext>
+            </a:extLst>
+          </p:cNvPr>
+          <p:cNvSpPr/>
+          <p:nvPr/>
+        </p:nvSpPr>
+        <p:spPr>
+          <a:xfrm>
+            <a:off x="10254373" y="2735979"/>
+            <a:ext cx="1044247" cy="369332"/>
+          </a:xfrm>
+          <a:prstGeom prst="rect">
+            <a:avLst/>
+          </a:prstGeom>
+          <a:solidFill>
+            <a:srgbClr val="FFFF00"/>
+          </a:solidFill>
+        </p:spPr>
+        <p:style>
+          <a:lnRef idx="2">
+            <a:schemeClr val="accent1">
+              <a:shade val="15000"/>
+            </a:schemeClr>
+          </a:lnRef>
+          <a:fillRef idx="1">
+            <a:schemeClr val="accent1"/>
+          </a:fillRef>
+          <a:effectRef idx="0">
+            <a:schemeClr val="accent1"/>
+          </a:effectRef>
+          <a:fontRef idx="minor">
+            <a:schemeClr val="lt1"/>
+          </a:fontRef>
+        </p:style>
+        <p:txBody>
+          <a:bodyPr rtlCol="0" anchor="ctr"/>
+          <a:lstStyle/>
+          <a:p>
+            <a:pPr algn="ctr"/>
+            <a:r>
+              <a:rPr kumimoji="1" lang="en-US" altLang="ko-Kore-KR" sz="1200" dirty="0">
+                <a:solidFill>
+                  <a:schemeClr val="tx1"/>
+                </a:solidFill>
+                <a:latin typeface="DM Mono" panose="020B0509040201040103" pitchFamily="49" charset="0"/>
+              </a:rPr>
+              <a:t>“Bob”</a:t>
+            </a:r>
+            <a:endParaRPr kumimoji="1" lang="ko-Kore-KR" altLang="en-US" sz="1200" dirty="0">
+              <a:solidFill>
+                <a:schemeClr val="tx1"/>
+              </a:solidFill>
+              <a:latin typeface="DM Mono" panose="020B0509040201040103" pitchFamily="49" charset="0"/>
+            </a:endParaRPr>
+          </a:p>
+        </p:txBody>
+      </p:sp>
+      <p:cxnSp>
+        <p:nvCxnSpPr>
+          <p:cNvPr id="13" name="구부러진 연결선[U] 12">
+            <a:extLst>
+              <a:ext uri="{FF2B5EF4-FFF2-40B4-BE49-F238E27FC236}">
+                <a16:creationId xmlns:a16="http://schemas.microsoft.com/office/drawing/2014/main" id="{AAA16D1B-1D14-3DB0-0570-D1E634B2BAF5}"/>
+              </a:ext>
+            </a:extLst>
+          </p:cNvPr>
+          <p:cNvCxnSpPr>
+            <a:stCxn id="7" idx="3"/>
+            <a:endCxn id="12" idx="1"/>
+          </p:cNvCxnSpPr>
+          <p:nvPr/>
+        </p:nvCxnSpPr>
+        <p:spPr>
+          <a:xfrm flipV="1">
+            <a:off x="7451834" y="2920645"/>
+            <a:ext cx="2802539" cy="215443"/>
+          </a:xfrm>
+          <a:prstGeom prst="curvedConnector3">
+            <a:avLst/>
+          </a:prstGeom>
+          <a:ln>
+            <a:tailEnd type="triangle"/>
+          </a:ln>
+        </p:spPr>
+        <p:style>
+          <a:lnRef idx="1">
+            <a:schemeClr val="dk1"/>
+          </a:lnRef>
+          <a:fillRef idx="0">
+            <a:schemeClr val="dk1"/>
+          </a:fillRef>
+          <a:effectRef idx="0">
+            <a:schemeClr val="dk1"/>
+          </a:effectRef>
+          <a:fontRef idx="minor">
+            <a:schemeClr val="tx1"/>
+          </a:fontRef>
+        </p:style>
+      </p:cxnSp>
+      <p:sp>
+        <p:nvSpPr>
+          <p:cNvPr id="14" name="TextBox 13">
+            <a:extLst>
+              <a:ext uri="{FF2B5EF4-FFF2-40B4-BE49-F238E27FC236}">
+                <a16:creationId xmlns:a16="http://schemas.microsoft.com/office/drawing/2014/main" id="{78F4B262-6D68-5E61-1F8B-339751FF3620}"/>
+              </a:ext>
+            </a:extLst>
+          </p:cNvPr>
+          <p:cNvSpPr txBox="1"/>
+          <p:nvPr/>
+        </p:nvSpPr>
+        <p:spPr>
+          <a:xfrm>
+            <a:off x="9841295" y="2474369"/>
+            <a:ext cx="730031" cy="261610"/>
+          </a:xfrm>
+          <a:prstGeom prst="rect">
+            <a:avLst/>
+          </a:prstGeom>
+          <a:noFill/>
+        </p:spPr>
+        <p:txBody>
+          <a:bodyPr wrap="square">
+            <a:spAutoFit/>
+          </a:bodyPr>
+          <a:lstStyle/>
+          <a:p>
+            <a:pPr algn="ctr"/>
+            <a:r>
+              <a:rPr lang="en-US" altLang="ko-Kore-KR" sz="1050" dirty="0">
+                <a:latin typeface="DM Mono" panose="020B0509040201040103" pitchFamily="49" charset="0"/>
+              </a:rPr>
+              <a:t>1000</a:t>
+            </a:r>
+            <a:endParaRPr lang="ko-Kore-KR" altLang="en-US" sz="1050" dirty="0"/>
+          </a:p>
+        </p:txBody>
+      </p:sp>
+      <p:sp>
+        <p:nvSpPr>
+          <p:cNvPr id="2" name="직사각형 1">
+            <a:extLst>
+              <a:ext uri="{FF2B5EF4-FFF2-40B4-BE49-F238E27FC236}">
+                <a16:creationId xmlns:a16="http://schemas.microsoft.com/office/drawing/2014/main" id="{BDC89F44-33BA-4827-7AE6-B281B0DF0F0C}"/>
+              </a:ext>
+            </a:extLst>
+          </p:cNvPr>
+          <p:cNvSpPr/>
+          <p:nvPr/>
+        </p:nvSpPr>
+        <p:spPr>
+          <a:xfrm>
+            <a:off x="6612539" y="4459657"/>
+            <a:ext cx="839295" cy="369332"/>
+          </a:xfrm>
+          <a:prstGeom prst="rect">
+            <a:avLst/>
+          </a:prstGeom>
+          <a:solidFill>
+            <a:srgbClr val="FFFF00"/>
+          </a:solidFill>
+        </p:spPr>
+        <p:style>
+          <a:lnRef idx="2">
+            <a:schemeClr val="accent1">
+              <a:shade val="15000"/>
+            </a:schemeClr>
+          </a:lnRef>
+          <a:fillRef idx="1">
+            <a:schemeClr val="accent1"/>
+          </a:fillRef>
+          <a:effectRef idx="0">
+            <a:schemeClr val="accent1"/>
+          </a:effectRef>
+          <a:fontRef idx="minor">
+            <a:schemeClr val="lt1"/>
+          </a:fontRef>
+        </p:style>
+        <p:txBody>
+          <a:bodyPr rtlCol="0" anchor="ctr"/>
+          <a:lstStyle/>
+          <a:p>
+            <a:pPr algn="ctr"/>
+            <a:r>
+              <a:rPr kumimoji="1" lang="en-US" altLang="ko-Kore-KR" sz="1200" dirty="0">
+                <a:solidFill>
+                  <a:srgbClr val="FF0000"/>
+                </a:solidFill>
+                <a:latin typeface="DM Mono" panose="020B0509040201040103" pitchFamily="49" charset="0"/>
+              </a:rPr>
+              <a:t>2000</a:t>
+            </a:r>
+            <a:endParaRPr kumimoji="1" lang="ko-Kore-KR" altLang="en-US" sz="1200" dirty="0">
+              <a:solidFill>
+                <a:srgbClr val="FF0000"/>
+              </a:solidFill>
+              <a:latin typeface="DM Mono" panose="020B0509040201040103" pitchFamily="49" charset="0"/>
+            </a:endParaRPr>
+          </a:p>
+        </p:txBody>
+      </p:sp>
+      <p:sp>
+        <p:nvSpPr>
+          <p:cNvPr id="3" name="TextBox 2">
+            <a:extLst>
+              <a:ext uri="{FF2B5EF4-FFF2-40B4-BE49-F238E27FC236}">
+                <a16:creationId xmlns:a16="http://schemas.microsoft.com/office/drawing/2014/main" id="{26E67CE0-D19B-871D-7FEB-02900F685A6D}"/>
+              </a:ext>
+            </a:extLst>
+          </p:cNvPr>
+          <p:cNvSpPr txBox="1"/>
+          <p:nvPr/>
+        </p:nvSpPr>
+        <p:spPr>
+          <a:xfrm>
+            <a:off x="5834774" y="4511578"/>
+            <a:ext cx="748862" cy="307777"/>
+          </a:xfrm>
+          <a:prstGeom prst="rect">
+            <a:avLst/>
+          </a:prstGeom>
+          <a:noFill/>
+        </p:spPr>
+        <p:txBody>
+          <a:bodyPr wrap="square">
+            <a:spAutoFit/>
+          </a:bodyPr>
+          <a:lstStyle/>
+          <a:p>
+            <a:pPr algn="r"/>
+            <a:r>
+              <a:rPr lang="en-US" altLang="ko-Kore-KR" sz="1400" dirty="0">
+                <a:latin typeface="DM Mono" panose="020B0509040201040103" pitchFamily="49" charset="0"/>
+              </a:rPr>
+              <a:t>name</a:t>
+            </a:r>
+            <a:endParaRPr lang="ko-Kore-KR" altLang="en-US" sz="1400" dirty="0"/>
+          </a:p>
+        </p:txBody>
+      </p:sp>
+      <p:sp>
+        <p:nvSpPr>
+          <p:cNvPr id="4" name="직사각형 3">
+            <a:extLst>
+              <a:ext uri="{FF2B5EF4-FFF2-40B4-BE49-F238E27FC236}">
+                <a16:creationId xmlns:a16="http://schemas.microsoft.com/office/drawing/2014/main" id="{49351FFE-A35C-8A2D-3808-BF13890F777D}"/>
+              </a:ext>
+            </a:extLst>
+          </p:cNvPr>
+          <p:cNvSpPr/>
+          <p:nvPr/>
+        </p:nvSpPr>
+        <p:spPr>
+          <a:xfrm>
+            <a:off x="6612539" y="4828989"/>
+            <a:ext cx="839295" cy="369332"/>
+          </a:xfrm>
+          <a:prstGeom prst="rect">
+            <a:avLst/>
+          </a:prstGeom>
+          <a:solidFill>
+            <a:srgbClr val="FFFF00"/>
+          </a:solidFill>
+        </p:spPr>
+        <p:style>
+          <a:lnRef idx="2">
+            <a:schemeClr val="accent1">
+              <a:shade val="15000"/>
+            </a:schemeClr>
+          </a:lnRef>
+          <a:fillRef idx="1">
+            <a:schemeClr val="accent1"/>
+          </a:fillRef>
+          <a:effectRef idx="0">
+            <a:schemeClr val="accent1"/>
+          </a:effectRef>
+          <a:fontRef idx="minor">
+            <a:schemeClr val="lt1"/>
+          </a:fontRef>
+        </p:style>
+        <p:txBody>
+          <a:bodyPr rtlCol="0" anchor="ctr"/>
+          <a:lstStyle/>
+          <a:p>
+            <a:pPr algn="ctr"/>
+            <a:r>
+              <a:rPr kumimoji="1" lang="en-US" altLang="ko-Kore-KR" sz="1200" dirty="0">
+                <a:solidFill>
+                  <a:srgbClr val="FF0000"/>
+                </a:solidFill>
+                <a:latin typeface="DM Mono" panose="020B0509040201040103" pitchFamily="49" charset="0"/>
+              </a:rPr>
+              <a:t>100</a:t>
+            </a:r>
+            <a:endParaRPr kumimoji="1" lang="ko-Kore-KR" altLang="en-US" sz="1200" dirty="0">
+              <a:solidFill>
+                <a:srgbClr val="FF0000"/>
+              </a:solidFill>
+              <a:latin typeface="DM Mono" panose="020B0509040201040103" pitchFamily="49" charset="0"/>
+            </a:endParaRPr>
+          </a:p>
+        </p:txBody>
+      </p:sp>
+      <p:sp>
+        <p:nvSpPr>
+          <p:cNvPr id="5" name="TextBox 4">
+            <a:extLst>
+              <a:ext uri="{FF2B5EF4-FFF2-40B4-BE49-F238E27FC236}">
+                <a16:creationId xmlns:a16="http://schemas.microsoft.com/office/drawing/2014/main" id="{EA9240CF-4DD0-27C5-8E83-B539041E99A8}"/>
+              </a:ext>
+            </a:extLst>
+          </p:cNvPr>
+          <p:cNvSpPr txBox="1"/>
+          <p:nvPr/>
+        </p:nvSpPr>
+        <p:spPr>
+          <a:xfrm>
+            <a:off x="5834774" y="4859766"/>
+            <a:ext cx="748862" cy="307777"/>
+          </a:xfrm>
+          <a:prstGeom prst="rect">
+            <a:avLst/>
+          </a:prstGeom>
+          <a:noFill/>
+        </p:spPr>
+        <p:txBody>
+          <a:bodyPr wrap="square">
+            <a:spAutoFit/>
+          </a:bodyPr>
+          <a:lstStyle/>
+          <a:p>
+            <a:pPr algn="r"/>
+            <a:r>
+              <a:rPr lang="en-US" altLang="ko-Kore-KR" sz="1400" dirty="0">
+                <a:latin typeface="DM Mono" panose="020B0509040201040103" pitchFamily="49" charset="0"/>
+              </a:rPr>
+              <a:t>age</a:t>
+            </a:r>
+            <a:endParaRPr lang="ko-Kore-KR" altLang="en-US" sz="1400" dirty="0"/>
+          </a:p>
+        </p:txBody>
+      </p:sp>
+      <p:sp>
+        <p:nvSpPr>
+          <p:cNvPr id="15" name="TextBox 14">
+            <a:extLst>
+              <a:ext uri="{FF2B5EF4-FFF2-40B4-BE49-F238E27FC236}">
+                <a16:creationId xmlns:a16="http://schemas.microsoft.com/office/drawing/2014/main" id="{8230D371-3543-55AB-D9B1-955FA6E064F1}"/>
+              </a:ext>
+            </a:extLst>
+          </p:cNvPr>
+          <p:cNvSpPr txBox="1"/>
+          <p:nvPr/>
+        </p:nvSpPr>
+        <p:spPr>
+          <a:xfrm>
+            <a:off x="6537379" y="4139404"/>
+            <a:ext cx="989614" cy="307777"/>
+          </a:xfrm>
+          <a:prstGeom prst="rect">
+            <a:avLst/>
+          </a:prstGeom>
+          <a:noFill/>
+        </p:spPr>
+        <p:txBody>
+          <a:bodyPr wrap="square">
+            <a:spAutoFit/>
+          </a:bodyPr>
+          <a:lstStyle/>
+          <a:p>
+            <a:pPr algn="ctr"/>
+            <a:r>
+              <a:rPr lang="en-US" altLang="ko-Kore-KR" sz="1400" dirty="0">
+                <a:latin typeface="DM Mono" panose="020B0509040201040103" pitchFamily="49" charset="0"/>
+              </a:rPr>
+              <a:t>other</a:t>
+            </a:r>
+            <a:endParaRPr lang="ko-Kore-KR" altLang="en-US" sz="1400" dirty="0"/>
+          </a:p>
+        </p:txBody>
+      </p:sp>
+      <p:sp>
+        <p:nvSpPr>
+          <p:cNvPr id="16" name="직사각형 15">
+            <a:extLst>
+              <a:ext uri="{FF2B5EF4-FFF2-40B4-BE49-F238E27FC236}">
+                <a16:creationId xmlns:a16="http://schemas.microsoft.com/office/drawing/2014/main" id="{CF72ACCA-4E32-0946-8083-082FF476D641}"/>
+              </a:ext>
+            </a:extLst>
+          </p:cNvPr>
+          <p:cNvSpPr/>
+          <p:nvPr/>
+        </p:nvSpPr>
+        <p:spPr>
+          <a:xfrm>
+            <a:off x="10261215" y="3920918"/>
+            <a:ext cx="1044247" cy="369332"/>
+          </a:xfrm>
+          <a:prstGeom prst="rect">
+            <a:avLst/>
+          </a:prstGeom>
+          <a:solidFill>
+            <a:srgbClr val="FFFF00"/>
+          </a:solidFill>
+        </p:spPr>
+        <p:style>
+          <a:lnRef idx="2">
+            <a:schemeClr val="accent1">
+              <a:shade val="15000"/>
+            </a:schemeClr>
+          </a:lnRef>
+          <a:fillRef idx="1">
+            <a:schemeClr val="accent1"/>
+          </a:fillRef>
+          <a:effectRef idx="0">
+            <a:schemeClr val="accent1"/>
+          </a:effectRef>
+          <a:fontRef idx="minor">
+            <a:schemeClr val="lt1"/>
+          </a:fontRef>
+        </p:style>
+        <p:txBody>
+          <a:bodyPr rtlCol="0" anchor="ctr"/>
+          <a:lstStyle/>
+          <a:p>
+            <a:pPr algn="ctr"/>
+            <a:r>
+              <a:rPr kumimoji="1" lang="en-US" altLang="ko-Kore-KR" sz="1200" dirty="0">
+                <a:solidFill>
+                  <a:srgbClr val="FF0000"/>
+                </a:solidFill>
+                <a:latin typeface="DM Mono" panose="020B0509040201040103" pitchFamily="49" charset="0"/>
+              </a:rPr>
+              <a:t>“Bob”</a:t>
+            </a:r>
+            <a:endParaRPr kumimoji="1" lang="ko-Kore-KR" altLang="en-US" sz="1200" dirty="0">
+              <a:solidFill>
+                <a:srgbClr val="FF0000"/>
+              </a:solidFill>
+              <a:latin typeface="DM Mono" panose="020B0509040201040103" pitchFamily="49" charset="0"/>
+            </a:endParaRPr>
+          </a:p>
+        </p:txBody>
+      </p:sp>
+      <p:sp>
+        <p:nvSpPr>
+          <p:cNvPr id="17" name="TextBox 16">
+            <a:extLst>
+              <a:ext uri="{FF2B5EF4-FFF2-40B4-BE49-F238E27FC236}">
+                <a16:creationId xmlns:a16="http://schemas.microsoft.com/office/drawing/2014/main" id="{3A117E93-8805-1822-BA11-1A559DB174C0}"/>
+              </a:ext>
+            </a:extLst>
+          </p:cNvPr>
+          <p:cNvSpPr txBox="1"/>
+          <p:nvPr/>
+        </p:nvSpPr>
+        <p:spPr>
+          <a:xfrm>
+            <a:off x="9848137" y="3659308"/>
+            <a:ext cx="730031" cy="261610"/>
+          </a:xfrm>
+          <a:prstGeom prst="rect">
+            <a:avLst/>
+          </a:prstGeom>
+          <a:noFill/>
+        </p:spPr>
+        <p:txBody>
+          <a:bodyPr wrap="square">
+            <a:spAutoFit/>
+          </a:bodyPr>
+          <a:lstStyle/>
+          <a:p>
+            <a:pPr algn="ctr"/>
+            <a:r>
+              <a:rPr lang="en-US" altLang="ko-Kore-KR" sz="1050" dirty="0">
+                <a:latin typeface="DM Mono" panose="020B0509040201040103" pitchFamily="49" charset="0"/>
+              </a:rPr>
+              <a:t>2000</a:t>
+            </a:r>
+            <a:endParaRPr lang="ko-Kore-KR" altLang="en-US" sz="1050" dirty="0"/>
+          </a:p>
+        </p:txBody>
+      </p:sp>
+      <p:cxnSp>
+        <p:nvCxnSpPr>
+          <p:cNvPr id="18" name="구부러진 연결선[U] 17">
+            <a:extLst>
+              <a:ext uri="{FF2B5EF4-FFF2-40B4-BE49-F238E27FC236}">
+                <a16:creationId xmlns:a16="http://schemas.microsoft.com/office/drawing/2014/main" id="{090DD4CC-8BBA-B015-F46A-FFB7A1D39BD9}"/>
+              </a:ext>
+            </a:extLst>
+          </p:cNvPr>
+          <p:cNvCxnSpPr>
+            <a:cxnSpLocks/>
+            <a:stCxn id="2" idx="3"/>
+            <a:endCxn id="16" idx="1"/>
+          </p:cNvCxnSpPr>
+          <p:nvPr/>
+        </p:nvCxnSpPr>
+        <p:spPr>
+          <a:xfrm flipV="1">
+            <a:off x="7451834" y="4105584"/>
+            <a:ext cx="2809381" cy="538739"/>
+          </a:xfrm>
+          <a:prstGeom prst="curvedConnector3">
+            <a:avLst/>
+          </a:prstGeom>
+          <a:ln>
+            <a:tailEnd type="triangle"/>
+          </a:ln>
+        </p:spPr>
+        <p:style>
+          <a:lnRef idx="1">
+            <a:schemeClr val="dk1"/>
+          </a:lnRef>
+          <a:fillRef idx="0">
+            <a:schemeClr val="dk1"/>
+          </a:fillRef>
+          <a:effectRef idx="0">
+            <a:schemeClr val="dk1"/>
+          </a:effectRef>
+          <a:fontRef idx="minor">
+            <a:schemeClr val="tx1"/>
+          </a:fontRef>
+        </p:style>
+      </p:cxnSp>
+    </p:spTree>
+    <p:extLst>
+      <p:ext uri="{BB962C8B-B14F-4D97-AF65-F5344CB8AC3E}">
+        <p14:creationId xmlns:p14="http://schemas.microsoft.com/office/powerpoint/2010/main" val="4289594575"/>
+      </p:ext>
+    </p:extLst>
+  </p:cSld>
+  <p:clrMapOvr>
+    <a:masterClrMapping/>
+  </p:clrMapOvr>
+</p:sld>
+</file>
+
+<file path=ppt/slides/slide32.xml><?xml version="1.0" encoding="utf-8"?>
+<p:sld xmlns:a="http://schemas.openxmlformats.org/drawingml/2006/main" xmlns:r="http://schemas.openxmlformats.org/officeDocument/2006/relationships" xmlns:p="http://schemas.openxmlformats.org/presentationml/2006/main">
+  <p:cSld>
+    <p:spTree>
+      <p:nvGrpSpPr>
+        <p:cNvPr id="1" name=""/>
+        <p:cNvGrpSpPr/>
+        <p:nvPr/>
+      </p:nvGrpSpPr>
+      <p:grpSpPr>
+        <a:xfrm>
+          <a:off x="0" y="0"/>
+          <a:ext cx="0" cy="0"/>
+          <a:chOff x="0" y="0"/>
+          <a:chExt cx="0" cy="0"/>
+        </a:xfrm>
+      </p:grpSpPr>
+      <p:sp>
+        <p:nvSpPr>
+          <p:cNvPr id="6" name="TextBox 5">
+            <a:extLst>
+              <a:ext uri="{FF2B5EF4-FFF2-40B4-BE49-F238E27FC236}">
+                <a16:creationId xmlns:a16="http://schemas.microsoft.com/office/drawing/2014/main" id="{72814AB5-0A65-D810-1CDC-82BB2013E57D}"/>
+              </a:ext>
+            </a:extLst>
+          </p:cNvPr>
+          <p:cNvSpPr txBox="1"/>
+          <p:nvPr/>
+        </p:nvSpPr>
+        <p:spPr>
+          <a:xfrm>
+            <a:off x="395232" y="380210"/>
+            <a:ext cx="6096000" cy="1569660"/>
+          </a:xfrm>
+          <a:prstGeom prst="rect">
+            <a:avLst/>
+          </a:prstGeom>
+          <a:noFill/>
+        </p:spPr>
+        <p:txBody>
+          <a:bodyPr wrap="square">
+            <a:spAutoFit/>
+          </a:bodyPr>
+          <a:lstStyle/>
+          <a:p>
+            <a:r>
+              <a:rPr lang="en-US" altLang="ko-Kore-KR" sz="1200" dirty="0">
+                <a:latin typeface="DM Mono" panose="020B0509040201040103" pitchFamily="49" charset="0"/>
+              </a:rPr>
+              <a:t>    </a:t>
+            </a:r>
+            <a:r>
+              <a:rPr lang="ko-Kore-KR" altLang="en-US" sz="1200" dirty="0">
+                <a:latin typeface="DM Mono" panose="020B0509040201040103" pitchFamily="49" charset="0"/>
+              </a:rPr>
+              <a:t>User(const User&amp; rhs)</a:t>
+            </a:r>
+          </a:p>
+          <a:p>
+            <a:r>
+              <a:rPr lang="ko-Kore-KR" altLang="en-US" sz="1200" dirty="0">
+                <a:latin typeface="DM Mono" panose="020B0509040201040103" pitchFamily="49" charset="0"/>
+              </a:rPr>
+              <a:t>        : age { rhs.age }</a:t>
+            </a:r>
+          </a:p>
+          <a:p>
+            <a:r>
+              <a:rPr lang="ko-Kore-KR" altLang="en-US" sz="1200" dirty="0">
+                <a:latin typeface="DM Mono" panose="020B0509040201040103" pitchFamily="49" charset="0"/>
+              </a:rPr>
+              <a:t>    {</a:t>
+            </a:r>
+          </a:p>
+          <a:p>
+            <a:r>
+              <a:rPr lang="ko-Kore-KR" altLang="en-US" sz="1200" dirty="0">
+                <a:latin typeface="DM Mono" panose="020B0509040201040103" pitchFamily="49" charset="0"/>
+              </a:rPr>
+              <a:t>        name = new char[strlen(rhs.name) + 1];</a:t>
+            </a:r>
+          </a:p>
+          <a:p>
+            <a:r>
+              <a:rPr lang="ko-Kore-KR" altLang="en-US" sz="1200" dirty="0">
+                <a:latin typeface="DM Mono" panose="020B0509040201040103" pitchFamily="49" charset="0"/>
+              </a:rPr>
+              <a:t>        strcpy(name, rhs.name);</a:t>
+            </a:r>
+          </a:p>
+          <a:p>
+            <a:r>
+              <a:rPr lang="ko-Kore-KR" altLang="en-US" sz="1200" dirty="0">
+                <a:latin typeface="DM Mono" panose="020B0509040201040103" pitchFamily="49" charset="0"/>
+              </a:rPr>
+              <a:t>    }</a:t>
+            </a:r>
+            <a:endParaRPr lang="en-US" altLang="ko-Kore-KR" sz="1200" dirty="0">
+              <a:latin typeface="DM Mono" panose="020B0509040201040103" pitchFamily="49" charset="0"/>
+            </a:endParaRPr>
+          </a:p>
+          <a:p>
+            <a:endParaRPr lang="en-US" altLang="ko-Kore-KR" sz="1200" dirty="0">
+              <a:latin typeface="DM Mono" panose="020B0509040201040103" pitchFamily="49" charset="0"/>
+            </a:endParaRPr>
+          </a:p>
+          <a:p>
+            <a:r>
+              <a:rPr lang="en-US" altLang="ko-Kore-KR" sz="1200" dirty="0">
+                <a:solidFill>
+                  <a:srgbClr val="FF0000"/>
+                </a:solidFill>
+                <a:latin typeface="DM Mono" panose="020B0509040201040103" pitchFamily="49" charset="0"/>
+              </a:rPr>
+              <a:t>User other = User("Bob", 100);</a:t>
+            </a:r>
+          </a:p>
+        </p:txBody>
+      </p:sp>
+      <p:sp>
+        <p:nvSpPr>
+          <p:cNvPr id="7" name="직사각형 6">
+            <a:extLst>
+              <a:ext uri="{FF2B5EF4-FFF2-40B4-BE49-F238E27FC236}">
+                <a16:creationId xmlns:a16="http://schemas.microsoft.com/office/drawing/2014/main" id="{47CACBA1-43EF-727E-5F54-DA993D4EB234}"/>
+              </a:ext>
+            </a:extLst>
+          </p:cNvPr>
+          <p:cNvSpPr/>
+          <p:nvPr/>
+        </p:nvSpPr>
+        <p:spPr>
+          <a:xfrm>
+            <a:off x="6612539" y="2951422"/>
+            <a:ext cx="839295" cy="369332"/>
+          </a:xfrm>
+          <a:prstGeom prst="rect">
+            <a:avLst/>
+          </a:prstGeom>
+          <a:solidFill>
+            <a:srgbClr val="FFFF00"/>
+          </a:solidFill>
+          <a:ln>
+            <a:solidFill>
+              <a:srgbClr val="FF0000"/>
+            </a:solidFill>
+          </a:ln>
+        </p:spPr>
+        <p:style>
+          <a:lnRef idx="2">
+            <a:schemeClr val="accent1">
+              <a:shade val="15000"/>
+            </a:schemeClr>
+          </a:lnRef>
+          <a:fillRef idx="1">
+            <a:schemeClr val="accent1"/>
+          </a:fillRef>
+          <a:effectRef idx="0">
+            <a:schemeClr val="accent1"/>
+          </a:effectRef>
+          <a:fontRef idx="minor">
+            <a:schemeClr val="lt1"/>
+          </a:fontRef>
+        </p:style>
+        <p:txBody>
+          <a:bodyPr rtlCol="0" anchor="ctr"/>
+          <a:lstStyle/>
+          <a:p>
+            <a:pPr algn="ctr"/>
+            <a:r>
+              <a:rPr kumimoji="1" lang="en-US" altLang="ko-Kore-KR" sz="1200" dirty="0">
+                <a:solidFill>
+                  <a:schemeClr val="tx1"/>
+                </a:solidFill>
+                <a:latin typeface="DM Mono" panose="020B0509040201040103" pitchFamily="49" charset="0"/>
+              </a:rPr>
+              <a:t>1000</a:t>
+            </a:r>
+            <a:endParaRPr kumimoji="1" lang="ko-Kore-KR" altLang="en-US" sz="1200" dirty="0">
+              <a:solidFill>
+                <a:schemeClr val="tx1"/>
+              </a:solidFill>
+              <a:latin typeface="DM Mono" panose="020B0509040201040103" pitchFamily="49" charset="0"/>
+            </a:endParaRPr>
+          </a:p>
+        </p:txBody>
+      </p:sp>
+      <p:sp>
+        <p:nvSpPr>
+          <p:cNvPr id="8" name="TextBox 7">
+            <a:extLst>
+              <a:ext uri="{FF2B5EF4-FFF2-40B4-BE49-F238E27FC236}">
+                <a16:creationId xmlns:a16="http://schemas.microsoft.com/office/drawing/2014/main" id="{A11E625C-C11B-C599-CA21-89C8EBA3DB27}"/>
+              </a:ext>
+            </a:extLst>
+          </p:cNvPr>
+          <p:cNvSpPr txBox="1"/>
+          <p:nvPr/>
+        </p:nvSpPr>
+        <p:spPr>
+          <a:xfrm>
+            <a:off x="5834774" y="3003343"/>
+            <a:ext cx="748862" cy="307777"/>
+          </a:xfrm>
+          <a:prstGeom prst="rect">
+            <a:avLst/>
+          </a:prstGeom>
+          <a:noFill/>
+        </p:spPr>
+        <p:txBody>
+          <a:bodyPr wrap="square">
+            <a:spAutoFit/>
+          </a:bodyPr>
+          <a:lstStyle/>
+          <a:p>
+            <a:pPr algn="r"/>
+            <a:r>
+              <a:rPr lang="en-US" altLang="ko-Kore-KR" sz="1400" dirty="0">
+                <a:latin typeface="DM Mono" panose="020B0509040201040103" pitchFamily="49" charset="0"/>
+              </a:rPr>
+              <a:t>name</a:t>
+            </a:r>
+            <a:endParaRPr lang="ko-Kore-KR" altLang="en-US" sz="1400" dirty="0"/>
+          </a:p>
+        </p:txBody>
+      </p:sp>
+      <p:sp>
+        <p:nvSpPr>
+          <p:cNvPr id="9" name="직사각형 8">
+            <a:extLst>
+              <a:ext uri="{FF2B5EF4-FFF2-40B4-BE49-F238E27FC236}">
+                <a16:creationId xmlns:a16="http://schemas.microsoft.com/office/drawing/2014/main" id="{C18D0A53-65DA-C68E-7D9C-086375407901}"/>
+              </a:ext>
+            </a:extLst>
+          </p:cNvPr>
+          <p:cNvSpPr/>
+          <p:nvPr/>
+        </p:nvSpPr>
+        <p:spPr>
+          <a:xfrm>
+            <a:off x="6612539" y="3320754"/>
+            <a:ext cx="839295" cy="369332"/>
+          </a:xfrm>
+          <a:prstGeom prst="rect">
+            <a:avLst/>
+          </a:prstGeom>
+          <a:solidFill>
+            <a:srgbClr val="FFFF00"/>
+          </a:solidFill>
+          <a:ln>
+            <a:solidFill>
+              <a:srgbClr val="FF0000"/>
+            </a:solidFill>
+          </a:ln>
+        </p:spPr>
+        <p:style>
+          <a:lnRef idx="2">
+            <a:schemeClr val="accent1">
+              <a:shade val="15000"/>
+            </a:schemeClr>
+          </a:lnRef>
+          <a:fillRef idx="1">
+            <a:schemeClr val="accent1"/>
+          </a:fillRef>
+          <a:effectRef idx="0">
+            <a:schemeClr val="accent1"/>
+          </a:effectRef>
+          <a:fontRef idx="minor">
+            <a:schemeClr val="lt1"/>
+          </a:fontRef>
+        </p:style>
+        <p:txBody>
+          <a:bodyPr rtlCol="0" anchor="ctr"/>
+          <a:lstStyle/>
+          <a:p>
+            <a:pPr algn="ctr"/>
+            <a:r>
+              <a:rPr kumimoji="1" lang="en-US" altLang="ko-Kore-KR" sz="1200" dirty="0">
+                <a:solidFill>
+                  <a:schemeClr val="tx1"/>
+                </a:solidFill>
+                <a:latin typeface="DM Mono" panose="020B0509040201040103" pitchFamily="49" charset="0"/>
+              </a:rPr>
+              <a:t>100</a:t>
+            </a:r>
+            <a:endParaRPr kumimoji="1" lang="ko-Kore-KR" altLang="en-US" sz="1200" dirty="0">
+              <a:solidFill>
+                <a:schemeClr val="tx1"/>
+              </a:solidFill>
+              <a:latin typeface="DM Mono" panose="020B0509040201040103" pitchFamily="49" charset="0"/>
+            </a:endParaRPr>
+          </a:p>
+        </p:txBody>
+      </p:sp>
+      <p:sp>
+        <p:nvSpPr>
+          <p:cNvPr id="10" name="TextBox 9">
+            <a:extLst>
+              <a:ext uri="{FF2B5EF4-FFF2-40B4-BE49-F238E27FC236}">
+                <a16:creationId xmlns:a16="http://schemas.microsoft.com/office/drawing/2014/main" id="{5F16195F-9503-C0CF-FD4E-C51FC09B1957}"/>
+              </a:ext>
+            </a:extLst>
+          </p:cNvPr>
+          <p:cNvSpPr txBox="1"/>
+          <p:nvPr/>
+        </p:nvSpPr>
+        <p:spPr>
+          <a:xfrm>
+            <a:off x="5834774" y="3351531"/>
+            <a:ext cx="748862" cy="307777"/>
+          </a:xfrm>
+          <a:prstGeom prst="rect">
+            <a:avLst/>
+          </a:prstGeom>
+          <a:noFill/>
+        </p:spPr>
+        <p:txBody>
+          <a:bodyPr wrap="square">
+            <a:spAutoFit/>
+          </a:bodyPr>
+          <a:lstStyle/>
+          <a:p>
+            <a:pPr algn="r"/>
+            <a:r>
+              <a:rPr lang="en-US" altLang="ko-Kore-KR" sz="1400" dirty="0">
+                <a:latin typeface="DM Mono" panose="020B0509040201040103" pitchFamily="49" charset="0"/>
+              </a:rPr>
+              <a:t>age</a:t>
+            </a:r>
+            <a:endParaRPr lang="ko-Kore-KR" altLang="en-US" sz="1400" dirty="0"/>
+          </a:p>
+        </p:txBody>
+      </p:sp>
+      <p:sp>
+        <p:nvSpPr>
+          <p:cNvPr id="11" name="TextBox 10">
+            <a:extLst>
+              <a:ext uri="{FF2B5EF4-FFF2-40B4-BE49-F238E27FC236}">
+                <a16:creationId xmlns:a16="http://schemas.microsoft.com/office/drawing/2014/main" id="{551865CC-B8A3-AF17-220D-B81E2A5E3154}"/>
+              </a:ext>
+            </a:extLst>
+          </p:cNvPr>
+          <p:cNvSpPr txBox="1"/>
+          <p:nvPr/>
+        </p:nvSpPr>
+        <p:spPr>
+          <a:xfrm>
+            <a:off x="6537379" y="2631169"/>
+            <a:ext cx="989614" cy="307777"/>
+          </a:xfrm>
+          <a:prstGeom prst="rect">
+            <a:avLst/>
+          </a:prstGeom>
+          <a:noFill/>
+        </p:spPr>
+        <p:txBody>
+          <a:bodyPr wrap="square">
+            <a:spAutoFit/>
+          </a:bodyPr>
+          <a:lstStyle/>
+          <a:p>
+            <a:pPr algn="ctr"/>
+            <a:r>
+              <a:rPr lang="ko-Kore-KR" altLang="en-US" sz="1400" dirty="0">
+                <a:latin typeface="DM Mono" panose="020B0509040201040103" pitchFamily="49" charset="0"/>
+              </a:rPr>
+              <a:t>임시객체</a:t>
+            </a:r>
+            <a:endParaRPr lang="ko-Kore-KR" altLang="en-US" sz="1400" dirty="0"/>
+          </a:p>
+        </p:txBody>
+      </p:sp>
+      <p:sp>
+        <p:nvSpPr>
+          <p:cNvPr id="12" name="직사각형 11">
+            <a:extLst>
+              <a:ext uri="{FF2B5EF4-FFF2-40B4-BE49-F238E27FC236}">
+                <a16:creationId xmlns:a16="http://schemas.microsoft.com/office/drawing/2014/main" id="{F330659D-F315-A179-6105-2C3D42843F0C}"/>
+              </a:ext>
+            </a:extLst>
+          </p:cNvPr>
+          <p:cNvSpPr/>
+          <p:nvPr/>
+        </p:nvSpPr>
+        <p:spPr>
+          <a:xfrm>
+            <a:off x="10254373" y="2735979"/>
+            <a:ext cx="1044247" cy="369332"/>
+          </a:xfrm>
+          <a:prstGeom prst="rect">
+            <a:avLst/>
+          </a:prstGeom>
+          <a:solidFill>
+            <a:srgbClr val="FFFF00"/>
+          </a:solidFill>
+          <a:ln>
+            <a:solidFill>
+              <a:srgbClr val="FF0000"/>
+            </a:solidFill>
+          </a:ln>
+        </p:spPr>
+        <p:style>
+          <a:lnRef idx="2">
+            <a:schemeClr val="accent1">
+              <a:shade val="15000"/>
+            </a:schemeClr>
+          </a:lnRef>
+          <a:fillRef idx="1">
+            <a:schemeClr val="accent1"/>
+          </a:fillRef>
+          <a:effectRef idx="0">
+            <a:schemeClr val="accent1"/>
+          </a:effectRef>
+          <a:fontRef idx="minor">
+            <a:schemeClr val="lt1"/>
+          </a:fontRef>
+        </p:style>
+        <p:txBody>
+          <a:bodyPr rtlCol="0" anchor="ctr"/>
+          <a:lstStyle/>
+          <a:p>
+            <a:pPr algn="ctr"/>
+            <a:r>
+              <a:rPr kumimoji="1" lang="en-US" altLang="ko-Kore-KR" sz="1200" dirty="0">
+                <a:solidFill>
+                  <a:schemeClr val="tx1"/>
+                </a:solidFill>
+                <a:latin typeface="DM Mono" panose="020B0509040201040103" pitchFamily="49" charset="0"/>
+              </a:rPr>
+              <a:t>“Bob”</a:t>
+            </a:r>
+            <a:endParaRPr kumimoji="1" lang="ko-Kore-KR" altLang="en-US" sz="1200" dirty="0">
+              <a:solidFill>
+                <a:schemeClr val="tx1"/>
+              </a:solidFill>
+              <a:latin typeface="DM Mono" panose="020B0509040201040103" pitchFamily="49" charset="0"/>
+            </a:endParaRPr>
+          </a:p>
+        </p:txBody>
+      </p:sp>
+      <p:cxnSp>
+        <p:nvCxnSpPr>
+          <p:cNvPr id="13" name="구부러진 연결선[U] 12">
+            <a:extLst>
+              <a:ext uri="{FF2B5EF4-FFF2-40B4-BE49-F238E27FC236}">
+                <a16:creationId xmlns:a16="http://schemas.microsoft.com/office/drawing/2014/main" id="{AAA16D1B-1D14-3DB0-0570-D1E634B2BAF5}"/>
+              </a:ext>
+            </a:extLst>
+          </p:cNvPr>
+          <p:cNvCxnSpPr>
+            <a:stCxn id="7" idx="3"/>
+            <a:endCxn id="12" idx="1"/>
+          </p:cNvCxnSpPr>
+          <p:nvPr/>
+        </p:nvCxnSpPr>
+        <p:spPr>
+          <a:xfrm flipV="1">
+            <a:off x="7451834" y="2920645"/>
+            <a:ext cx="2802539" cy="215443"/>
+          </a:xfrm>
+          <a:prstGeom prst="curvedConnector3">
+            <a:avLst/>
+          </a:prstGeom>
+          <a:ln>
+            <a:tailEnd type="triangle"/>
+          </a:ln>
+        </p:spPr>
+        <p:style>
+          <a:lnRef idx="1">
+            <a:schemeClr val="dk1"/>
+          </a:lnRef>
+          <a:fillRef idx="0">
+            <a:schemeClr val="dk1"/>
+          </a:fillRef>
+          <a:effectRef idx="0">
+            <a:schemeClr val="dk1"/>
+          </a:effectRef>
+          <a:fontRef idx="minor">
+            <a:schemeClr val="tx1"/>
+          </a:fontRef>
+        </p:style>
+      </p:cxnSp>
+      <p:sp>
+        <p:nvSpPr>
+          <p:cNvPr id="14" name="TextBox 13">
+            <a:extLst>
+              <a:ext uri="{FF2B5EF4-FFF2-40B4-BE49-F238E27FC236}">
+                <a16:creationId xmlns:a16="http://schemas.microsoft.com/office/drawing/2014/main" id="{78F4B262-6D68-5E61-1F8B-339751FF3620}"/>
+              </a:ext>
+            </a:extLst>
+          </p:cNvPr>
+          <p:cNvSpPr txBox="1"/>
+          <p:nvPr/>
+        </p:nvSpPr>
+        <p:spPr>
+          <a:xfrm>
+            <a:off x="9841295" y="2474369"/>
+            <a:ext cx="730031" cy="261610"/>
+          </a:xfrm>
+          <a:prstGeom prst="rect">
+            <a:avLst/>
+          </a:prstGeom>
+          <a:noFill/>
+        </p:spPr>
+        <p:txBody>
+          <a:bodyPr wrap="square">
+            <a:spAutoFit/>
+          </a:bodyPr>
+          <a:lstStyle/>
+          <a:p>
+            <a:pPr algn="ctr"/>
+            <a:r>
+              <a:rPr lang="en-US" altLang="ko-Kore-KR" sz="1050" dirty="0">
+                <a:latin typeface="DM Mono" panose="020B0509040201040103" pitchFamily="49" charset="0"/>
+              </a:rPr>
+              <a:t>1000</a:t>
+            </a:r>
+            <a:endParaRPr lang="ko-Kore-KR" altLang="en-US" sz="1050" dirty="0"/>
+          </a:p>
+        </p:txBody>
+      </p:sp>
+      <p:sp>
+        <p:nvSpPr>
+          <p:cNvPr id="2" name="직사각형 1">
+            <a:extLst>
+              <a:ext uri="{FF2B5EF4-FFF2-40B4-BE49-F238E27FC236}">
+                <a16:creationId xmlns:a16="http://schemas.microsoft.com/office/drawing/2014/main" id="{BDC89F44-33BA-4827-7AE6-B281B0DF0F0C}"/>
+              </a:ext>
+            </a:extLst>
+          </p:cNvPr>
+          <p:cNvSpPr/>
+          <p:nvPr/>
+        </p:nvSpPr>
+        <p:spPr>
+          <a:xfrm>
+            <a:off x="6612539" y="4459657"/>
+            <a:ext cx="839295" cy="369332"/>
+          </a:xfrm>
+          <a:prstGeom prst="rect">
+            <a:avLst/>
+          </a:prstGeom>
+          <a:solidFill>
+            <a:srgbClr val="FFFF00"/>
+          </a:solidFill>
+        </p:spPr>
+        <p:style>
+          <a:lnRef idx="2">
+            <a:schemeClr val="accent1">
+              <a:shade val="15000"/>
+            </a:schemeClr>
+          </a:lnRef>
+          <a:fillRef idx="1">
+            <a:schemeClr val="accent1"/>
+          </a:fillRef>
+          <a:effectRef idx="0">
+            <a:schemeClr val="accent1"/>
+          </a:effectRef>
+          <a:fontRef idx="minor">
+            <a:schemeClr val="lt1"/>
+          </a:fontRef>
+        </p:style>
+        <p:txBody>
+          <a:bodyPr rtlCol="0" anchor="ctr"/>
+          <a:lstStyle/>
+          <a:p>
+            <a:pPr algn="ctr"/>
+            <a:r>
+              <a:rPr kumimoji="1" lang="en-US" altLang="ko-Kore-KR" sz="1200" dirty="0">
+                <a:solidFill>
+                  <a:srgbClr val="FF0000"/>
+                </a:solidFill>
+                <a:latin typeface="DM Mono" panose="020B0509040201040103" pitchFamily="49" charset="0"/>
+              </a:rPr>
+              <a:t>2000</a:t>
+            </a:r>
+            <a:endParaRPr kumimoji="1" lang="ko-Kore-KR" altLang="en-US" sz="1200" dirty="0">
+              <a:solidFill>
+                <a:srgbClr val="FF0000"/>
+              </a:solidFill>
+              <a:latin typeface="DM Mono" panose="020B0509040201040103" pitchFamily="49" charset="0"/>
+            </a:endParaRPr>
+          </a:p>
+        </p:txBody>
+      </p:sp>
+      <p:sp>
+        <p:nvSpPr>
+          <p:cNvPr id="3" name="TextBox 2">
+            <a:extLst>
+              <a:ext uri="{FF2B5EF4-FFF2-40B4-BE49-F238E27FC236}">
+                <a16:creationId xmlns:a16="http://schemas.microsoft.com/office/drawing/2014/main" id="{26E67CE0-D19B-871D-7FEB-02900F685A6D}"/>
+              </a:ext>
+            </a:extLst>
+          </p:cNvPr>
+          <p:cNvSpPr txBox="1"/>
+          <p:nvPr/>
+        </p:nvSpPr>
+        <p:spPr>
+          <a:xfrm>
+            <a:off x="5834774" y="4511578"/>
+            <a:ext cx="748862" cy="307777"/>
+          </a:xfrm>
+          <a:prstGeom prst="rect">
+            <a:avLst/>
+          </a:prstGeom>
+          <a:noFill/>
+        </p:spPr>
+        <p:txBody>
+          <a:bodyPr wrap="square">
+            <a:spAutoFit/>
+          </a:bodyPr>
+          <a:lstStyle/>
+          <a:p>
+            <a:pPr algn="r"/>
+            <a:r>
+              <a:rPr lang="en-US" altLang="ko-Kore-KR" sz="1400" dirty="0">
+                <a:latin typeface="DM Mono" panose="020B0509040201040103" pitchFamily="49" charset="0"/>
+              </a:rPr>
+              <a:t>name</a:t>
+            </a:r>
+            <a:endParaRPr lang="ko-Kore-KR" altLang="en-US" sz="1400" dirty="0"/>
+          </a:p>
+        </p:txBody>
+      </p:sp>
+      <p:sp>
+        <p:nvSpPr>
+          <p:cNvPr id="4" name="직사각형 3">
+            <a:extLst>
+              <a:ext uri="{FF2B5EF4-FFF2-40B4-BE49-F238E27FC236}">
+                <a16:creationId xmlns:a16="http://schemas.microsoft.com/office/drawing/2014/main" id="{49351FFE-A35C-8A2D-3808-BF13890F777D}"/>
+              </a:ext>
+            </a:extLst>
+          </p:cNvPr>
+          <p:cNvSpPr/>
+          <p:nvPr/>
+        </p:nvSpPr>
+        <p:spPr>
+          <a:xfrm>
+            <a:off x="6612539" y="4828989"/>
+            <a:ext cx="839295" cy="369332"/>
+          </a:xfrm>
+          <a:prstGeom prst="rect">
+            <a:avLst/>
+          </a:prstGeom>
+          <a:solidFill>
+            <a:srgbClr val="FFFF00"/>
+          </a:solidFill>
+        </p:spPr>
+        <p:style>
+          <a:lnRef idx="2">
+            <a:schemeClr val="accent1">
+              <a:shade val="15000"/>
+            </a:schemeClr>
+          </a:lnRef>
+          <a:fillRef idx="1">
+            <a:schemeClr val="accent1"/>
+          </a:fillRef>
+          <a:effectRef idx="0">
+            <a:schemeClr val="accent1"/>
+          </a:effectRef>
+          <a:fontRef idx="minor">
+            <a:schemeClr val="lt1"/>
+          </a:fontRef>
+        </p:style>
+        <p:txBody>
+          <a:bodyPr rtlCol="0" anchor="ctr"/>
+          <a:lstStyle/>
+          <a:p>
+            <a:pPr algn="ctr"/>
+            <a:r>
+              <a:rPr kumimoji="1" lang="en-US" altLang="ko-Kore-KR" sz="1200" dirty="0">
+                <a:solidFill>
+                  <a:srgbClr val="FF0000"/>
+                </a:solidFill>
+                <a:latin typeface="DM Mono" panose="020B0509040201040103" pitchFamily="49" charset="0"/>
+              </a:rPr>
+              <a:t>100</a:t>
+            </a:r>
+            <a:endParaRPr kumimoji="1" lang="ko-Kore-KR" altLang="en-US" sz="1200" dirty="0">
+              <a:solidFill>
+                <a:srgbClr val="FF0000"/>
+              </a:solidFill>
+              <a:latin typeface="DM Mono" panose="020B0509040201040103" pitchFamily="49" charset="0"/>
+            </a:endParaRPr>
+          </a:p>
+        </p:txBody>
+      </p:sp>
+      <p:sp>
+        <p:nvSpPr>
+          <p:cNvPr id="5" name="TextBox 4">
+            <a:extLst>
+              <a:ext uri="{FF2B5EF4-FFF2-40B4-BE49-F238E27FC236}">
+                <a16:creationId xmlns:a16="http://schemas.microsoft.com/office/drawing/2014/main" id="{EA9240CF-4DD0-27C5-8E83-B539041E99A8}"/>
+              </a:ext>
+            </a:extLst>
+          </p:cNvPr>
+          <p:cNvSpPr txBox="1"/>
+          <p:nvPr/>
+        </p:nvSpPr>
+        <p:spPr>
+          <a:xfrm>
+            <a:off x="5834774" y="4859766"/>
+            <a:ext cx="748862" cy="307777"/>
+          </a:xfrm>
+          <a:prstGeom prst="rect">
+            <a:avLst/>
+          </a:prstGeom>
+          <a:noFill/>
+        </p:spPr>
+        <p:txBody>
+          <a:bodyPr wrap="square">
+            <a:spAutoFit/>
+          </a:bodyPr>
+          <a:lstStyle/>
+          <a:p>
+            <a:pPr algn="r"/>
+            <a:r>
+              <a:rPr lang="en-US" altLang="ko-Kore-KR" sz="1400" dirty="0">
+                <a:latin typeface="DM Mono" panose="020B0509040201040103" pitchFamily="49" charset="0"/>
+              </a:rPr>
+              <a:t>age</a:t>
+            </a:r>
+            <a:endParaRPr lang="ko-Kore-KR" altLang="en-US" sz="1400" dirty="0"/>
+          </a:p>
+        </p:txBody>
+      </p:sp>
+      <p:sp>
+        <p:nvSpPr>
+          <p:cNvPr id="15" name="TextBox 14">
+            <a:extLst>
+              <a:ext uri="{FF2B5EF4-FFF2-40B4-BE49-F238E27FC236}">
+                <a16:creationId xmlns:a16="http://schemas.microsoft.com/office/drawing/2014/main" id="{8230D371-3543-55AB-D9B1-955FA6E064F1}"/>
+              </a:ext>
+            </a:extLst>
+          </p:cNvPr>
+          <p:cNvSpPr txBox="1"/>
+          <p:nvPr/>
+        </p:nvSpPr>
+        <p:spPr>
+          <a:xfrm>
+            <a:off x="6537379" y="4139404"/>
+            <a:ext cx="989614" cy="307777"/>
+          </a:xfrm>
+          <a:prstGeom prst="rect">
+            <a:avLst/>
+          </a:prstGeom>
+          <a:noFill/>
+        </p:spPr>
+        <p:txBody>
+          <a:bodyPr wrap="square">
+            <a:spAutoFit/>
+          </a:bodyPr>
+          <a:lstStyle/>
+          <a:p>
+            <a:pPr algn="ctr"/>
+            <a:r>
+              <a:rPr lang="en-US" altLang="ko-Kore-KR" sz="1400" dirty="0">
+                <a:latin typeface="DM Mono" panose="020B0509040201040103" pitchFamily="49" charset="0"/>
+              </a:rPr>
+              <a:t>other</a:t>
+            </a:r>
+            <a:endParaRPr lang="ko-Kore-KR" altLang="en-US" sz="1400" dirty="0"/>
+          </a:p>
+        </p:txBody>
+      </p:sp>
+      <p:sp>
+        <p:nvSpPr>
+          <p:cNvPr id="16" name="직사각형 15">
+            <a:extLst>
+              <a:ext uri="{FF2B5EF4-FFF2-40B4-BE49-F238E27FC236}">
+                <a16:creationId xmlns:a16="http://schemas.microsoft.com/office/drawing/2014/main" id="{CF72ACCA-4E32-0946-8083-082FF476D641}"/>
+              </a:ext>
+            </a:extLst>
+          </p:cNvPr>
+          <p:cNvSpPr/>
+          <p:nvPr/>
+        </p:nvSpPr>
+        <p:spPr>
+          <a:xfrm>
+            <a:off x="10261215" y="3920918"/>
+            <a:ext cx="1044247" cy="369332"/>
+          </a:xfrm>
+          <a:prstGeom prst="rect">
+            <a:avLst/>
+          </a:prstGeom>
+          <a:solidFill>
+            <a:srgbClr val="FFFF00"/>
+          </a:solidFill>
+        </p:spPr>
+        <p:style>
+          <a:lnRef idx="2">
+            <a:schemeClr val="accent1">
+              <a:shade val="15000"/>
+            </a:schemeClr>
+          </a:lnRef>
+          <a:fillRef idx="1">
+            <a:schemeClr val="accent1"/>
+          </a:fillRef>
+          <a:effectRef idx="0">
+            <a:schemeClr val="accent1"/>
+          </a:effectRef>
+          <a:fontRef idx="minor">
+            <a:schemeClr val="lt1"/>
+          </a:fontRef>
+        </p:style>
+        <p:txBody>
+          <a:bodyPr rtlCol="0" anchor="ctr"/>
+          <a:lstStyle/>
+          <a:p>
+            <a:pPr algn="ctr"/>
+            <a:r>
+              <a:rPr kumimoji="1" lang="en-US" altLang="ko-Kore-KR" sz="1200" dirty="0">
+                <a:solidFill>
+                  <a:srgbClr val="FF0000"/>
+                </a:solidFill>
+                <a:latin typeface="DM Mono" panose="020B0509040201040103" pitchFamily="49" charset="0"/>
+              </a:rPr>
+              <a:t>“Bob”</a:t>
+            </a:r>
+            <a:endParaRPr kumimoji="1" lang="ko-Kore-KR" altLang="en-US" sz="1200" dirty="0">
+              <a:solidFill>
+                <a:srgbClr val="FF0000"/>
+              </a:solidFill>
+              <a:latin typeface="DM Mono" panose="020B0509040201040103" pitchFamily="49" charset="0"/>
+            </a:endParaRPr>
+          </a:p>
+        </p:txBody>
+      </p:sp>
+      <p:sp>
+        <p:nvSpPr>
+          <p:cNvPr id="17" name="TextBox 16">
+            <a:extLst>
+              <a:ext uri="{FF2B5EF4-FFF2-40B4-BE49-F238E27FC236}">
+                <a16:creationId xmlns:a16="http://schemas.microsoft.com/office/drawing/2014/main" id="{3A117E93-8805-1822-BA11-1A559DB174C0}"/>
+              </a:ext>
+            </a:extLst>
+          </p:cNvPr>
+          <p:cNvSpPr txBox="1"/>
+          <p:nvPr/>
+        </p:nvSpPr>
+        <p:spPr>
+          <a:xfrm>
+            <a:off x="9848137" y="3659308"/>
+            <a:ext cx="730031" cy="261610"/>
+          </a:xfrm>
+          <a:prstGeom prst="rect">
+            <a:avLst/>
+          </a:prstGeom>
+          <a:noFill/>
+        </p:spPr>
+        <p:txBody>
+          <a:bodyPr wrap="square">
+            <a:spAutoFit/>
+          </a:bodyPr>
+          <a:lstStyle/>
+          <a:p>
+            <a:pPr algn="ctr"/>
+            <a:r>
+              <a:rPr lang="en-US" altLang="ko-Kore-KR" sz="1050" dirty="0">
+                <a:latin typeface="DM Mono" panose="020B0509040201040103" pitchFamily="49" charset="0"/>
+              </a:rPr>
+              <a:t>2000</a:t>
+            </a:r>
+            <a:endParaRPr lang="ko-Kore-KR" altLang="en-US" sz="1050" dirty="0"/>
+          </a:p>
+        </p:txBody>
+      </p:sp>
+      <p:cxnSp>
+        <p:nvCxnSpPr>
+          <p:cNvPr id="18" name="구부러진 연결선[U] 17">
+            <a:extLst>
+              <a:ext uri="{FF2B5EF4-FFF2-40B4-BE49-F238E27FC236}">
+                <a16:creationId xmlns:a16="http://schemas.microsoft.com/office/drawing/2014/main" id="{090DD4CC-8BBA-B015-F46A-FFB7A1D39BD9}"/>
+              </a:ext>
+            </a:extLst>
+          </p:cNvPr>
+          <p:cNvCxnSpPr>
+            <a:cxnSpLocks/>
+            <a:stCxn id="2" idx="3"/>
+            <a:endCxn id="16" idx="1"/>
+          </p:cNvCxnSpPr>
+          <p:nvPr/>
+        </p:nvCxnSpPr>
+        <p:spPr>
+          <a:xfrm flipV="1">
+            <a:off x="7451834" y="4105584"/>
+            <a:ext cx="2809381" cy="538739"/>
+          </a:xfrm>
+          <a:prstGeom prst="curvedConnector3">
+            <a:avLst/>
+          </a:prstGeom>
+          <a:ln>
+            <a:tailEnd type="triangle"/>
+          </a:ln>
+        </p:spPr>
+        <p:style>
+          <a:lnRef idx="1">
+            <a:schemeClr val="dk1"/>
+          </a:lnRef>
+          <a:fillRef idx="0">
+            <a:schemeClr val="dk1"/>
+          </a:fillRef>
+          <a:effectRef idx="0">
+            <a:schemeClr val="dk1"/>
+          </a:effectRef>
+          <a:fontRef idx="minor">
+            <a:schemeClr val="tx1"/>
+          </a:fontRef>
+        </p:style>
+      </p:cxnSp>
+    </p:spTree>
+    <p:extLst>
+      <p:ext uri="{BB962C8B-B14F-4D97-AF65-F5344CB8AC3E}">
+        <p14:creationId xmlns:p14="http://schemas.microsoft.com/office/powerpoint/2010/main" val="1415774981"/>
+      </p:ext>
+    </p:extLst>
+  </p:cSld>
+  <p:clrMapOvr>
+    <a:masterClrMapping/>
+  </p:clrMapOvr>
+</p:sld>
+</file>
+
+<file path=ppt/slides/slide33.xml><?xml version="1.0" encoding="utf-8"?>
+<p:sld xmlns:a="http://schemas.openxmlformats.org/drawingml/2006/main" xmlns:r="http://schemas.openxmlformats.org/officeDocument/2006/relationships" xmlns:p="http://schemas.openxmlformats.org/presentationml/2006/main">
+  <p:cSld>
+    <p:spTree>
+      <p:nvGrpSpPr>
+        <p:cNvPr id="1" name=""/>
+        <p:cNvGrpSpPr/>
+        <p:nvPr/>
+      </p:nvGrpSpPr>
+      <p:grpSpPr>
+        <a:xfrm>
+          <a:off x="0" y="0"/>
+          <a:ext cx="0" cy="0"/>
+          <a:chOff x="0" y="0"/>
+          <a:chExt cx="0" cy="0"/>
+        </a:xfrm>
+      </p:grpSpPr>
+      <p:sp>
+        <p:nvSpPr>
+          <p:cNvPr id="6" name="TextBox 5">
+            <a:extLst>
+              <a:ext uri="{FF2B5EF4-FFF2-40B4-BE49-F238E27FC236}">
+                <a16:creationId xmlns:a16="http://schemas.microsoft.com/office/drawing/2014/main" id="{72814AB5-0A65-D810-1CDC-82BB2013E57D}"/>
+              </a:ext>
+            </a:extLst>
+          </p:cNvPr>
+          <p:cNvSpPr txBox="1"/>
+          <p:nvPr/>
+        </p:nvSpPr>
+        <p:spPr>
+          <a:xfrm>
+            <a:off x="395232" y="380210"/>
+            <a:ext cx="6096000" cy="1569660"/>
+          </a:xfrm>
+          <a:prstGeom prst="rect">
+            <a:avLst/>
+          </a:prstGeom>
+          <a:noFill/>
+        </p:spPr>
+        <p:txBody>
+          <a:bodyPr wrap="square">
+            <a:spAutoFit/>
+          </a:bodyPr>
+          <a:lstStyle/>
+          <a:p>
+            <a:r>
+              <a:rPr lang="en-US" altLang="ko-Kore-KR" sz="1200" dirty="0">
+                <a:latin typeface="DM Mono" panose="020B0509040201040103" pitchFamily="49" charset="0"/>
+              </a:rPr>
+              <a:t>    </a:t>
+            </a:r>
+            <a:r>
+              <a:rPr lang="ko-Kore-KR" altLang="en-US" sz="1200" dirty="0">
+                <a:latin typeface="DM Mono" panose="020B0509040201040103" pitchFamily="49" charset="0"/>
+              </a:rPr>
+              <a:t>User(const User&amp; rhs)</a:t>
+            </a:r>
+          </a:p>
+          <a:p>
+            <a:r>
+              <a:rPr lang="ko-Kore-KR" altLang="en-US" sz="1200" dirty="0">
+                <a:latin typeface="DM Mono" panose="020B0509040201040103" pitchFamily="49" charset="0"/>
+              </a:rPr>
+              <a:t>        : age { rhs.age }</a:t>
+            </a:r>
+          </a:p>
+          <a:p>
+            <a:r>
+              <a:rPr lang="ko-Kore-KR" altLang="en-US" sz="1200" dirty="0">
+                <a:latin typeface="DM Mono" panose="020B0509040201040103" pitchFamily="49" charset="0"/>
+              </a:rPr>
+              <a:t>    {</a:t>
+            </a:r>
+          </a:p>
+          <a:p>
+            <a:r>
+              <a:rPr lang="ko-Kore-KR" altLang="en-US" sz="1200" dirty="0">
+                <a:latin typeface="DM Mono" panose="020B0509040201040103" pitchFamily="49" charset="0"/>
+              </a:rPr>
+              <a:t>        name = new char[strlen(rhs.name) + 1];</a:t>
+            </a:r>
+          </a:p>
+          <a:p>
+            <a:r>
+              <a:rPr lang="ko-Kore-KR" altLang="en-US" sz="1200" dirty="0">
+                <a:latin typeface="DM Mono" panose="020B0509040201040103" pitchFamily="49" charset="0"/>
+              </a:rPr>
+              <a:t>        strcpy(name, rhs.name);</a:t>
+            </a:r>
+          </a:p>
+          <a:p>
+            <a:r>
+              <a:rPr lang="ko-Kore-KR" altLang="en-US" sz="1200" dirty="0">
+                <a:latin typeface="DM Mono" panose="020B0509040201040103" pitchFamily="49" charset="0"/>
+              </a:rPr>
+              <a:t>    }</a:t>
+            </a:r>
+            <a:endParaRPr lang="en-US" altLang="ko-Kore-KR" sz="1200" dirty="0">
+              <a:latin typeface="DM Mono" panose="020B0509040201040103" pitchFamily="49" charset="0"/>
+            </a:endParaRPr>
+          </a:p>
+          <a:p>
+            <a:endParaRPr lang="en-US" altLang="ko-Kore-KR" sz="1200" dirty="0">
+              <a:latin typeface="DM Mono" panose="020B0509040201040103" pitchFamily="49" charset="0"/>
+            </a:endParaRPr>
+          </a:p>
+          <a:p>
+            <a:r>
+              <a:rPr lang="en-US" altLang="ko-Kore-KR" sz="1200" dirty="0">
+                <a:solidFill>
+                  <a:srgbClr val="FF0000"/>
+                </a:solidFill>
+                <a:latin typeface="DM Mono" panose="020B0509040201040103" pitchFamily="49" charset="0"/>
+              </a:rPr>
+              <a:t>User other = User("Bob", 100);</a:t>
+            </a:r>
+          </a:p>
+        </p:txBody>
+      </p:sp>
+      <p:sp>
+        <p:nvSpPr>
+          <p:cNvPr id="7" name="직사각형 6">
+            <a:extLst>
+              <a:ext uri="{FF2B5EF4-FFF2-40B4-BE49-F238E27FC236}">
+                <a16:creationId xmlns:a16="http://schemas.microsoft.com/office/drawing/2014/main" id="{47CACBA1-43EF-727E-5F54-DA993D4EB234}"/>
+              </a:ext>
+            </a:extLst>
+          </p:cNvPr>
+          <p:cNvSpPr/>
+          <p:nvPr/>
+        </p:nvSpPr>
+        <p:spPr>
+          <a:xfrm>
+            <a:off x="6612539" y="2951422"/>
+            <a:ext cx="839295" cy="369332"/>
+          </a:xfrm>
+          <a:prstGeom prst="rect">
+            <a:avLst/>
+          </a:prstGeom>
+          <a:solidFill>
+            <a:srgbClr val="FFFF00"/>
+          </a:solidFill>
+        </p:spPr>
+        <p:style>
+          <a:lnRef idx="2">
+            <a:schemeClr val="accent1">
+              <a:shade val="15000"/>
+            </a:schemeClr>
+          </a:lnRef>
+          <a:fillRef idx="1">
+            <a:schemeClr val="accent1"/>
+          </a:fillRef>
+          <a:effectRef idx="0">
+            <a:schemeClr val="accent1"/>
+          </a:effectRef>
+          <a:fontRef idx="minor">
+            <a:schemeClr val="lt1"/>
+          </a:fontRef>
+        </p:style>
+        <p:txBody>
+          <a:bodyPr rtlCol="0" anchor="ctr"/>
+          <a:lstStyle/>
+          <a:p>
+            <a:pPr algn="ctr"/>
+            <a:r>
+              <a:rPr kumimoji="1" lang="en-US" altLang="ko-Kore-KR" sz="1200" dirty="0">
+                <a:solidFill>
+                  <a:schemeClr val="tx1"/>
+                </a:solidFill>
+                <a:latin typeface="DM Mono" panose="020B0509040201040103" pitchFamily="49" charset="0"/>
+              </a:rPr>
+              <a:t>1000</a:t>
+            </a:r>
+            <a:endParaRPr kumimoji="1" lang="ko-Kore-KR" altLang="en-US" sz="1200" dirty="0">
+              <a:solidFill>
+                <a:schemeClr val="tx1"/>
+              </a:solidFill>
+              <a:latin typeface="DM Mono" panose="020B0509040201040103" pitchFamily="49" charset="0"/>
+            </a:endParaRPr>
+          </a:p>
+        </p:txBody>
+      </p:sp>
+      <p:sp>
+        <p:nvSpPr>
+          <p:cNvPr id="8" name="TextBox 7">
+            <a:extLst>
+              <a:ext uri="{FF2B5EF4-FFF2-40B4-BE49-F238E27FC236}">
+                <a16:creationId xmlns:a16="http://schemas.microsoft.com/office/drawing/2014/main" id="{A11E625C-C11B-C599-CA21-89C8EBA3DB27}"/>
+              </a:ext>
+            </a:extLst>
+          </p:cNvPr>
+          <p:cNvSpPr txBox="1"/>
+          <p:nvPr/>
+        </p:nvSpPr>
+        <p:spPr>
+          <a:xfrm>
+            <a:off x="5834774" y="3003343"/>
+            <a:ext cx="748862" cy="307777"/>
+          </a:xfrm>
+          <a:prstGeom prst="rect">
+            <a:avLst/>
+          </a:prstGeom>
+          <a:noFill/>
+        </p:spPr>
+        <p:txBody>
+          <a:bodyPr wrap="square">
+            <a:spAutoFit/>
+          </a:bodyPr>
+          <a:lstStyle/>
+          <a:p>
+            <a:pPr algn="r"/>
+            <a:r>
+              <a:rPr lang="en-US" altLang="ko-Kore-KR" sz="1400" dirty="0">
+                <a:latin typeface="DM Mono" panose="020B0509040201040103" pitchFamily="49" charset="0"/>
+              </a:rPr>
+              <a:t>name</a:t>
+            </a:r>
+            <a:endParaRPr lang="ko-Kore-KR" altLang="en-US" sz="1400" dirty="0"/>
+          </a:p>
+        </p:txBody>
+      </p:sp>
+      <p:sp>
+        <p:nvSpPr>
+          <p:cNvPr id="9" name="직사각형 8">
+            <a:extLst>
+              <a:ext uri="{FF2B5EF4-FFF2-40B4-BE49-F238E27FC236}">
+                <a16:creationId xmlns:a16="http://schemas.microsoft.com/office/drawing/2014/main" id="{C18D0A53-65DA-C68E-7D9C-086375407901}"/>
+              </a:ext>
+            </a:extLst>
+          </p:cNvPr>
+          <p:cNvSpPr/>
+          <p:nvPr/>
+        </p:nvSpPr>
+        <p:spPr>
+          <a:xfrm>
+            <a:off x="6612539" y="3320754"/>
+            <a:ext cx="839295" cy="369332"/>
+          </a:xfrm>
+          <a:prstGeom prst="rect">
+            <a:avLst/>
+          </a:prstGeom>
+          <a:solidFill>
+            <a:srgbClr val="FFFF00"/>
+          </a:solidFill>
+        </p:spPr>
+        <p:style>
+          <a:lnRef idx="2">
+            <a:schemeClr val="accent1">
+              <a:shade val="15000"/>
+            </a:schemeClr>
+          </a:lnRef>
+          <a:fillRef idx="1">
+            <a:schemeClr val="accent1"/>
+          </a:fillRef>
+          <a:effectRef idx="0">
+            <a:schemeClr val="accent1"/>
+          </a:effectRef>
+          <a:fontRef idx="minor">
+            <a:schemeClr val="lt1"/>
+          </a:fontRef>
+        </p:style>
+        <p:txBody>
+          <a:bodyPr rtlCol="0" anchor="ctr"/>
+          <a:lstStyle/>
+          <a:p>
+            <a:pPr algn="ctr"/>
+            <a:r>
+              <a:rPr kumimoji="1" lang="en-US" altLang="ko-Kore-KR" sz="1200" dirty="0">
+                <a:solidFill>
+                  <a:schemeClr val="tx1"/>
+                </a:solidFill>
+                <a:latin typeface="DM Mono" panose="020B0509040201040103" pitchFamily="49" charset="0"/>
+              </a:rPr>
+              <a:t>100</a:t>
+            </a:r>
+            <a:endParaRPr kumimoji="1" lang="ko-Kore-KR" altLang="en-US" sz="1200" dirty="0">
+              <a:solidFill>
+                <a:schemeClr val="tx1"/>
+              </a:solidFill>
+              <a:latin typeface="DM Mono" panose="020B0509040201040103" pitchFamily="49" charset="0"/>
+            </a:endParaRPr>
+          </a:p>
+        </p:txBody>
+      </p:sp>
+      <p:sp>
+        <p:nvSpPr>
+          <p:cNvPr id="10" name="TextBox 9">
+            <a:extLst>
+              <a:ext uri="{FF2B5EF4-FFF2-40B4-BE49-F238E27FC236}">
+                <a16:creationId xmlns:a16="http://schemas.microsoft.com/office/drawing/2014/main" id="{5F16195F-9503-C0CF-FD4E-C51FC09B1957}"/>
+              </a:ext>
+            </a:extLst>
+          </p:cNvPr>
+          <p:cNvSpPr txBox="1"/>
+          <p:nvPr/>
+        </p:nvSpPr>
+        <p:spPr>
+          <a:xfrm>
+            <a:off x="5834774" y="3351531"/>
+            <a:ext cx="748862" cy="307777"/>
+          </a:xfrm>
+          <a:prstGeom prst="rect">
+            <a:avLst/>
+          </a:prstGeom>
+          <a:noFill/>
+        </p:spPr>
+        <p:txBody>
+          <a:bodyPr wrap="square">
+            <a:spAutoFit/>
+          </a:bodyPr>
+          <a:lstStyle/>
+          <a:p>
+            <a:pPr algn="r"/>
+            <a:r>
+              <a:rPr lang="en-US" altLang="ko-Kore-KR" sz="1400" dirty="0">
+                <a:latin typeface="DM Mono" panose="020B0509040201040103" pitchFamily="49" charset="0"/>
+              </a:rPr>
+              <a:t>age</a:t>
+            </a:r>
+            <a:endParaRPr lang="ko-Kore-KR" altLang="en-US" sz="1400" dirty="0"/>
+          </a:p>
+        </p:txBody>
+      </p:sp>
+      <p:sp>
+        <p:nvSpPr>
+          <p:cNvPr id="11" name="TextBox 10">
+            <a:extLst>
+              <a:ext uri="{FF2B5EF4-FFF2-40B4-BE49-F238E27FC236}">
+                <a16:creationId xmlns:a16="http://schemas.microsoft.com/office/drawing/2014/main" id="{551865CC-B8A3-AF17-220D-B81E2A5E3154}"/>
+              </a:ext>
+            </a:extLst>
+          </p:cNvPr>
+          <p:cNvSpPr txBox="1"/>
+          <p:nvPr/>
+        </p:nvSpPr>
+        <p:spPr>
+          <a:xfrm>
+            <a:off x="6537379" y="2631169"/>
+            <a:ext cx="989614" cy="307777"/>
+          </a:xfrm>
+          <a:prstGeom prst="rect">
+            <a:avLst/>
+          </a:prstGeom>
+          <a:noFill/>
+        </p:spPr>
+        <p:txBody>
+          <a:bodyPr wrap="square">
+            <a:spAutoFit/>
+          </a:bodyPr>
+          <a:lstStyle/>
+          <a:p>
+            <a:pPr algn="ctr"/>
+            <a:r>
+              <a:rPr lang="ko-Kore-KR" altLang="en-US" sz="1400" dirty="0">
+                <a:latin typeface="DM Mono" panose="020B0509040201040103" pitchFamily="49" charset="0"/>
+              </a:rPr>
+              <a:t>임시객체</a:t>
+            </a:r>
+            <a:endParaRPr lang="ko-Kore-KR" altLang="en-US" sz="1400" dirty="0"/>
+          </a:p>
+        </p:txBody>
+      </p:sp>
+      <p:sp>
+        <p:nvSpPr>
+          <p:cNvPr id="12" name="직사각형 11">
+            <a:extLst>
+              <a:ext uri="{FF2B5EF4-FFF2-40B4-BE49-F238E27FC236}">
+                <a16:creationId xmlns:a16="http://schemas.microsoft.com/office/drawing/2014/main" id="{F330659D-F315-A179-6105-2C3D42843F0C}"/>
+              </a:ext>
+            </a:extLst>
+          </p:cNvPr>
+          <p:cNvSpPr/>
+          <p:nvPr/>
+        </p:nvSpPr>
+        <p:spPr>
+          <a:xfrm>
+            <a:off x="10254373" y="2735979"/>
+            <a:ext cx="1044247" cy="369332"/>
+          </a:xfrm>
+          <a:prstGeom prst="rect">
+            <a:avLst/>
+          </a:prstGeom>
+          <a:solidFill>
+            <a:srgbClr val="FFFF00"/>
+          </a:solidFill>
+        </p:spPr>
+        <p:style>
+          <a:lnRef idx="2">
+            <a:schemeClr val="accent1">
+              <a:shade val="15000"/>
+            </a:schemeClr>
+          </a:lnRef>
+          <a:fillRef idx="1">
+            <a:schemeClr val="accent1"/>
+          </a:fillRef>
+          <a:effectRef idx="0">
+            <a:schemeClr val="accent1"/>
+          </a:effectRef>
+          <a:fontRef idx="minor">
+            <a:schemeClr val="lt1"/>
+          </a:fontRef>
+        </p:style>
+        <p:txBody>
+          <a:bodyPr rtlCol="0" anchor="ctr"/>
+          <a:lstStyle/>
+          <a:p>
+            <a:pPr algn="ctr"/>
+            <a:r>
+              <a:rPr kumimoji="1" lang="en-US" altLang="ko-Kore-KR" sz="1200" dirty="0">
+                <a:solidFill>
+                  <a:schemeClr val="tx1"/>
+                </a:solidFill>
+                <a:latin typeface="DM Mono" panose="020B0509040201040103" pitchFamily="49" charset="0"/>
+              </a:rPr>
+              <a:t>“Bob”</a:t>
+            </a:r>
+            <a:endParaRPr kumimoji="1" lang="ko-Kore-KR" altLang="en-US" sz="1200" dirty="0">
+              <a:solidFill>
+                <a:schemeClr val="tx1"/>
+              </a:solidFill>
+              <a:latin typeface="DM Mono" panose="020B0509040201040103" pitchFamily="49" charset="0"/>
+            </a:endParaRPr>
+          </a:p>
+        </p:txBody>
+      </p:sp>
+      <p:cxnSp>
+        <p:nvCxnSpPr>
+          <p:cNvPr id="13" name="구부러진 연결선[U] 12">
+            <a:extLst>
+              <a:ext uri="{FF2B5EF4-FFF2-40B4-BE49-F238E27FC236}">
+                <a16:creationId xmlns:a16="http://schemas.microsoft.com/office/drawing/2014/main" id="{AAA16D1B-1D14-3DB0-0570-D1E634B2BAF5}"/>
+              </a:ext>
+            </a:extLst>
+          </p:cNvPr>
+          <p:cNvCxnSpPr>
+            <a:stCxn id="7" idx="3"/>
+            <a:endCxn id="12" idx="1"/>
+          </p:cNvCxnSpPr>
+          <p:nvPr/>
+        </p:nvCxnSpPr>
+        <p:spPr>
+          <a:xfrm flipV="1">
+            <a:off x="7451834" y="2920645"/>
+            <a:ext cx="2802539" cy="215443"/>
+          </a:xfrm>
+          <a:prstGeom prst="curvedConnector3">
+            <a:avLst/>
+          </a:prstGeom>
+          <a:ln>
+            <a:tailEnd type="triangle"/>
+          </a:ln>
+        </p:spPr>
+        <p:style>
+          <a:lnRef idx="1">
+            <a:schemeClr val="dk1"/>
+          </a:lnRef>
+          <a:fillRef idx="0">
+            <a:schemeClr val="dk1"/>
+          </a:fillRef>
+          <a:effectRef idx="0">
+            <a:schemeClr val="dk1"/>
+          </a:effectRef>
+          <a:fontRef idx="minor">
+            <a:schemeClr val="tx1"/>
+          </a:fontRef>
+        </p:style>
+      </p:cxnSp>
+      <p:sp>
+        <p:nvSpPr>
+          <p:cNvPr id="14" name="TextBox 13">
+            <a:extLst>
+              <a:ext uri="{FF2B5EF4-FFF2-40B4-BE49-F238E27FC236}">
+                <a16:creationId xmlns:a16="http://schemas.microsoft.com/office/drawing/2014/main" id="{78F4B262-6D68-5E61-1F8B-339751FF3620}"/>
+              </a:ext>
+            </a:extLst>
+          </p:cNvPr>
+          <p:cNvSpPr txBox="1"/>
+          <p:nvPr/>
+        </p:nvSpPr>
+        <p:spPr>
+          <a:xfrm>
+            <a:off x="9841295" y="2474369"/>
+            <a:ext cx="730031" cy="261610"/>
+          </a:xfrm>
+          <a:prstGeom prst="rect">
+            <a:avLst/>
+          </a:prstGeom>
+          <a:noFill/>
+        </p:spPr>
+        <p:txBody>
+          <a:bodyPr wrap="square">
+            <a:spAutoFit/>
+          </a:bodyPr>
+          <a:lstStyle/>
+          <a:p>
+            <a:pPr algn="ctr"/>
+            <a:r>
+              <a:rPr lang="en-US" altLang="ko-Kore-KR" sz="1050" dirty="0">
+                <a:latin typeface="DM Mono" panose="020B0509040201040103" pitchFamily="49" charset="0"/>
+              </a:rPr>
+              <a:t>1000</a:t>
+            </a:r>
+            <a:endParaRPr lang="ko-Kore-KR" altLang="en-US" sz="1050" dirty="0"/>
+          </a:p>
+        </p:txBody>
+      </p:sp>
+    </p:spTree>
+    <p:extLst>
+      <p:ext uri="{BB962C8B-B14F-4D97-AF65-F5344CB8AC3E}">
+        <p14:creationId xmlns:p14="http://schemas.microsoft.com/office/powerpoint/2010/main" val="2006904249"/>
+      </p:ext>
+    </p:extLst>
+  </p:cSld>
+  <p:clrMapOvr>
+    <a:masterClrMapping/>
+  </p:clrMapOvr>
+</p:sld>
+</file>
+
+<file path=ppt/slides/slide34.xml><?xml version="1.0" encoding="utf-8"?>
+<p:sld xmlns:a="http://schemas.openxmlformats.org/drawingml/2006/main" xmlns:r="http://schemas.openxmlformats.org/officeDocument/2006/relationships" xmlns:p="http://schemas.openxmlformats.org/presentationml/2006/main">
+  <p:cSld>
+    <p:spTree>
+      <p:nvGrpSpPr>
+        <p:cNvPr id="1" name=""/>
+        <p:cNvGrpSpPr/>
+        <p:nvPr/>
+      </p:nvGrpSpPr>
+      <p:grpSpPr>
+        <a:xfrm>
+          <a:off x="0" y="0"/>
+          <a:ext cx="0" cy="0"/>
+          <a:chOff x="0" y="0"/>
+          <a:chExt cx="0" cy="0"/>
+        </a:xfrm>
+      </p:grpSpPr>
+      <p:sp>
+        <p:nvSpPr>
+          <p:cNvPr id="6" name="TextBox 5">
+            <a:extLst>
+              <a:ext uri="{FF2B5EF4-FFF2-40B4-BE49-F238E27FC236}">
+                <a16:creationId xmlns:a16="http://schemas.microsoft.com/office/drawing/2014/main" id="{72814AB5-0A65-D810-1CDC-82BB2013E57D}"/>
+              </a:ext>
+            </a:extLst>
+          </p:cNvPr>
+          <p:cNvSpPr txBox="1"/>
+          <p:nvPr/>
+        </p:nvSpPr>
+        <p:spPr>
+          <a:xfrm>
+            <a:off x="395232" y="380210"/>
+            <a:ext cx="6096000" cy="1569660"/>
+          </a:xfrm>
+          <a:prstGeom prst="rect">
+            <a:avLst/>
+          </a:prstGeom>
+          <a:noFill/>
+        </p:spPr>
+        <p:txBody>
+          <a:bodyPr wrap="square">
+            <a:spAutoFit/>
+          </a:bodyPr>
+          <a:lstStyle/>
+          <a:p>
+            <a:r>
+              <a:rPr lang="en-US" altLang="ko-Kore-KR" sz="1200" dirty="0">
+                <a:latin typeface="DM Mono" panose="020B0509040201040103" pitchFamily="49" charset="0"/>
+              </a:rPr>
+              <a:t>    </a:t>
+            </a:r>
+            <a:r>
+              <a:rPr lang="ko-Kore-KR" altLang="en-US" sz="1200" dirty="0">
+                <a:latin typeface="DM Mono" panose="020B0509040201040103" pitchFamily="49" charset="0"/>
+              </a:rPr>
+              <a:t>User(const User&amp; rhs)</a:t>
+            </a:r>
+          </a:p>
+          <a:p>
+            <a:r>
+              <a:rPr lang="ko-Kore-KR" altLang="en-US" sz="1200" dirty="0">
+                <a:latin typeface="DM Mono" panose="020B0509040201040103" pitchFamily="49" charset="0"/>
+              </a:rPr>
+              <a:t>        : age { rhs.age }</a:t>
+            </a:r>
+          </a:p>
+          <a:p>
+            <a:r>
+              <a:rPr lang="ko-Kore-KR" altLang="en-US" sz="1200" dirty="0">
+                <a:latin typeface="DM Mono" panose="020B0509040201040103" pitchFamily="49" charset="0"/>
+              </a:rPr>
+              <a:t>    {</a:t>
+            </a:r>
+          </a:p>
+          <a:p>
+            <a:r>
+              <a:rPr lang="ko-Kore-KR" altLang="en-US" sz="1200" dirty="0">
+                <a:latin typeface="DM Mono" panose="020B0509040201040103" pitchFamily="49" charset="0"/>
+              </a:rPr>
+              <a:t>        name = new char[strlen(rhs.name) + 1];</a:t>
+            </a:r>
+          </a:p>
+          <a:p>
+            <a:r>
+              <a:rPr lang="ko-Kore-KR" altLang="en-US" sz="1200" dirty="0">
+                <a:latin typeface="DM Mono" panose="020B0509040201040103" pitchFamily="49" charset="0"/>
+              </a:rPr>
+              <a:t>        strcpy(name, rhs.name);</a:t>
+            </a:r>
+          </a:p>
+          <a:p>
+            <a:r>
+              <a:rPr lang="ko-Kore-KR" altLang="en-US" sz="1200" dirty="0">
+                <a:latin typeface="DM Mono" panose="020B0509040201040103" pitchFamily="49" charset="0"/>
+              </a:rPr>
+              <a:t>    }</a:t>
+            </a:r>
+            <a:endParaRPr lang="en-US" altLang="ko-Kore-KR" sz="1200" dirty="0">
+              <a:latin typeface="DM Mono" panose="020B0509040201040103" pitchFamily="49" charset="0"/>
+            </a:endParaRPr>
+          </a:p>
+          <a:p>
+            <a:endParaRPr lang="en-US" altLang="ko-Kore-KR" sz="1200" dirty="0">
+              <a:latin typeface="DM Mono" panose="020B0509040201040103" pitchFamily="49" charset="0"/>
+            </a:endParaRPr>
+          </a:p>
+          <a:p>
+            <a:r>
+              <a:rPr lang="en-US" altLang="ko-Kore-KR" sz="1200" dirty="0">
+                <a:solidFill>
+                  <a:srgbClr val="FF0000"/>
+                </a:solidFill>
+                <a:latin typeface="DM Mono" panose="020B0509040201040103" pitchFamily="49" charset="0"/>
+              </a:rPr>
+              <a:t>User other = User("Bob", 100);</a:t>
+            </a:r>
+          </a:p>
+        </p:txBody>
+      </p:sp>
+      <p:sp>
+        <p:nvSpPr>
+          <p:cNvPr id="7" name="직사각형 6">
+            <a:extLst>
+              <a:ext uri="{FF2B5EF4-FFF2-40B4-BE49-F238E27FC236}">
+                <a16:creationId xmlns:a16="http://schemas.microsoft.com/office/drawing/2014/main" id="{47CACBA1-43EF-727E-5F54-DA993D4EB234}"/>
+              </a:ext>
+            </a:extLst>
+          </p:cNvPr>
+          <p:cNvSpPr/>
+          <p:nvPr/>
+        </p:nvSpPr>
+        <p:spPr>
+          <a:xfrm>
+            <a:off x="6612539" y="2951422"/>
+            <a:ext cx="839295" cy="369332"/>
+          </a:xfrm>
+          <a:prstGeom prst="rect">
+            <a:avLst/>
+          </a:prstGeom>
+          <a:solidFill>
+            <a:srgbClr val="FFFF00"/>
+          </a:solidFill>
+        </p:spPr>
+        <p:style>
+          <a:lnRef idx="2">
+            <a:schemeClr val="accent1">
+              <a:shade val="15000"/>
+            </a:schemeClr>
+          </a:lnRef>
+          <a:fillRef idx="1">
+            <a:schemeClr val="accent1"/>
+          </a:fillRef>
+          <a:effectRef idx="0">
+            <a:schemeClr val="accent1"/>
+          </a:effectRef>
+          <a:fontRef idx="minor">
+            <a:schemeClr val="lt1"/>
+          </a:fontRef>
+        </p:style>
+        <p:txBody>
+          <a:bodyPr rtlCol="0" anchor="ctr"/>
+          <a:lstStyle/>
+          <a:p>
+            <a:pPr algn="ctr"/>
+            <a:r>
+              <a:rPr kumimoji="1" lang="en-US" altLang="ko-Kore-KR" sz="1200" dirty="0" err="1">
+                <a:solidFill>
+                  <a:srgbClr val="FF0000"/>
+                </a:solidFill>
+                <a:latin typeface="DM Mono" panose="020B0509040201040103" pitchFamily="49" charset="0"/>
+              </a:rPr>
+              <a:t>nullptr</a:t>
+            </a:r>
+            <a:endParaRPr kumimoji="1" lang="ko-Kore-KR" altLang="en-US" sz="1200" dirty="0">
+              <a:solidFill>
+                <a:srgbClr val="FF0000"/>
+              </a:solidFill>
+              <a:latin typeface="DM Mono" panose="020B0509040201040103" pitchFamily="49" charset="0"/>
+            </a:endParaRPr>
+          </a:p>
+        </p:txBody>
+      </p:sp>
+      <p:sp>
+        <p:nvSpPr>
+          <p:cNvPr id="8" name="TextBox 7">
+            <a:extLst>
+              <a:ext uri="{FF2B5EF4-FFF2-40B4-BE49-F238E27FC236}">
+                <a16:creationId xmlns:a16="http://schemas.microsoft.com/office/drawing/2014/main" id="{A11E625C-C11B-C599-CA21-89C8EBA3DB27}"/>
+              </a:ext>
+            </a:extLst>
+          </p:cNvPr>
+          <p:cNvSpPr txBox="1"/>
+          <p:nvPr/>
+        </p:nvSpPr>
+        <p:spPr>
+          <a:xfrm>
+            <a:off x="5834774" y="3003343"/>
+            <a:ext cx="748862" cy="307777"/>
+          </a:xfrm>
+          <a:prstGeom prst="rect">
+            <a:avLst/>
+          </a:prstGeom>
+          <a:noFill/>
+        </p:spPr>
+        <p:txBody>
+          <a:bodyPr wrap="square">
+            <a:spAutoFit/>
+          </a:bodyPr>
+          <a:lstStyle/>
+          <a:p>
+            <a:pPr algn="r"/>
+            <a:r>
+              <a:rPr lang="en-US" altLang="ko-Kore-KR" sz="1400" dirty="0">
+                <a:latin typeface="DM Mono" panose="020B0509040201040103" pitchFamily="49" charset="0"/>
+              </a:rPr>
+              <a:t>name</a:t>
+            </a:r>
+            <a:endParaRPr lang="ko-Kore-KR" altLang="en-US" sz="1400" dirty="0"/>
+          </a:p>
+        </p:txBody>
+      </p:sp>
+      <p:sp>
+        <p:nvSpPr>
+          <p:cNvPr id="9" name="직사각형 8">
+            <a:extLst>
+              <a:ext uri="{FF2B5EF4-FFF2-40B4-BE49-F238E27FC236}">
+                <a16:creationId xmlns:a16="http://schemas.microsoft.com/office/drawing/2014/main" id="{C18D0A53-65DA-C68E-7D9C-086375407901}"/>
+              </a:ext>
+            </a:extLst>
+          </p:cNvPr>
+          <p:cNvSpPr/>
+          <p:nvPr/>
+        </p:nvSpPr>
+        <p:spPr>
+          <a:xfrm>
+            <a:off x="6612539" y="3320754"/>
+            <a:ext cx="839295" cy="369332"/>
+          </a:xfrm>
+          <a:prstGeom prst="rect">
+            <a:avLst/>
+          </a:prstGeom>
+          <a:solidFill>
+            <a:srgbClr val="FFFF00"/>
+          </a:solidFill>
+        </p:spPr>
+        <p:style>
+          <a:lnRef idx="2">
+            <a:schemeClr val="accent1">
+              <a:shade val="15000"/>
+            </a:schemeClr>
+          </a:lnRef>
+          <a:fillRef idx="1">
+            <a:schemeClr val="accent1"/>
+          </a:fillRef>
+          <a:effectRef idx="0">
+            <a:schemeClr val="accent1"/>
+          </a:effectRef>
+          <a:fontRef idx="minor">
+            <a:schemeClr val="lt1"/>
+          </a:fontRef>
+        </p:style>
+        <p:txBody>
+          <a:bodyPr rtlCol="0" anchor="ctr"/>
+          <a:lstStyle/>
+          <a:p>
+            <a:pPr algn="ctr"/>
+            <a:r>
+              <a:rPr kumimoji="1" lang="en-US" altLang="ko-Kore-KR" sz="1200" dirty="0">
+                <a:solidFill>
+                  <a:schemeClr val="tx1"/>
+                </a:solidFill>
+                <a:latin typeface="DM Mono" panose="020B0509040201040103" pitchFamily="49" charset="0"/>
+              </a:rPr>
+              <a:t>100</a:t>
+            </a:r>
+            <a:endParaRPr kumimoji="1" lang="ko-Kore-KR" altLang="en-US" sz="1200" dirty="0">
+              <a:solidFill>
+                <a:schemeClr val="tx1"/>
+              </a:solidFill>
+              <a:latin typeface="DM Mono" panose="020B0509040201040103" pitchFamily="49" charset="0"/>
+            </a:endParaRPr>
+          </a:p>
+        </p:txBody>
+      </p:sp>
+      <p:sp>
+        <p:nvSpPr>
+          <p:cNvPr id="10" name="TextBox 9">
+            <a:extLst>
+              <a:ext uri="{FF2B5EF4-FFF2-40B4-BE49-F238E27FC236}">
+                <a16:creationId xmlns:a16="http://schemas.microsoft.com/office/drawing/2014/main" id="{5F16195F-9503-C0CF-FD4E-C51FC09B1957}"/>
+              </a:ext>
+            </a:extLst>
+          </p:cNvPr>
+          <p:cNvSpPr txBox="1"/>
+          <p:nvPr/>
+        </p:nvSpPr>
+        <p:spPr>
+          <a:xfrm>
+            <a:off x="5834774" y="3351531"/>
+            <a:ext cx="748862" cy="307777"/>
+          </a:xfrm>
+          <a:prstGeom prst="rect">
+            <a:avLst/>
+          </a:prstGeom>
+          <a:noFill/>
+        </p:spPr>
+        <p:txBody>
+          <a:bodyPr wrap="square">
+            <a:spAutoFit/>
+          </a:bodyPr>
+          <a:lstStyle/>
+          <a:p>
+            <a:pPr algn="r"/>
+            <a:r>
+              <a:rPr lang="en-US" altLang="ko-Kore-KR" sz="1400" dirty="0">
+                <a:latin typeface="DM Mono" panose="020B0509040201040103" pitchFamily="49" charset="0"/>
+              </a:rPr>
+              <a:t>age</a:t>
+            </a:r>
+            <a:endParaRPr lang="ko-Kore-KR" altLang="en-US" sz="1400" dirty="0"/>
+          </a:p>
+        </p:txBody>
+      </p:sp>
+      <p:sp>
+        <p:nvSpPr>
+          <p:cNvPr id="11" name="TextBox 10">
+            <a:extLst>
+              <a:ext uri="{FF2B5EF4-FFF2-40B4-BE49-F238E27FC236}">
+                <a16:creationId xmlns:a16="http://schemas.microsoft.com/office/drawing/2014/main" id="{551865CC-B8A3-AF17-220D-B81E2A5E3154}"/>
+              </a:ext>
+            </a:extLst>
+          </p:cNvPr>
+          <p:cNvSpPr txBox="1"/>
+          <p:nvPr/>
+        </p:nvSpPr>
+        <p:spPr>
+          <a:xfrm>
+            <a:off x="6537379" y="2631169"/>
+            <a:ext cx="989614" cy="307777"/>
+          </a:xfrm>
+          <a:prstGeom prst="rect">
+            <a:avLst/>
+          </a:prstGeom>
+          <a:noFill/>
+        </p:spPr>
+        <p:txBody>
+          <a:bodyPr wrap="square">
+            <a:spAutoFit/>
+          </a:bodyPr>
+          <a:lstStyle/>
+          <a:p>
+            <a:pPr algn="ctr"/>
+            <a:r>
+              <a:rPr lang="ko-Kore-KR" altLang="en-US" sz="1400" dirty="0">
+                <a:latin typeface="DM Mono" panose="020B0509040201040103" pitchFamily="49" charset="0"/>
+              </a:rPr>
+              <a:t>임시객체</a:t>
+            </a:r>
+            <a:endParaRPr lang="ko-Kore-KR" altLang="en-US" sz="1400" dirty="0"/>
+          </a:p>
+        </p:txBody>
+      </p:sp>
+      <p:sp>
+        <p:nvSpPr>
+          <p:cNvPr id="12" name="직사각형 11">
+            <a:extLst>
+              <a:ext uri="{FF2B5EF4-FFF2-40B4-BE49-F238E27FC236}">
+                <a16:creationId xmlns:a16="http://schemas.microsoft.com/office/drawing/2014/main" id="{F330659D-F315-A179-6105-2C3D42843F0C}"/>
+              </a:ext>
+            </a:extLst>
+          </p:cNvPr>
+          <p:cNvSpPr/>
+          <p:nvPr/>
+        </p:nvSpPr>
+        <p:spPr>
+          <a:xfrm>
+            <a:off x="10254373" y="2735979"/>
+            <a:ext cx="1044247" cy="369332"/>
+          </a:xfrm>
+          <a:prstGeom prst="rect">
+            <a:avLst/>
+          </a:prstGeom>
+          <a:solidFill>
+            <a:srgbClr val="FFFF00"/>
+          </a:solidFill>
+        </p:spPr>
+        <p:style>
+          <a:lnRef idx="2">
+            <a:schemeClr val="accent1">
+              <a:shade val="15000"/>
+            </a:schemeClr>
+          </a:lnRef>
+          <a:fillRef idx="1">
+            <a:schemeClr val="accent1"/>
+          </a:fillRef>
+          <a:effectRef idx="0">
+            <a:schemeClr val="accent1"/>
+          </a:effectRef>
+          <a:fontRef idx="minor">
+            <a:schemeClr val="lt1"/>
+          </a:fontRef>
+        </p:style>
+        <p:txBody>
+          <a:bodyPr rtlCol="0" anchor="ctr"/>
+          <a:lstStyle/>
+          <a:p>
+            <a:pPr algn="ctr"/>
+            <a:r>
+              <a:rPr kumimoji="1" lang="en-US" altLang="ko-Kore-KR" sz="1200" dirty="0">
+                <a:solidFill>
+                  <a:schemeClr val="tx1"/>
+                </a:solidFill>
+                <a:latin typeface="DM Mono" panose="020B0509040201040103" pitchFamily="49" charset="0"/>
+              </a:rPr>
+              <a:t>“Bob”</a:t>
+            </a:r>
+            <a:endParaRPr kumimoji="1" lang="ko-Kore-KR" altLang="en-US" sz="1200" dirty="0">
+              <a:solidFill>
+                <a:schemeClr val="tx1"/>
+              </a:solidFill>
+              <a:latin typeface="DM Mono" panose="020B0509040201040103" pitchFamily="49" charset="0"/>
+            </a:endParaRPr>
+          </a:p>
+        </p:txBody>
+      </p:sp>
+      <p:sp>
+        <p:nvSpPr>
+          <p:cNvPr id="14" name="TextBox 13">
+            <a:extLst>
+              <a:ext uri="{FF2B5EF4-FFF2-40B4-BE49-F238E27FC236}">
+                <a16:creationId xmlns:a16="http://schemas.microsoft.com/office/drawing/2014/main" id="{78F4B262-6D68-5E61-1F8B-339751FF3620}"/>
+              </a:ext>
+            </a:extLst>
+          </p:cNvPr>
+          <p:cNvSpPr txBox="1"/>
+          <p:nvPr/>
+        </p:nvSpPr>
+        <p:spPr>
+          <a:xfrm>
+            <a:off x="9841295" y="2474369"/>
+            <a:ext cx="730031" cy="261610"/>
+          </a:xfrm>
+          <a:prstGeom prst="rect">
+            <a:avLst/>
+          </a:prstGeom>
+          <a:noFill/>
+        </p:spPr>
+        <p:txBody>
+          <a:bodyPr wrap="square">
+            <a:spAutoFit/>
+          </a:bodyPr>
+          <a:lstStyle/>
+          <a:p>
+            <a:pPr algn="ctr"/>
+            <a:r>
+              <a:rPr lang="en-US" altLang="ko-Kore-KR" sz="1050" dirty="0">
+                <a:latin typeface="DM Mono" panose="020B0509040201040103" pitchFamily="49" charset="0"/>
+              </a:rPr>
+              <a:t>1000</a:t>
+            </a:r>
+            <a:endParaRPr lang="ko-Kore-KR" altLang="en-US" sz="1050" dirty="0"/>
+          </a:p>
+        </p:txBody>
+      </p:sp>
+      <p:sp>
+        <p:nvSpPr>
+          <p:cNvPr id="5" name="직사각형 4">
+            <a:extLst>
+              <a:ext uri="{FF2B5EF4-FFF2-40B4-BE49-F238E27FC236}">
+                <a16:creationId xmlns:a16="http://schemas.microsoft.com/office/drawing/2014/main" id="{4EFCE6AD-85DE-7778-D5CA-07D5A475A18C}"/>
+              </a:ext>
+            </a:extLst>
+          </p:cNvPr>
+          <p:cNvSpPr/>
+          <p:nvPr/>
+        </p:nvSpPr>
+        <p:spPr>
+          <a:xfrm>
+            <a:off x="6612539" y="4554249"/>
+            <a:ext cx="839295" cy="369332"/>
+          </a:xfrm>
+          <a:prstGeom prst="rect">
+            <a:avLst/>
+          </a:prstGeom>
+          <a:solidFill>
+            <a:srgbClr val="FFFF00"/>
+          </a:solidFill>
+        </p:spPr>
+        <p:style>
+          <a:lnRef idx="2">
+            <a:schemeClr val="accent1">
+              <a:shade val="15000"/>
+            </a:schemeClr>
+          </a:lnRef>
+          <a:fillRef idx="1">
+            <a:schemeClr val="accent1"/>
+          </a:fillRef>
+          <a:effectRef idx="0">
+            <a:schemeClr val="accent1"/>
+          </a:effectRef>
+          <a:fontRef idx="minor">
+            <a:schemeClr val="lt1"/>
+          </a:fontRef>
+        </p:style>
+        <p:txBody>
+          <a:bodyPr rtlCol="0" anchor="ctr"/>
+          <a:lstStyle/>
+          <a:p>
+            <a:pPr algn="ctr"/>
+            <a:r>
+              <a:rPr kumimoji="1" lang="en-US" altLang="ko-Kore-KR" sz="1200" dirty="0">
+                <a:solidFill>
+                  <a:srgbClr val="FF0000"/>
+                </a:solidFill>
+                <a:latin typeface="DM Mono" panose="020B0509040201040103" pitchFamily="49" charset="0"/>
+              </a:rPr>
+              <a:t>1000</a:t>
+            </a:r>
+            <a:endParaRPr kumimoji="1" lang="ko-Kore-KR" altLang="en-US" sz="1200" dirty="0">
+              <a:solidFill>
+                <a:srgbClr val="FF0000"/>
+              </a:solidFill>
+              <a:latin typeface="DM Mono" panose="020B0509040201040103" pitchFamily="49" charset="0"/>
+            </a:endParaRPr>
+          </a:p>
+        </p:txBody>
+      </p:sp>
+      <p:sp>
+        <p:nvSpPr>
+          <p:cNvPr id="15" name="TextBox 14">
+            <a:extLst>
+              <a:ext uri="{FF2B5EF4-FFF2-40B4-BE49-F238E27FC236}">
+                <a16:creationId xmlns:a16="http://schemas.microsoft.com/office/drawing/2014/main" id="{19822E62-DC75-7A31-C30A-2BBE72150BCA}"/>
+              </a:ext>
+            </a:extLst>
+          </p:cNvPr>
+          <p:cNvSpPr txBox="1"/>
+          <p:nvPr/>
+        </p:nvSpPr>
+        <p:spPr>
+          <a:xfrm>
+            <a:off x="5834774" y="4606170"/>
+            <a:ext cx="748862" cy="307777"/>
+          </a:xfrm>
+          <a:prstGeom prst="rect">
+            <a:avLst/>
+          </a:prstGeom>
+          <a:noFill/>
+        </p:spPr>
+        <p:txBody>
+          <a:bodyPr wrap="square">
+            <a:spAutoFit/>
+          </a:bodyPr>
+          <a:lstStyle/>
+          <a:p>
+            <a:pPr algn="r"/>
+            <a:r>
+              <a:rPr lang="en-US" altLang="ko-Kore-KR" sz="1400" dirty="0">
+                <a:latin typeface="DM Mono" panose="020B0509040201040103" pitchFamily="49" charset="0"/>
+              </a:rPr>
+              <a:t>name</a:t>
+            </a:r>
+            <a:endParaRPr lang="ko-Kore-KR" altLang="en-US" sz="1400" dirty="0"/>
+          </a:p>
+        </p:txBody>
+      </p:sp>
+      <p:sp>
+        <p:nvSpPr>
+          <p:cNvPr id="16" name="직사각형 15">
+            <a:extLst>
+              <a:ext uri="{FF2B5EF4-FFF2-40B4-BE49-F238E27FC236}">
+                <a16:creationId xmlns:a16="http://schemas.microsoft.com/office/drawing/2014/main" id="{F6A5C9BC-30AD-3FFF-8894-3B6F95EAE136}"/>
+              </a:ext>
+            </a:extLst>
+          </p:cNvPr>
+          <p:cNvSpPr/>
+          <p:nvPr/>
+        </p:nvSpPr>
+        <p:spPr>
+          <a:xfrm>
+            <a:off x="6612539" y="4923581"/>
+            <a:ext cx="839295" cy="369332"/>
+          </a:xfrm>
+          <a:prstGeom prst="rect">
+            <a:avLst/>
+          </a:prstGeom>
+          <a:solidFill>
+            <a:srgbClr val="FFFF00"/>
+          </a:solidFill>
+        </p:spPr>
+        <p:style>
+          <a:lnRef idx="2">
+            <a:schemeClr val="accent1">
+              <a:shade val="15000"/>
+            </a:schemeClr>
+          </a:lnRef>
+          <a:fillRef idx="1">
+            <a:schemeClr val="accent1"/>
+          </a:fillRef>
+          <a:effectRef idx="0">
+            <a:schemeClr val="accent1"/>
+          </a:effectRef>
+          <a:fontRef idx="minor">
+            <a:schemeClr val="lt1"/>
+          </a:fontRef>
+        </p:style>
+        <p:txBody>
+          <a:bodyPr rtlCol="0" anchor="ctr"/>
+          <a:lstStyle/>
+          <a:p>
+            <a:pPr algn="ctr"/>
+            <a:r>
+              <a:rPr kumimoji="1" lang="en-US" altLang="ko-Kore-KR" sz="1200" dirty="0">
+                <a:solidFill>
+                  <a:srgbClr val="FF0000"/>
+                </a:solidFill>
+                <a:latin typeface="DM Mono" panose="020B0509040201040103" pitchFamily="49" charset="0"/>
+              </a:rPr>
+              <a:t>100</a:t>
+            </a:r>
+            <a:endParaRPr kumimoji="1" lang="ko-Kore-KR" altLang="en-US" sz="1200" dirty="0">
+              <a:solidFill>
+                <a:srgbClr val="FF0000"/>
+              </a:solidFill>
+              <a:latin typeface="DM Mono" panose="020B0509040201040103" pitchFamily="49" charset="0"/>
+            </a:endParaRPr>
+          </a:p>
+        </p:txBody>
+      </p:sp>
+      <p:sp>
+        <p:nvSpPr>
+          <p:cNvPr id="17" name="TextBox 16">
+            <a:extLst>
+              <a:ext uri="{FF2B5EF4-FFF2-40B4-BE49-F238E27FC236}">
+                <a16:creationId xmlns:a16="http://schemas.microsoft.com/office/drawing/2014/main" id="{842F833E-0850-488A-78F3-50D79E4D74FB}"/>
+              </a:ext>
+            </a:extLst>
+          </p:cNvPr>
+          <p:cNvSpPr txBox="1"/>
+          <p:nvPr/>
+        </p:nvSpPr>
+        <p:spPr>
+          <a:xfrm>
+            <a:off x="5834774" y="4954358"/>
+            <a:ext cx="748862" cy="307777"/>
+          </a:xfrm>
+          <a:prstGeom prst="rect">
+            <a:avLst/>
+          </a:prstGeom>
+          <a:noFill/>
+        </p:spPr>
+        <p:txBody>
+          <a:bodyPr wrap="square">
+            <a:spAutoFit/>
+          </a:bodyPr>
+          <a:lstStyle/>
+          <a:p>
+            <a:pPr algn="r"/>
+            <a:r>
+              <a:rPr lang="en-US" altLang="ko-Kore-KR" sz="1400" dirty="0">
+                <a:latin typeface="DM Mono" panose="020B0509040201040103" pitchFamily="49" charset="0"/>
+              </a:rPr>
+              <a:t>age</a:t>
+            </a:r>
+            <a:endParaRPr lang="ko-Kore-KR" altLang="en-US" sz="1400" dirty="0"/>
+          </a:p>
+        </p:txBody>
+      </p:sp>
+      <p:sp>
+        <p:nvSpPr>
+          <p:cNvPr id="18" name="TextBox 17">
+            <a:extLst>
+              <a:ext uri="{FF2B5EF4-FFF2-40B4-BE49-F238E27FC236}">
+                <a16:creationId xmlns:a16="http://schemas.microsoft.com/office/drawing/2014/main" id="{A4BFE183-A46E-0B5E-45E5-C169E17A5E8D}"/>
+              </a:ext>
+            </a:extLst>
+          </p:cNvPr>
+          <p:cNvSpPr txBox="1"/>
+          <p:nvPr/>
+        </p:nvSpPr>
+        <p:spPr>
+          <a:xfrm>
+            <a:off x="6537379" y="4233996"/>
+            <a:ext cx="989614" cy="307777"/>
+          </a:xfrm>
+          <a:prstGeom prst="rect">
+            <a:avLst/>
+          </a:prstGeom>
+          <a:noFill/>
+        </p:spPr>
+        <p:txBody>
+          <a:bodyPr wrap="square">
+            <a:spAutoFit/>
+          </a:bodyPr>
+          <a:lstStyle/>
+          <a:p>
+            <a:pPr algn="ctr"/>
+            <a:r>
+              <a:rPr lang="en-US" altLang="ko-Kore-KR" sz="1400" dirty="0">
+                <a:latin typeface="DM Mono" panose="020B0509040201040103" pitchFamily="49" charset="0"/>
+              </a:rPr>
+              <a:t>other</a:t>
+            </a:r>
+            <a:endParaRPr lang="ko-Kore-KR" altLang="en-US" sz="1400" dirty="0"/>
+          </a:p>
+        </p:txBody>
+      </p:sp>
+      <p:cxnSp>
+        <p:nvCxnSpPr>
+          <p:cNvPr id="19" name="구부러진 연결선[U] 18">
+            <a:extLst>
+              <a:ext uri="{FF2B5EF4-FFF2-40B4-BE49-F238E27FC236}">
+                <a16:creationId xmlns:a16="http://schemas.microsoft.com/office/drawing/2014/main" id="{75E7793B-1A6C-55A3-9A10-1559306A7C64}"/>
+              </a:ext>
+            </a:extLst>
+          </p:cNvPr>
+          <p:cNvCxnSpPr>
+            <a:cxnSpLocks/>
+            <a:stCxn id="5" idx="3"/>
+            <a:endCxn id="12" idx="1"/>
+          </p:cNvCxnSpPr>
+          <p:nvPr/>
+        </p:nvCxnSpPr>
+        <p:spPr>
+          <a:xfrm flipV="1">
+            <a:off x="7451834" y="2920645"/>
+            <a:ext cx="2802539" cy="1818270"/>
+          </a:xfrm>
+          <a:prstGeom prst="curvedConnector3">
+            <a:avLst/>
+          </a:prstGeom>
+          <a:ln>
+            <a:tailEnd type="triangle"/>
+          </a:ln>
+        </p:spPr>
+        <p:style>
+          <a:lnRef idx="1">
+            <a:schemeClr val="dk1"/>
+          </a:lnRef>
+          <a:fillRef idx="0">
+            <a:schemeClr val="dk1"/>
+          </a:fillRef>
+          <a:effectRef idx="0">
+            <a:schemeClr val="dk1"/>
+          </a:effectRef>
+          <a:fontRef idx="minor">
+            <a:schemeClr val="tx1"/>
+          </a:fontRef>
+        </p:style>
+      </p:cxnSp>
+    </p:spTree>
+    <p:extLst>
+      <p:ext uri="{BB962C8B-B14F-4D97-AF65-F5344CB8AC3E}">
+        <p14:creationId xmlns:p14="http://schemas.microsoft.com/office/powerpoint/2010/main" val="409255796"/>
       </p:ext>
     </p:extLst>
   </p:cSld>

--- a/hyundai_230807.pptx
+++ b/hyundai_230807.pptx
@@ -39,6 +39,7 @@
     <p:sldId id="287" r:id="rId33"/>
     <p:sldId id="290" r:id="rId34"/>
     <p:sldId id="288" r:id="rId35"/>
+    <p:sldId id="291" r:id="rId36"/>
   </p:sldIdLst>
   <p:sldSz cx="12192000" cy="6858000"/>
   <p:notesSz cx="6858000" cy="9144000"/>
@@ -24502,26 +24503,64 @@
               <a:rPr lang="en-US" altLang="ko-Kore-KR" sz="1200" dirty="0">
                 <a:latin typeface="DM Mono" panose="020B0509040201040103" pitchFamily="49" charset="0"/>
               </a:rPr>
-              <a:t>    </a:t>
-            </a:r>
-            <a:r>
-              <a:rPr lang="ko-Kore-KR" altLang="en-US" sz="1200" dirty="0">
-                <a:latin typeface="DM Mono" panose="020B0509040201040103" pitchFamily="49" charset="0"/>
-              </a:rPr>
-              <a:t>User(const User&amp; rhs)</a:t>
-            </a:r>
-          </a:p>
-          <a:p>
-            <a:r>
-              <a:rPr lang="ko-Kore-KR" altLang="en-US" sz="1200" dirty="0">
-                <a:latin typeface="DM Mono" panose="020B0509040201040103" pitchFamily="49" charset="0"/>
-              </a:rPr>
-              <a:t>        : age { rhs.age }</a:t>
-            </a:r>
-          </a:p>
-          <a:p>
-            <a:r>
-              <a:rPr lang="ko-Kore-KR" altLang="en-US" sz="1200" dirty="0">
+              <a:t>    User(User&amp;&amp; </a:t>
+            </a:r>
+            <a:r>
+              <a:rPr lang="en-US" altLang="ko-Kore-KR" sz="1200" dirty="0" err="1">
+                <a:latin typeface="DM Mono" panose="020B0509040201040103" pitchFamily="49" charset="0"/>
+              </a:rPr>
+              <a:t>rhs</a:t>
+            </a:r>
+            <a:r>
+              <a:rPr lang="en-US" altLang="ko-Kore-KR" sz="1200" dirty="0">
+                <a:latin typeface="DM Mono" panose="020B0509040201040103" pitchFamily="49" charset="0"/>
+              </a:rPr>
+              <a:t>)</a:t>
+            </a:r>
+          </a:p>
+          <a:p>
+            <a:r>
+              <a:rPr lang="en-US" altLang="ko-Kore-KR" sz="1200" dirty="0">
+                <a:latin typeface="DM Mono" panose="020B0509040201040103" pitchFamily="49" charset="0"/>
+              </a:rPr>
+              <a:t>        : name { </a:t>
+            </a:r>
+            <a:r>
+              <a:rPr lang="en-US" altLang="ko-Kore-KR" sz="1200" dirty="0" err="1">
+                <a:latin typeface="DM Mono" panose="020B0509040201040103" pitchFamily="49" charset="0"/>
+              </a:rPr>
+              <a:t>rhs.name</a:t>
+            </a:r>
+            <a:r>
+              <a:rPr lang="en-US" altLang="ko-Kore-KR" sz="1200" dirty="0">
+                <a:latin typeface="DM Mono" panose="020B0509040201040103" pitchFamily="49" charset="0"/>
+              </a:rPr>
+              <a:t> }</a:t>
+            </a:r>
+          </a:p>
+          <a:p>
+            <a:r>
+              <a:rPr lang="en-US" altLang="ko-Kore-KR" sz="1200" dirty="0">
+                <a:latin typeface="DM Mono" panose="020B0509040201040103" pitchFamily="49" charset="0"/>
+              </a:rPr>
+              <a:t>        , age { </a:t>
+            </a:r>
+            <a:r>
+              <a:rPr lang="en-US" altLang="ko-Kore-KR" sz="1200" dirty="0" err="1">
+                <a:latin typeface="DM Mono" panose="020B0509040201040103" pitchFamily="49" charset="0"/>
+              </a:rPr>
+              <a:t>rhs.age</a:t>
+            </a:r>
+            <a:r>
+              <a:rPr lang="en-US" altLang="ko-Kore-KR" sz="1200" dirty="0">
+                <a:latin typeface="DM Mono" panose="020B0509040201040103" pitchFamily="49" charset="0"/>
+              </a:rPr>
+              <a:t> }</a:t>
+            </a:r>
+          </a:p>
+          <a:p>
+            <a:r>
+              <a:rPr lang="en-US" altLang="ko-Kore-KR" sz="1200" dirty="0">
                 <a:latin typeface="DM Mono" panose="020B0509040201040103" pitchFamily="49" charset="0"/>
               </a:rPr>
               <a:t>    {</a:t>
@@ -24529,30 +24568,43 @@
           </a:p>
           <a:p>
             <a:r>
-              <a:rPr lang="ko-Kore-KR" altLang="en-US" sz="1200" dirty="0">
-                <a:latin typeface="DM Mono" panose="020B0509040201040103" pitchFamily="49" charset="0"/>
-              </a:rPr>
-              <a:t>        name = new char[strlen(rhs.name) + 1];</a:t>
-            </a:r>
-          </a:p>
-          <a:p>
-            <a:r>
-              <a:rPr lang="ko-Kore-KR" altLang="en-US" sz="1200" dirty="0">
-                <a:latin typeface="DM Mono" panose="020B0509040201040103" pitchFamily="49" charset="0"/>
-              </a:rPr>
-              <a:t>        strcpy(name, rhs.name);</a:t>
-            </a:r>
-          </a:p>
-          <a:p>
-            <a:r>
-              <a:rPr lang="ko-Kore-KR" altLang="en-US" sz="1200" dirty="0">
+              <a:rPr lang="en-US" altLang="ko-Kore-KR" sz="1200" dirty="0">
+                <a:latin typeface="DM Mono" panose="020B0509040201040103" pitchFamily="49" charset="0"/>
+              </a:rPr>
+              <a:t>        </a:t>
+            </a:r>
+            <a:r>
+              <a:rPr lang="en-US" altLang="ko-Kore-KR" sz="1200" dirty="0" err="1">
+                <a:latin typeface="DM Mono" panose="020B0509040201040103" pitchFamily="49" charset="0"/>
+              </a:rPr>
+              <a:t>rhs.name</a:t>
+            </a:r>
+            <a:r>
+              <a:rPr lang="en-US" altLang="ko-Kore-KR" sz="1200" dirty="0">
+                <a:latin typeface="DM Mono" panose="020B0509040201040103" pitchFamily="49" charset="0"/>
+              </a:rPr>
+              <a:t> = </a:t>
+            </a:r>
+            <a:r>
+              <a:rPr lang="en-US" altLang="ko-Kore-KR" sz="1200" dirty="0" err="1">
+                <a:latin typeface="DM Mono" panose="020B0509040201040103" pitchFamily="49" charset="0"/>
+              </a:rPr>
+              <a:t>nullptr</a:t>
+            </a:r>
+            <a:r>
+              <a:rPr lang="en-US" altLang="ko-Kore-KR" sz="1200" dirty="0">
+                <a:latin typeface="DM Mono" panose="020B0509040201040103" pitchFamily="49" charset="0"/>
+              </a:rPr>
+              <a:t>;</a:t>
+            </a:r>
+          </a:p>
+          <a:p>
+            <a:r>
+              <a:rPr lang="en-US" altLang="ko-Kore-KR" sz="1200" dirty="0">
                 <a:latin typeface="DM Mono" panose="020B0509040201040103" pitchFamily="49" charset="0"/>
               </a:rPr>
               <a:t>    }</a:t>
             </a:r>
-            <a:endParaRPr lang="en-US" altLang="ko-Kore-KR" sz="1200" dirty="0">
-              <a:latin typeface="DM Mono" panose="020B0509040201040103" pitchFamily="49" charset="0"/>
-            </a:endParaRPr>
           </a:p>
           <a:p>
             <a:endParaRPr lang="en-US" altLang="ko-Kore-KR" sz="1200" dirty="0">
@@ -25207,6 +25259,830 @@
     <p:extLst>
       <p:ext uri="{BB962C8B-B14F-4D97-AF65-F5344CB8AC3E}">
         <p14:creationId xmlns:p14="http://schemas.microsoft.com/office/powerpoint/2010/main" val="409255796"/>
+      </p:ext>
+    </p:extLst>
+  </p:cSld>
+  <p:clrMapOvr>
+    <a:masterClrMapping/>
+  </p:clrMapOvr>
+</p:sld>
+</file>
+
+<file path=ppt/slides/slide35.xml><?xml version="1.0" encoding="utf-8"?>
+<p:sld xmlns:a="http://schemas.openxmlformats.org/drawingml/2006/main" xmlns:r="http://schemas.openxmlformats.org/officeDocument/2006/relationships" xmlns:p="http://schemas.openxmlformats.org/presentationml/2006/main">
+  <p:cSld>
+    <p:spTree>
+      <p:nvGrpSpPr>
+        <p:cNvPr id="1" name=""/>
+        <p:cNvGrpSpPr/>
+        <p:nvPr/>
+      </p:nvGrpSpPr>
+      <p:grpSpPr>
+        <a:xfrm>
+          <a:off x="0" y="0"/>
+          <a:ext cx="0" cy="0"/>
+          <a:chOff x="0" y="0"/>
+          <a:chExt cx="0" cy="0"/>
+        </a:xfrm>
+      </p:grpSpPr>
+      <p:sp>
+        <p:nvSpPr>
+          <p:cNvPr id="6" name="TextBox 5">
+            <a:extLst>
+              <a:ext uri="{FF2B5EF4-FFF2-40B4-BE49-F238E27FC236}">
+                <a16:creationId xmlns:a16="http://schemas.microsoft.com/office/drawing/2014/main" id="{72814AB5-0A65-D810-1CDC-82BB2013E57D}"/>
+              </a:ext>
+            </a:extLst>
+          </p:cNvPr>
+          <p:cNvSpPr txBox="1"/>
+          <p:nvPr/>
+        </p:nvSpPr>
+        <p:spPr>
+          <a:xfrm>
+            <a:off x="395232" y="380210"/>
+            <a:ext cx="6096000" cy="1569660"/>
+          </a:xfrm>
+          <a:prstGeom prst="rect">
+            <a:avLst/>
+          </a:prstGeom>
+          <a:noFill/>
+        </p:spPr>
+        <p:txBody>
+          <a:bodyPr wrap="square">
+            <a:spAutoFit/>
+          </a:bodyPr>
+          <a:lstStyle/>
+          <a:p>
+            <a:r>
+              <a:rPr lang="en-US" altLang="ko-Kore-KR" sz="1200" dirty="0">
+                <a:latin typeface="DM Mono" panose="020B0509040201040103" pitchFamily="49" charset="0"/>
+              </a:rPr>
+              <a:t>    User(User&amp;&amp; </a:t>
+            </a:r>
+            <a:r>
+              <a:rPr lang="en-US" altLang="ko-Kore-KR" sz="1200" dirty="0" err="1">
+                <a:latin typeface="DM Mono" panose="020B0509040201040103" pitchFamily="49" charset="0"/>
+              </a:rPr>
+              <a:t>rhs</a:t>
+            </a:r>
+            <a:r>
+              <a:rPr lang="en-US" altLang="ko-Kore-KR" sz="1200" dirty="0">
+                <a:latin typeface="DM Mono" panose="020B0509040201040103" pitchFamily="49" charset="0"/>
+              </a:rPr>
+              <a:t>)</a:t>
+            </a:r>
+          </a:p>
+          <a:p>
+            <a:r>
+              <a:rPr lang="en-US" altLang="ko-Kore-KR" sz="1200" dirty="0">
+                <a:latin typeface="DM Mono" panose="020B0509040201040103" pitchFamily="49" charset="0"/>
+              </a:rPr>
+              <a:t>        : name { </a:t>
+            </a:r>
+            <a:r>
+              <a:rPr lang="en-US" altLang="ko-Kore-KR" sz="1200" dirty="0" err="1">
+                <a:latin typeface="DM Mono" panose="020B0509040201040103" pitchFamily="49" charset="0"/>
+              </a:rPr>
+              <a:t>rhs.name</a:t>
+            </a:r>
+            <a:r>
+              <a:rPr lang="en-US" altLang="ko-Kore-KR" sz="1200" dirty="0">
+                <a:latin typeface="DM Mono" panose="020B0509040201040103" pitchFamily="49" charset="0"/>
+              </a:rPr>
+              <a:t> }</a:t>
+            </a:r>
+          </a:p>
+          <a:p>
+            <a:r>
+              <a:rPr lang="en-US" altLang="ko-Kore-KR" sz="1200" dirty="0">
+                <a:latin typeface="DM Mono" panose="020B0509040201040103" pitchFamily="49" charset="0"/>
+              </a:rPr>
+              <a:t>        , age { </a:t>
+            </a:r>
+            <a:r>
+              <a:rPr lang="en-US" altLang="ko-Kore-KR" sz="1200" dirty="0" err="1">
+                <a:latin typeface="DM Mono" panose="020B0509040201040103" pitchFamily="49" charset="0"/>
+              </a:rPr>
+              <a:t>rhs.age</a:t>
+            </a:r>
+            <a:r>
+              <a:rPr lang="en-US" altLang="ko-Kore-KR" sz="1200" dirty="0">
+                <a:latin typeface="DM Mono" panose="020B0509040201040103" pitchFamily="49" charset="0"/>
+              </a:rPr>
+              <a:t> }</a:t>
+            </a:r>
+          </a:p>
+          <a:p>
+            <a:r>
+              <a:rPr lang="en-US" altLang="ko-Kore-KR" sz="1200" dirty="0">
+                <a:latin typeface="DM Mono" panose="020B0509040201040103" pitchFamily="49" charset="0"/>
+              </a:rPr>
+              <a:t>    {</a:t>
+            </a:r>
+          </a:p>
+          <a:p>
+            <a:r>
+              <a:rPr lang="en-US" altLang="ko-Kore-KR" sz="1200" dirty="0">
+                <a:latin typeface="DM Mono" panose="020B0509040201040103" pitchFamily="49" charset="0"/>
+              </a:rPr>
+              <a:t>        </a:t>
+            </a:r>
+            <a:r>
+              <a:rPr lang="en-US" altLang="ko-Kore-KR" sz="1200" dirty="0" err="1">
+                <a:latin typeface="DM Mono" panose="020B0509040201040103" pitchFamily="49" charset="0"/>
+              </a:rPr>
+              <a:t>rhs.name</a:t>
+            </a:r>
+            <a:r>
+              <a:rPr lang="en-US" altLang="ko-Kore-KR" sz="1200" dirty="0">
+                <a:latin typeface="DM Mono" panose="020B0509040201040103" pitchFamily="49" charset="0"/>
+              </a:rPr>
+              <a:t> = </a:t>
+            </a:r>
+            <a:r>
+              <a:rPr lang="en-US" altLang="ko-Kore-KR" sz="1200" dirty="0" err="1">
+                <a:latin typeface="DM Mono" panose="020B0509040201040103" pitchFamily="49" charset="0"/>
+              </a:rPr>
+              <a:t>nullptr</a:t>
+            </a:r>
+            <a:r>
+              <a:rPr lang="en-US" altLang="ko-Kore-KR" sz="1200" dirty="0">
+                <a:latin typeface="DM Mono" panose="020B0509040201040103" pitchFamily="49" charset="0"/>
+              </a:rPr>
+              <a:t>;</a:t>
+            </a:r>
+          </a:p>
+          <a:p>
+            <a:r>
+              <a:rPr lang="en-US" altLang="ko-Kore-KR" sz="1200" dirty="0">
+                <a:latin typeface="DM Mono" panose="020B0509040201040103" pitchFamily="49" charset="0"/>
+              </a:rPr>
+              <a:t>    }</a:t>
+            </a:r>
+          </a:p>
+          <a:p>
+            <a:endParaRPr lang="en-US" altLang="ko-Kore-KR" sz="1200" dirty="0">
+              <a:latin typeface="DM Mono" panose="020B0509040201040103" pitchFamily="49" charset="0"/>
+            </a:endParaRPr>
+          </a:p>
+          <a:p>
+            <a:r>
+              <a:rPr lang="en-US" altLang="ko-Kore-KR" sz="1200" dirty="0">
+                <a:solidFill>
+                  <a:srgbClr val="FF0000"/>
+                </a:solidFill>
+                <a:latin typeface="DM Mono" panose="020B0509040201040103" pitchFamily="49" charset="0"/>
+              </a:rPr>
+              <a:t>User other = User("Bob", 100);</a:t>
+            </a:r>
+          </a:p>
+        </p:txBody>
+      </p:sp>
+      <p:sp>
+        <p:nvSpPr>
+          <p:cNvPr id="7" name="직사각형 6">
+            <a:extLst>
+              <a:ext uri="{FF2B5EF4-FFF2-40B4-BE49-F238E27FC236}">
+                <a16:creationId xmlns:a16="http://schemas.microsoft.com/office/drawing/2014/main" id="{47CACBA1-43EF-727E-5F54-DA993D4EB234}"/>
+              </a:ext>
+            </a:extLst>
+          </p:cNvPr>
+          <p:cNvSpPr/>
+          <p:nvPr/>
+        </p:nvSpPr>
+        <p:spPr>
+          <a:xfrm>
+            <a:off x="6612539" y="2951422"/>
+            <a:ext cx="839295" cy="369332"/>
+          </a:xfrm>
+          <a:prstGeom prst="rect">
+            <a:avLst/>
+          </a:prstGeom>
+          <a:solidFill>
+            <a:srgbClr val="FFFF00"/>
+          </a:solidFill>
+          <a:ln>
+            <a:solidFill>
+              <a:srgbClr val="FF0000"/>
+            </a:solidFill>
+          </a:ln>
+        </p:spPr>
+        <p:style>
+          <a:lnRef idx="2">
+            <a:schemeClr val="accent1">
+              <a:shade val="15000"/>
+            </a:schemeClr>
+          </a:lnRef>
+          <a:fillRef idx="1">
+            <a:schemeClr val="accent1"/>
+          </a:fillRef>
+          <a:effectRef idx="0">
+            <a:schemeClr val="accent1"/>
+          </a:effectRef>
+          <a:fontRef idx="minor">
+            <a:schemeClr val="lt1"/>
+          </a:fontRef>
+        </p:style>
+        <p:txBody>
+          <a:bodyPr rtlCol="0" anchor="ctr"/>
+          <a:lstStyle/>
+          <a:p>
+            <a:pPr algn="ctr"/>
+            <a:r>
+              <a:rPr kumimoji="1" lang="en-US" altLang="ko-Kore-KR" sz="1200" dirty="0" err="1">
+                <a:solidFill>
+                  <a:srgbClr val="FF0000"/>
+                </a:solidFill>
+                <a:latin typeface="DM Mono" panose="020B0509040201040103" pitchFamily="49" charset="0"/>
+              </a:rPr>
+              <a:t>nullptr</a:t>
+            </a:r>
+            <a:endParaRPr kumimoji="1" lang="ko-Kore-KR" altLang="en-US" sz="1200" dirty="0">
+              <a:solidFill>
+                <a:srgbClr val="FF0000"/>
+              </a:solidFill>
+              <a:latin typeface="DM Mono" panose="020B0509040201040103" pitchFamily="49" charset="0"/>
+            </a:endParaRPr>
+          </a:p>
+        </p:txBody>
+      </p:sp>
+      <p:sp>
+        <p:nvSpPr>
+          <p:cNvPr id="8" name="TextBox 7">
+            <a:extLst>
+              <a:ext uri="{FF2B5EF4-FFF2-40B4-BE49-F238E27FC236}">
+                <a16:creationId xmlns:a16="http://schemas.microsoft.com/office/drawing/2014/main" id="{A11E625C-C11B-C599-CA21-89C8EBA3DB27}"/>
+              </a:ext>
+            </a:extLst>
+          </p:cNvPr>
+          <p:cNvSpPr txBox="1"/>
+          <p:nvPr/>
+        </p:nvSpPr>
+        <p:spPr>
+          <a:xfrm>
+            <a:off x="5834774" y="3003343"/>
+            <a:ext cx="748862" cy="307777"/>
+          </a:xfrm>
+          <a:prstGeom prst="rect">
+            <a:avLst/>
+          </a:prstGeom>
+          <a:noFill/>
+        </p:spPr>
+        <p:txBody>
+          <a:bodyPr wrap="square">
+            <a:spAutoFit/>
+          </a:bodyPr>
+          <a:lstStyle/>
+          <a:p>
+            <a:pPr algn="r"/>
+            <a:r>
+              <a:rPr lang="en-US" altLang="ko-Kore-KR" sz="1400" dirty="0">
+                <a:latin typeface="DM Mono" panose="020B0509040201040103" pitchFamily="49" charset="0"/>
+              </a:rPr>
+              <a:t>name</a:t>
+            </a:r>
+            <a:endParaRPr lang="ko-Kore-KR" altLang="en-US" sz="1400" dirty="0"/>
+          </a:p>
+        </p:txBody>
+      </p:sp>
+      <p:sp>
+        <p:nvSpPr>
+          <p:cNvPr id="9" name="직사각형 8">
+            <a:extLst>
+              <a:ext uri="{FF2B5EF4-FFF2-40B4-BE49-F238E27FC236}">
+                <a16:creationId xmlns:a16="http://schemas.microsoft.com/office/drawing/2014/main" id="{C18D0A53-65DA-C68E-7D9C-086375407901}"/>
+              </a:ext>
+            </a:extLst>
+          </p:cNvPr>
+          <p:cNvSpPr/>
+          <p:nvPr/>
+        </p:nvSpPr>
+        <p:spPr>
+          <a:xfrm>
+            <a:off x="6612539" y="3320754"/>
+            <a:ext cx="839295" cy="369332"/>
+          </a:xfrm>
+          <a:prstGeom prst="rect">
+            <a:avLst/>
+          </a:prstGeom>
+          <a:solidFill>
+            <a:srgbClr val="FFFF00"/>
+          </a:solidFill>
+          <a:ln>
+            <a:solidFill>
+              <a:srgbClr val="FF0000"/>
+            </a:solidFill>
+          </a:ln>
+        </p:spPr>
+        <p:style>
+          <a:lnRef idx="2">
+            <a:schemeClr val="accent1">
+              <a:shade val="15000"/>
+            </a:schemeClr>
+          </a:lnRef>
+          <a:fillRef idx="1">
+            <a:schemeClr val="accent1"/>
+          </a:fillRef>
+          <a:effectRef idx="0">
+            <a:schemeClr val="accent1"/>
+          </a:effectRef>
+          <a:fontRef idx="minor">
+            <a:schemeClr val="lt1"/>
+          </a:fontRef>
+        </p:style>
+        <p:txBody>
+          <a:bodyPr rtlCol="0" anchor="ctr"/>
+          <a:lstStyle/>
+          <a:p>
+            <a:pPr algn="ctr"/>
+            <a:r>
+              <a:rPr kumimoji="1" lang="en-US" altLang="ko-Kore-KR" sz="1200" dirty="0">
+                <a:solidFill>
+                  <a:schemeClr val="tx1"/>
+                </a:solidFill>
+                <a:latin typeface="DM Mono" panose="020B0509040201040103" pitchFamily="49" charset="0"/>
+              </a:rPr>
+              <a:t>100</a:t>
+            </a:r>
+            <a:endParaRPr kumimoji="1" lang="ko-Kore-KR" altLang="en-US" sz="1200" dirty="0">
+              <a:solidFill>
+                <a:schemeClr val="tx1"/>
+              </a:solidFill>
+              <a:latin typeface="DM Mono" panose="020B0509040201040103" pitchFamily="49" charset="0"/>
+            </a:endParaRPr>
+          </a:p>
+        </p:txBody>
+      </p:sp>
+      <p:sp>
+        <p:nvSpPr>
+          <p:cNvPr id="10" name="TextBox 9">
+            <a:extLst>
+              <a:ext uri="{FF2B5EF4-FFF2-40B4-BE49-F238E27FC236}">
+                <a16:creationId xmlns:a16="http://schemas.microsoft.com/office/drawing/2014/main" id="{5F16195F-9503-C0CF-FD4E-C51FC09B1957}"/>
+              </a:ext>
+            </a:extLst>
+          </p:cNvPr>
+          <p:cNvSpPr txBox="1"/>
+          <p:nvPr/>
+        </p:nvSpPr>
+        <p:spPr>
+          <a:xfrm>
+            <a:off x="5834774" y="3351531"/>
+            <a:ext cx="748862" cy="307777"/>
+          </a:xfrm>
+          <a:prstGeom prst="rect">
+            <a:avLst/>
+          </a:prstGeom>
+          <a:noFill/>
+        </p:spPr>
+        <p:txBody>
+          <a:bodyPr wrap="square">
+            <a:spAutoFit/>
+          </a:bodyPr>
+          <a:lstStyle/>
+          <a:p>
+            <a:pPr algn="r"/>
+            <a:r>
+              <a:rPr lang="en-US" altLang="ko-Kore-KR" sz="1400" dirty="0">
+                <a:latin typeface="DM Mono" panose="020B0509040201040103" pitchFamily="49" charset="0"/>
+              </a:rPr>
+              <a:t>age</a:t>
+            </a:r>
+            <a:endParaRPr lang="ko-Kore-KR" altLang="en-US" sz="1400" dirty="0"/>
+          </a:p>
+        </p:txBody>
+      </p:sp>
+      <p:sp>
+        <p:nvSpPr>
+          <p:cNvPr id="11" name="TextBox 10">
+            <a:extLst>
+              <a:ext uri="{FF2B5EF4-FFF2-40B4-BE49-F238E27FC236}">
+                <a16:creationId xmlns:a16="http://schemas.microsoft.com/office/drawing/2014/main" id="{551865CC-B8A3-AF17-220D-B81E2A5E3154}"/>
+              </a:ext>
+            </a:extLst>
+          </p:cNvPr>
+          <p:cNvSpPr txBox="1"/>
+          <p:nvPr/>
+        </p:nvSpPr>
+        <p:spPr>
+          <a:xfrm>
+            <a:off x="6537379" y="2631169"/>
+            <a:ext cx="989614" cy="307777"/>
+          </a:xfrm>
+          <a:prstGeom prst="rect">
+            <a:avLst/>
+          </a:prstGeom>
+          <a:noFill/>
+        </p:spPr>
+        <p:txBody>
+          <a:bodyPr wrap="square">
+            <a:spAutoFit/>
+          </a:bodyPr>
+          <a:lstStyle/>
+          <a:p>
+            <a:pPr algn="ctr"/>
+            <a:r>
+              <a:rPr lang="ko-Kore-KR" altLang="en-US" sz="1400" dirty="0">
+                <a:latin typeface="DM Mono" panose="020B0509040201040103" pitchFamily="49" charset="0"/>
+              </a:rPr>
+              <a:t>임시객체</a:t>
+            </a:r>
+            <a:endParaRPr lang="ko-Kore-KR" altLang="en-US" sz="1400" dirty="0"/>
+          </a:p>
+        </p:txBody>
+      </p:sp>
+      <p:sp>
+        <p:nvSpPr>
+          <p:cNvPr id="12" name="직사각형 11">
+            <a:extLst>
+              <a:ext uri="{FF2B5EF4-FFF2-40B4-BE49-F238E27FC236}">
+                <a16:creationId xmlns:a16="http://schemas.microsoft.com/office/drawing/2014/main" id="{F330659D-F315-A179-6105-2C3D42843F0C}"/>
+              </a:ext>
+            </a:extLst>
+          </p:cNvPr>
+          <p:cNvSpPr/>
+          <p:nvPr/>
+        </p:nvSpPr>
+        <p:spPr>
+          <a:xfrm>
+            <a:off x="10254373" y="2735979"/>
+            <a:ext cx="1044247" cy="369332"/>
+          </a:xfrm>
+          <a:prstGeom prst="rect">
+            <a:avLst/>
+          </a:prstGeom>
+          <a:solidFill>
+            <a:srgbClr val="FFFF00"/>
+          </a:solidFill>
+        </p:spPr>
+        <p:style>
+          <a:lnRef idx="2">
+            <a:schemeClr val="accent1">
+              <a:shade val="15000"/>
+            </a:schemeClr>
+          </a:lnRef>
+          <a:fillRef idx="1">
+            <a:schemeClr val="accent1"/>
+          </a:fillRef>
+          <a:effectRef idx="0">
+            <a:schemeClr val="accent1"/>
+          </a:effectRef>
+          <a:fontRef idx="minor">
+            <a:schemeClr val="lt1"/>
+          </a:fontRef>
+        </p:style>
+        <p:txBody>
+          <a:bodyPr rtlCol="0" anchor="ctr"/>
+          <a:lstStyle/>
+          <a:p>
+            <a:pPr algn="ctr"/>
+            <a:r>
+              <a:rPr kumimoji="1" lang="en-US" altLang="ko-Kore-KR" sz="1200" dirty="0">
+                <a:solidFill>
+                  <a:schemeClr val="tx1"/>
+                </a:solidFill>
+                <a:latin typeface="DM Mono" panose="020B0509040201040103" pitchFamily="49" charset="0"/>
+              </a:rPr>
+              <a:t>“Bob”</a:t>
+            </a:r>
+            <a:endParaRPr kumimoji="1" lang="ko-Kore-KR" altLang="en-US" sz="1200" dirty="0">
+              <a:solidFill>
+                <a:schemeClr val="tx1"/>
+              </a:solidFill>
+              <a:latin typeface="DM Mono" panose="020B0509040201040103" pitchFamily="49" charset="0"/>
+            </a:endParaRPr>
+          </a:p>
+        </p:txBody>
+      </p:sp>
+      <p:sp>
+        <p:nvSpPr>
+          <p:cNvPr id="14" name="TextBox 13">
+            <a:extLst>
+              <a:ext uri="{FF2B5EF4-FFF2-40B4-BE49-F238E27FC236}">
+                <a16:creationId xmlns:a16="http://schemas.microsoft.com/office/drawing/2014/main" id="{78F4B262-6D68-5E61-1F8B-339751FF3620}"/>
+              </a:ext>
+            </a:extLst>
+          </p:cNvPr>
+          <p:cNvSpPr txBox="1"/>
+          <p:nvPr/>
+        </p:nvSpPr>
+        <p:spPr>
+          <a:xfrm>
+            <a:off x="9841295" y="2474369"/>
+            <a:ext cx="730031" cy="261610"/>
+          </a:xfrm>
+          <a:prstGeom prst="rect">
+            <a:avLst/>
+          </a:prstGeom>
+          <a:noFill/>
+        </p:spPr>
+        <p:txBody>
+          <a:bodyPr wrap="square">
+            <a:spAutoFit/>
+          </a:bodyPr>
+          <a:lstStyle/>
+          <a:p>
+            <a:pPr algn="ctr"/>
+            <a:r>
+              <a:rPr lang="en-US" altLang="ko-Kore-KR" sz="1050" dirty="0">
+                <a:latin typeface="DM Mono" panose="020B0509040201040103" pitchFamily="49" charset="0"/>
+              </a:rPr>
+              <a:t>1000</a:t>
+            </a:r>
+            <a:endParaRPr lang="ko-Kore-KR" altLang="en-US" sz="1050" dirty="0"/>
+          </a:p>
+        </p:txBody>
+      </p:sp>
+      <p:sp>
+        <p:nvSpPr>
+          <p:cNvPr id="5" name="직사각형 4">
+            <a:extLst>
+              <a:ext uri="{FF2B5EF4-FFF2-40B4-BE49-F238E27FC236}">
+                <a16:creationId xmlns:a16="http://schemas.microsoft.com/office/drawing/2014/main" id="{4EFCE6AD-85DE-7778-D5CA-07D5A475A18C}"/>
+              </a:ext>
+            </a:extLst>
+          </p:cNvPr>
+          <p:cNvSpPr/>
+          <p:nvPr/>
+        </p:nvSpPr>
+        <p:spPr>
+          <a:xfrm>
+            <a:off x="6612539" y="4554249"/>
+            <a:ext cx="839295" cy="369332"/>
+          </a:xfrm>
+          <a:prstGeom prst="rect">
+            <a:avLst/>
+          </a:prstGeom>
+          <a:solidFill>
+            <a:srgbClr val="FFFF00"/>
+          </a:solidFill>
+        </p:spPr>
+        <p:style>
+          <a:lnRef idx="2">
+            <a:schemeClr val="accent1">
+              <a:shade val="15000"/>
+            </a:schemeClr>
+          </a:lnRef>
+          <a:fillRef idx="1">
+            <a:schemeClr val="accent1"/>
+          </a:fillRef>
+          <a:effectRef idx="0">
+            <a:schemeClr val="accent1"/>
+          </a:effectRef>
+          <a:fontRef idx="minor">
+            <a:schemeClr val="lt1"/>
+          </a:fontRef>
+        </p:style>
+        <p:txBody>
+          <a:bodyPr rtlCol="0" anchor="ctr"/>
+          <a:lstStyle/>
+          <a:p>
+            <a:pPr algn="ctr"/>
+            <a:r>
+              <a:rPr kumimoji="1" lang="en-US" altLang="ko-Kore-KR" sz="1200" dirty="0">
+                <a:solidFill>
+                  <a:srgbClr val="FF0000"/>
+                </a:solidFill>
+                <a:latin typeface="DM Mono" panose="020B0509040201040103" pitchFamily="49" charset="0"/>
+              </a:rPr>
+              <a:t>1000</a:t>
+            </a:r>
+            <a:endParaRPr kumimoji="1" lang="ko-Kore-KR" altLang="en-US" sz="1200" dirty="0">
+              <a:solidFill>
+                <a:srgbClr val="FF0000"/>
+              </a:solidFill>
+              <a:latin typeface="DM Mono" panose="020B0509040201040103" pitchFamily="49" charset="0"/>
+            </a:endParaRPr>
+          </a:p>
+        </p:txBody>
+      </p:sp>
+      <p:sp>
+        <p:nvSpPr>
+          <p:cNvPr id="15" name="TextBox 14">
+            <a:extLst>
+              <a:ext uri="{FF2B5EF4-FFF2-40B4-BE49-F238E27FC236}">
+                <a16:creationId xmlns:a16="http://schemas.microsoft.com/office/drawing/2014/main" id="{19822E62-DC75-7A31-C30A-2BBE72150BCA}"/>
+              </a:ext>
+            </a:extLst>
+          </p:cNvPr>
+          <p:cNvSpPr txBox="1"/>
+          <p:nvPr/>
+        </p:nvSpPr>
+        <p:spPr>
+          <a:xfrm>
+            <a:off x="5834774" y="4606170"/>
+            <a:ext cx="748862" cy="307777"/>
+          </a:xfrm>
+          <a:prstGeom prst="rect">
+            <a:avLst/>
+          </a:prstGeom>
+          <a:noFill/>
+        </p:spPr>
+        <p:txBody>
+          <a:bodyPr wrap="square">
+            <a:spAutoFit/>
+          </a:bodyPr>
+          <a:lstStyle/>
+          <a:p>
+            <a:pPr algn="r"/>
+            <a:r>
+              <a:rPr lang="en-US" altLang="ko-Kore-KR" sz="1400" dirty="0">
+                <a:latin typeface="DM Mono" panose="020B0509040201040103" pitchFamily="49" charset="0"/>
+              </a:rPr>
+              <a:t>name</a:t>
+            </a:r>
+            <a:endParaRPr lang="ko-Kore-KR" altLang="en-US" sz="1400" dirty="0"/>
+          </a:p>
+        </p:txBody>
+      </p:sp>
+      <p:sp>
+        <p:nvSpPr>
+          <p:cNvPr id="16" name="직사각형 15">
+            <a:extLst>
+              <a:ext uri="{FF2B5EF4-FFF2-40B4-BE49-F238E27FC236}">
+                <a16:creationId xmlns:a16="http://schemas.microsoft.com/office/drawing/2014/main" id="{F6A5C9BC-30AD-3FFF-8894-3B6F95EAE136}"/>
+              </a:ext>
+            </a:extLst>
+          </p:cNvPr>
+          <p:cNvSpPr/>
+          <p:nvPr/>
+        </p:nvSpPr>
+        <p:spPr>
+          <a:xfrm>
+            <a:off x="6612539" y="4923581"/>
+            <a:ext cx="839295" cy="369332"/>
+          </a:xfrm>
+          <a:prstGeom prst="rect">
+            <a:avLst/>
+          </a:prstGeom>
+          <a:solidFill>
+            <a:srgbClr val="FFFF00"/>
+          </a:solidFill>
+        </p:spPr>
+        <p:style>
+          <a:lnRef idx="2">
+            <a:schemeClr val="accent1">
+              <a:shade val="15000"/>
+            </a:schemeClr>
+          </a:lnRef>
+          <a:fillRef idx="1">
+            <a:schemeClr val="accent1"/>
+          </a:fillRef>
+          <a:effectRef idx="0">
+            <a:schemeClr val="accent1"/>
+          </a:effectRef>
+          <a:fontRef idx="minor">
+            <a:schemeClr val="lt1"/>
+          </a:fontRef>
+        </p:style>
+        <p:txBody>
+          <a:bodyPr rtlCol="0" anchor="ctr"/>
+          <a:lstStyle/>
+          <a:p>
+            <a:pPr algn="ctr"/>
+            <a:r>
+              <a:rPr kumimoji="1" lang="en-US" altLang="ko-Kore-KR" sz="1200" dirty="0">
+                <a:solidFill>
+                  <a:srgbClr val="FF0000"/>
+                </a:solidFill>
+                <a:latin typeface="DM Mono" panose="020B0509040201040103" pitchFamily="49" charset="0"/>
+              </a:rPr>
+              <a:t>100</a:t>
+            </a:r>
+            <a:endParaRPr kumimoji="1" lang="ko-Kore-KR" altLang="en-US" sz="1200" dirty="0">
+              <a:solidFill>
+                <a:srgbClr val="FF0000"/>
+              </a:solidFill>
+              <a:latin typeface="DM Mono" panose="020B0509040201040103" pitchFamily="49" charset="0"/>
+            </a:endParaRPr>
+          </a:p>
+        </p:txBody>
+      </p:sp>
+      <p:sp>
+        <p:nvSpPr>
+          <p:cNvPr id="17" name="TextBox 16">
+            <a:extLst>
+              <a:ext uri="{FF2B5EF4-FFF2-40B4-BE49-F238E27FC236}">
+                <a16:creationId xmlns:a16="http://schemas.microsoft.com/office/drawing/2014/main" id="{842F833E-0850-488A-78F3-50D79E4D74FB}"/>
+              </a:ext>
+            </a:extLst>
+          </p:cNvPr>
+          <p:cNvSpPr txBox="1"/>
+          <p:nvPr/>
+        </p:nvSpPr>
+        <p:spPr>
+          <a:xfrm>
+            <a:off x="5834774" y="4954358"/>
+            <a:ext cx="748862" cy="307777"/>
+          </a:xfrm>
+          <a:prstGeom prst="rect">
+            <a:avLst/>
+          </a:prstGeom>
+          <a:noFill/>
+        </p:spPr>
+        <p:txBody>
+          <a:bodyPr wrap="square">
+            <a:spAutoFit/>
+          </a:bodyPr>
+          <a:lstStyle/>
+          <a:p>
+            <a:pPr algn="r"/>
+            <a:r>
+              <a:rPr lang="en-US" altLang="ko-Kore-KR" sz="1400" dirty="0">
+                <a:latin typeface="DM Mono" panose="020B0509040201040103" pitchFamily="49" charset="0"/>
+              </a:rPr>
+              <a:t>age</a:t>
+            </a:r>
+            <a:endParaRPr lang="ko-Kore-KR" altLang="en-US" sz="1400" dirty="0"/>
+          </a:p>
+        </p:txBody>
+      </p:sp>
+      <p:sp>
+        <p:nvSpPr>
+          <p:cNvPr id="18" name="TextBox 17">
+            <a:extLst>
+              <a:ext uri="{FF2B5EF4-FFF2-40B4-BE49-F238E27FC236}">
+                <a16:creationId xmlns:a16="http://schemas.microsoft.com/office/drawing/2014/main" id="{A4BFE183-A46E-0B5E-45E5-C169E17A5E8D}"/>
+              </a:ext>
+            </a:extLst>
+          </p:cNvPr>
+          <p:cNvSpPr txBox="1"/>
+          <p:nvPr/>
+        </p:nvSpPr>
+        <p:spPr>
+          <a:xfrm>
+            <a:off x="6537379" y="4233996"/>
+            <a:ext cx="989614" cy="307777"/>
+          </a:xfrm>
+          <a:prstGeom prst="rect">
+            <a:avLst/>
+          </a:prstGeom>
+          <a:noFill/>
+        </p:spPr>
+        <p:txBody>
+          <a:bodyPr wrap="square">
+            <a:spAutoFit/>
+          </a:bodyPr>
+          <a:lstStyle/>
+          <a:p>
+            <a:pPr algn="ctr"/>
+            <a:r>
+              <a:rPr lang="en-US" altLang="ko-Kore-KR" sz="1400" dirty="0">
+                <a:latin typeface="DM Mono" panose="020B0509040201040103" pitchFamily="49" charset="0"/>
+              </a:rPr>
+              <a:t>other</a:t>
+            </a:r>
+            <a:endParaRPr lang="ko-Kore-KR" altLang="en-US" sz="1400" dirty="0"/>
+          </a:p>
+        </p:txBody>
+      </p:sp>
+      <p:cxnSp>
+        <p:nvCxnSpPr>
+          <p:cNvPr id="19" name="구부러진 연결선[U] 18">
+            <a:extLst>
+              <a:ext uri="{FF2B5EF4-FFF2-40B4-BE49-F238E27FC236}">
+                <a16:creationId xmlns:a16="http://schemas.microsoft.com/office/drawing/2014/main" id="{75E7793B-1A6C-55A3-9A10-1559306A7C64}"/>
+              </a:ext>
+            </a:extLst>
+          </p:cNvPr>
+          <p:cNvCxnSpPr>
+            <a:cxnSpLocks/>
+            <a:stCxn id="5" idx="3"/>
+            <a:endCxn id="12" idx="1"/>
+          </p:cNvCxnSpPr>
+          <p:nvPr/>
+        </p:nvCxnSpPr>
+        <p:spPr>
+          <a:xfrm flipV="1">
+            <a:off x="7451834" y="2920645"/>
+            <a:ext cx="2802539" cy="1818270"/>
+          </a:xfrm>
+          <a:prstGeom prst="curvedConnector3">
+            <a:avLst/>
+          </a:prstGeom>
+          <a:ln>
+            <a:tailEnd type="triangle"/>
+          </a:ln>
+        </p:spPr>
+        <p:style>
+          <a:lnRef idx="1">
+            <a:schemeClr val="dk1"/>
+          </a:lnRef>
+          <a:fillRef idx="0">
+            <a:schemeClr val="dk1"/>
+          </a:fillRef>
+          <a:effectRef idx="0">
+            <a:schemeClr val="dk1"/>
+          </a:effectRef>
+          <a:fontRef idx="minor">
+            <a:schemeClr val="tx1"/>
+          </a:fontRef>
+        </p:style>
+      </p:cxnSp>
+    </p:spTree>
+    <p:extLst>
+      <p:ext uri="{BB962C8B-B14F-4D97-AF65-F5344CB8AC3E}">
+        <p14:creationId xmlns:p14="http://schemas.microsoft.com/office/powerpoint/2010/main" val="3651832629"/>
       </p:ext>
     </p:extLst>
   </p:cSld>
